--- a/CSharpStudy.Day20200627/Base Class Library.pptx
+++ b/CSharpStudy.Day20200627/Base Class Library.pptx
@@ -5,13 +5,16 @@
     <p:sldMasterId id="2147483648" r:id="rId4"/>
   </p:sldMasterIdLst>
   <p:notesMasterIdLst>
-    <p:notesMasterId r:id="rId9"/>
+    <p:notesMasterId r:id="rId12"/>
   </p:notesMasterIdLst>
   <p:sldIdLst>
     <p:sldId id="272" r:id="rId5"/>
     <p:sldId id="273" r:id="rId6"/>
     <p:sldId id="274" r:id="rId7"/>
     <p:sldId id="275" r:id="rId8"/>
+    <p:sldId id="276" r:id="rId9"/>
+    <p:sldId id="277" r:id="rId10"/>
+    <p:sldId id="278" r:id="rId11"/>
   </p:sldIdLst>
   <p:sldSz cx="9906000" cy="6858000" type="A4"/>
   <p:notesSz cx="6797675" cy="9926638"/>
@@ -11875,7 +11878,7 @@
         <p:spPr>
           <a:xfrm>
             <a:off x="416496" y="1205644"/>
-            <a:ext cx="9073008" cy="1989712"/>
+            <a:ext cx="9073008" cy="3282373"/>
           </a:xfrm>
           <a:prstGeom prst="rect">
             <a:avLst/>
@@ -11951,15 +11954,13 @@
             <a:endParaRPr lang="en-US" altLang="ko-KR" sz="1400" b="1" dirty="0"/>
           </a:p>
           <a:p>
-            <a:pPr>
+            <a:pPr marL="285750" indent="-285750">
               <a:lnSpc>
                 <a:spcPct val="150000"/>
               </a:lnSpc>
+              <a:buFontTx/>
+              <a:buChar char="-"/>
             </a:pPr>
-            <a:r>
-              <a:rPr lang="en-US" altLang="ko-KR" sz="1400" b="1" dirty="0"/>
-              <a:t>- </a:t>
-            </a:r>
             <a:r>
               <a:rPr lang="ko-KR" altLang="en-US" sz="1400" b="1" dirty="0"/>
               <a:t>정밀도가 높은 시간 값이 필요 할 경우 </a:t>
@@ -11975,11 +11976,178 @@
             <a:endParaRPr lang="en-US" altLang="ko-KR" sz="1400" b="1" dirty="0"/>
           </a:p>
           <a:p>
-            <a:pPr>
+            <a:pPr marL="285750" indent="-285750">
               <a:lnSpc>
                 <a:spcPct val="150000"/>
               </a:lnSpc>
+              <a:buFontTx/>
+              <a:buChar char="-"/>
             </a:pPr>
+            <a:r>
+              <a:rPr lang="ko-KR" altLang="en-US" sz="1400" b="1" dirty="0"/>
+              <a:t>시</a:t>
+            </a:r>
+            <a:r>
+              <a:rPr lang="en-US" altLang="ko-KR" sz="1400" b="1" dirty="0"/>
+              <a:t>, </a:t>
+            </a:r>
+            <a:r>
+              <a:rPr lang="ko-KR" altLang="en-US" sz="1400" b="1" dirty="0"/>
+              <a:t>분</a:t>
+            </a:r>
+            <a:r>
+              <a:rPr lang="en-US" altLang="ko-KR" sz="1400" b="1" dirty="0"/>
+              <a:t>, </a:t>
+            </a:r>
+            <a:r>
+              <a:rPr lang="ko-KR" altLang="en-US" sz="1400" b="1" dirty="0"/>
+              <a:t>초</a:t>
+            </a:r>
+            <a:r>
+              <a:rPr lang="en-US" altLang="ko-KR" sz="1400" b="1" dirty="0"/>
+              <a:t>, </a:t>
+            </a:r>
+            <a:r>
+              <a:rPr lang="ko-KR" altLang="en-US" sz="1400" b="1" dirty="0"/>
+              <a:t>밀리 초 등 다양한 프로퍼티</a:t>
+            </a:r>
+            <a:r>
+              <a:rPr lang="en-US" altLang="ko-KR" sz="1400" b="1" dirty="0"/>
+              <a:t> </a:t>
+            </a:r>
+            <a:r>
+              <a:rPr lang="ko-KR" altLang="en-US" sz="1400" b="1" dirty="0"/>
+              <a:t>및 메서드</a:t>
+            </a:r>
+            <a:r>
+              <a:rPr lang="en-US" altLang="ko-KR" sz="1400" b="1" dirty="0"/>
+              <a:t>(Add, Subtract)</a:t>
+            </a:r>
+          </a:p>
+          <a:p>
+            <a:pPr marL="285750" indent="-285750">
+              <a:lnSpc>
+                <a:spcPct val="150000"/>
+              </a:lnSpc>
+              <a:buFontTx/>
+              <a:buChar char="-"/>
+            </a:pPr>
+            <a:r>
+              <a:rPr lang="ko-KR" altLang="en-US" sz="1400" b="1" dirty="0"/>
+              <a:t>인스턴스를 생성자를 통해 만들 때는 반드시 그 시간이 </a:t>
+            </a:r>
+            <a:r>
+              <a:rPr lang="en-US" altLang="ko-KR" sz="1400" b="1" dirty="0"/>
+              <a:t>UTC </a:t>
+            </a:r>
+            <a:r>
+              <a:rPr lang="ko-KR" altLang="en-US" sz="1400" b="1" dirty="0"/>
+              <a:t>기준인지</a:t>
+            </a:r>
+            <a:r>
+              <a:rPr lang="en-US" altLang="ko-KR" sz="1400" b="1" dirty="0"/>
+              <a:t>, </a:t>
+            </a:r>
+            <a:r>
+              <a:rPr lang="ko-KR" altLang="en-US" sz="1400" b="1" dirty="0"/>
+              <a:t>지역 시간 기준인지를 명시</a:t>
+            </a:r>
+            <a:endParaRPr lang="en-US" altLang="ko-KR" sz="1400" b="1" dirty="0"/>
+          </a:p>
+          <a:p>
+            <a:pPr marL="285750" indent="-285750">
+              <a:lnSpc>
+                <a:spcPct val="150000"/>
+              </a:lnSpc>
+              <a:buFontTx/>
+              <a:buChar char="-"/>
+            </a:pPr>
+            <a:endParaRPr lang="en-US" altLang="ko-KR" sz="1400" b="1" dirty="0"/>
+          </a:p>
+          <a:p>
+            <a:pPr marL="285750" indent="-285750">
+              <a:lnSpc>
+                <a:spcPct val="150000"/>
+              </a:lnSpc>
+              <a:buFontTx/>
+              <a:buChar char="-"/>
+            </a:pPr>
+            <a:r>
+              <a:rPr lang="ko-KR" altLang="en-US" sz="1400" b="1" dirty="0"/>
+              <a:t>닷넷의 </a:t>
+            </a:r>
+            <a:r>
+              <a:rPr lang="en-US" altLang="ko-KR" sz="1400" b="1" dirty="0" err="1"/>
+              <a:t>DateTime</a:t>
+            </a:r>
+            <a:r>
+              <a:rPr lang="ko-KR" altLang="en-US" sz="1400" b="1" dirty="0"/>
+              <a:t>은 시간의 </a:t>
+            </a:r>
+            <a:r>
+              <a:rPr lang="ko-KR" altLang="en-US" sz="1400" b="1" dirty="0" err="1"/>
+              <a:t>기준값이</a:t>
+            </a:r>
+            <a:r>
+              <a:rPr lang="ko-KR" altLang="en-US" sz="1400" b="1" dirty="0"/>
+              <a:t> </a:t>
+            </a:r>
+            <a:r>
+              <a:rPr lang="en-US" altLang="ko-KR" sz="1400" b="1" dirty="0"/>
+              <a:t>1</a:t>
+            </a:r>
+            <a:r>
+              <a:rPr lang="ko-KR" altLang="en-US" sz="1400" b="1" dirty="0"/>
+              <a:t>년 </a:t>
+            </a:r>
+            <a:r>
+              <a:rPr lang="en-US" altLang="ko-KR" sz="1400" b="1" dirty="0"/>
+              <a:t>1</a:t>
+            </a:r>
+            <a:r>
+              <a:rPr lang="ko-KR" altLang="en-US" sz="1400" b="1" dirty="0"/>
+              <a:t>월 </a:t>
+            </a:r>
+            <a:r>
+              <a:rPr lang="en-US" altLang="ko-KR" sz="1400" b="1" dirty="0"/>
+              <a:t>1</a:t>
+            </a:r>
+            <a:r>
+              <a:rPr lang="ko-KR" altLang="en-US" sz="1400" b="1" dirty="0"/>
+              <a:t>일이지만</a:t>
+            </a:r>
+            <a:r>
+              <a:rPr lang="en-US" altLang="ko-KR" sz="1400" b="1" dirty="0"/>
+              <a:t>, </a:t>
+            </a:r>
+            <a:r>
+              <a:rPr lang="ko-KR" altLang="en-US" sz="1400" b="1" dirty="0"/>
+              <a:t>유닉스 및 자바 관련 플랫폼은 </a:t>
+            </a:r>
+            <a:r>
+              <a:rPr lang="en-US" altLang="ko-KR" sz="1400" b="1" dirty="0"/>
+              <a:t>1970</a:t>
+            </a:r>
+            <a:r>
+              <a:rPr lang="ko-KR" altLang="en-US" sz="1400" b="1" dirty="0"/>
+              <a:t>년 </a:t>
+            </a:r>
+            <a:r>
+              <a:rPr lang="en-US" altLang="ko-KR" sz="1400" b="1" dirty="0"/>
+              <a:t>1</a:t>
+            </a:r>
+            <a:r>
+              <a:rPr lang="ko-KR" altLang="en-US" sz="1400" b="1" dirty="0"/>
+              <a:t>월 </a:t>
+            </a:r>
+            <a:r>
+              <a:rPr lang="en-US" altLang="ko-KR" sz="1400" b="1" dirty="0"/>
+              <a:t>1</a:t>
+            </a:r>
+            <a:r>
+              <a:rPr lang="ko-KR" altLang="en-US" sz="1400" b="1" dirty="0"/>
+              <a:t>일 기준</a:t>
+            </a:r>
             <a:endParaRPr lang="en-US" altLang="ko-KR" sz="1400" b="1" dirty="0"/>
           </a:p>
         </p:txBody>
@@ -12149,7 +12317,229 @@
                 <a:spcPct val="150000"/>
               </a:lnSpc>
             </a:pPr>
-            <a:endParaRPr lang="en-US" altLang="ko-KR" sz="1400" b="1" dirty="0"/>
+            <a:r>
+              <a:rPr lang="ko-KR" altLang="en-US" sz="1400" b="1" dirty="0"/>
+              <a:t>협정 </a:t>
+            </a:r>
+            <a:r>
+              <a:rPr lang="ko-KR" altLang="en-US" sz="1400" b="1" dirty="0" err="1"/>
+              <a:t>세계시</a:t>
+            </a:r>
+            <a:r>
+              <a:rPr lang="en-US" altLang="ko-KR" sz="1400" b="1" dirty="0"/>
+              <a:t>(UTC : Universal Time, Coordinated)</a:t>
+            </a:r>
+          </a:p>
+          <a:p>
+            <a:pPr>
+              <a:lnSpc>
+                <a:spcPct val="150000"/>
+              </a:lnSpc>
+            </a:pPr>
+            <a:r>
+              <a:rPr lang="en-US" altLang="ko-KR" sz="1400" b="1" dirty="0"/>
+              <a:t> </a:t>
+            </a:r>
+            <a:r>
+              <a:rPr lang="ko-KR" altLang="en-US" sz="1400" b="1" dirty="0"/>
+              <a:t>예전의 그리니치 평균시</a:t>
+            </a:r>
+            <a:r>
+              <a:rPr lang="en-US" altLang="ko-KR" sz="1400" b="1" dirty="0"/>
+              <a:t>(GMT : Greenwich Mean Time)</a:t>
+            </a:r>
+            <a:r>
+              <a:rPr lang="ko-KR" altLang="en-US" sz="1400" b="1" dirty="0"/>
+              <a:t>를 제치고 근래에 새롭게 </a:t>
+            </a:r>
+            <a:r>
+              <a:rPr lang="en-US" altLang="ko-KR" sz="1400" b="1" dirty="0"/>
+              <a:t>‘</a:t>
+            </a:r>
+            <a:r>
+              <a:rPr lang="ko-KR" altLang="en-US" sz="1400" b="1" dirty="0"/>
+              <a:t>세계 표준시</a:t>
+            </a:r>
+            <a:r>
+              <a:rPr lang="en-US" altLang="ko-KR" sz="1400" b="1" dirty="0"/>
+              <a:t>’ </a:t>
+            </a:r>
+            <a:r>
+              <a:rPr lang="ko-KR" altLang="en-US" sz="1400" b="1" dirty="0"/>
+              <a:t>로 인정받고 있다</a:t>
+            </a:r>
+            <a:r>
+              <a:rPr lang="en-US" altLang="ko-KR" sz="1400" b="1" dirty="0"/>
+              <a:t>. </a:t>
+            </a:r>
+            <a:r>
+              <a:rPr lang="ko-KR" altLang="en-US" sz="1400" b="1" dirty="0"/>
+              <a:t>하지만 </a:t>
+            </a:r>
+            <a:r>
+              <a:rPr lang="en-US" altLang="ko-KR" sz="1400" b="1" dirty="0"/>
+              <a:t>GMT</a:t>
+            </a:r>
+            <a:r>
+              <a:rPr lang="ko-KR" altLang="en-US" sz="1400" b="1" dirty="0"/>
+              <a:t>와 </a:t>
+            </a:r>
+            <a:r>
+              <a:rPr lang="en-US" altLang="ko-KR" sz="1400" b="1" dirty="0"/>
+              <a:t>UTC</a:t>
+            </a:r>
+            <a:r>
+              <a:rPr lang="ko-KR" altLang="en-US" sz="1400" b="1" dirty="0"/>
+              <a:t>의 시간차가 초의 소수점 아래에 있기 대문에 일반인 입장에서는 크게 영향이 없다</a:t>
+            </a:r>
+            <a:r>
+              <a:rPr lang="en-US" altLang="ko-KR" sz="1400" b="1" dirty="0"/>
+              <a:t>. </a:t>
+            </a:r>
+            <a:r>
+              <a:rPr lang="ko-KR" altLang="en-US" sz="1400" b="1" dirty="0"/>
+              <a:t>지구의 자전으로 인해 시간차가 발생하는 지역은 </a:t>
+            </a:r>
+            <a:r>
+              <a:rPr lang="en-US" altLang="ko-KR" sz="1400" b="1" dirty="0"/>
+              <a:t>“</a:t>
+            </a:r>
+            <a:r>
+              <a:rPr lang="ko-KR" altLang="en-US" sz="1400" b="1" dirty="0"/>
+              <a:t>시간대</a:t>
+            </a:r>
+            <a:r>
+              <a:rPr lang="en-US" altLang="ko-KR" sz="1400" b="1" dirty="0"/>
+              <a:t>(Time Zone)”</a:t>
+            </a:r>
+            <a:r>
+              <a:rPr lang="ko-KR" altLang="en-US" sz="1400" b="1" dirty="0"/>
+              <a:t>를 두어 상대적인 차이를 조정한다</a:t>
+            </a:r>
+            <a:r>
+              <a:rPr lang="en-US" altLang="ko-KR" sz="1400" b="1" dirty="0"/>
+              <a:t>. </a:t>
+            </a:r>
+            <a:r>
+              <a:rPr lang="ko-KR" altLang="en-US" sz="1400" b="1" dirty="0"/>
+              <a:t>따라서</a:t>
+            </a:r>
+            <a:r>
+              <a:rPr lang="en-US" altLang="ko-KR" sz="1400" b="1" dirty="0"/>
+              <a:t> </a:t>
+            </a:r>
+            <a:r>
+              <a:rPr lang="ko-KR" altLang="en-US" sz="1400" b="1" dirty="0"/>
+              <a:t>영국의 그리니치 천문대가 위치한 경도 </a:t>
+            </a:r>
+            <a:r>
+              <a:rPr lang="en-US" altLang="ko-KR" sz="1400" b="1" dirty="0"/>
+              <a:t>0</a:t>
+            </a:r>
+            <a:r>
+              <a:rPr lang="ko-KR" altLang="en-US" sz="1400" b="1" dirty="0"/>
+              <a:t>도를 </a:t>
+            </a:r>
+            <a:r>
+              <a:rPr lang="en-US" altLang="ko-KR" sz="1400" b="1" dirty="0"/>
+              <a:t>0</a:t>
+            </a:r>
+            <a:r>
+              <a:rPr lang="ko-KR" altLang="en-US" sz="1400" b="1" dirty="0"/>
+              <a:t>시로 정하고 동쪽으로 날짜 분기선</a:t>
+            </a:r>
+            <a:r>
+              <a:rPr lang="en-US" altLang="ko-KR" sz="1400" b="1" dirty="0"/>
+              <a:t>(International Date Line)</a:t>
+            </a:r>
+            <a:r>
+              <a:rPr lang="ko-KR" altLang="en-US" sz="1400" b="1" dirty="0"/>
+              <a:t>까지 시간대가 증가하고</a:t>
+            </a:r>
+            <a:r>
+              <a:rPr lang="en-US" altLang="ko-KR" sz="1400" b="1" dirty="0"/>
+              <a:t>, </a:t>
+            </a:r>
+            <a:r>
+              <a:rPr lang="ko-KR" altLang="en-US" sz="1400" b="1" dirty="0"/>
+              <a:t>서쪽으로는 날짜 분기선까지 시간대가 감소한다</a:t>
+            </a:r>
+            <a:r>
+              <a:rPr lang="en-US" altLang="ko-KR" sz="1400" b="1" dirty="0"/>
+              <a:t>. </a:t>
+            </a:r>
+            <a:r>
+              <a:rPr lang="ko-KR" altLang="en-US" sz="1400" b="1" dirty="0"/>
+              <a:t>영국의 동쪽에 위치하고 날짜 분기선 이전에 있는 대한민국은 시간대가 </a:t>
+            </a:r>
+            <a:r>
+              <a:rPr lang="en-US" altLang="ko-KR" sz="1400" b="1" dirty="0"/>
+              <a:t>UTC +9</a:t>
+            </a:r>
+            <a:r>
+              <a:rPr lang="ko-KR" altLang="en-US" sz="1400" b="1" dirty="0"/>
+              <a:t>에 해당한다</a:t>
+            </a:r>
+            <a:r>
+              <a:rPr lang="en-US" altLang="ko-KR" sz="1400" b="1" dirty="0"/>
+              <a:t>. </a:t>
+            </a:r>
+            <a:r>
+              <a:rPr lang="ko-KR" altLang="en-US" sz="1400" b="1" dirty="0"/>
+              <a:t>즉 </a:t>
+            </a:r>
+            <a:r>
+              <a:rPr lang="en-US" altLang="ko-KR" sz="1400" b="1" dirty="0"/>
+              <a:t>0</a:t>
+            </a:r>
+            <a:r>
+              <a:rPr lang="ko-KR" altLang="en-US" sz="1400" b="1" dirty="0"/>
+              <a:t>시일 때 대한민국은 </a:t>
+            </a:r>
+            <a:r>
+              <a:rPr lang="en-US" altLang="ko-KR" sz="1400" b="1" dirty="0"/>
+              <a:t>9</a:t>
+            </a:r>
+            <a:r>
+              <a:rPr lang="ko-KR" altLang="en-US" sz="1400" b="1" dirty="0"/>
+              <a:t>시를 가리키고 있는 것이다</a:t>
+            </a:r>
+            <a:r>
+              <a:rPr lang="en-US" altLang="ko-KR" sz="1400" b="1" dirty="0"/>
+              <a:t>. </a:t>
+            </a:r>
+            <a:r>
+              <a:rPr lang="ko-KR" altLang="en-US" sz="1400" b="1" dirty="0"/>
+              <a:t>이때문에 </a:t>
+            </a:r>
+            <a:r>
+              <a:rPr lang="en-US" altLang="ko-KR" sz="1400" b="1" dirty="0"/>
+              <a:t>UTC +9</a:t>
+            </a:r>
+            <a:r>
+              <a:rPr lang="ko-KR" altLang="en-US" sz="1400" b="1" dirty="0"/>
+              <a:t>를 </a:t>
+            </a:r>
+            <a:r>
+              <a:rPr lang="ko-KR" altLang="en-US" sz="1400" b="1" dirty="0" err="1"/>
+              <a:t>한굑</a:t>
+            </a:r>
+            <a:r>
+              <a:rPr lang="ko-KR" altLang="en-US" sz="1400" b="1" dirty="0"/>
+              <a:t> 표준시</a:t>
+            </a:r>
+            <a:r>
+              <a:rPr lang="en-US" altLang="ko-KR" sz="1400" b="1" dirty="0"/>
+              <a:t>(KST : Korea Standard Time)</a:t>
+            </a:r>
+            <a:r>
+              <a:rPr lang="ko-KR" altLang="en-US" sz="1400" b="1" dirty="0"/>
+              <a:t>라고도 한다</a:t>
+            </a:r>
+            <a:r>
+              <a:rPr lang="en-US" altLang="ko-KR" sz="1400" b="1" dirty="0"/>
+              <a:t>.</a:t>
+            </a:r>
           </a:p>
           <a:p>
             <a:pPr>
@@ -12207,6 +12597,377 @@
             </a:pPr>
             <a:endParaRPr lang="en-US" altLang="ko-KR" sz="1400" b="1" dirty="0"/>
           </a:p>
+        </p:txBody>
+      </p:sp>
+      <p:graphicFrame>
+        <p:nvGraphicFramePr>
+          <p:cNvPr id="7" name="표 7">
+            <a:extLst>
+              <a:ext uri="{FF2B5EF4-FFF2-40B4-BE49-F238E27FC236}">
+                <a16:creationId xmlns:a16="http://schemas.microsoft.com/office/drawing/2014/main" id="{02BED6C6-E7C9-430C-BCD6-47CAE7A79A2C}"/>
+              </a:ext>
+            </a:extLst>
+          </p:cNvPr>
+          <p:cNvGraphicFramePr>
+            <a:graphicFrameLocks noGrp="1"/>
+          </p:cNvGraphicFramePr>
+          <p:nvPr>
+            <p:extLst>
+              <p:ext uri="{D42A27DB-BD31-4B8C-83A1-F6EECF244321}">
+                <p14:modId xmlns:p14="http://schemas.microsoft.com/office/powerpoint/2010/main" val="2050776985"/>
+              </p:ext>
+            </p:extLst>
+          </p:nvPr>
+        </p:nvGraphicFramePr>
+        <p:xfrm>
+          <a:off x="704528" y="4050846"/>
+          <a:ext cx="6604000" cy="1569720"/>
+        </p:xfrm>
+        <a:graphic>
+          <a:graphicData uri="http://schemas.openxmlformats.org/drawingml/2006/table">
+            <a:tbl>
+              <a:tblPr firstRow="1" bandRow="1">
+                <a:tableStyleId>{5A111915-BE36-4E01-A7E5-04B1672EAD32}</a:tableStyleId>
+              </a:tblPr>
+              <a:tblGrid>
+                <a:gridCol w="3302000">
+                  <a:extLst>
+                    <a:ext uri="{9D8B030D-6E8A-4147-A177-3AD203B41FA5}">
+                      <a16:colId xmlns:a16="http://schemas.microsoft.com/office/drawing/2014/main" val="287943506"/>
+                    </a:ext>
+                  </a:extLst>
+                </a:gridCol>
+                <a:gridCol w="3302000">
+                  <a:extLst>
+                    <a:ext uri="{9D8B030D-6E8A-4147-A177-3AD203B41FA5}">
+                      <a16:colId xmlns:a16="http://schemas.microsoft.com/office/drawing/2014/main" val="2734462426"/>
+                    </a:ext>
+                  </a:extLst>
+                </a:gridCol>
+              </a:tblGrid>
+              <a:tr h="370840">
+                <a:tc>
+                  <a:txBody>
+                    <a:bodyPr/>
+                    <a:lstStyle/>
+                    <a:p>
+                      <a:pPr latinLnBrk="1"/>
+                      <a:r>
+                        <a:rPr lang="ko-KR" altLang="en-US" sz="1200" b="1" dirty="0"/>
+                        <a:t>열거형 값</a:t>
+                      </a:r>
+                    </a:p>
+                  </a:txBody>
+                  <a:tcPr/>
+                </a:tc>
+                <a:tc>
+                  <a:txBody>
+                    <a:bodyPr/>
+                    <a:lstStyle/>
+                    <a:p>
+                      <a:pPr latinLnBrk="1"/>
+                      <a:r>
+                        <a:rPr lang="ko-KR" altLang="en-US" sz="1200" b="1" dirty="0"/>
+                        <a:t>설명</a:t>
+                      </a:r>
+                    </a:p>
+                  </a:txBody>
+                  <a:tcPr/>
+                </a:tc>
+                <a:extLst>
+                  <a:ext uri="{0D108BD9-81ED-4DB2-BD59-A6C34878D82A}">
+                    <a16:rowId xmlns:a16="http://schemas.microsoft.com/office/drawing/2014/main" val="1895008315"/>
+                  </a:ext>
+                </a:extLst>
+              </a:tr>
+              <a:tr h="370840">
+                <a:tc>
+                  <a:txBody>
+                    <a:bodyPr/>
+                    <a:lstStyle/>
+                    <a:p>
+                      <a:pPr latinLnBrk="1"/>
+                      <a:r>
+                        <a:rPr lang="en-US" altLang="ko-KR" sz="1200" b="1" dirty="0"/>
+                        <a:t>Unspecified</a:t>
+                      </a:r>
+                      <a:endParaRPr lang="ko-KR" altLang="en-US" sz="1200" b="1" dirty="0"/>
+                    </a:p>
+                  </a:txBody>
+                  <a:tcPr/>
+                </a:tc>
+                <a:tc>
+                  <a:txBody>
+                    <a:bodyPr/>
+                    <a:lstStyle/>
+                    <a:p>
+                      <a:pPr latinLnBrk="1"/>
+                      <a:r>
+                        <a:rPr lang="ko-KR" altLang="en-US" sz="1200" b="1" dirty="0"/>
+                        <a:t>어떤 형식인지 지정되지 않은 시간</a:t>
+                      </a:r>
+                      <a:endParaRPr lang="en-US" altLang="ko-KR" sz="1200" b="1" dirty="0"/>
+                    </a:p>
+                    <a:p>
+                      <a:pPr latinLnBrk="1"/>
+                      <a:r>
+                        <a:rPr lang="en-US" altLang="ko-KR" sz="1200" b="1" dirty="0"/>
+                        <a:t>(</a:t>
+                      </a:r>
+                      <a:r>
+                        <a:rPr lang="ko-KR" altLang="en-US" sz="1200" b="1" dirty="0"/>
+                        <a:t>지구의 경도마다 제각기 해석될 여지가 있음</a:t>
+                      </a:r>
+                      <a:r>
+                        <a:rPr lang="en-US" altLang="ko-KR" sz="1200" b="1" dirty="0"/>
+                        <a:t>)</a:t>
+                      </a:r>
+                      <a:endParaRPr lang="ko-KR" altLang="en-US" sz="1200" b="1" dirty="0"/>
+                    </a:p>
+                  </a:txBody>
+                  <a:tcPr/>
+                </a:tc>
+                <a:extLst>
+                  <a:ext uri="{0D108BD9-81ED-4DB2-BD59-A6C34878D82A}">
+                    <a16:rowId xmlns:a16="http://schemas.microsoft.com/office/drawing/2014/main" val="3388385596"/>
+                  </a:ext>
+                </a:extLst>
+              </a:tr>
+              <a:tr h="370840">
+                <a:tc>
+                  <a:txBody>
+                    <a:bodyPr/>
+                    <a:lstStyle/>
+                    <a:p>
+                      <a:pPr latinLnBrk="1"/>
+                      <a:r>
+                        <a:rPr lang="en-US" altLang="ko-KR" sz="1200" b="1" dirty="0" err="1"/>
+                        <a:t>Utc</a:t>
+                      </a:r>
+                      <a:endParaRPr lang="ko-KR" altLang="en-US" sz="1200" b="1" dirty="0"/>
+                    </a:p>
+                  </a:txBody>
+                  <a:tcPr/>
+                </a:tc>
+                <a:tc>
+                  <a:txBody>
+                    <a:bodyPr/>
+                    <a:lstStyle/>
+                    <a:p>
+                      <a:pPr latinLnBrk="1"/>
+                      <a:r>
+                        <a:rPr lang="ko-KR" altLang="en-US" sz="1200" b="1" dirty="0"/>
+                        <a:t>동시간의 그리니치 천문대 시간</a:t>
+                      </a:r>
+                    </a:p>
+                  </a:txBody>
+                  <a:tcPr/>
+                </a:tc>
+                <a:extLst>
+                  <a:ext uri="{0D108BD9-81ED-4DB2-BD59-A6C34878D82A}">
+                    <a16:rowId xmlns:a16="http://schemas.microsoft.com/office/drawing/2014/main" val="2228352397"/>
+                  </a:ext>
+                </a:extLst>
+              </a:tr>
+              <a:tr h="370840">
+                <a:tc>
+                  <a:txBody>
+                    <a:bodyPr/>
+                    <a:lstStyle/>
+                    <a:p>
+                      <a:pPr latinLnBrk="1"/>
+                      <a:r>
+                        <a:rPr lang="en-US" altLang="ko-KR" sz="1200" b="1" dirty="0"/>
+                        <a:t>Local</a:t>
+                      </a:r>
+                      <a:endParaRPr lang="ko-KR" altLang="en-US" sz="1200" b="1" dirty="0"/>
+                    </a:p>
+                  </a:txBody>
+                  <a:tcPr/>
+                </a:tc>
+                <a:tc>
+                  <a:txBody>
+                    <a:bodyPr/>
+                    <a:lstStyle/>
+                    <a:p>
+                      <a:pPr latinLnBrk="1"/>
+                      <a:r>
+                        <a:rPr lang="ko-KR" altLang="en-US" sz="1200" b="1" dirty="0"/>
+                        <a:t>시간대를 반영한 지역시간</a:t>
+                      </a:r>
+                    </a:p>
+                  </a:txBody>
+                  <a:tcPr/>
+                </a:tc>
+                <a:extLst>
+                  <a:ext uri="{0D108BD9-81ED-4DB2-BD59-A6C34878D82A}">
+                    <a16:rowId xmlns:a16="http://schemas.microsoft.com/office/drawing/2014/main" val="2821111810"/>
+                  </a:ext>
+                </a:extLst>
+              </a:tr>
+            </a:tbl>
+          </a:graphicData>
+        </a:graphic>
+      </p:graphicFrame>
+    </p:spTree>
+    <p:extLst>
+      <p:ext uri="{BB962C8B-B14F-4D97-AF65-F5344CB8AC3E}">
+        <p14:creationId xmlns:p14="http://schemas.microsoft.com/office/powerpoint/2010/main" val="4137687236"/>
+      </p:ext>
+    </p:extLst>
+  </p:cSld>
+  <p:clrMapOvr>
+    <a:masterClrMapping/>
+  </p:clrMapOvr>
+</p:sld>
+</file>
+
+<file path=ppt/slides/slide5.xml><?xml version="1.0" encoding="utf-8"?>
+<p:sld xmlns:a="http://schemas.openxmlformats.org/drawingml/2006/main" xmlns:r="http://schemas.openxmlformats.org/officeDocument/2006/relationships" xmlns:p="http://schemas.openxmlformats.org/presentationml/2006/main">
+  <p:cSld>
+    <p:spTree>
+      <p:nvGrpSpPr>
+        <p:cNvPr id="1" name=""/>
+        <p:cNvGrpSpPr/>
+        <p:nvPr/>
+      </p:nvGrpSpPr>
+      <p:grpSpPr>
+        <a:xfrm>
+          <a:off x="0" y="0"/>
+          <a:ext cx="0" cy="0"/>
+          <a:chOff x="0" y="0"/>
+          <a:chExt cx="0" cy="0"/>
+        </a:xfrm>
+      </p:grpSpPr>
+      <p:sp>
+        <p:nvSpPr>
+          <p:cNvPr id="2" name="제목 1"/>
+          <p:cNvSpPr>
+            <a:spLocks noGrp="1"/>
+          </p:cNvSpPr>
+          <p:nvPr>
+            <p:ph type="title"/>
+          </p:nvPr>
+        </p:nvSpPr>
+        <p:spPr/>
+        <p:txBody>
+          <a:bodyPr/>
+          <a:lstStyle/>
+          <a:p>
+            <a:r>
+              <a:rPr lang="en-US" altLang="ko-KR" dirty="0"/>
+              <a:t>Base</a:t>
+            </a:r>
+            <a:r>
+              <a:rPr lang="ko-KR" altLang="en-US" dirty="0"/>
+              <a:t> </a:t>
+            </a:r>
+            <a:r>
+              <a:rPr lang="en-US" altLang="ko-KR" dirty="0"/>
+              <a:t>Class Library</a:t>
+            </a:r>
+            <a:endParaRPr lang="ko-KR" altLang="en-US" dirty="0"/>
+          </a:p>
+        </p:txBody>
+      </p:sp>
+      <p:sp>
+        <p:nvSpPr>
+          <p:cNvPr id="3" name="텍스트 개체 틀 2"/>
+          <p:cNvSpPr>
+            <a:spLocks noGrp="1"/>
+          </p:cNvSpPr>
+          <p:nvPr>
+            <p:ph type="body" sz="quarter" idx="12"/>
+          </p:nvPr>
+        </p:nvSpPr>
+        <p:spPr/>
+        <p:txBody>
+          <a:bodyPr/>
+          <a:lstStyle/>
+          <a:p>
+            <a:r>
+              <a:rPr lang="ko-KR" altLang="en-US" dirty="0"/>
+              <a:t>이바우</a:t>
+            </a:r>
+          </a:p>
+        </p:txBody>
+      </p:sp>
+      <p:sp>
+        <p:nvSpPr>
+          <p:cNvPr id="4" name="TextBox 3">
+            <a:extLst>
+              <a:ext uri="{FF2B5EF4-FFF2-40B4-BE49-F238E27FC236}">
+                <a16:creationId xmlns:a16="http://schemas.microsoft.com/office/drawing/2014/main" id="{63CD2FF7-E5C7-4CC9-84B6-B2295EAC55C0}"/>
+              </a:ext>
+            </a:extLst>
+          </p:cNvPr>
+          <p:cNvSpPr txBox="1"/>
+          <p:nvPr/>
+        </p:nvSpPr>
+        <p:spPr>
+          <a:xfrm>
+            <a:off x="416496" y="836712"/>
+            <a:ext cx="1675780" cy="373885"/>
+          </a:xfrm>
+          <a:prstGeom prst="rect">
+            <a:avLst/>
+          </a:prstGeom>
+          <a:ln w="28575">
+            <a:solidFill>
+              <a:schemeClr val="tx1"/>
+            </a:solidFill>
+          </a:ln>
+        </p:spPr>
+        <p:txBody>
+          <a:bodyPr wrap="none" rtlCol="0">
+            <a:spAutoFit/>
+          </a:bodyPr>
+          <a:lstStyle/>
+          <a:p>
+            <a:pPr>
+              <a:lnSpc>
+                <a:spcPct val="150000"/>
+              </a:lnSpc>
+            </a:pPr>
+            <a:r>
+              <a:rPr lang="en-US" altLang="ko-KR" sz="1400" b="1" dirty="0" err="1"/>
+              <a:t>System.TimeSpan</a:t>
+            </a:r>
+            <a:endParaRPr lang="en-US" altLang="ko-KR" sz="1400" b="1" dirty="0"/>
+          </a:p>
+        </p:txBody>
+      </p:sp>
+      <p:sp>
+        <p:nvSpPr>
+          <p:cNvPr id="5" name="TextBox 4">
+            <a:extLst>
+              <a:ext uri="{FF2B5EF4-FFF2-40B4-BE49-F238E27FC236}">
+                <a16:creationId xmlns:a16="http://schemas.microsoft.com/office/drawing/2014/main" id="{3E380147-310D-4726-B4FD-EA889EB13697}"/>
+              </a:ext>
+            </a:extLst>
+          </p:cNvPr>
+          <p:cNvSpPr txBox="1"/>
+          <p:nvPr/>
+        </p:nvSpPr>
+        <p:spPr>
+          <a:xfrm>
+            <a:off x="416496" y="1205644"/>
+            <a:ext cx="9073008" cy="1666546"/>
+          </a:xfrm>
+          <a:prstGeom prst="rect">
+            <a:avLst/>
+          </a:prstGeom>
+          <a:ln w="28575">
+            <a:solidFill>
+              <a:schemeClr val="tx1"/>
+            </a:solidFill>
+          </a:ln>
+        </p:spPr>
+        <p:txBody>
+          <a:bodyPr wrap="square" rtlCol="0">
+            <a:spAutoFit/>
+          </a:bodyPr>
+          <a:lstStyle/>
           <a:p>
             <a:pPr>
               <a:lnSpc>
@@ -12221,7 +12982,82 @@
                 <a:spcPct val="150000"/>
               </a:lnSpc>
             </a:pPr>
-            <a:endParaRPr lang="en-US" altLang="ko-KR" sz="1400" b="1" dirty="0"/>
+            <a:r>
+              <a:rPr lang="en-US" altLang="ko-KR" sz="1400" b="1" dirty="0"/>
+              <a:t> </a:t>
+            </a:r>
+            <a:r>
+              <a:rPr lang="en-US" altLang="ko-KR" sz="1400" b="1" dirty="0" err="1"/>
+              <a:t>DateTime</a:t>
+            </a:r>
+            <a:r>
+              <a:rPr lang="en-US" altLang="ko-KR" sz="1400" b="1" dirty="0"/>
+              <a:t> </a:t>
+            </a:r>
+            <a:r>
+              <a:rPr lang="ko-KR" altLang="en-US" sz="1400" b="1" dirty="0"/>
+              <a:t>타입에 대해 사칙 연산 중에서 유일하게 허용되는 것이 </a:t>
+            </a:r>
+            <a:r>
+              <a:rPr lang="en-US" altLang="ko-KR" sz="1400" b="1" dirty="0"/>
+              <a:t>“</a:t>
+            </a:r>
+            <a:r>
+              <a:rPr lang="ko-KR" altLang="en-US" sz="1400" b="1" dirty="0" err="1"/>
+              <a:t>뼤기＂다</a:t>
+            </a:r>
+            <a:r>
+              <a:rPr lang="en-US" altLang="ko-KR" sz="1400" b="1" dirty="0"/>
+              <a:t>. </a:t>
+            </a:r>
+            <a:r>
+              <a:rPr lang="ko-KR" altLang="en-US" sz="1400" b="1" dirty="0"/>
+              <a:t>그리고 빼기의 연산 </a:t>
+            </a:r>
+            <a:r>
+              <a:rPr lang="ko-KR" altLang="en-US" sz="1400" b="1" dirty="0" err="1"/>
+              <a:t>결괏</a:t>
+            </a:r>
+            <a:r>
+              <a:rPr lang="ko-KR" altLang="en-US" sz="1400" b="1" dirty="0"/>
+              <a:t> 값은 </a:t>
+            </a:r>
+            <a:r>
+              <a:rPr lang="en-US" altLang="ko-KR" sz="1400" b="1" dirty="0"/>
+              <a:t>2</a:t>
+            </a:r>
+            <a:r>
+              <a:rPr lang="ko-KR" altLang="en-US" sz="1400" b="1" dirty="0"/>
+              <a:t>개의 </a:t>
+            </a:r>
+            <a:r>
+              <a:rPr lang="en-US" altLang="ko-KR" sz="1400" b="1" dirty="0" err="1"/>
+              <a:t>DateTime</a:t>
+            </a:r>
+            <a:r>
+              <a:rPr lang="en-US" altLang="ko-KR" sz="1400" b="1" dirty="0"/>
+              <a:t> </a:t>
+            </a:r>
+            <a:r>
+              <a:rPr lang="ko-KR" altLang="en-US" sz="1400" b="1" dirty="0"/>
+              <a:t>사이의 시간 간격을 나타내는 </a:t>
+            </a:r>
+            <a:r>
+              <a:rPr lang="en-US" altLang="ko-KR" sz="1400" b="1" dirty="0" err="1"/>
+              <a:t>TimeSpan</a:t>
+            </a:r>
+            <a:r>
+              <a:rPr lang="en-US" altLang="ko-KR" sz="1400" b="1" dirty="0"/>
+              <a:t> </a:t>
+            </a:r>
+            <a:r>
+              <a:rPr lang="ko-KR" altLang="en-US" sz="1400" b="1" dirty="0"/>
+              <a:t>으로 나온다</a:t>
+            </a:r>
+            <a:r>
+              <a:rPr lang="en-US" altLang="ko-KR" sz="1400" b="1" dirty="0"/>
+              <a:t>.</a:t>
+            </a:r>
           </a:p>
           <a:p>
             <a:pPr>
@@ -12237,8 +13073,177 @@
                 <a:spcPct val="150000"/>
               </a:lnSpc>
             </a:pPr>
+            <a:r>
+              <a:rPr lang="en-US" altLang="ko-KR" sz="1400" b="1" dirty="0"/>
+              <a:t>- </a:t>
+            </a:r>
+            <a:r>
+              <a:rPr lang="ko-KR" altLang="en-US" sz="1400" b="1" dirty="0"/>
+              <a:t>주로 시간 간격에 많이 사용</a:t>
+            </a:r>
             <a:endParaRPr lang="en-US" altLang="ko-KR" sz="1400" b="1" dirty="0"/>
           </a:p>
+        </p:txBody>
+      </p:sp>
+    </p:spTree>
+    <p:extLst>
+      <p:ext uri="{BB962C8B-B14F-4D97-AF65-F5344CB8AC3E}">
+        <p14:creationId xmlns:p14="http://schemas.microsoft.com/office/powerpoint/2010/main" val="1678510372"/>
+      </p:ext>
+    </p:extLst>
+  </p:cSld>
+  <p:clrMapOvr>
+    <a:masterClrMapping/>
+  </p:clrMapOvr>
+</p:sld>
+</file>
+
+<file path=ppt/slides/slide6.xml><?xml version="1.0" encoding="utf-8"?>
+<p:sld xmlns:a="http://schemas.openxmlformats.org/drawingml/2006/main" xmlns:r="http://schemas.openxmlformats.org/officeDocument/2006/relationships" xmlns:p="http://schemas.openxmlformats.org/presentationml/2006/main">
+  <p:cSld>
+    <p:spTree>
+      <p:nvGrpSpPr>
+        <p:cNvPr id="1" name=""/>
+        <p:cNvGrpSpPr/>
+        <p:nvPr/>
+      </p:nvGrpSpPr>
+      <p:grpSpPr>
+        <a:xfrm>
+          <a:off x="0" y="0"/>
+          <a:ext cx="0" cy="0"/>
+          <a:chOff x="0" y="0"/>
+          <a:chExt cx="0" cy="0"/>
+        </a:xfrm>
+      </p:grpSpPr>
+      <p:sp>
+        <p:nvSpPr>
+          <p:cNvPr id="2" name="제목 1"/>
+          <p:cNvSpPr>
+            <a:spLocks noGrp="1"/>
+          </p:cNvSpPr>
+          <p:nvPr>
+            <p:ph type="title"/>
+          </p:nvPr>
+        </p:nvSpPr>
+        <p:spPr/>
+        <p:txBody>
+          <a:bodyPr/>
+          <a:lstStyle/>
+          <a:p>
+            <a:r>
+              <a:rPr lang="en-US" altLang="ko-KR" dirty="0"/>
+              <a:t>Base</a:t>
+            </a:r>
+            <a:r>
+              <a:rPr lang="ko-KR" altLang="en-US" dirty="0"/>
+              <a:t> </a:t>
+            </a:r>
+            <a:r>
+              <a:rPr lang="en-US" altLang="ko-KR" dirty="0"/>
+              <a:t>Class Library</a:t>
+            </a:r>
+            <a:endParaRPr lang="ko-KR" altLang="en-US" dirty="0"/>
+          </a:p>
+        </p:txBody>
+      </p:sp>
+      <p:sp>
+        <p:nvSpPr>
+          <p:cNvPr id="3" name="텍스트 개체 틀 2"/>
+          <p:cNvSpPr>
+            <a:spLocks noGrp="1"/>
+          </p:cNvSpPr>
+          <p:nvPr>
+            <p:ph type="body" sz="quarter" idx="12"/>
+          </p:nvPr>
+        </p:nvSpPr>
+        <p:spPr/>
+        <p:txBody>
+          <a:bodyPr/>
+          <a:lstStyle/>
+          <a:p>
+            <a:r>
+              <a:rPr lang="ko-KR" altLang="en-US" dirty="0"/>
+              <a:t>이바우</a:t>
+            </a:r>
+          </a:p>
+        </p:txBody>
+      </p:sp>
+      <p:sp>
+        <p:nvSpPr>
+          <p:cNvPr id="4" name="TextBox 3">
+            <a:extLst>
+              <a:ext uri="{FF2B5EF4-FFF2-40B4-BE49-F238E27FC236}">
+                <a16:creationId xmlns:a16="http://schemas.microsoft.com/office/drawing/2014/main" id="{63CD2FF7-E5C7-4CC9-84B6-B2295EAC55C0}"/>
+              </a:ext>
+            </a:extLst>
+          </p:cNvPr>
+          <p:cNvSpPr txBox="1"/>
+          <p:nvPr/>
+        </p:nvSpPr>
+        <p:spPr>
+          <a:xfrm>
+            <a:off x="416496" y="836712"/>
+            <a:ext cx="2766078" cy="373885"/>
+          </a:xfrm>
+          <a:prstGeom prst="rect">
+            <a:avLst/>
+          </a:prstGeom>
+          <a:ln w="28575">
+            <a:solidFill>
+              <a:schemeClr val="tx1"/>
+            </a:solidFill>
+          </a:ln>
+        </p:spPr>
+        <p:txBody>
+          <a:bodyPr wrap="none" rtlCol="0">
+            <a:spAutoFit/>
+          </a:bodyPr>
+          <a:lstStyle/>
+          <a:p>
+            <a:pPr>
+              <a:lnSpc>
+                <a:spcPct val="150000"/>
+              </a:lnSpc>
+            </a:pPr>
+            <a:r>
+              <a:rPr lang="en-US" altLang="ko-KR" sz="1400" b="1" dirty="0" err="1"/>
+              <a:t>System.Diagnostics.Stopwatch</a:t>
+            </a:r>
+            <a:endParaRPr lang="en-US" altLang="ko-KR" sz="1400" b="1" dirty="0"/>
+          </a:p>
+        </p:txBody>
+      </p:sp>
+      <p:sp>
+        <p:nvSpPr>
+          <p:cNvPr id="5" name="TextBox 4">
+            <a:extLst>
+              <a:ext uri="{FF2B5EF4-FFF2-40B4-BE49-F238E27FC236}">
+                <a16:creationId xmlns:a16="http://schemas.microsoft.com/office/drawing/2014/main" id="{3E380147-310D-4726-B4FD-EA889EB13697}"/>
+              </a:ext>
+            </a:extLst>
+          </p:cNvPr>
+          <p:cNvSpPr txBox="1"/>
+          <p:nvPr/>
+        </p:nvSpPr>
+        <p:spPr>
+          <a:xfrm>
+            <a:off x="416496" y="1205644"/>
+            <a:ext cx="9073008" cy="1666546"/>
+          </a:xfrm>
+          <a:prstGeom prst="rect">
+            <a:avLst/>
+          </a:prstGeom>
+          <a:ln w="28575">
+            <a:solidFill>
+              <a:schemeClr val="tx1"/>
+            </a:solidFill>
+          </a:ln>
+        </p:spPr>
+        <p:txBody>
+          <a:bodyPr wrap="square" rtlCol="0">
+            <a:spAutoFit/>
+          </a:bodyPr>
+          <a:lstStyle/>
           <a:p>
             <a:pPr>
               <a:lnSpc>
@@ -12253,6 +13258,30 @@
                 <a:spcPct val="150000"/>
               </a:lnSpc>
             </a:pPr>
+            <a:r>
+              <a:rPr lang="en-US" altLang="ko-KR" sz="1400" b="1" dirty="0"/>
+              <a:t> </a:t>
+            </a:r>
+            <a:r>
+              <a:rPr lang="ko-KR" altLang="en-US" sz="1400" b="1" dirty="0"/>
+              <a:t>시간차에 대해 </a:t>
+            </a:r>
+            <a:r>
+              <a:rPr lang="en-US" altLang="ko-KR" sz="1400" b="1" dirty="0" err="1"/>
+              <a:t>DateTime</a:t>
+            </a:r>
+            <a:r>
+              <a:rPr lang="en-US" altLang="ko-KR" sz="1400" b="1" dirty="0"/>
+              <a:t>, </a:t>
+            </a:r>
+            <a:r>
+              <a:rPr lang="en-US" altLang="ko-KR" sz="1400" b="1" dirty="0" err="1"/>
+              <a:t>TimeSpan</a:t>
+            </a:r>
+            <a:r>
+              <a:rPr lang="ko-KR" altLang="en-US" sz="1400" b="1" dirty="0"/>
+              <a:t>으로 가능하지만 더 정확한 시간차 계산을 위해 해당 타입을 제공</a:t>
+            </a:r>
             <a:endParaRPr lang="en-US" altLang="ko-KR" sz="1400" b="1" dirty="0"/>
           </a:p>
           <a:p>
@@ -12263,12 +13292,275 @@
             </a:pPr>
             <a:endParaRPr lang="en-US" altLang="ko-KR" sz="1400" b="1" dirty="0"/>
           </a:p>
+          <a:p>
+            <a:pPr marL="285750" indent="-285750">
+              <a:lnSpc>
+                <a:spcPct val="150000"/>
+              </a:lnSpc>
+              <a:buFontTx/>
+              <a:buChar char="-"/>
+            </a:pPr>
+            <a:r>
+              <a:rPr lang="ko-KR" altLang="en-US" sz="1400" b="1" dirty="0"/>
+              <a:t>코드의 특정 구간에 대한 성능 측정</a:t>
+            </a:r>
+            <a:endParaRPr lang="en-US" altLang="ko-KR" sz="1400" b="1" dirty="0"/>
+          </a:p>
+          <a:p>
+            <a:pPr marL="285750" indent="-285750">
+              <a:lnSpc>
+                <a:spcPct val="150000"/>
+              </a:lnSpc>
+              <a:buFontTx/>
+              <a:buChar char="-"/>
+            </a:pPr>
+            <a:r>
+              <a:rPr lang="en-US" altLang="ko-KR" sz="1400" b="1" dirty="0"/>
+              <a:t>SQL Query </a:t>
+            </a:r>
+            <a:r>
+              <a:rPr lang="ko-KR" altLang="en-US" sz="1400" b="1" dirty="0"/>
+              <a:t>수행 시간</a:t>
+            </a:r>
+            <a:r>
+              <a:rPr lang="en-US" altLang="ko-KR" sz="1400" b="1" dirty="0"/>
+              <a:t>, </a:t>
+            </a:r>
+            <a:r>
+              <a:rPr lang="ko-KR" altLang="en-US" sz="1400" b="1" dirty="0"/>
+              <a:t>특정 파일에 대한 읽기 시간</a:t>
+            </a:r>
+            <a:endParaRPr lang="en-US" altLang="ko-KR" sz="1400" b="1" dirty="0"/>
+          </a:p>
         </p:txBody>
       </p:sp>
     </p:spTree>
     <p:extLst>
       <p:ext uri="{BB962C8B-B14F-4D97-AF65-F5344CB8AC3E}">
-        <p14:creationId xmlns:p14="http://schemas.microsoft.com/office/powerpoint/2010/main" val="4137687236"/>
+        <p14:creationId xmlns:p14="http://schemas.microsoft.com/office/powerpoint/2010/main" val="3203039144"/>
+      </p:ext>
+    </p:extLst>
+  </p:cSld>
+  <p:clrMapOvr>
+    <a:masterClrMapping/>
+  </p:clrMapOvr>
+</p:sld>
+</file>
+
+<file path=ppt/slides/slide7.xml><?xml version="1.0" encoding="utf-8"?>
+<p:sld xmlns:a="http://schemas.openxmlformats.org/drawingml/2006/main" xmlns:r="http://schemas.openxmlformats.org/officeDocument/2006/relationships" xmlns:p="http://schemas.openxmlformats.org/presentationml/2006/main">
+  <p:cSld>
+    <p:spTree>
+      <p:nvGrpSpPr>
+        <p:cNvPr id="1" name=""/>
+        <p:cNvGrpSpPr/>
+        <p:nvPr/>
+      </p:nvGrpSpPr>
+      <p:grpSpPr>
+        <a:xfrm>
+          <a:off x="0" y="0"/>
+          <a:ext cx="0" cy="0"/>
+          <a:chOff x="0" y="0"/>
+          <a:chExt cx="0" cy="0"/>
+        </a:xfrm>
+      </p:grpSpPr>
+      <p:sp>
+        <p:nvSpPr>
+          <p:cNvPr id="2" name="제목 1"/>
+          <p:cNvSpPr>
+            <a:spLocks noGrp="1"/>
+          </p:cNvSpPr>
+          <p:nvPr>
+            <p:ph type="title"/>
+          </p:nvPr>
+        </p:nvSpPr>
+        <p:spPr/>
+        <p:txBody>
+          <a:bodyPr/>
+          <a:lstStyle/>
+          <a:p>
+            <a:r>
+              <a:rPr lang="en-US" altLang="ko-KR" dirty="0"/>
+              <a:t>Base</a:t>
+            </a:r>
+            <a:r>
+              <a:rPr lang="ko-KR" altLang="en-US" dirty="0"/>
+              <a:t> </a:t>
+            </a:r>
+            <a:r>
+              <a:rPr lang="en-US" altLang="ko-KR" dirty="0"/>
+              <a:t>Class Library</a:t>
+            </a:r>
+            <a:endParaRPr lang="ko-KR" altLang="en-US" dirty="0"/>
+          </a:p>
+        </p:txBody>
+      </p:sp>
+      <p:sp>
+        <p:nvSpPr>
+          <p:cNvPr id="3" name="텍스트 개체 틀 2"/>
+          <p:cNvSpPr>
+            <a:spLocks noGrp="1"/>
+          </p:cNvSpPr>
+          <p:nvPr>
+            <p:ph type="body" sz="quarter" idx="12"/>
+          </p:nvPr>
+        </p:nvSpPr>
+        <p:spPr/>
+        <p:txBody>
+          <a:bodyPr/>
+          <a:lstStyle/>
+          <a:p>
+            <a:r>
+              <a:rPr lang="ko-KR" altLang="en-US" dirty="0"/>
+              <a:t>이바우</a:t>
+            </a:r>
+          </a:p>
+        </p:txBody>
+      </p:sp>
+      <p:sp>
+        <p:nvSpPr>
+          <p:cNvPr id="4" name="TextBox 3">
+            <a:extLst>
+              <a:ext uri="{FF2B5EF4-FFF2-40B4-BE49-F238E27FC236}">
+                <a16:creationId xmlns:a16="http://schemas.microsoft.com/office/drawing/2014/main" id="{63CD2FF7-E5C7-4CC9-84B6-B2295EAC55C0}"/>
+              </a:ext>
+            </a:extLst>
+          </p:cNvPr>
+          <p:cNvSpPr txBox="1"/>
+          <p:nvPr/>
+        </p:nvSpPr>
+        <p:spPr>
+          <a:xfrm>
+            <a:off x="416496" y="836712"/>
+            <a:ext cx="1346522" cy="373885"/>
+          </a:xfrm>
+          <a:prstGeom prst="rect">
+            <a:avLst/>
+          </a:prstGeom>
+          <a:ln w="28575">
+            <a:solidFill>
+              <a:schemeClr val="tx1"/>
+            </a:solidFill>
+          </a:ln>
+        </p:spPr>
+        <p:txBody>
+          <a:bodyPr wrap="none" rtlCol="0">
+            <a:spAutoFit/>
+          </a:bodyPr>
+          <a:lstStyle/>
+          <a:p>
+            <a:pPr>
+              <a:lnSpc>
+                <a:spcPct val="150000"/>
+              </a:lnSpc>
+            </a:pPr>
+            <a:r>
+              <a:rPr lang="en-US" altLang="ko-KR" sz="1400" b="1" dirty="0" err="1"/>
+              <a:t>System.String</a:t>
+            </a:r>
+            <a:endParaRPr lang="en-US" altLang="ko-KR" sz="1400" b="1" dirty="0"/>
+          </a:p>
+        </p:txBody>
+      </p:sp>
+      <p:sp>
+        <p:nvSpPr>
+          <p:cNvPr id="5" name="TextBox 4">
+            <a:extLst>
+              <a:ext uri="{FF2B5EF4-FFF2-40B4-BE49-F238E27FC236}">
+                <a16:creationId xmlns:a16="http://schemas.microsoft.com/office/drawing/2014/main" id="{3E380147-310D-4726-B4FD-EA889EB13697}"/>
+              </a:ext>
+            </a:extLst>
+          </p:cNvPr>
+          <p:cNvSpPr txBox="1"/>
+          <p:nvPr/>
+        </p:nvSpPr>
+        <p:spPr>
+          <a:xfrm>
+            <a:off x="416496" y="1205644"/>
+            <a:ext cx="9073008" cy="1343381"/>
+          </a:xfrm>
+          <a:prstGeom prst="rect">
+            <a:avLst/>
+          </a:prstGeom>
+          <a:ln w="28575">
+            <a:solidFill>
+              <a:schemeClr val="tx1"/>
+            </a:solidFill>
+          </a:ln>
+        </p:spPr>
+        <p:txBody>
+          <a:bodyPr wrap="square" rtlCol="0">
+            <a:spAutoFit/>
+          </a:bodyPr>
+          <a:lstStyle/>
+          <a:p>
+            <a:pPr>
+              <a:lnSpc>
+                <a:spcPct val="150000"/>
+              </a:lnSpc>
+            </a:pPr>
+            <a:endParaRPr lang="en-US" altLang="ko-KR" sz="1400" b="1" dirty="0"/>
+          </a:p>
+          <a:p>
+            <a:pPr>
+              <a:lnSpc>
+                <a:spcPct val="150000"/>
+              </a:lnSpc>
+            </a:pPr>
+            <a:r>
+              <a:rPr lang="en-US" altLang="ko-KR" sz="1400" b="1" dirty="0"/>
+              <a:t> </a:t>
+            </a:r>
+            <a:r>
+              <a:rPr lang="ko-KR" altLang="en-US" sz="1400" b="1" dirty="0"/>
+              <a:t>가자 많이 사용되는 클래스</a:t>
+            </a:r>
+            <a:r>
+              <a:rPr lang="en-US" altLang="ko-KR" sz="1400" b="1" dirty="0"/>
+              <a:t>!</a:t>
+            </a:r>
+          </a:p>
+          <a:p>
+            <a:pPr>
+              <a:lnSpc>
+                <a:spcPct val="150000"/>
+              </a:lnSpc>
+            </a:pPr>
+            <a:endParaRPr lang="en-US" altLang="ko-KR" sz="1400" b="1" dirty="0"/>
+          </a:p>
+          <a:p>
+            <a:pPr>
+              <a:lnSpc>
+                <a:spcPct val="150000"/>
+              </a:lnSpc>
+            </a:pPr>
+            <a:r>
+              <a:rPr lang="ko-KR" altLang="en-US" sz="1400" b="1" dirty="0"/>
+              <a:t>열거형 </a:t>
+            </a:r>
+            <a:r>
+              <a:rPr lang="en-US" altLang="ko-KR" sz="1400" b="1" dirty="0" err="1"/>
+              <a:t>StringComparison</a:t>
+            </a:r>
+            <a:r>
+              <a:rPr lang="en-US" altLang="ko-KR" sz="1400" b="1" dirty="0"/>
+              <a:t> </a:t>
+            </a:r>
+            <a:r>
+              <a:rPr lang="ko-KR" altLang="en-US" sz="1400" b="1" dirty="0"/>
+              <a:t>을 활용하여 대소문자 구분을 하지 않을 수 있다</a:t>
+            </a:r>
+            <a:r>
+              <a:rPr lang="en-US" altLang="ko-KR" sz="1400" b="1" dirty="0"/>
+              <a:t>.</a:t>
+            </a:r>
+          </a:p>
+        </p:txBody>
+      </p:sp>
+    </p:spTree>
+    <p:extLst>
+      <p:ext uri="{BB962C8B-B14F-4D97-AF65-F5344CB8AC3E}">
+        <p14:creationId xmlns:p14="http://schemas.microsoft.com/office/powerpoint/2010/main" val="3548594966"/>
       </p:ext>
     </p:extLst>
   </p:cSld>

--- a/CSharpStudy.Day20200627/Base Class Library.pptx
+++ b/CSharpStudy.Day20200627/Base Class Library.pptx
@@ -5,7 +5,7 @@
     <p:sldMasterId id="2147483648" r:id="rId4"/>
   </p:sldMasterIdLst>
   <p:notesMasterIdLst>
-    <p:notesMasterId r:id="rId12"/>
+    <p:notesMasterId r:id="rId16"/>
   </p:notesMasterIdLst>
   <p:sldIdLst>
     <p:sldId id="272" r:id="rId5"/>
@@ -15,6 +15,10 @@
     <p:sldId id="276" r:id="rId9"/>
     <p:sldId id="277" r:id="rId10"/>
     <p:sldId id="278" r:id="rId11"/>
+    <p:sldId id="280" r:id="rId12"/>
+    <p:sldId id="281" r:id="rId13"/>
+    <p:sldId id="279" r:id="rId14"/>
+    <p:sldId id="282" r:id="rId15"/>
   </p:sldIdLst>
   <p:sldSz cx="9906000" cy="6858000" type="A4"/>
   <p:notesSz cx="6797675" cy="9926638"/>
@@ -220,7 +224,7 @@
           <a:p>
             <a:fld id="{5DF383A0-5C52-4BAA-BD3F-5F94DDAF4210}" type="datetimeFigureOut">
               <a:rPr lang="ko-KR" altLang="en-US" smtClean="0"/>
-              <a:t>2020-06-22</a:t>
+              <a:t>2020-06-23</a:t>
             </a:fld>
             <a:endParaRPr lang="ko-KR" altLang="en-US"/>
           </a:p>
@@ -11472,6 +11476,426 @@
 </p:sld>
 </file>
 
+<file path=ppt/slides/slide10.xml><?xml version="1.0" encoding="utf-8"?>
+<p:sld xmlns:a="http://schemas.openxmlformats.org/drawingml/2006/main" xmlns:r="http://schemas.openxmlformats.org/officeDocument/2006/relationships" xmlns:p="http://schemas.openxmlformats.org/presentationml/2006/main">
+  <p:cSld>
+    <p:spTree>
+      <p:nvGrpSpPr>
+        <p:cNvPr id="1" name=""/>
+        <p:cNvGrpSpPr/>
+        <p:nvPr/>
+      </p:nvGrpSpPr>
+      <p:grpSpPr>
+        <a:xfrm>
+          <a:off x="0" y="0"/>
+          <a:ext cx="0" cy="0"/>
+          <a:chOff x="0" y="0"/>
+          <a:chExt cx="0" cy="0"/>
+        </a:xfrm>
+      </p:grpSpPr>
+      <p:sp>
+        <p:nvSpPr>
+          <p:cNvPr id="2" name="제목 1"/>
+          <p:cNvSpPr>
+            <a:spLocks noGrp="1"/>
+          </p:cNvSpPr>
+          <p:nvPr>
+            <p:ph type="title"/>
+          </p:nvPr>
+        </p:nvSpPr>
+        <p:spPr/>
+        <p:txBody>
+          <a:bodyPr/>
+          <a:lstStyle/>
+          <a:p>
+            <a:r>
+              <a:rPr lang="en-US" altLang="ko-KR" dirty="0"/>
+              <a:t>Base</a:t>
+            </a:r>
+            <a:r>
+              <a:rPr lang="ko-KR" altLang="en-US" dirty="0"/>
+              <a:t> </a:t>
+            </a:r>
+            <a:r>
+              <a:rPr lang="en-US" altLang="ko-KR" dirty="0"/>
+              <a:t>Class Library</a:t>
+            </a:r>
+            <a:endParaRPr lang="ko-KR" altLang="en-US" dirty="0"/>
+          </a:p>
+        </p:txBody>
+      </p:sp>
+      <p:sp>
+        <p:nvSpPr>
+          <p:cNvPr id="3" name="텍스트 개체 틀 2"/>
+          <p:cNvSpPr>
+            <a:spLocks noGrp="1"/>
+          </p:cNvSpPr>
+          <p:nvPr>
+            <p:ph type="body" sz="quarter" idx="12"/>
+          </p:nvPr>
+        </p:nvSpPr>
+        <p:spPr/>
+        <p:txBody>
+          <a:bodyPr/>
+          <a:lstStyle/>
+          <a:p>
+            <a:r>
+              <a:rPr lang="ko-KR" altLang="en-US" dirty="0"/>
+              <a:t>이바우</a:t>
+            </a:r>
+          </a:p>
+        </p:txBody>
+      </p:sp>
+      <p:sp>
+        <p:nvSpPr>
+          <p:cNvPr id="4" name="TextBox 3">
+            <a:extLst>
+              <a:ext uri="{FF2B5EF4-FFF2-40B4-BE49-F238E27FC236}">
+                <a16:creationId xmlns:a16="http://schemas.microsoft.com/office/drawing/2014/main" id="{63CD2FF7-E5C7-4CC9-84B6-B2295EAC55C0}"/>
+              </a:ext>
+            </a:extLst>
+          </p:cNvPr>
+          <p:cNvSpPr txBox="1"/>
+          <p:nvPr/>
+        </p:nvSpPr>
+        <p:spPr>
+          <a:xfrm>
+            <a:off x="416496" y="836712"/>
+            <a:ext cx="1950855" cy="373885"/>
+          </a:xfrm>
+          <a:prstGeom prst="rect">
+            <a:avLst/>
+          </a:prstGeom>
+          <a:ln w="28575">
+            <a:solidFill>
+              <a:schemeClr val="tx1"/>
+            </a:solidFill>
+          </a:ln>
+        </p:spPr>
+        <p:txBody>
+          <a:bodyPr wrap="none" rtlCol="0">
+            <a:spAutoFit/>
+          </a:bodyPr>
+          <a:lstStyle/>
+          <a:p>
+            <a:pPr>
+              <a:lnSpc>
+                <a:spcPct val="150000"/>
+              </a:lnSpc>
+            </a:pPr>
+            <a:r>
+              <a:rPr lang="en-US" altLang="ko-KR" sz="1400" b="1" dirty="0" err="1"/>
+              <a:t>System.StringBuilder</a:t>
+            </a:r>
+            <a:endParaRPr lang="en-US" altLang="ko-KR" sz="1400" b="1" dirty="0"/>
+          </a:p>
+        </p:txBody>
+      </p:sp>
+      <p:sp>
+        <p:nvSpPr>
+          <p:cNvPr id="5" name="TextBox 4">
+            <a:extLst>
+              <a:ext uri="{FF2B5EF4-FFF2-40B4-BE49-F238E27FC236}">
+                <a16:creationId xmlns:a16="http://schemas.microsoft.com/office/drawing/2014/main" id="{3E380147-310D-4726-B4FD-EA889EB13697}"/>
+              </a:ext>
+            </a:extLst>
+          </p:cNvPr>
+          <p:cNvSpPr txBox="1"/>
+          <p:nvPr/>
+        </p:nvSpPr>
+        <p:spPr>
+          <a:xfrm>
+            <a:off x="416496" y="1205644"/>
+            <a:ext cx="9073008" cy="1666546"/>
+          </a:xfrm>
+          <a:prstGeom prst="rect">
+            <a:avLst/>
+          </a:prstGeom>
+          <a:ln w="28575">
+            <a:solidFill>
+              <a:schemeClr val="tx1"/>
+            </a:solidFill>
+          </a:ln>
+        </p:spPr>
+        <p:txBody>
+          <a:bodyPr wrap="square" rtlCol="0">
+            <a:spAutoFit/>
+          </a:bodyPr>
+          <a:lstStyle/>
+          <a:p>
+            <a:pPr>
+              <a:lnSpc>
+                <a:spcPct val="150000"/>
+              </a:lnSpc>
+            </a:pPr>
+            <a:endParaRPr lang="en-US" altLang="ko-KR" sz="1400" b="1" dirty="0"/>
+          </a:p>
+          <a:p>
+            <a:pPr>
+              <a:lnSpc>
+                <a:spcPct val="150000"/>
+              </a:lnSpc>
+            </a:pPr>
+            <a:r>
+              <a:rPr lang="en-US" altLang="ko-KR" sz="1400" b="1" dirty="0"/>
+              <a:t> String</a:t>
+            </a:r>
+            <a:r>
+              <a:rPr lang="ko-KR" altLang="en-US" sz="1400" b="1" dirty="0"/>
+              <a:t> 타입은 불변 객체이기 때문에 모든 </a:t>
+            </a:r>
+            <a:r>
+              <a:rPr lang="en-US" altLang="ko-KR" sz="1400" b="1" dirty="0"/>
+              <a:t>String</a:t>
+            </a:r>
+            <a:r>
+              <a:rPr lang="ko-KR" altLang="en-US" sz="1400" b="1" dirty="0"/>
+              <a:t>의 변환은 새로운 메모리 할당을 발생시킨다</a:t>
+            </a:r>
+            <a:r>
+              <a:rPr lang="en-US" altLang="ko-KR" sz="1400" b="1" dirty="0"/>
+              <a:t>. </a:t>
+            </a:r>
+          </a:p>
+          <a:p>
+            <a:pPr>
+              <a:lnSpc>
+                <a:spcPct val="150000"/>
+              </a:lnSpc>
+            </a:pPr>
+            <a:endParaRPr lang="en-US" altLang="ko-KR" sz="1400" b="1" dirty="0"/>
+          </a:p>
+          <a:p>
+            <a:pPr>
+              <a:lnSpc>
+                <a:spcPct val="150000"/>
+              </a:lnSpc>
+            </a:pPr>
+            <a:r>
+              <a:rPr lang="ko-KR" altLang="en-US" sz="1400" b="1" dirty="0"/>
+              <a:t>기존 문자열에서 새로운 문자열을 만들기 위해 주로 사용된다</a:t>
+            </a:r>
+            <a:r>
+              <a:rPr lang="en-US" altLang="ko-KR" sz="1400" b="1" dirty="0"/>
+              <a:t>. (</a:t>
+            </a:r>
+            <a:r>
+              <a:rPr lang="ko-KR" altLang="en-US" sz="1400" b="1" dirty="0"/>
+              <a:t>새로운 메모리 할당을 하지 않고</a:t>
+            </a:r>
+            <a:r>
+              <a:rPr lang="en-US" altLang="ko-KR" sz="1400" b="1" dirty="0"/>
+              <a:t>)</a:t>
+            </a:r>
+          </a:p>
+          <a:p>
+            <a:pPr>
+              <a:lnSpc>
+                <a:spcPct val="150000"/>
+              </a:lnSpc>
+            </a:pPr>
+            <a:endParaRPr lang="en-US" altLang="ko-KR" sz="1400" b="1" dirty="0"/>
+          </a:p>
+        </p:txBody>
+      </p:sp>
+    </p:spTree>
+    <p:extLst>
+      <p:ext uri="{BB962C8B-B14F-4D97-AF65-F5344CB8AC3E}">
+        <p14:creationId xmlns:p14="http://schemas.microsoft.com/office/powerpoint/2010/main" val="1221382813"/>
+      </p:ext>
+    </p:extLst>
+  </p:cSld>
+  <p:clrMapOvr>
+    <a:masterClrMapping/>
+  </p:clrMapOvr>
+</p:sld>
+</file>
+
+<file path=ppt/slides/slide11.xml><?xml version="1.0" encoding="utf-8"?>
+<p:sld xmlns:a="http://schemas.openxmlformats.org/drawingml/2006/main" xmlns:r="http://schemas.openxmlformats.org/officeDocument/2006/relationships" xmlns:p="http://schemas.openxmlformats.org/presentationml/2006/main">
+  <p:cSld>
+    <p:spTree>
+      <p:nvGrpSpPr>
+        <p:cNvPr id="1" name=""/>
+        <p:cNvGrpSpPr/>
+        <p:nvPr/>
+      </p:nvGrpSpPr>
+      <p:grpSpPr>
+        <a:xfrm>
+          <a:off x="0" y="0"/>
+          <a:ext cx="0" cy="0"/>
+          <a:chOff x="0" y="0"/>
+          <a:chExt cx="0" cy="0"/>
+        </a:xfrm>
+      </p:grpSpPr>
+      <p:sp>
+        <p:nvSpPr>
+          <p:cNvPr id="2" name="제목 1"/>
+          <p:cNvSpPr>
+            <a:spLocks noGrp="1"/>
+          </p:cNvSpPr>
+          <p:nvPr>
+            <p:ph type="title"/>
+          </p:nvPr>
+        </p:nvSpPr>
+        <p:spPr/>
+        <p:txBody>
+          <a:bodyPr/>
+          <a:lstStyle/>
+          <a:p>
+            <a:r>
+              <a:rPr lang="en-US" altLang="ko-KR" dirty="0"/>
+              <a:t>Base</a:t>
+            </a:r>
+            <a:r>
+              <a:rPr lang="ko-KR" altLang="en-US" dirty="0"/>
+              <a:t> </a:t>
+            </a:r>
+            <a:r>
+              <a:rPr lang="en-US" altLang="ko-KR" dirty="0"/>
+              <a:t>Class Library</a:t>
+            </a:r>
+            <a:endParaRPr lang="ko-KR" altLang="en-US" dirty="0"/>
+          </a:p>
+        </p:txBody>
+      </p:sp>
+      <p:sp>
+        <p:nvSpPr>
+          <p:cNvPr id="3" name="텍스트 개체 틀 2"/>
+          <p:cNvSpPr>
+            <a:spLocks noGrp="1"/>
+          </p:cNvSpPr>
+          <p:nvPr>
+            <p:ph type="body" sz="quarter" idx="12"/>
+          </p:nvPr>
+        </p:nvSpPr>
+        <p:spPr/>
+        <p:txBody>
+          <a:bodyPr/>
+          <a:lstStyle/>
+          <a:p>
+            <a:r>
+              <a:rPr lang="ko-KR" altLang="en-US" dirty="0"/>
+              <a:t>이바우</a:t>
+            </a:r>
+          </a:p>
+        </p:txBody>
+      </p:sp>
+      <p:sp>
+        <p:nvSpPr>
+          <p:cNvPr id="4" name="TextBox 3">
+            <a:extLst>
+              <a:ext uri="{FF2B5EF4-FFF2-40B4-BE49-F238E27FC236}">
+                <a16:creationId xmlns:a16="http://schemas.microsoft.com/office/drawing/2014/main" id="{63CD2FF7-E5C7-4CC9-84B6-B2295EAC55C0}"/>
+              </a:ext>
+            </a:extLst>
+          </p:cNvPr>
+          <p:cNvSpPr txBox="1"/>
+          <p:nvPr/>
+        </p:nvSpPr>
+        <p:spPr>
+          <a:xfrm>
+            <a:off x="416496" y="836712"/>
+            <a:ext cx="2024080" cy="373885"/>
+          </a:xfrm>
+          <a:prstGeom prst="rect">
+            <a:avLst/>
+          </a:prstGeom>
+          <a:ln w="28575">
+            <a:solidFill>
+              <a:schemeClr val="tx1"/>
+            </a:solidFill>
+          </a:ln>
+        </p:spPr>
+        <p:txBody>
+          <a:bodyPr wrap="none" rtlCol="0">
+            <a:spAutoFit/>
+          </a:bodyPr>
+          <a:lstStyle/>
+          <a:p>
+            <a:pPr>
+              <a:lnSpc>
+                <a:spcPct val="150000"/>
+              </a:lnSpc>
+            </a:pPr>
+            <a:r>
+              <a:rPr lang="en-US" altLang="ko-KR" sz="1400" b="1" dirty="0" err="1"/>
+              <a:t>System.Text.Encoding</a:t>
+            </a:r>
+            <a:endParaRPr lang="en-US" altLang="ko-KR" sz="1400" b="1" dirty="0"/>
+          </a:p>
+        </p:txBody>
+      </p:sp>
+      <p:sp>
+        <p:nvSpPr>
+          <p:cNvPr id="5" name="TextBox 4">
+            <a:extLst>
+              <a:ext uri="{FF2B5EF4-FFF2-40B4-BE49-F238E27FC236}">
+                <a16:creationId xmlns:a16="http://schemas.microsoft.com/office/drawing/2014/main" id="{3E380147-310D-4726-B4FD-EA889EB13697}"/>
+              </a:ext>
+            </a:extLst>
+          </p:cNvPr>
+          <p:cNvSpPr txBox="1"/>
+          <p:nvPr/>
+        </p:nvSpPr>
+        <p:spPr>
+          <a:xfrm>
+            <a:off x="416496" y="1205644"/>
+            <a:ext cx="9073008" cy="1020216"/>
+          </a:xfrm>
+          <a:prstGeom prst="rect">
+            <a:avLst/>
+          </a:prstGeom>
+          <a:ln w="28575">
+            <a:solidFill>
+              <a:schemeClr val="tx1"/>
+            </a:solidFill>
+          </a:ln>
+        </p:spPr>
+        <p:txBody>
+          <a:bodyPr wrap="square" rtlCol="0">
+            <a:spAutoFit/>
+          </a:bodyPr>
+          <a:lstStyle/>
+          <a:p>
+            <a:pPr>
+              <a:lnSpc>
+                <a:spcPct val="150000"/>
+              </a:lnSpc>
+            </a:pPr>
+            <a:endParaRPr lang="en-US" altLang="ko-KR" sz="1400" b="1" dirty="0"/>
+          </a:p>
+          <a:p>
+            <a:pPr>
+              <a:lnSpc>
+                <a:spcPct val="150000"/>
+              </a:lnSpc>
+            </a:pPr>
+            <a:endParaRPr lang="en-US" altLang="ko-KR" sz="1400" b="1" dirty="0"/>
+          </a:p>
+          <a:p>
+            <a:pPr>
+              <a:lnSpc>
+                <a:spcPct val="150000"/>
+              </a:lnSpc>
+            </a:pPr>
+            <a:endParaRPr lang="en-US" altLang="ko-KR" sz="1400" b="1" dirty="0"/>
+          </a:p>
+        </p:txBody>
+      </p:sp>
+    </p:spTree>
+    <p:extLst>
+      <p:ext uri="{BB962C8B-B14F-4D97-AF65-F5344CB8AC3E}">
+        <p14:creationId xmlns:p14="http://schemas.microsoft.com/office/powerpoint/2010/main" val="1668457813"/>
+      </p:ext>
+    </p:extLst>
+  </p:cSld>
+  <p:clrMapOvr>
+    <a:masterClrMapping/>
+  </p:clrMapOvr>
+</p:sld>
+</file>
+
 <file path=ppt/slides/slide2.xml><?xml version="1.0" encoding="utf-8"?>
 <p:sld xmlns:a="http://schemas.openxmlformats.org/drawingml/2006/main" xmlns:r="http://schemas.openxmlformats.org/officeDocument/2006/relationships" xmlns:p="http://schemas.openxmlformats.org/presentationml/2006/main">
   <p:cSld>
@@ -13477,7 +13901,7 @@
         <p:spPr>
           <a:xfrm>
             <a:off x="416496" y="1205644"/>
-            <a:ext cx="9073008" cy="1343381"/>
+            <a:ext cx="9073008" cy="2312877"/>
           </a:xfrm>
           <a:prstGeom prst="rect">
             <a:avLst/>
@@ -13513,7 +13937,7 @@
             </a:r>
             <a:r>
               <a:rPr lang="ko-KR" altLang="en-US" sz="1400" b="1" dirty="0"/>
-              <a:t>가자 많이 사용되는 클래스</a:t>
+              <a:t>가장 많이 사용되는 클래스</a:t>
             </a:r>
             <a:r>
               <a:rPr lang="en-US" altLang="ko-KR" sz="1400" b="1" dirty="0"/>
@@ -13555,12 +13979,2698 @@
               <a:t>.</a:t>
             </a:r>
           </a:p>
+          <a:p>
+            <a:pPr>
+              <a:lnSpc>
+                <a:spcPct val="150000"/>
+              </a:lnSpc>
+            </a:pPr>
+            <a:endParaRPr lang="en-US" altLang="ko-KR" sz="1400" b="1" dirty="0"/>
+          </a:p>
+          <a:p>
+            <a:pPr>
+              <a:lnSpc>
+                <a:spcPct val="150000"/>
+              </a:lnSpc>
+            </a:pPr>
+            <a:r>
+              <a:rPr lang="ko-KR" altLang="en-US" sz="1400" b="1" dirty="0"/>
+              <a:t>형식 문자열 종류</a:t>
+            </a:r>
+            <a:endParaRPr lang="en-US" altLang="ko-KR" sz="1400" b="1" dirty="0"/>
+          </a:p>
+          <a:p>
+            <a:pPr>
+              <a:lnSpc>
+                <a:spcPct val="150000"/>
+              </a:lnSpc>
+            </a:pPr>
+            <a:endParaRPr lang="en-US" altLang="ko-KR" sz="1400" b="1" dirty="0"/>
+          </a:p>
         </p:txBody>
       </p:sp>
     </p:spTree>
     <p:extLst>
       <p:ext uri="{BB962C8B-B14F-4D97-AF65-F5344CB8AC3E}">
         <p14:creationId xmlns:p14="http://schemas.microsoft.com/office/powerpoint/2010/main" val="3548594966"/>
+      </p:ext>
+    </p:extLst>
+  </p:cSld>
+  <p:clrMapOvr>
+    <a:masterClrMapping/>
+  </p:clrMapOvr>
+</p:sld>
+</file>
+
+<file path=ppt/slides/slide8.xml><?xml version="1.0" encoding="utf-8"?>
+<p:sld xmlns:a="http://schemas.openxmlformats.org/drawingml/2006/main" xmlns:r="http://schemas.openxmlformats.org/officeDocument/2006/relationships" xmlns:p="http://schemas.openxmlformats.org/presentationml/2006/main">
+  <p:cSld>
+    <p:spTree>
+      <p:nvGrpSpPr>
+        <p:cNvPr id="1" name=""/>
+        <p:cNvGrpSpPr/>
+        <p:nvPr/>
+      </p:nvGrpSpPr>
+      <p:grpSpPr>
+        <a:xfrm>
+          <a:off x="0" y="0"/>
+          <a:ext cx="0" cy="0"/>
+          <a:chOff x="0" y="0"/>
+          <a:chExt cx="0" cy="0"/>
+        </a:xfrm>
+      </p:grpSpPr>
+      <p:sp>
+        <p:nvSpPr>
+          <p:cNvPr id="2" name="제목 1"/>
+          <p:cNvSpPr>
+            <a:spLocks noGrp="1"/>
+          </p:cNvSpPr>
+          <p:nvPr>
+            <p:ph type="title"/>
+          </p:nvPr>
+        </p:nvSpPr>
+        <p:spPr/>
+        <p:txBody>
+          <a:bodyPr/>
+          <a:lstStyle/>
+          <a:p>
+            <a:r>
+              <a:rPr lang="en-US" altLang="ko-KR" dirty="0"/>
+              <a:t>Base</a:t>
+            </a:r>
+            <a:r>
+              <a:rPr lang="ko-KR" altLang="en-US" dirty="0"/>
+              <a:t> </a:t>
+            </a:r>
+            <a:r>
+              <a:rPr lang="en-US" altLang="ko-KR" dirty="0"/>
+              <a:t>Class Library</a:t>
+            </a:r>
+            <a:endParaRPr lang="ko-KR" altLang="en-US" dirty="0"/>
+          </a:p>
+        </p:txBody>
+      </p:sp>
+      <p:sp>
+        <p:nvSpPr>
+          <p:cNvPr id="3" name="텍스트 개체 틀 2"/>
+          <p:cNvSpPr>
+            <a:spLocks noGrp="1"/>
+          </p:cNvSpPr>
+          <p:nvPr>
+            <p:ph type="body" sz="quarter" idx="12"/>
+          </p:nvPr>
+        </p:nvSpPr>
+        <p:spPr/>
+        <p:txBody>
+          <a:bodyPr/>
+          <a:lstStyle/>
+          <a:p>
+            <a:r>
+              <a:rPr lang="ko-KR" altLang="en-US" dirty="0"/>
+              <a:t>이바우</a:t>
+            </a:r>
+          </a:p>
+        </p:txBody>
+      </p:sp>
+      <p:sp>
+        <p:nvSpPr>
+          <p:cNvPr id="4" name="TextBox 3">
+            <a:extLst>
+              <a:ext uri="{FF2B5EF4-FFF2-40B4-BE49-F238E27FC236}">
+                <a16:creationId xmlns:a16="http://schemas.microsoft.com/office/drawing/2014/main" id="{63CD2FF7-E5C7-4CC9-84B6-B2295EAC55C0}"/>
+              </a:ext>
+            </a:extLst>
+          </p:cNvPr>
+          <p:cNvSpPr txBox="1"/>
+          <p:nvPr/>
+        </p:nvSpPr>
+        <p:spPr>
+          <a:xfrm>
+            <a:off x="416496" y="836712"/>
+            <a:ext cx="1346522" cy="373885"/>
+          </a:xfrm>
+          <a:prstGeom prst="rect">
+            <a:avLst/>
+          </a:prstGeom>
+          <a:ln w="28575">
+            <a:solidFill>
+              <a:schemeClr val="tx1"/>
+            </a:solidFill>
+          </a:ln>
+        </p:spPr>
+        <p:txBody>
+          <a:bodyPr wrap="none" rtlCol="0">
+            <a:spAutoFit/>
+          </a:bodyPr>
+          <a:lstStyle/>
+          <a:p>
+            <a:pPr>
+              <a:lnSpc>
+                <a:spcPct val="150000"/>
+              </a:lnSpc>
+            </a:pPr>
+            <a:r>
+              <a:rPr lang="en-US" altLang="ko-KR" sz="1400" b="1" dirty="0" err="1"/>
+              <a:t>System.String</a:t>
+            </a:r>
+            <a:endParaRPr lang="en-US" altLang="ko-KR" sz="1400" b="1" dirty="0"/>
+          </a:p>
+        </p:txBody>
+      </p:sp>
+      <p:sp>
+        <p:nvSpPr>
+          <p:cNvPr id="5" name="TextBox 4">
+            <a:extLst>
+              <a:ext uri="{FF2B5EF4-FFF2-40B4-BE49-F238E27FC236}">
+                <a16:creationId xmlns:a16="http://schemas.microsoft.com/office/drawing/2014/main" id="{3E380147-310D-4726-B4FD-EA889EB13697}"/>
+              </a:ext>
+            </a:extLst>
+          </p:cNvPr>
+          <p:cNvSpPr txBox="1"/>
+          <p:nvPr/>
+        </p:nvSpPr>
+        <p:spPr>
+          <a:xfrm>
+            <a:off x="416496" y="1210597"/>
+            <a:ext cx="9073008" cy="4575035"/>
+          </a:xfrm>
+          <a:prstGeom prst="rect">
+            <a:avLst/>
+          </a:prstGeom>
+          <a:ln w="28575">
+            <a:solidFill>
+              <a:schemeClr val="tx1"/>
+            </a:solidFill>
+          </a:ln>
+        </p:spPr>
+        <p:txBody>
+          <a:bodyPr wrap="square" rtlCol="0">
+            <a:spAutoFit/>
+          </a:bodyPr>
+          <a:lstStyle/>
+          <a:p>
+            <a:pPr>
+              <a:lnSpc>
+                <a:spcPct val="150000"/>
+              </a:lnSpc>
+            </a:pPr>
+            <a:r>
+              <a:rPr lang="ko-KR" altLang="en-US" sz="1400" b="1" dirty="0"/>
+              <a:t>형식 문자열 종류</a:t>
+            </a:r>
+            <a:endParaRPr lang="en-US" altLang="ko-KR" sz="1400" b="1" dirty="0"/>
+          </a:p>
+          <a:p>
+            <a:pPr>
+              <a:lnSpc>
+                <a:spcPct val="150000"/>
+              </a:lnSpc>
+            </a:pPr>
+            <a:endParaRPr lang="en-US" altLang="ko-KR" sz="1400" b="1" dirty="0"/>
+          </a:p>
+          <a:p>
+            <a:pPr>
+              <a:lnSpc>
+                <a:spcPct val="150000"/>
+              </a:lnSpc>
+            </a:pPr>
+            <a:endParaRPr lang="en-US" altLang="ko-KR" sz="1400" b="1" dirty="0"/>
+          </a:p>
+          <a:p>
+            <a:pPr>
+              <a:lnSpc>
+                <a:spcPct val="150000"/>
+              </a:lnSpc>
+            </a:pPr>
+            <a:endParaRPr lang="en-US" altLang="ko-KR" sz="1400" b="1" dirty="0"/>
+          </a:p>
+          <a:p>
+            <a:pPr>
+              <a:lnSpc>
+                <a:spcPct val="150000"/>
+              </a:lnSpc>
+            </a:pPr>
+            <a:endParaRPr lang="en-US" altLang="ko-KR" sz="1400" b="1" dirty="0"/>
+          </a:p>
+          <a:p>
+            <a:pPr>
+              <a:lnSpc>
+                <a:spcPct val="150000"/>
+              </a:lnSpc>
+            </a:pPr>
+            <a:endParaRPr lang="en-US" altLang="ko-KR" sz="1400" b="1" dirty="0"/>
+          </a:p>
+          <a:p>
+            <a:pPr>
+              <a:lnSpc>
+                <a:spcPct val="150000"/>
+              </a:lnSpc>
+            </a:pPr>
+            <a:endParaRPr lang="en-US" altLang="ko-KR" sz="1400" b="1" dirty="0"/>
+          </a:p>
+          <a:p>
+            <a:pPr>
+              <a:lnSpc>
+                <a:spcPct val="150000"/>
+              </a:lnSpc>
+            </a:pPr>
+            <a:endParaRPr lang="en-US" altLang="ko-KR" sz="1400" b="1" dirty="0"/>
+          </a:p>
+          <a:p>
+            <a:pPr>
+              <a:lnSpc>
+                <a:spcPct val="150000"/>
+              </a:lnSpc>
+            </a:pPr>
+            <a:endParaRPr lang="en-US" altLang="ko-KR" sz="1400" b="1" dirty="0"/>
+          </a:p>
+          <a:p>
+            <a:pPr>
+              <a:lnSpc>
+                <a:spcPct val="150000"/>
+              </a:lnSpc>
+            </a:pPr>
+            <a:endParaRPr lang="en-US" altLang="ko-KR" sz="1400" b="1" dirty="0"/>
+          </a:p>
+          <a:p>
+            <a:pPr>
+              <a:lnSpc>
+                <a:spcPct val="150000"/>
+              </a:lnSpc>
+            </a:pPr>
+            <a:endParaRPr lang="en-US" altLang="ko-KR" sz="1400" b="1" dirty="0"/>
+          </a:p>
+          <a:p>
+            <a:pPr>
+              <a:lnSpc>
+                <a:spcPct val="150000"/>
+              </a:lnSpc>
+            </a:pPr>
+            <a:endParaRPr lang="en-US" altLang="ko-KR" sz="1400" b="1" dirty="0"/>
+          </a:p>
+          <a:p>
+            <a:pPr>
+              <a:lnSpc>
+                <a:spcPct val="150000"/>
+              </a:lnSpc>
+            </a:pPr>
+            <a:endParaRPr lang="en-US" altLang="ko-KR" sz="1400" b="1" dirty="0"/>
+          </a:p>
+          <a:p>
+            <a:pPr>
+              <a:lnSpc>
+                <a:spcPct val="150000"/>
+              </a:lnSpc>
+            </a:pPr>
+            <a:endParaRPr lang="en-US" altLang="ko-KR" sz="1400" b="1" dirty="0"/>
+          </a:p>
+        </p:txBody>
+      </p:sp>
+      <p:graphicFrame>
+        <p:nvGraphicFramePr>
+          <p:cNvPr id="6" name="표 7">
+            <a:extLst>
+              <a:ext uri="{FF2B5EF4-FFF2-40B4-BE49-F238E27FC236}">
+                <a16:creationId xmlns:a16="http://schemas.microsoft.com/office/drawing/2014/main" id="{2DE1C2FD-32E0-42E8-A802-218F9C7FA90C}"/>
+              </a:ext>
+            </a:extLst>
+          </p:cNvPr>
+          <p:cNvGraphicFramePr>
+            <a:graphicFrameLocks noGrp="1"/>
+          </p:cNvGraphicFramePr>
+          <p:nvPr>
+            <p:extLst>
+              <p:ext uri="{D42A27DB-BD31-4B8C-83A1-F6EECF244321}">
+                <p14:modId xmlns:p14="http://schemas.microsoft.com/office/powerpoint/2010/main" val="2960277304"/>
+              </p:ext>
+            </p:extLst>
+          </p:nvPr>
+        </p:nvGraphicFramePr>
+        <p:xfrm>
+          <a:off x="704528" y="1643914"/>
+          <a:ext cx="8352930" cy="3708400"/>
+        </p:xfrm>
+        <a:graphic>
+          <a:graphicData uri="http://schemas.openxmlformats.org/drawingml/2006/table">
+            <a:tbl>
+              <a:tblPr firstRow="1" bandRow="1">
+                <a:tableStyleId>{5C22544A-7EE6-4342-B048-85BDC9FD1C3A}</a:tableStyleId>
+              </a:tblPr>
+              <a:tblGrid>
+                <a:gridCol w="936104">
+                  <a:extLst>
+                    <a:ext uri="{9D8B030D-6E8A-4147-A177-3AD203B41FA5}">
+                      <a16:colId xmlns:a16="http://schemas.microsoft.com/office/drawing/2014/main" val="2367811256"/>
+                    </a:ext>
+                  </a:extLst>
+                </a:gridCol>
+                <a:gridCol w="1008112">
+                  <a:extLst>
+                    <a:ext uri="{9D8B030D-6E8A-4147-A177-3AD203B41FA5}">
+                      <a16:colId xmlns:a16="http://schemas.microsoft.com/office/drawing/2014/main" val="1201802694"/>
+                    </a:ext>
+                  </a:extLst>
+                </a:gridCol>
+                <a:gridCol w="1944216">
+                  <a:extLst>
+                    <a:ext uri="{9D8B030D-6E8A-4147-A177-3AD203B41FA5}">
+                      <a16:colId xmlns:a16="http://schemas.microsoft.com/office/drawing/2014/main" val="4175413738"/>
+                    </a:ext>
+                  </a:extLst>
+                </a:gridCol>
+                <a:gridCol w="2160240">
+                  <a:extLst>
+                    <a:ext uri="{9D8B030D-6E8A-4147-A177-3AD203B41FA5}">
+                      <a16:colId xmlns:a16="http://schemas.microsoft.com/office/drawing/2014/main" val="3631421952"/>
+                    </a:ext>
+                  </a:extLst>
+                </a:gridCol>
+                <a:gridCol w="2304258">
+                  <a:extLst>
+                    <a:ext uri="{9D8B030D-6E8A-4147-A177-3AD203B41FA5}">
+                      <a16:colId xmlns:a16="http://schemas.microsoft.com/office/drawing/2014/main" val="1252671171"/>
+                    </a:ext>
+                  </a:extLst>
+                </a:gridCol>
+              </a:tblGrid>
+              <a:tr h="370840">
+                <a:tc>
+                  <a:txBody>
+                    <a:bodyPr/>
+                    <a:lstStyle/>
+                    <a:p>
+                      <a:pPr latinLnBrk="1"/>
+                      <a:r>
+                        <a:rPr lang="ko-KR" altLang="en-US" sz="1100" dirty="0"/>
+                        <a:t>타입</a:t>
+                      </a:r>
+                    </a:p>
+                  </a:txBody>
+                  <a:tcPr/>
+                </a:tc>
+                <a:tc>
+                  <a:txBody>
+                    <a:bodyPr/>
+                    <a:lstStyle/>
+                    <a:p>
+                      <a:pPr latinLnBrk="1"/>
+                      <a:r>
+                        <a:rPr lang="ko-KR" altLang="en-US" sz="1100" dirty="0"/>
+                        <a:t>유형</a:t>
+                      </a:r>
+                    </a:p>
+                  </a:txBody>
+                  <a:tcPr/>
+                </a:tc>
+                <a:tc>
+                  <a:txBody>
+                    <a:bodyPr/>
+                    <a:lstStyle/>
+                    <a:p>
+                      <a:pPr latinLnBrk="1"/>
+                      <a:r>
+                        <a:rPr lang="ko-KR" altLang="en-US" sz="1100" dirty="0"/>
+                        <a:t>의미</a:t>
+                      </a:r>
+                    </a:p>
+                  </a:txBody>
+                  <a:tcPr/>
+                </a:tc>
+                <a:tc>
+                  <a:txBody>
+                    <a:bodyPr/>
+                    <a:lstStyle/>
+                    <a:p>
+                      <a:pPr latinLnBrk="1"/>
+                      <a:r>
+                        <a:rPr lang="en-US" altLang="ko-KR" sz="1100" dirty="0"/>
+                        <a:t>Format</a:t>
+                      </a:r>
+                      <a:endParaRPr lang="ko-KR" altLang="en-US" sz="1100" dirty="0"/>
+                    </a:p>
+                  </a:txBody>
+                  <a:tcPr/>
+                </a:tc>
+                <a:tc>
+                  <a:txBody>
+                    <a:bodyPr/>
+                    <a:lstStyle/>
+                    <a:p>
+                      <a:pPr latinLnBrk="1"/>
+                      <a:r>
+                        <a:rPr lang="ko-KR" altLang="en-US" sz="1100" dirty="0"/>
+                        <a:t>한글 윈도우 출력</a:t>
+                      </a:r>
+                    </a:p>
+                  </a:txBody>
+                  <a:tcPr/>
+                </a:tc>
+                <a:extLst>
+                  <a:ext uri="{0D108BD9-81ED-4DB2-BD59-A6C34878D82A}">
+                    <a16:rowId xmlns:a16="http://schemas.microsoft.com/office/drawing/2014/main" val="1634806579"/>
+                  </a:ext>
+                </a:extLst>
+              </a:tr>
+              <a:tr h="370840">
+                <a:tc>
+                  <a:txBody>
+                    <a:bodyPr/>
+                    <a:lstStyle/>
+                    <a:p>
+                      <a:pPr latinLnBrk="1"/>
+                      <a:r>
+                        <a:rPr lang="ko-KR" altLang="en-US" sz="1100" dirty="0"/>
+                        <a:t>숫자형</a:t>
+                      </a:r>
+                    </a:p>
+                  </a:txBody>
+                  <a:tcPr/>
+                </a:tc>
+                <a:tc>
+                  <a:txBody>
+                    <a:bodyPr/>
+                    <a:lstStyle/>
+                    <a:p>
+                      <a:pPr latinLnBrk="1"/>
+                      <a:r>
+                        <a:rPr lang="en-US" altLang="ko-KR" sz="1100" dirty="0"/>
+                        <a:t>C</a:t>
+                      </a:r>
+                      <a:endParaRPr lang="ko-KR" altLang="en-US" sz="1100" dirty="0"/>
+                    </a:p>
+                  </a:txBody>
+                  <a:tcPr/>
+                </a:tc>
+                <a:tc>
+                  <a:txBody>
+                    <a:bodyPr/>
+                    <a:lstStyle/>
+                    <a:p>
+                      <a:pPr latinLnBrk="1"/>
+                      <a:r>
+                        <a:rPr lang="ko-KR" altLang="en-US" sz="1100" dirty="0"/>
+                        <a:t>통화</a:t>
+                      </a:r>
+                    </a:p>
+                  </a:txBody>
+                  <a:tcPr/>
+                </a:tc>
+                <a:tc>
+                  <a:txBody>
+                    <a:bodyPr/>
+                    <a:lstStyle/>
+                    <a:p>
+                      <a:pPr latinLnBrk="1"/>
+                      <a:r>
+                        <a:rPr lang="en-US" altLang="ko-KR" sz="1100" dirty="0"/>
+                        <a:t>“{0:C}”,-123</a:t>
+                      </a:r>
+                      <a:endParaRPr lang="ko-KR" altLang="en-US" sz="1100" dirty="0"/>
+                    </a:p>
+                  </a:txBody>
+                  <a:tcPr/>
+                </a:tc>
+                <a:tc>
+                  <a:txBody>
+                    <a:bodyPr/>
+                    <a:lstStyle/>
+                    <a:p>
+                      <a:pPr latinLnBrk="1"/>
+                      <a:r>
+                        <a:rPr lang="en-US" altLang="ko-KR" sz="1100" dirty="0"/>
+                        <a:t>-\123</a:t>
+                      </a:r>
+                      <a:endParaRPr lang="ko-KR" altLang="en-US" sz="1100" dirty="0"/>
+                    </a:p>
+                  </a:txBody>
+                  <a:tcPr/>
+                </a:tc>
+                <a:extLst>
+                  <a:ext uri="{0D108BD9-81ED-4DB2-BD59-A6C34878D82A}">
+                    <a16:rowId xmlns:a16="http://schemas.microsoft.com/office/drawing/2014/main" val="1436642623"/>
+                  </a:ext>
+                </a:extLst>
+              </a:tr>
+              <a:tr h="370840">
+                <a:tc>
+                  <a:txBody>
+                    <a:bodyPr/>
+                    <a:lstStyle/>
+                    <a:p>
+                      <a:pPr latinLnBrk="1"/>
+                      <a:endParaRPr lang="ko-KR" altLang="en-US" sz="1100"/>
+                    </a:p>
+                  </a:txBody>
+                  <a:tcPr/>
+                </a:tc>
+                <a:tc>
+                  <a:txBody>
+                    <a:bodyPr/>
+                    <a:lstStyle/>
+                    <a:p>
+                      <a:pPr latinLnBrk="1"/>
+                      <a:r>
+                        <a:rPr lang="en-US" altLang="ko-KR" sz="1100" dirty="0"/>
+                        <a:t>D</a:t>
+                      </a:r>
+                      <a:endParaRPr lang="ko-KR" altLang="en-US" sz="1100" dirty="0"/>
+                    </a:p>
+                  </a:txBody>
+                  <a:tcPr/>
+                </a:tc>
+                <a:tc>
+                  <a:txBody>
+                    <a:bodyPr/>
+                    <a:lstStyle/>
+                    <a:p>
+                      <a:pPr latinLnBrk="1"/>
+                      <a:r>
+                        <a:rPr lang="en-US" altLang="ko-KR" sz="1100" dirty="0"/>
+                        <a:t>10</a:t>
+                      </a:r>
+                      <a:r>
+                        <a:rPr lang="ko-KR" altLang="en-US" sz="1100" dirty="0"/>
+                        <a:t>진수</a:t>
+                      </a:r>
+                    </a:p>
+                  </a:txBody>
+                  <a:tcPr/>
+                </a:tc>
+                <a:tc>
+                  <a:txBody>
+                    <a:bodyPr/>
+                    <a:lstStyle/>
+                    <a:p>
+                      <a:pPr latinLnBrk="1"/>
+                      <a:r>
+                        <a:rPr lang="en-US" altLang="ko-KR" sz="1100" dirty="0"/>
+                        <a:t>“{0:D}”,-123</a:t>
+                      </a:r>
+                      <a:endParaRPr lang="ko-KR" altLang="en-US" sz="1100" dirty="0"/>
+                    </a:p>
+                  </a:txBody>
+                  <a:tcPr/>
+                </a:tc>
+                <a:tc>
+                  <a:txBody>
+                    <a:bodyPr/>
+                    <a:lstStyle/>
+                    <a:p>
+                      <a:pPr latinLnBrk="1"/>
+                      <a:r>
+                        <a:rPr lang="en-US" altLang="ko-KR" sz="1100" dirty="0"/>
+                        <a:t>-123</a:t>
+                      </a:r>
+                      <a:endParaRPr lang="ko-KR" altLang="en-US" sz="1100" dirty="0"/>
+                    </a:p>
+                  </a:txBody>
+                  <a:tcPr/>
+                </a:tc>
+                <a:extLst>
+                  <a:ext uri="{0D108BD9-81ED-4DB2-BD59-A6C34878D82A}">
+                    <a16:rowId xmlns:a16="http://schemas.microsoft.com/office/drawing/2014/main" val="1691302423"/>
+                  </a:ext>
+                </a:extLst>
+              </a:tr>
+              <a:tr h="370840">
+                <a:tc>
+                  <a:txBody>
+                    <a:bodyPr/>
+                    <a:lstStyle/>
+                    <a:p>
+                      <a:pPr latinLnBrk="1"/>
+                      <a:endParaRPr lang="ko-KR" altLang="en-US" sz="1100"/>
+                    </a:p>
+                  </a:txBody>
+                  <a:tcPr/>
+                </a:tc>
+                <a:tc>
+                  <a:txBody>
+                    <a:bodyPr/>
+                    <a:lstStyle/>
+                    <a:p>
+                      <a:pPr latinLnBrk="1"/>
+                      <a:r>
+                        <a:rPr lang="en-US" altLang="ko-KR" sz="1100" dirty="0"/>
+                        <a:t>E</a:t>
+                      </a:r>
+                      <a:endParaRPr lang="ko-KR" altLang="en-US" sz="1100" dirty="0"/>
+                    </a:p>
+                  </a:txBody>
+                  <a:tcPr/>
+                </a:tc>
+                <a:tc>
+                  <a:txBody>
+                    <a:bodyPr/>
+                    <a:lstStyle/>
+                    <a:p>
+                      <a:pPr latinLnBrk="1"/>
+                      <a:r>
+                        <a:rPr lang="ko-KR" altLang="en-US" sz="1100" dirty="0"/>
+                        <a:t>공학</a:t>
+                      </a:r>
+                    </a:p>
+                  </a:txBody>
+                  <a:tcPr/>
+                </a:tc>
+                <a:tc>
+                  <a:txBody>
+                    <a:bodyPr/>
+                    <a:lstStyle/>
+                    <a:p>
+                      <a:pPr latinLnBrk="1"/>
+                      <a:r>
+                        <a:rPr lang="en-US" altLang="ko-KR" sz="1100" dirty="0"/>
+                        <a:t>“{0:E}”,-123.45f</a:t>
+                      </a:r>
+                      <a:endParaRPr lang="ko-KR" altLang="en-US" sz="1100" dirty="0"/>
+                    </a:p>
+                  </a:txBody>
+                  <a:tcPr/>
+                </a:tc>
+                <a:tc>
+                  <a:txBody>
+                    <a:bodyPr/>
+                    <a:lstStyle/>
+                    <a:p>
+                      <a:pPr latinLnBrk="1"/>
+                      <a:r>
+                        <a:rPr lang="en-US" altLang="ko-KR" sz="1100" dirty="0"/>
+                        <a:t>-1.234500E+002</a:t>
+                      </a:r>
+                      <a:endParaRPr lang="ko-KR" altLang="en-US" sz="1100" dirty="0"/>
+                    </a:p>
+                  </a:txBody>
+                  <a:tcPr/>
+                </a:tc>
+                <a:extLst>
+                  <a:ext uri="{0D108BD9-81ED-4DB2-BD59-A6C34878D82A}">
+                    <a16:rowId xmlns:a16="http://schemas.microsoft.com/office/drawing/2014/main" val="2951830901"/>
+                  </a:ext>
+                </a:extLst>
+              </a:tr>
+              <a:tr h="370840">
+                <a:tc>
+                  <a:txBody>
+                    <a:bodyPr/>
+                    <a:lstStyle/>
+                    <a:p>
+                      <a:pPr latinLnBrk="1"/>
+                      <a:endParaRPr lang="ko-KR" altLang="en-US" sz="1100"/>
+                    </a:p>
+                  </a:txBody>
+                  <a:tcPr/>
+                </a:tc>
+                <a:tc>
+                  <a:txBody>
+                    <a:bodyPr/>
+                    <a:lstStyle/>
+                    <a:p>
+                      <a:pPr latinLnBrk="1"/>
+                      <a:r>
+                        <a:rPr lang="en-US" altLang="ko-KR" sz="1100" dirty="0"/>
+                        <a:t>F</a:t>
+                      </a:r>
+                      <a:endParaRPr lang="ko-KR" altLang="en-US" sz="1100" dirty="0"/>
+                    </a:p>
+                  </a:txBody>
+                  <a:tcPr/>
+                </a:tc>
+                <a:tc>
+                  <a:txBody>
+                    <a:bodyPr/>
+                    <a:lstStyle/>
+                    <a:p>
+                      <a:pPr latinLnBrk="1"/>
+                      <a:r>
+                        <a:rPr lang="ko-KR" altLang="en-US" sz="1100" dirty="0"/>
+                        <a:t>고정 소수점</a:t>
+                      </a:r>
+                    </a:p>
+                  </a:txBody>
+                  <a:tcPr/>
+                </a:tc>
+                <a:tc>
+                  <a:txBody>
+                    <a:bodyPr/>
+                    <a:lstStyle/>
+                    <a:p>
+                      <a:pPr latinLnBrk="1"/>
+                      <a:r>
+                        <a:rPr lang="en-US" altLang="ko-KR" sz="1100" dirty="0"/>
+                        <a:t>“{0:F}”,-123.45f</a:t>
+                      </a:r>
+                      <a:endParaRPr lang="ko-KR" altLang="en-US" sz="1100" dirty="0"/>
+                    </a:p>
+                  </a:txBody>
+                  <a:tcPr/>
+                </a:tc>
+                <a:tc>
+                  <a:txBody>
+                    <a:bodyPr/>
+                    <a:lstStyle/>
+                    <a:p>
+                      <a:pPr latinLnBrk="1"/>
+                      <a:r>
+                        <a:rPr lang="en-US" altLang="ko-KR" sz="1100" dirty="0"/>
+                        <a:t>-123.45</a:t>
+                      </a:r>
+                      <a:endParaRPr lang="ko-KR" altLang="en-US" sz="1100" dirty="0"/>
+                    </a:p>
+                  </a:txBody>
+                  <a:tcPr/>
+                </a:tc>
+                <a:extLst>
+                  <a:ext uri="{0D108BD9-81ED-4DB2-BD59-A6C34878D82A}">
+                    <a16:rowId xmlns:a16="http://schemas.microsoft.com/office/drawing/2014/main" val="3188198723"/>
+                  </a:ext>
+                </a:extLst>
+              </a:tr>
+              <a:tr h="370840">
+                <a:tc>
+                  <a:txBody>
+                    <a:bodyPr/>
+                    <a:lstStyle/>
+                    <a:p>
+                      <a:pPr latinLnBrk="1"/>
+                      <a:endParaRPr lang="ko-KR" altLang="en-US" sz="1100"/>
+                    </a:p>
+                  </a:txBody>
+                  <a:tcPr/>
+                </a:tc>
+                <a:tc>
+                  <a:txBody>
+                    <a:bodyPr/>
+                    <a:lstStyle/>
+                    <a:p>
+                      <a:pPr latinLnBrk="1"/>
+                      <a:r>
+                        <a:rPr lang="en-US" altLang="ko-KR" sz="1100" dirty="0"/>
+                        <a:t>G</a:t>
+                      </a:r>
+                      <a:endParaRPr lang="ko-KR" altLang="en-US" sz="1100" dirty="0"/>
+                    </a:p>
+                  </a:txBody>
+                  <a:tcPr/>
+                </a:tc>
+                <a:tc>
+                  <a:txBody>
+                    <a:bodyPr/>
+                    <a:lstStyle/>
+                    <a:p>
+                      <a:pPr latinLnBrk="1"/>
+                      <a:r>
+                        <a:rPr lang="ko-KR" altLang="en-US" sz="1100" dirty="0"/>
+                        <a:t>일반</a:t>
+                      </a:r>
+                      <a:r>
+                        <a:rPr lang="en-US" altLang="ko-KR" sz="1100" dirty="0"/>
+                        <a:t>(</a:t>
+                      </a:r>
+                      <a:r>
+                        <a:rPr lang="ko-KR" altLang="en-US" sz="1100" dirty="0"/>
+                        <a:t>기본값</a:t>
+                      </a:r>
+                      <a:r>
+                        <a:rPr lang="en-US" altLang="ko-KR" sz="1100" dirty="0"/>
+                        <a:t>)</a:t>
+                      </a:r>
+                      <a:endParaRPr lang="ko-KR" altLang="en-US" sz="1100" dirty="0"/>
+                    </a:p>
+                  </a:txBody>
+                  <a:tcPr/>
+                </a:tc>
+                <a:tc>
+                  <a:txBody>
+                    <a:bodyPr/>
+                    <a:lstStyle/>
+                    <a:p>
+                      <a:pPr latinLnBrk="1"/>
+                      <a:r>
+                        <a:rPr lang="en-US" altLang="ko-KR" sz="1100" dirty="0"/>
+                        <a:t>“{0:G}”,-123</a:t>
+                      </a:r>
+                      <a:endParaRPr lang="ko-KR" altLang="en-US" sz="1100" dirty="0"/>
+                    </a:p>
+                  </a:txBody>
+                  <a:tcPr/>
+                </a:tc>
+                <a:tc>
+                  <a:txBody>
+                    <a:bodyPr/>
+                    <a:lstStyle/>
+                    <a:p>
+                      <a:pPr latinLnBrk="1"/>
+                      <a:r>
+                        <a:rPr lang="en-US" altLang="ko-KR" sz="1100" dirty="0"/>
+                        <a:t>-123</a:t>
+                      </a:r>
+                      <a:endParaRPr lang="ko-KR" altLang="en-US" sz="1100" dirty="0"/>
+                    </a:p>
+                  </a:txBody>
+                  <a:tcPr/>
+                </a:tc>
+                <a:extLst>
+                  <a:ext uri="{0D108BD9-81ED-4DB2-BD59-A6C34878D82A}">
+                    <a16:rowId xmlns:a16="http://schemas.microsoft.com/office/drawing/2014/main" val="881387382"/>
+                  </a:ext>
+                </a:extLst>
+              </a:tr>
+              <a:tr h="370840">
+                <a:tc>
+                  <a:txBody>
+                    <a:bodyPr/>
+                    <a:lstStyle/>
+                    <a:p>
+                      <a:pPr latinLnBrk="1"/>
+                      <a:endParaRPr lang="ko-KR" altLang="en-US" sz="1100" dirty="0"/>
+                    </a:p>
+                  </a:txBody>
+                  <a:tcPr/>
+                </a:tc>
+                <a:tc>
+                  <a:txBody>
+                    <a:bodyPr/>
+                    <a:lstStyle/>
+                    <a:p>
+                      <a:pPr latinLnBrk="1"/>
+                      <a:r>
+                        <a:rPr lang="en-US" altLang="ko-KR" sz="1100" dirty="0"/>
+                        <a:t>N</a:t>
+                      </a:r>
+                      <a:endParaRPr lang="ko-KR" altLang="en-US" sz="1100" dirty="0"/>
+                    </a:p>
+                  </a:txBody>
+                  <a:tcPr/>
+                </a:tc>
+                <a:tc>
+                  <a:txBody>
+                    <a:bodyPr/>
+                    <a:lstStyle/>
+                    <a:p>
+                      <a:pPr latinLnBrk="1"/>
+                      <a:r>
+                        <a:rPr lang="ko-KR" altLang="en-US" sz="1100" dirty="0"/>
+                        <a:t>숫자</a:t>
+                      </a:r>
+                    </a:p>
+                  </a:txBody>
+                  <a:tcPr/>
+                </a:tc>
+                <a:tc>
+                  <a:txBody>
+                    <a:bodyPr/>
+                    <a:lstStyle/>
+                    <a:p>
+                      <a:pPr latinLnBrk="1"/>
+                      <a:r>
+                        <a:rPr lang="en-US" altLang="ko-KR" sz="1100" dirty="0"/>
+                        <a:t>“{0:N}”,-123</a:t>
+                      </a:r>
+                      <a:endParaRPr lang="ko-KR" altLang="en-US" sz="1100" dirty="0"/>
+                    </a:p>
+                  </a:txBody>
+                  <a:tcPr/>
+                </a:tc>
+                <a:tc>
+                  <a:txBody>
+                    <a:bodyPr/>
+                    <a:lstStyle/>
+                    <a:p>
+                      <a:pPr latinLnBrk="1"/>
+                      <a:r>
+                        <a:rPr lang="en-US" altLang="ko-KR" sz="1100" dirty="0"/>
+                        <a:t>-123.00</a:t>
+                      </a:r>
+                      <a:endParaRPr lang="ko-KR" altLang="en-US" sz="1100" dirty="0"/>
+                    </a:p>
+                  </a:txBody>
+                  <a:tcPr/>
+                </a:tc>
+                <a:extLst>
+                  <a:ext uri="{0D108BD9-81ED-4DB2-BD59-A6C34878D82A}">
+                    <a16:rowId xmlns:a16="http://schemas.microsoft.com/office/drawing/2014/main" val="401948633"/>
+                  </a:ext>
+                </a:extLst>
+              </a:tr>
+              <a:tr h="370840">
+                <a:tc>
+                  <a:txBody>
+                    <a:bodyPr/>
+                    <a:lstStyle/>
+                    <a:p>
+                      <a:pPr latinLnBrk="1"/>
+                      <a:endParaRPr lang="ko-KR" altLang="en-US" sz="1100" dirty="0"/>
+                    </a:p>
+                  </a:txBody>
+                  <a:tcPr/>
+                </a:tc>
+                <a:tc>
+                  <a:txBody>
+                    <a:bodyPr/>
+                    <a:lstStyle/>
+                    <a:p>
+                      <a:pPr latinLnBrk="1"/>
+                      <a:r>
+                        <a:rPr lang="en-US" altLang="ko-KR" sz="1100" dirty="0"/>
+                        <a:t>P</a:t>
+                      </a:r>
+                      <a:endParaRPr lang="ko-KR" altLang="en-US" sz="1100" dirty="0"/>
+                    </a:p>
+                  </a:txBody>
+                  <a:tcPr/>
+                </a:tc>
+                <a:tc>
+                  <a:txBody>
+                    <a:bodyPr/>
+                    <a:lstStyle/>
+                    <a:p>
+                      <a:pPr latinLnBrk="1"/>
+                      <a:r>
+                        <a:rPr lang="ko-KR" altLang="en-US" sz="1100" dirty="0"/>
+                        <a:t>백분율</a:t>
+                      </a:r>
+                    </a:p>
+                  </a:txBody>
+                  <a:tcPr/>
+                </a:tc>
+                <a:tc>
+                  <a:txBody>
+                    <a:bodyPr/>
+                    <a:lstStyle/>
+                    <a:p>
+                      <a:pPr latinLnBrk="1"/>
+                      <a:r>
+                        <a:rPr lang="en-US" altLang="ko-KR" sz="1100" dirty="0"/>
+                        <a:t>“{0:P}”,-123.45f</a:t>
+                      </a:r>
+                      <a:endParaRPr lang="ko-KR" altLang="en-US" sz="1100" dirty="0"/>
+                    </a:p>
+                  </a:txBody>
+                  <a:tcPr/>
+                </a:tc>
+                <a:tc>
+                  <a:txBody>
+                    <a:bodyPr/>
+                    <a:lstStyle/>
+                    <a:p>
+                      <a:pPr latinLnBrk="1"/>
+                      <a:r>
+                        <a:rPr lang="en-US" altLang="ko-KR" sz="1100" dirty="0"/>
+                        <a:t>-12.345.00%</a:t>
+                      </a:r>
+                      <a:endParaRPr lang="ko-KR" altLang="en-US" sz="1100" dirty="0"/>
+                    </a:p>
+                  </a:txBody>
+                  <a:tcPr/>
+                </a:tc>
+                <a:extLst>
+                  <a:ext uri="{0D108BD9-81ED-4DB2-BD59-A6C34878D82A}">
+                    <a16:rowId xmlns:a16="http://schemas.microsoft.com/office/drawing/2014/main" val="546729201"/>
+                  </a:ext>
+                </a:extLst>
+              </a:tr>
+              <a:tr h="370840">
+                <a:tc>
+                  <a:txBody>
+                    <a:bodyPr/>
+                    <a:lstStyle/>
+                    <a:p>
+                      <a:pPr latinLnBrk="1"/>
+                      <a:endParaRPr lang="ko-KR" altLang="en-US" sz="1100" dirty="0"/>
+                    </a:p>
+                  </a:txBody>
+                  <a:tcPr/>
+                </a:tc>
+                <a:tc>
+                  <a:txBody>
+                    <a:bodyPr/>
+                    <a:lstStyle/>
+                    <a:p>
+                      <a:pPr latinLnBrk="1"/>
+                      <a:r>
+                        <a:rPr lang="en-US" altLang="ko-KR" sz="1100" dirty="0"/>
+                        <a:t>R</a:t>
+                      </a:r>
+                      <a:endParaRPr lang="ko-KR" altLang="en-US" sz="1100" dirty="0"/>
+                    </a:p>
+                  </a:txBody>
+                  <a:tcPr/>
+                </a:tc>
+                <a:tc>
+                  <a:txBody>
+                    <a:bodyPr/>
+                    <a:lstStyle/>
+                    <a:p>
+                      <a:pPr latinLnBrk="1"/>
+                      <a:r>
+                        <a:rPr lang="ko-KR" altLang="en-US" sz="1100" dirty="0"/>
+                        <a:t>반올림 숫자</a:t>
+                      </a:r>
+                    </a:p>
+                  </a:txBody>
+                  <a:tcPr/>
+                </a:tc>
+                <a:tc>
+                  <a:txBody>
+                    <a:bodyPr/>
+                    <a:lstStyle/>
+                    <a:p>
+                      <a:pPr latinLnBrk="1"/>
+                      <a:r>
+                        <a:rPr lang="en-US" altLang="ko-KR" sz="1100" dirty="0"/>
+                        <a:t>“{0:R}”,-123.45f</a:t>
+                      </a:r>
+                      <a:endParaRPr lang="ko-KR" altLang="en-US" sz="1100" dirty="0"/>
+                    </a:p>
+                  </a:txBody>
+                  <a:tcPr/>
+                </a:tc>
+                <a:tc>
+                  <a:txBody>
+                    <a:bodyPr/>
+                    <a:lstStyle/>
+                    <a:p>
+                      <a:pPr latinLnBrk="1"/>
+                      <a:r>
+                        <a:rPr lang="en-US" altLang="ko-KR" sz="1100" dirty="0"/>
+                        <a:t>-123.45</a:t>
+                      </a:r>
+                      <a:endParaRPr lang="ko-KR" altLang="en-US" sz="1100" dirty="0"/>
+                    </a:p>
+                  </a:txBody>
+                  <a:tcPr/>
+                </a:tc>
+                <a:extLst>
+                  <a:ext uri="{0D108BD9-81ED-4DB2-BD59-A6C34878D82A}">
+                    <a16:rowId xmlns:a16="http://schemas.microsoft.com/office/drawing/2014/main" val="928323633"/>
+                  </a:ext>
+                </a:extLst>
+              </a:tr>
+              <a:tr h="370840">
+                <a:tc>
+                  <a:txBody>
+                    <a:bodyPr/>
+                    <a:lstStyle/>
+                    <a:p>
+                      <a:pPr latinLnBrk="1"/>
+                      <a:endParaRPr lang="ko-KR" altLang="en-US" sz="1100" dirty="0"/>
+                    </a:p>
+                  </a:txBody>
+                  <a:tcPr/>
+                </a:tc>
+                <a:tc>
+                  <a:txBody>
+                    <a:bodyPr/>
+                    <a:lstStyle/>
+                    <a:p>
+                      <a:pPr latinLnBrk="1"/>
+                      <a:r>
+                        <a:rPr lang="en-US" altLang="ko-KR" sz="1100" dirty="0"/>
+                        <a:t>X</a:t>
+                      </a:r>
+                      <a:endParaRPr lang="ko-KR" altLang="en-US" sz="1100" dirty="0"/>
+                    </a:p>
+                  </a:txBody>
+                  <a:tcPr/>
+                </a:tc>
+                <a:tc>
+                  <a:txBody>
+                    <a:bodyPr/>
+                    <a:lstStyle/>
+                    <a:p>
+                      <a:pPr latinLnBrk="1"/>
+                      <a:r>
+                        <a:rPr lang="en-US" altLang="ko-KR" sz="1100" dirty="0"/>
+                        <a:t>16</a:t>
+                      </a:r>
+                      <a:r>
+                        <a:rPr lang="ko-KR" altLang="en-US" sz="1100" dirty="0"/>
+                        <a:t>진수</a:t>
+                      </a:r>
+                    </a:p>
+                  </a:txBody>
+                  <a:tcPr/>
+                </a:tc>
+                <a:tc>
+                  <a:txBody>
+                    <a:bodyPr/>
+                    <a:lstStyle/>
+                    <a:p>
+                      <a:pPr latinLnBrk="1"/>
+                      <a:r>
+                        <a:rPr lang="en-US" altLang="ko-KR" sz="1100" dirty="0"/>
+                        <a:t>“{0:X}”,-123</a:t>
+                      </a:r>
+                      <a:endParaRPr lang="ko-KR" altLang="en-US" sz="1100" dirty="0"/>
+                    </a:p>
+                  </a:txBody>
+                  <a:tcPr/>
+                </a:tc>
+                <a:tc>
+                  <a:txBody>
+                    <a:bodyPr/>
+                    <a:lstStyle/>
+                    <a:p>
+                      <a:pPr latinLnBrk="1"/>
+                      <a:r>
+                        <a:rPr lang="en-US" altLang="ko-KR" sz="1100" dirty="0"/>
+                        <a:t>FFFFFF85</a:t>
+                      </a:r>
+                      <a:endParaRPr lang="ko-KR" altLang="en-US" sz="1100" dirty="0"/>
+                    </a:p>
+                  </a:txBody>
+                  <a:tcPr/>
+                </a:tc>
+                <a:extLst>
+                  <a:ext uri="{0D108BD9-81ED-4DB2-BD59-A6C34878D82A}">
+                    <a16:rowId xmlns:a16="http://schemas.microsoft.com/office/drawing/2014/main" val="3199462789"/>
+                  </a:ext>
+                </a:extLst>
+              </a:tr>
+            </a:tbl>
+          </a:graphicData>
+        </a:graphic>
+      </p:graphicFrame>
+    </p:spTree>
+    <p:extLst>
+      <p:ext uri="{BB962C8B-B14F-4D97-AF65-F5344CB8AC3E}">
+        <p14:creationId xmlns:p14="http://schemas.microsoft.com/office/powerpoint/2010/main" val="567983234"/>
+      </p:ext>
+    </p:extLst>
+  </p:cSld>
+  <p:clrMapOvr>
+    <a:masterClrMapping/>
+  </p:clrMapOvr>
+</p:sld>
+</file>
+
+<file path=ppt/slides/slide9.xml><?xml version="1.0" encoding="utf-8"?>
+<p:sld xmlns:a="http://schemas.openxmlformats.org/drawingml/2006/main" xmlns:r="http://schemas.openxmlformats.org/officeDocument/2006/relationships" xmlns:p="http://schemas.openxmlformats.org/presentationml/2006/main">
+  <p:cSld>
+    <p:spTree>
+      <p:nvGrpSpPr>
+        <p:cNvPr id="1" name=""/>
+        <p:cNvGrpSpPr/>
+        <p:nvPr/>
+      </p:nvGrpSpPr>
+      <p:grpSpPr>
+        <a:xfrm>
+          <a:off x="0" y="0"/>
+          <a:ext cx="0" cy="0"/>
+          <a:chOff x="0" y="0"/>
+          <a:chExt cx="0" cy="0"/>
+        </a:xfrm>
+      </p:grpSpPr>
+      <p:sp>
+        <p:nvSpPr>
+          <p:cNvPr id="2" name="제목 1"/>
+          <p:cNvSpPr>
+            <a:spLocks noGrp="1"/>
+          </p:cNvSpPr>
+          <p:nvPr>
+            <p:ph type="title"/>
+          </p:nvPr>
+        </p:nvSpPr>
+        <p:spPr/>
+        <p:txBody>
+          <a:bodyPr/>
+          <a:lstStyle/>
+          <a:p>
+            <a:r>
+              <a:rPr lang="en-US" altLang="ko-KR" dirty="0"/>
+              <a:t>Base</a:t>
+            </a:r>
+            <a:r>
+              <a:rPr lang="ko-KR" altLang="en-US" dirty="0"/>
+              <a:t> </a:t>
+            </a:r>
+            <a:r>
+              <a:rPr lang="en-US" altLang="ko-KR" dirty="0"/>
+              <a:t>Class Library</a:t>
+            </a:r>
+            <a:endParaRPr lang="ko-KR" altLang="en-US" dirty="0"/>
+          </a:p>
+        </p:txBody>
+      </p:sp>
+      <p:sp>
+        <p:nvSpPr>
+          <p:cNvPr id="3" name="텍스트 개체 틀 2"/>
+          <p:cNvSpPr>
+            <a:spLocks noGrp="1"/>
+          </p:cNvSpPr>
+          <p:nvPr>
+            <p:ph type="body" sz="quarter" idx="12"/>
+          </p:nvPr>
+        </p:nvSpPr>
+        <p:spPr/>
+        <p:txBody>
+          <a:bodyPr/>
+          <a:lstStyle/>
+          <a:p>
+            <a:r>
+              <a:rPr lang="ko-KR" altLang="en-US" dirty="0"/>
+              <a:t>이바우</a:t>
+            </a:r>
+          </a:p>
+        </p:txBody>
+      </p:sp>
+      <p:sp>
+        <p:nvSpPr>
+          <p:cNvPr id="4" name="TextBox 3">
+            <a:extLst>
+              <a:ext uri="{FF2B5EF4-FFF2-40B4-BE49-F238E27FC236}">
+                <a16:creationId xmlns:a16="http://schemas.microsoft.com/office/drawing/2014/main" id="{63CD2FF7-E5C7-4CC9-84B6-B2295EAC55C0}"/>
+              </a:ext>
+            </a:extLst>
+          </p:cNvPr>
+          <p:cNvSpPr txBox="1"/>
+          <p:nvPr/>
+        </p:nvSpPr>
+        <p:spPr>
+          <a:xfrm>
+            <a:off x="416496" y="836712"/>
+            <a:ext cx="1346522" cy="373885"/>
+          </a:xfrm>
+          <a:prstGeom prst="rect">
+            <a:avLst/>
+          </a:prstGeom>
+          <a:ln w="28575">
+            <a:solidFill>
+              <a:schemeClr val="tx1"/>
+            </a:solidFill>
+          </a:ln>
+        </p:spPr>
+        <p:txBody>
+          <a:bodyPr wrap="none" rtlCol="0">
+            <a:spAutoFit/>
+          </a:bodyPr>
+          <a:lstStyle/>
+          <a:p>
+            <a:pPr>
+              <a:lnSpc>
+                <a:spcPct val="150000"/>
+              </a:lnSpc>
+            </a:pPr>
+            <a:r>
+              <a:rPr lang="en-US" altLang="ko-KR" sz="1400" b="1" dirty="0" err="1"/>
+              <a:t>System.String</a:t>
+            </a:r>
+            <a:endParaRPr lang="en-US" altLang="ko-KR" sz="1400" b="1" dirty="0"/>
+          </a:p>
+        </p:txBody>
+      </p:sp>
+      <p:sp>
+        <p:nvSpPr>
+          <p:cNvPr id="5" name="TextBox 4">
+            <a:extLst>
+              <a:ext uri="{FF2B5EF4-FFF2-40B4-BE49-F238E27FC236}">
+                <a16:creationId xmlns:a16="http://schemas.microsoft.com/office/drawing/2014/main" id="{3E380147-310D-4726-B4FD-EA889EB13697}"/>
+              </a:ext>
+            </a:extLst>
+          </p:cNvPr>
+          <p:cNvSpPr txBox="1"/>
+          <p:nvPr/>
+        </p:nvSpPr>
+        <p:spPr>
+          <a:xfrm>
+            <a:off x="416496" y="1210597"/>
+            <a:ext cx="9073008" cy="4898200"/>
+          </a:xfrm>
+          <a:prstGeom prst="rect">
+            <a:avLst/>
+          </a:prstGeom>
+          <a:ln w="28575">
+            <a:solidFill>
+              <a:schemeClr val="tx1"/>
+            </a:solidFill>
+          </a:ln>
+        </p:spPr>
+        <p:txBody>
+          <a:bodyPr wrap="square" rtlCol="0">
+            <a:spAutoFit/>
+          </a:bodyPr>
+          <a:lstStyle/>
+          <a:p>
+            <a:pPr>
+              <a:lnSpc>
+                <a:spcPct val="150000"/>
+              </a:lnSpc>
+            </a:pPr>
+            <a:r>
+              <a:rPr lang="ko-KR" altLang="en-US" sz="1400" b="1" dirty="0"/>
+              <a:t>형식 문자열 종류</a:t>
+            </a:r>
+            <a:r>
+              <a:rPr lang="en-US" altLang="ko-KR" sz="1400" b="1" dirty="0"/>
+              <a:t>(</a:t>
+            </a:r>
+            <a:r>
+              <a:rPr lang="en-US" altLang="ko-KR" sz="1400" b="1" dirty="0" err="1"/>
+              <a:t>DateTime</a:t>
+            </a:r>
+            <a:r>
+              <a:rPr lang="en-US" altLang="ko-KR" sz="1400" b="1" dirty="0"/>
+              <a:t> now = </a:t>
+            </a:r>
+            <a:r>
+              <a:rPr lang="en-US" altLang="ko-KR" sz="1400" b="1" dirty="0" err="1"/>
+              <a:t>DateTime.Now</a:t>
+            </a:r>
+            <a:r>
+              <a:rPr lang="en-US" altLang="ko-KR" sz="1400" b="1" dirty="0"/>
+              <a:t>)</a:t>
+            </a:r>
+          </a:p>
+          <a:p>
+            <a:pPr>
+              <a:lnSpc>
+                <a:spcPct val="150000"/>
+              </a:lnSpc>
+            </a:pPr>
+            <a:endParaRPr lang="en-US" altLang="ko-KR" sz="1400" b="1" dirty="0"/>
+          </a:p>
+          <a:p>
+            <a:pPr>
+              <a:lnSpc>
+                <a:spcPct val="150000"/>
+              </a:lnSpc>
+            </a:pPr>
+            <a:endParaRPr lang="en-US" altLang="ko-KR" sz="1400" b="1" dirty="0"/>
+          </a:p>
+          <a:p>
+            <a:pPr>
+              <a:lnSpc>
+                <a:spcPct val="150000"/>
+              </a:lnSpc>
+            </a:pPr>
+            <a:endParaRPr lang="en-US" altLang="ko-KR" sz="1400" b="1" dirty="0"/>
+          </a:p>
+          <a:p>
+            <a:pPr>
+              <a:lnSpc>
+                <a:spcPct val="150000"/>
+              </a:lnSpc>
+            </a:pPr>
+            <a:endParaRPr lang="en-US" altLang="ko-KR" sz="1400" b="1" dirty="0"/>
+          </a:p>
+          <a:p>
+            <a:pPr>
+              <a:lnSpc>
+                <a:spcPct val="150000"/>
+              </a:lnSpc>
+            </a:pPr>
+            <a:endParaRPr lang="en-US" altLang="ko-KR" sz="1400" b="1" dirty="0"/>
+          </a:p>
+          <a:p>
+            <a:pPr>
+              <a:lnSpc>
+                <a:spcPct val="150000"/>
+              </a:lnSpc>
+            </a:pPr>
+            <a:endParaRPr lang="en-US" altLang="ko-KR" sz="1400" b="1" dirty="0"/>
+          </a:p>
+          <a:p>
+            <a:pPr>
+              <a:lnSpc>
+                <a:spcPct val="150000"/>
+              </a:lnSpc>
+            </a:pPr>
+            <a:endParaRPr lang="en-US" altLang="ko-KR" sz="1400" b="1" dirty="0"/>
+          </a:p>
+          <a:p>
+            <a:pPr>
+              <a:lnSpc>
+                <a:spcPct val="150000"/>
+              </a:lnSpc>
+            </a:pPr>
+            <a:endParaRPr lang="en-US" altLang="ko-KR" sz="1400" b="1" dirty="0"/>
+          </a:p>
+          <a:p>
+            <a:pPr>
+              <a:lnSpc>
+                <a:spcPct val="150000"/>
+              </a:lnSpc>
+            </a:pPr>
+            <a:endParaRPr lang="en-US" altLang="ko-KR" sz="1400" b="1" dirty="0"/>
+          </a:p>
+          <a:p>
+            <a:pPr>
+              <a:lnSpc>
+                <a:spcPct val="150000"/>
+              </a:lnSpc>
+            </a:pPr>
+            <a:endParaRPr lang="en-US" altLang="ko-KR" sz="1400" b="1" dirty="0"/>
+          </a:p>
+          <a:p>
+            <a:pPr>
+              <a:lnSpc>
+                <a:spcPct val="150000"/>
+              </a:lnSpc>
+            </a:pPr>
+            <a:endParaRPr lang="en-US" altLang="ko-KR" sz="1400" b="1" dirty="0"/>
+          </a:p>
+          <a:p>
+            <a:pPr>
+              <a:lnSpc>
+                <a:spcPct val="150000"/>
+              </a:lnSpc>
+            </a:pPr>
+            <a:endParaRPr lang="en-US" altLang="ko-KR" sz="1400" b="1" dirty="0"/>
+          </a:p>
+          <a:p>
+            <a:pPr>
+              <a:lnSpc>
+                <a:spcPct val="150000"/>
+              </a:lnSpc>
+            </a:pPr>
+            <a:endParaRPr lang="en-US" altLang="ko-KR" sz="1400" b="1" dirty="0"/>
+          </a:p>
+          <a:p>
+            <a:pPr>
+              <a:lnSpc>
+                <a:spcPct val="150000"/>
+              </a:lnSpc>
+            </a:pPr>
+            <a:endParaRPr lang="en-US" altLang="ko-KR" sz="1400" b="1" dirty="0"/>
+          </a:p>
+        </p:txBody>
+      </p:sp>
+      <p:graphicFrame>
+        <p:nvGraphicFramePr>
+          <p:cNvPr id="6" name="표 7">
+            <a:extLst>
+              <a:ext uri="{FF2B5EF4-FFF2-40B4-BE49-F238E27FC236}">
+                <a16:creationId xmlns:a16="http://schemas.microsoft.com/office/drawing/2014/main" id="{2DE1C2FD-32E0-42E8-A802-218F9C7FA90C}"/>
+              </a:ext>
+            </a:extLst>
+          </p:cNvPr>
+          <p:cNvGraphicFramePr>
+            <a:graphicFrameLocks noGrp="1"/>
+          </p:cNvGraphicFramePr>
+          <p:nvPr>
+            <p:extLst>
+              <p:ext uri="{D42A27DB-BD31-4B8C-83A1-F6EECF244321}">
+                <p14:modId xmlns:p14="http://schemas.microsoft.com/office/powerpoint/2010/main" val="3594531216"/>
+              </p:ext>
+            </p:extLst>
+          </p:nvPr>
+        </p:nvGraphicFramePr>
+        <p:xfrm>
+          <a:off x="704528" y="1643914"/>
+          <a:ext cx="8352930" cy="4191000"/>
+        </p:xfrm>
+        <a:graphic>
+          <a:graphicData uri="http://schemas.openxmlformats.org/drawingml/2006/table">
+            <a:tbl>
+              <a:tblPr firstRow="1" bandRow="1">
+                <a:tableStyleId>{5C22544A-7EE6-4342-B048-85BDC9FD1C3A}</a:tableStyleId>
+              </a:tblPr>
+              <a:tblGrid>
+                <a:gridCol w="936104">
+                  <a:extLst>
+                    <a:ext uri="{9D8B030D-6E8A-4147-A177-3AD203B41FA5}">
+                      <a16:colId xmlns:a16="http://schemas.microsoft.com/office/drawing/2014/main" val="2367811256"/>
+                    </a:ext>
+                  </a:extLst>
+                </a:gridCol>
+                <a:gridCol w="1008112">
+                  <a:extLst>
+                    <a:ext uri="{9D8B030D-6E8A-4147-A177-3AD203B41FA5}">
+                      <a16:colId xmlns:a16="http://schemas.microsoft.com/office/drawing/2014/main" val="1201802694"/>
+                    </a:ext>
+                  </a:extLst>
+                </a:gridCol>
+                <a:gridCol w="1944216">
+                  <a:extLst>
+                    <a:ext uri="{9D8B030D-6E8A-4147-A177-3AD203B41FA5}">
+                      <a16:colId xmlns:a16="http://schemas.microsoft.com/office/drawing/2014/main" val="4175413738"/>
+                    </a:ext>
+                  </a:extLst>
+                </a:gridCol>
+                <a:gridCol w="2160240">
+                  <a:extLst>
+                    <a:ext uri="{9D8B030D-6E8A-4147-A177-3AD203B41FA5}">
+                      <a16:colId xmlns:a16="http://schemas.microsoft.com/office/drawing/2014/main" val="3631421952"/>
+                    </a:ext>
+                  </a:extLst>
+                </a:gridCol>
+                <a:gridCol w="2304258">
+                  <a:extLst>
+                    <a:ext uri="{9D8B030D-6E8A-4147-A177-3AD203B41FA5}">
+                      <a16:colId xmlns:a16="http://schemas.microsoft.com/office/drawing/2014/main" val="1252671171"/>
+                    </a:ext>
+                  </a:extLst>
+                </a:gridCol>
+              </a:tblGrid>
+              <a:tr h="370840">
+                <a:tc>
+                  <a:txBody>
+                    <a:bodyPr/>
+                    <a:lstStyle/>
+                    <a:p>
+                      <a:pPr latinLnBrk="1"/>
+                      <a:r>
+                        <a:rPr lang="ko-KR" altLang="en-US" sz="1100" dirty="0"/>
+                        <a:t>타입</a:t>
+                      </a:r>
+                    </a:p>
+                  </a:txBody>
+                  <a:tcPr/>
+                </a:tc>
+                <a:tc>
+                  <a:txBody>
+                    <a:bodyPr/>
+                    <a:lstStyle/>
+                    <a:p>
+                      <a:pPr latinLnBrk="1"/>
+                      <a:r>
+                        <a:rPr lang="ko-KR" altLang="en-US" sz="1100" dirty="0"/>
+                        <a:t>유형</a:t>
+                      </a:r>
+                    </a:p>
+                  </a:txBody>
+                  <a:tcPr/>
+                </a:tc>
+                <a:tc>
+                  <a:txBody>
+                    <a:bodyPr/>
+                    <a:lstStyle/>
+                    <a:p>
+                      <a:pPr latinLnBrk="1"/>
+                      <a:r>
+                        <a:rPr lang="ko-KR" altLang="en-US" sz="1100" dirty="0"/>
+                        <a:t>의미</a:t>
+                      </a:r>
+                    </a:p>
+                  </a:txBody>
+                  <a:tcPr/>
+                </a:tc>
+                <a:tc>
+                  <a:txBody>
+                    <a:bodyPr/>
+                    <a:lstStyle/>
+                    <a:p>
+                      <a:pPr latinLnBrk="1"/>
+                      <a:r>
+                        <a:rPr lang="en-US" altLang="ko-KR" sz="1100" dirty="0"/>
+                        <a:t>Format</a:t>
+                      </a:r>
+                      <a:endParaRPr lang="ko-KR" altLang="en-US" sz="1100" dirty="0"/>
+                    </a:p>
+                  </a:txBody>
+                  <a:tcPr/>
+                </a:tc>
+                <a:tc>
+                  <a:txBody>
+                    <a:bodyPr/>
+                    <a:lstStyle/>
+                    <a:p>
+                      <a:pPr latinLnBrk="1"/>
+                      <a:r>
+                        <a:rPr lang="ko-KR" altLang="en-US" sz="1100" dirty="0"/>
+                        <a:t>한글 윈도우 출력</a:t>
+                      </a:r>
+                    </a:p>
+                  </a:txBody>
+                  <a:tcPr/>
+                </a:tc>
+                <a:extLst>
+                  <a:ext uri="{0D108BD9-81ED-4DB2-BD59-A6C34878D82A}">
+                    <a16:rowId xmlns:a16="http://schemas.microsoft.com/office/drawing/2014/main" val="1634806579"/>
+                  </a:ext>
+                </a:extLst>
+              </a:tr>
+              <a:tr h="370840">
+                <a:tc>
+                  <a:txBody>
+                    <a:bodyPr/>
+                    <a:lstStyle/>
+                    <a:p>
+                      <a:pPr latinLnBrk="1"/>
+                      <a:r>
+                        <a:rPr lang="ko-KR" altLang="en-US" sz="1100" dirty="0"/>
+                        <a:t>날짜형</a:t>
+                      </a:r>
+                    </a:p>
+                  </a:txBody>
+                  <a:tcPr/>
+                </a:tc>
+                <a:tc>
+                  <a:txBody>
+                    <a:bodyPr/>
+                    <a:lstStyle/>
+                    <a:p>
+                      <a:pPr latinLnBrk="1"/>
+                      <a:r>
+                        <a:rPr lang="en-US" altLang="ko-KR" sz="1100" dirty="0"/>
+                        <a:t>d</a:t>
+                      </a:r>
+                      <a:endParaRPr lang="ko-KR" altLang="en-US" sz="1100" dirty="0"/>
+                    </a:p>
+                  </a:txBody>
+                  <a:tcPr/>
+                </a:tc>
+                <a:tc>
+                  <a:txBody>
+                    <a:bodyPr/>
+                    <a:lstStyle/>
+                    <a:p>
+                      <a:pPr latinLnBrk="1"/>
+                      <a:r>
+                        <a:rPr lang="ko-KR" altLang="en-US" sz="1100" dirty="0"/>
+                        <a:t>단축 날짜</a:t>
+                      </a:r>
+                    </a:p>
+                  </a:txBody>
+                  <a:tcPr/>
+                </a:tc>
+                <a:tc>
+                  <a:txBody>
+                    <a:bodyPr/>
+                    <a:lstStyle/>
+                    <a:p>
+                      <a:pPr latinLnBrk="1"/>
+                      <a:r>
+                        <a:rPr lang="en-US" altLang="ko-KR" sz="1100" dirty="0"/>
+                        <a:t>“{0:d}”, now</a:t>
+                      </a:r>
+                      <a:endParaRPr lang="ko-KR" altLang="en-US" sz="1100" dirty="0"/>
+                    </a:p>
+                  </a:txBody>
+                  <a:tcPr/>
+                </a:tc>
+                <a:tc>
+                  <a:txBody>
+                    <a:bodyPr/>
+                    <a:lstStyle/>
+                    <a:p>
+                      <a:pPr latinLnBrk="1"/>
+                      <a:r>
+                        <a:rPr lang="en-US" altLang="ko-KR" sz="1100" dirty="0"/>
+                        <a:t>2013-02-13</a:t>
+                      </a:r>
+                      <a:endParaRPr lang="ko-KR" altLang="en-US" sz="1100" dirty="0"/>
+                    </a:p>
+                  </a:txBody>
+                  <a:tcPr/>
+                </a:tc>
+                <a:extLst>
+                  <a:ext uri="{0D108BD9-81ED-4DB2-BD59-A6C34878D82A}">
+                    <a16:rowId xmlns:a16="http://schemas.microsoft.com/office/drawing/2014/main" val="1436642623"/>
+                  </a:ext>
+                </a:extLst>
+              </a:tr>
+              <a:tr h="370840">
+                <a:tc>
+                  <a:txBody>
+                    <a:bodyPr/>
+                    <a:lstStyle/>
+                    <a:p>
+                      <a:pPr latinLnBrk="1"/>
+                      <a:endParaRPr lang="ko-KR" altLang="en-US" sz="1100"/>
+                    </a:p>
+                  </a:txBody>
+                  <a:tcPr/>
+                </a:tc>
+                <a:tc>
+                  <a:txBody>
+                    <a:bodyPr/>
+                    <a:lstStyle/>
+                    <a:p>
+                      <a:pPr latinLnBrk="1"/>
+                      <a:r>
+                        <a:rPr lang="en-US" altLang="ko-KR" sz="1100" dirty="0"/>
+                        <a:t>D</a:t>
+                      </a:r>
+                      <a:endParaRPr lang="ko-KR" altLang="en-US" sz="1100" dirty="0"/>
+                    </a:p>
+                  </a:txBody>
+                  <a:tcPr/>
+                </a:tc>
+                <a:tc>
+                  <a:txBody>
+                    <a:bodyPr/>
+                    <a:lstStyle/>
+                    <a:p>
+                      <a:pPr latinLnBrk="1"/>
+                      <a:r>
+                        <a:rPr lang="ko-KR" altLang="en-US" sz="1100" dirty="0"/>
+                        <a:t>상세 날짜</a:t>
+                      </a:r>
+                    </a:p>
+                  </a:txBody>
+                  <a:tcPr/>
+                </a:tc>
+                <a:tc>
+                  <a:txBody>
+                    <a:bodyPr/>
+                    <a:lstStyle/>
+                    <a:p>
+                      <a:pPr marL="0" marR="0" lvl="0" indent="0" algn="l" defTabSz="914400" rtl="0" eaLnBrk="1" fontAlgn="auto" latinLnBrk="1" hangingPunct="1">
+                        <a:lnSpc>
+                          <a:spcPct val="100000"/>
+                        </a:lnSpc>
+                        <a:spcBef>
+                          <a:spcPts val="0"/>
+                        </a:spcBef>
+                        <a:spcAft>
+                          <a:spcPts val="0"/>
+                        </a:spcAft>
+                        <a:buClrTx/>
+                        <a:buSzTx/>
+                        <a:buFontTx/>
+                        <a:buNone/>
+                        <a:tabLst/>
+                        <a:defRPr/>
+                      </a:pPr>
+                      <a:r>
+                        <a:rPr lang="en-US" altLang="ko-KR" sz="1100" dirty="0"/>
+                        <a:t>“{0:D}”, now</a:t>
+                      </a:r>
+                      <a:endParaRPr lang="ko-KR" altLang="en-US" sz="1100" dirty="0"/>
+                    </a:p>
+                  </a:txBody>
+                  <a:tcPr/>
+                </a:tc>
+                <a:tc>
+                  <a:txBody>
+                    <a:bodyPr/>
+                    <a:lstStyle/>
+                    <a:p>
+                      <a:pPr latinLnBrk="1"/>
+                      <a:r>
+                        <a:rPr lang="en-US" altLang="ko-KR" sz="1100" dirty="0"/>
+                        <a:t>2013</a:t>
+                      </a:r>
+                      <a:r>
+                        <a:rPr lang="ko-KR" altLang="en-US" sz="1100" dirty="0"/>
+                        <a:t>년 </a:t>
+                      </a:r>
+                      <a:r>
+                        <a:rPr lang="en-US" altLang="ko-KR" sz="1100" dirty="0"/>
+                        <a:t>2</a:t>
+                      </a:r>
+                      <a:r>
+                        <a:rPr lang="ko-KR" altLang="en-US" sz="1100" dirty="0"/>
+                        <a:t>월 </a:t>
+                      </a:r>
+                      <a:r>
+                        <a:rPr lang="en-US" altLang="ko-KR" sz="1100" dirty="0"/>
+                        <a:t>13</a:t>
+                      </a:r>
+                      <a:r>
+                        <a:rPr lang="ko-KR" altLang="en-US" sz="1100" dirty="0"/>
+                        <a:t>일 수요일</a:t>
+                      </a:r>
+                    </a:p>
+                  </a:txBody>
+                  <a:tcPr/>
+                </a:tc>
+                <a:extLst>
+                  <a:ext uri="{0D108BD9-81ED-4DB2-BD59-A6C34878D82A}">
+                    <a16:rowId xmlns:a16="http://schemas.microsoft.com/office/drawing/2014/main" val="1691302423"/>
+                  </a:ext>
+                </a:extLst>
+              </a:tr>
+              <a:tr h="370840">
+                <a:tc>
+                  <a:txBody>
+                    <a:bodyPr/>
+                    <a:lstStyle/>
+                    <a:p>
+                      <a:pPr latinLnBrk="1"/>
+                      <a:endParaRPr lang="ko-KR" altLang="en-US" sz="1100"/>
+                    </a:p>
+                  </a:txBody>
+                  <a:tcPr/>
+                </a:tc>
+                <a:tc>
+                  <a:txBody>
+                    <a:bodyPr/>
+                    <a:lstStyle/>
+                    <a:p>
+                      <a:pPr latinLnBrk="1"/>
+                      <a:r>
+                        <a:rPr lang="en-US" altLang="ko-KR" sz="1100" dirty="0"/>
+                        <a:t>t</a:t>
+                      </a:r>
+                      <a:endParaRPr lang="ko-KR" altLang="en-US" sz="1100" dirty="0"/>
+                    </a:p>
+                  </a:txBody>
+                  <a:tcPr/>
+                </a:tc>
+                <a:tc>
+                  <a:txBody>
+                    <a:bodyPr/>
+                    <a:lstStyle/>
+                    <a:p>
+                      <a:pPr latinLnBrk="1"/>
+                      <a:r>
+                        <a:rPr lang="ko-KR" altLang="en-US" sz="1100" dirty="0"/>
+                        <a:t>단축 시간</a:t>
+                      </a:r>
+                    </a:p>
+                  </a:txBody>
+                  <a:tcPr/>
+                </a:tc>
+                <a:tc>
+                  <a:txBody>
+                    <a:bodyPr/>
+                    <a:lstStyle/>
+                    <a:p>
+                      <a:pPr marL="0" marR="0" lvl="0" indent="0" algn="l" defTabSz="914400" rtl="0" eaLnBrk="1" fontAlgn="auto" latinLnBrk="1" hangingPunct="1">
+                        <a:lnSpc>
+                          <a:spcPct val="100000"/>
+                        </a:lnSpc>
+                        <a:spcBef>
+                          <a:spcPts val="0"/>
+                        </a:spcBef>
+                        <a:spcAft>
+                          <a:spcPts val="0"/>
+                        </a:spcAft>
+                        <a:buClrTx/>
+                        <a:buSzTx/>
+                        <a:buFontTx/>
+                        <a:buNone/>
+                        <a:tabLst/>
+                        <a:defRPr/>
+                      </a:pPr>
+                      <a:r>
+                        <a:rPr lang="en-US" altLang="ko-KR" sz="1100" dirty="0"/>
+                        <a:t>“{0:t}”, now</a:t>
+                      </a:r>
+                      <a:endParaRPr lang="ko-KR" altLang="en-US" sz="1100" dirty="0"/>
+                    </a:p>
+                  </a:txBody>
+                  <a:tcPr/>
+                </a:tc>
+                <a:tc>
+                  <a:txBody>
+                    <a:bodyPr/>
+                    <a:lstStyle/>
+                    <a:p>
+                      <a:pPr latinLnBrk="1"/>
+                      <a:r>
+                        <a:rPr lang="ko-KR" altLang="en-US" sz="1100" dirty="0"/>
+                        <a:t>오후 </a:t>
+                      </a:r>
+                      <a:r>
+                        <a:rPr lang="en-US" altLang="ko-KR" sz="1100" dirty="0"/>
+                        <a:t>1:27</a:t>
+                      </a:r>
+                      <a:endParaRPr lang="ko-KR" altLang="en-US" sz="1100" dirty="0"/>
+                    </a:p>
+                  </a:txBody>
+                  <a:tcPr/>
+                </a:tc>
+                <a:extLst>
+                  <a:ext uri="{0D108BD9-81ED-4DB2-BD59-A6C34878D82A}">
+                    <a16:rowId xmlns:a16="http://schemas.microsoft.com/office/drawing/2014/main" val="2951830901"/>
+                  </a:ext>
+                </a:extLst>
+              </a:tr>
+              <a:tr h="370840">
+                <a:tc>
+                  <a:txBody>
+                    <a:bodyPr/>
+                    <a:lstStyle/>
+                    <a:p>
+                      <a:pPr latinLnBrk="1"/>
+                      <a:endParaRPr lang="ko-KR" altLang="en-US" sz="1100"/>
+                    </a:p>
+                  </a:txBody>
+                  <a:tcPr/>
+                </a:tc>
+                <a:tc>
+                  <a:txBody>
+                    <a:bodyPr/>
+                    <a:lstStyle/>
+                    <a:p>
+                      <a:pPr latinLnBrk="1"/>
+                      <a:r>
+                        <a:rPr lang="en-US" altLang="ko-KR" sz="1100" dirty="0"/>
+                        <a:t>T</a:t>
+                      </a:r>
+                      <a:endParaRPr lang="ko-KR" altLang="en-US" sz="1100" dirty="0"/>
+                    </a:p>
+                  </a:txBody>
+                  <a:tcPr/>
+                </a:tc>
+                <a:tc>
+                  <a:txBody>
+                    <a:bodyPr/>
+                    <a:lstStyle/>
+                    <a:p>
+                      <a:pPr latinLnBrk="1"/>
+                      <a:r>
+                        <a:rPr lang="ko-KR" altLang="en-US" sz="1100" dirty="0"/>
+                        <a:t>상세 시간</a:t>
+                      </a:r>
+                    </a:p>
+                  </a:txBody>
+                  <a:tcPr/>
+                </a:tc>
+                <a:tc>
+                  <a:txBody>
+                    <a:bodyPr/>
+                    <a:lstStyle/>
+                    <a:p>
+                      <a:pPr marL="0" marR="0" lvl="0" indent="0" algn="l" defTabSz="914400" rtl="0" eaLnBrk="1" fontAlgn="auto" latinLnBrk="1" hangingPunct="1">
+                        <a:lnSpc>
+                          <a:spcPct val="100000"/>
+                        </a:lnSpc>
+                        <a:spcBef>
+                          <a:spcPts val="0"/>
+                        </a:spcBef>
+                        <a:spcAft>
+                          <a:spcPts val="0"/>
+                        </a:spcAft>
+                        <a:buClrTx/>
+                        <a:buSzTx/>
+                        <a:buFontTx/>
+                        <a:buNone/>
+                        <a:tabLst/>
+                        <a:defRPr/>
+                      </a:pPr>
+                      <a:r>
+                        <a:rPr lang="en-US" altLang="ko-KR" sz="1100" dirty="0"/>
+                        <a:t>“{0:T}”, now</a:t>
+                      </a:r>
+                      <a:endParaRPr lang="ko-KR" altLang="en-US" sz="1100" dirty="0"/>
+                    </a:p>
+                  </a:txBody>
+                  <a:tcPr/>
+                </a:tc>
+                <a:tc>
+                  <a:txBody>
+                    <a:bodyPr/>
+                    <a:lstStyle/>
+                    <a:p>
+                      <a:pPr latinLnBrk="1"/>
+                      <a:r>
+                        <a:rPr lang="ko-KR" altLang="en-US" sz="1100" dirty="0"/>
+                        <a:t>오후 </a:t>
+                      </a:r>
+                      <a:r>
+                        <a:rPr lang="en-US" altLang="ko-KR" sz="1100" dirty="0"/>
+                        <a:t>1:27:52</a:t>
+                      </a:r>
+                      <a:endParaRPr lang="ko-KR" altLang="en-US" sz="1100" dirty="0"/>
+                    </a:p>
+                  </a:txBody>
+                  <a:tcPr/>
+                </a:tc>
+                <a:extLst>
+                  <a:ext uri="{0D108BD9-81ED-4DB2-BD59-A6C34878D82A}">
+                    <a16:rowId xmlns:a16="http://schemas.microsoft.com/office/drawing/2014/main" val="3188198723"/>
+                  </a:ext>
+                </a:extLst>
+              </a:tr>
+              <a:tr h="370840">
+                <a:tc>
+                  <a:txBody>
+                    <a:bodyPr/>
+                    <a:lstStyle/>
+                    <a:p>
+                      <a:pPr latinLnBrk="1"/>
+                      <a:endParaRPr lang="ko-KR" altLang="en-US" sz="1100"/>
+                    </a:p>
+                  </a:txBody>
+                  <a:tcPr/>
+                </a:tc>
+                <a:tc>
+                  <a:txBody>
+                    <a:bodyPr/>
+                    <a:lstStyle/>
+                    <a:p>
+                      <a:pPr latinLnBrk="1"/>
+                      <a:r>
+                        <a:rPr lang="en-US" altLang="ko-KR" sz="1100" dirty="0"/>
+                        <a:t>f</a:t>
+                      </a:r>
+                      <a:endParaRPr lang="ko-KR" altLang="en-US" sz="1100" dirty="0"/>
+                    </a:p>
+                  </a:txBody>
+                  <a:tcPr/>
+                </a:tc>
+                <a:tc>
+                  <a:txBody>
+                    <a:bodyPr/>
+                    <a:lstStyle/>
+                    <a:p>
+                      <a:pPr latinLnBrk="1"/>
+                      <a:r>
+                        <a:rPr lang="ko-KR" altLang="en-US" sz="1100" dirty="0"/>
+                        <a:t>전체날짜</a:t>
+                      </a:r>
+                      <a:r>
+                        <a:rPr lang="en-US" altLang="ko-KR" sz="1100" dirty="0"/>
+                        <a:t>/</a:t>
+                      </a:r>
+                      <a:r>
+                        <a:rPr lang="ko-KR" altLang="en-US" sz="1100" dirty="0"/>
+                        <a:t>단축시간</a:t>
+                      </a:r>
+                    </a:p>
+                  </a:txBody>
+                  <a:tcPr/>
+                </a:tc>
+                <a:tc>
+                  <a:txBody>
+                    <a:bodyPr/>
+                    <a:lstStyle/>
+                    <a:p>
+                      <a:pPr marL="0" marR="0" lvl="0" indent="0" algn="l" defTabSz="914400" rtl="0" eaLnBrk="1" fontAlgn="auto" latinLnBrk="1" hangingPunct="1">
+                        <a:lnSpc>
+                          <a:spcPct val="100000"/>
+                        </a:lnSpc>
+                        <a:spcBef>
+                          <a:spcPts val="0"/>
+                        </a:spcBef>
+                        <a:spcAft>
+                          <a:spcPts val="0"/>
+                        </a:spcAft>
+                        <a:buClrTx/>
+                        <a:buSzTx/>
+                        <a:buFontTx/>
+                        <a:buNone/>
+                        <a:tabLst/>
+                        <a:defRPr/>
+                      </a:pPr>
+                      <a:r>
+                        <a:rPr lang="en-US" altLang="ko-KR" sz="1100" dirty="0"/>
+                        <a:t>“{0:f}”, now</a:t>
+                      </a:r>
+                      <a:endParaRPr lang="ko-KR" altLang="en-US" sz="1100" dirty="0"/>
+                    </a:p>
+                  </a:txBody>
+                  <a:tcPr/>
+                </a:tc>
+                <a:tc>
+                  <a:txBody>
+                    <a:bodyPr/>
+                    <a:lstStyle/>
+                    <a:p>
+                      <a:pPr latinLnBrk="1"/>
+                      <a:r>
+                        <a:rPr lang="en-US" altLang="ko-KR" sz="1100" dirty="0"/>
+                        <a:t>2013</a:t>
+                      </a:r>
+                      <a:r>
+                        <a:rPr lang="ko-KR" altLang="en-US" sz="1100" dirty="0"/>
+                        <a:t>년 </a:t>
+                      </a:r>
+                      <a:r>
+                        <a:rPr lang="en-US" altLang="ko-KR" sz="1100" dirty="0"/>
+                        <a:t>2</a:t>
+                      </a:r>
+                      <a:r>
+                        <a:rPr lang="ko-KR" altLang="en-US" sz="1100" dirty="0"/>
+                        <a:t>월 </a:t>
+                      </a:r>
+                      <a:r>
+                        <a:rPr lang="en-US" altLang="ko-KR" sz="1100" dirty="0"/>
+                        <a:t>13</a:t>
+                      </a:r>
+                      <a:r>
+                        <a:rPr lang="ko-KR" altLang="en-US" sz="1100" dirty="0"/>
+                        <a:t>일 수요일 오후 </a:t>
+                      </a:r>
+                      <a:r>
+                        <a:rPr lang="en-US" altLang="ko-KR" sz="1100" dirty="0"/>
+                        <a:t>1:27</a:t>
+                      </a:r>
+                      <a:endParaRPr lang="ko-KR" altLang="en-US" sz="1100" dirty="0"/>
+                    </a:p>
+                  </a:txBody>
+                  <a:tcPr/>
+                </a:tc>
+                <a:extLst>
+                  <a:ext uri="{0D108BD9-81ED-4DB2-BD59-A6C34878D82A}">
+                    <a16:rowId xmlns:a16="http://schemas.microsoft.com/office/drawing/2014/main" val="881387382"/>
+                  </a:ext>
+                </a:extLst>
+              </a:tr>
+              <a:tr h="370840">
+                <a:tc>
+                  <a:txBody>
+                    <a:bodyPr/>
+                    <a:lstStyle/>
+                    <a:p>
+                      <a:pPr latinLnBrk="1"/>
+                      <a:endParaRPr lang="ko-KR" altLang="en-US" sz="1100" dirty="0"/>
+                    </a:p>
+                  </a:txBody>
+                  <a:tcPr/>
+                </a:tc>
+                <a:tc>
+                  <a:txBody>
+                    <a:bodyPr/>
+                    <a:lstStyle/>
+                    <a:p>
+                      <a:pPr latinLnBrk="1"/>
+                      <a:r>
+                        <a:rPr lang="en-US" altLang="ko-KR" sz="1100" dirty="0"/>
+                        <a:t>F</a:t>
+                      </a:r>
+                      <a:endParaRPr lang="ko-KR" altLang="en-US" sz="1100" dirty="0"/>
+                    </a:p>
+                  </a:txBody>
+                  <a:tcPr/>
+                </a:tc>
+                <a:tc>
+                  <a:txBody>
+                    <a:bodyPr/>
+                    <a:lstStyle/>
+                    <a:p>
+                      <a:pPr latinLnBrk="1"/>
+                      <a:r>
+                        <a:rPr lang="ko-KR" altLang="en-US" sz="1100" dirty="0"/>
+                        <a:t>전체날짜</a:t>
+                      </a:r>
+                      <a:r>
+                        <a:rPr lang="en-US" altLang="ko-KR" sz="1100" dirty="0"/>
+                        <a:t>/</a:t>
+                      </a:r>
+                      <a:r>
+                        <a:rPr lang="ko-KR" altLang="en-US" sz="1100" dirty="0"/>
+                        <a:t>상세시간</a:t>
+                      </a:r>
+                    </a:p>
+                  </a:txBody>
+                  <a:tcPr/>
+                </a:tc>
+                <a:tc>
+                  <a:txBody>
+                    <a:bodyPr/>
+                    <a:lstStyle/>
+                    <a:p>
+                      <a:pPr marL="0" marR="0" lvl="0" indent="0" algn="l" defTabSz="914400" rtl="0" eaLnBrk="1" fontAlgn="auto" latinLnBrk="1" hangingPunct="1">
+                        <a:lnSpc>
+                          <a:spcPct val="100000"/>
+                        </a:lnSpc>
+                        <a:spcBef>
+                          <a:spcPts val="0"/>
+                        </a:spcBef>
+                        <a:spcAft>
+                          <a:spcPts val="0"/>
+                        </a:spcAft>
+                        <a:buClrTx/>
+                        <a:buSzTx/>
+                        <a:buFontTx/>
+                        <a:buNone/>
+                        <a:tabLst/>
+                        <a:defRPr/>
+                      </a:pPr>
+                      <a:r>
+                        <a:rPr lang="en-US" altLang="ko-KR" sz="1100" dirty="0"/>
+                        <a:t>“{0:F}”, now</a:t>
+                      </a:r>
+                      <a:endParaRPr lang="ko-KR" altLang="en-US" sz="1100" dirty="0"/>
+                    </a:p>
+                  </a:txBody>
+                  <a:tcPr/>
+                </a:tc>
+                <a:tc>
+                  <a:txBody>
+                    <a:bodyPr/>
+                    <a:lstStyle/>
+                    <a:p>
+                      <a:pPr latinLnBrk="1"/>
+                      <a:r>
+                        <a:rPr lang="en-US" altLang="ko-KR" sz="1100" dirty="0"/>
+                        <a:t>2013</a:t>
+                      </a:r>
+                      <a:r>
+                        <a:rPr lang="ko-KR" altLang="en-US" sz="1100" dirty="0"/>
+                        <a:t>년 </a:t>
+                      </a:r>
+                      <a:r>
+                        <a:rPr lang="en-US" altLang="ko-KR" sz="1100" dirty="0"/>
+                        <a:t>2</a:t>
+                      </a:r>
+                      <a:r>
+                        <a:rPr lang="ko-KR" altLang="en-US" sz="1100" dirty="0"/>
+                        <a:t>월 </a:t>
+                      </a:r>
+                      <a:r>
+                        <a:rPr lang="en-US" altLang="ko-KR" sz="1100" dirty="0"/>
+                        <a:t>13</a:t>
+                      </a:r>
+                      <a:r>
+                        <a:rPr lang="ko-KR" altLang="en-US" sz="1100" dirty="0"/>
+                        <a:t>일 수요일 오후 </a:t>
+                      </a:r>
+                      <a:r>
+                        <a:rPr lang="en-US" altLang="ko-KR" sz="1100" dirty="0"/>
+                        <a:t>1:27:52</a:t>
+                      </a:r>
+                      <a:endParaRPr lang="ko-KR" altLang="en-US" sz="1100" dirty="0"/>
+                    </a:p>
+                  </a:txBody>
+                  <a:tcPr/>
+                </a:tc>
+                <a:extLst>
+                  <a:ext uri="{0D108BD9-81ED-4DB2-BD59-A6C34878D82A}">
+                    <a16:rowId xmlns:a16="http://schemas.microsoft.com/office/drawing/2014/main" val="401948633"/>
+                  </a:ext>
+                </a:extLst>
+              </a:tr>
+              <a:tr h="370840">
+                <a:tc>
+                  <a:txBody>
+                    <a:bodyPr/>
+                    <a:lstStyle/>
+                    <a:p>
+                      <a:pPr latinLnBrk="1"/>
+                      <a:endParaRPr lang="ko-KR" altLang="en-US" sz="1100" dirty="0"/>
+                    </a:p>
+                  </a:txBody>
+                  <a:tcPr/>
+                </a:tc>
+                <a:tc>
+                  <a:txBody>
+                    <a:bodyPr/>
+                    <a:lstStyle/>
+                    <a:p>
+                      <a:pPr latinLnBrk="1"/>
+                      <a:r>
+                        <a:rPr lang="en-US" altLang="ko-KR" sz="1100" dirty="0"/>
+                        <a:t>g</a:t>
+                      </a:r>
+                      <a:endParaRPr lang="ko-KR" altLang="en-US" sz="1100" dirty="0"/>
+                    </a:p>
+                  </a:txBody>
+                  <a:tcPr/>
+                </a:tc>
+                <a:tc>
+                  <a:txBody>
+                    <a:bodyPr/>
+                    <a:lstStyle/>
+                    <a:p>
+                      <a:pPr latinLnBrk="1"/>
+                      <a:r>
+                        <a:rPr lang="ko-KR" altLang="en-US" sz="1100" dirty="0"/>
+                        <a:t>일반날짜</a:t>
+                      </a:r>
+                      <a:r>
+                        <a:rPr lang="en-US" altLang="ko-KR" sz="1100" dirty="0"/>
+                        <a:t>/</a:t>
+                      </a:r>
+                      <a:r>
+                        <a:rPr lang="ko-KR" altLang="en-US" sz="1100" dirty="0"/>
+                        <a:t>단축시간</a:t>
+                      </a:r>
+                    </a:p>
+                  </a:txBody>
+                  <a:tcPr/>
+                </a:tc>
+                <a:tc>
+                  <a:txBody>
+                    <a:bodyPr/>
+                    <a:lstStyle/>
+                    <a:p>
+                      <a:pPr marL="0" marR="0" lvl="0" indent="0" algn="l" defTabSz="914400" rtl="0" eaLnBrk="1" fontAlgn="auto" latinLnBrk="1" hangingPunct="1">
+                        <a:lnSpc>
+                          <a:spcPct val="100000"/>
+                        </a:lnSpc>
+                        <a:spcBef>
+                          <a:spcPts val="0"/>
+                        </a:spcBef>
+                        <a:spcAft>
+                          <a:spcPts val="0"/>
+                        </a:spcAft>
+                        <a:buClrTx/>
+                        <a:buSzTx/>
+                        <a:buFontTx/>
+                        <a:buNone/>
+                        <a:tabLst/>
+                        <a:defRPr/>
+                      </a:pPr>
+                      <a:r>
+                        <a:rPr lang="en-US" altLang="ko-KR" sz="1100" dirty="0"/>
+                        <a:t>“{0:g}”, now</a:t>
+                      </a:r>
+                      <a:endParaRPr lang="ko-KR" altLang="en-US" sz="1100" dirty="0"/>
+                    </a:p>
+                  </a:txBody>
+                  <a:tcPr/>
+                </a:tc>
+                <a:tc>
+                  <a:txBody>
+                    <a:bodyPr/>
+                    <a:lstStyle/>
+                    <a:p>
+                      <a:pPr latinLnBrk="1"/>
+                      <a:r>
+                        <a:rPr lang="en-US" altLang="ko-KR" sz="1100" dirty="0"/>
+                        <a:t>2013-02-13 </a:t>
+                      </a:r>
+                      <a:r>
+                        <a:rPr lang="ko-KR" altLang="en-US" sz="1100" dirty="0"/>
+                        <a:t>오후 </a:t>
+                      </a:r>
+                      <a:r>
+                        <a:rPr lang="en-US" altLang="ko-KR" sz="1100" dirty="0"/>
+                        <a:t>1:27</a:t>
+                      </a:r>
+                      <a:endParaRPr lang="ko-KR" altLang="en-US" sz="1100" dirty="0"/>
+                    </a:p>
+                  </a:txBody>
+                  <a:tcPr/>
+                </a:tc>
+                <a:extLst>
+                  <a:ext uri="{0D108BD9-81ED-4DB2-BD59-A6C34878D82A}">
+                    <a16:rowId xmlns:a16="http://schemas.microsoft.com/office/drawing/2014/main" val="546729201"/>
+                  </a:ext>
+                </a:extLst>
+              </a:tr>
+              <a:tr h="370840">
+                <a:tc>
+                  <a:txBody>
+                    <a:bodyPr/>
+                    <a:lstStyle/>
+                    <a:p>
+                      <a:pPr latinLnBrk="1"/>
+                      <a:endParaRPr lang="ko-KR" altLang="en-US" sz="1100" dirty="0"/>
+                    </a:p>
+                  </a:txBody>
+                  <a:tcPr/>
+                </a:tc>
+                <a:tc>
+                  <a:txBody>
+                    <a:bodyPr/>
+                    <a:lstStyle/>
+                    <a:p>
+                      <a:pPr latinLnBrk="1"/>
+                      <a:r>
+                        <a:rPr lang="en-US" altLang="ko-KR" sz="1100" dirty="0"/>
+                        <a:t>G</a:t>
+                      </a:r>
+                      <a:endParaRPr lang="ko-KR" altLang="en-US" sz="1100" dirty="0"/>
+                    </a:p>
+                  </a:txBody>
+                  <a:tcPr/>
+                </a:tc>
+                <a:tc>
+                  <a:txBody>
+                    <a:bodyPr/>
+                    <a:lstStyle/>
+                    <a:p>
+                      <a:pPr latinLnBrk="1"/>
+                      <a:r>
+                        <a:rPr lang="ko-KR" altLang="en-US" sz="1100" dirty="0"/>
+                        <a:t>일반날짜</a:t>
+                      </a:r>
+                      <a:r>
+                        <a:rPr lang="en-US" altLang="ko-KR" sz="1100" dirty="0"/>
+                        <a:t>/</a:t>
+                      </a:r>
+                      <a:r>
+                        <a:rPr lang="ko-KR" altLang="en-US" sz="1100" dirty="0"/>
+                        <a:t>당세시간</a:t>
+                      </a:r>
+                    </a:p>
+                  </a:txBody>
+                  <a:tcPr/>
+                </a:tc>
+                <a:tc>
+                  <a:txBody>
+                    <a:bodyPr/>
+                    <a:lstStyle/>
+                    <a:p>
+                      <a:pPr marL="0" marR="0" lvl="0" indent="0" algn="l" defTabSz="914400" rtl="0" eaLnBrk="1" fontAlgn="auto" latinLnBrk="1" hangingPunct="1">
+                        <a:lnSpc>
+                          <a:spcPct val="100000"/>
+                        </a:lnSpc>
+                        <a:spcBef>
+                          <a:spcPts val="0"/>
+                        </a:spcBef>
+                        <a:spcAft>
+                          <a:spcPts val="0"/>
+                        </a:spcAft>
+                        <a:buClrTx/>
+                        <a:buSzTx/>
+                        <a:buFontTx/>
+                        <a:buNone/>
+                        <a:tabLst/>
+                        <a:defRPr/>
+                      </a:pPr>
+                      <a:r>
+                        <a:rPr lang="en-US" altLang="ko-KR" sz="1100" dirty="0"/>
+                        <a:t>“{0:G}”, now</a:t>
+                      </a:r>
+                      <a:endParaRPr lang="ko-KR" altLang="en-US" sz="1100" dirty="0"/>
+                    </a:p>
+                  </a:txBody>
+                  <a:tcPr/>
+                </a:tc>
+                <a:tc>
+                  <a:txBody>
+                    <a:bodyPr/>
+                    <a:lstStyle/>
+                    <a:p>
+                      <a:pPr latinLnBrk="1"/>
+                      <a:r>
+                        <a:rPr lang="en-US" altLang="ko-KR" sz="1100" dirty="0"/>
+                        <a:t>2013-02-13 </a:t>
+                      </a:r>
+                      <a:r>
+                        <a:rPr lang="ko-KR" altLang="en-US" sz="1100" dirty="0"/>
+                        <a:t>오후 </a:t>
+                      </a:r>
+                      <a:r>
+                        <a:rPr lang="en-US" altLang="ko-KR" sz="1100" dirty="0"/>
+                        <a:t>1:27:52</a:t>
+                      </a:r>
+                      <a:endParaRPr lang="ko-KR" altLang="en-US" sz="1100" dirty="0"/>
+                    </a:p>
+                  </a:txBody>
+                  <a:tcPr/>
+                </a:tc>
+                <a:extLst>
+                  <a:ext uri="{0D108BD9-81ED-4DB2-BD59-A6C34878D82A}">
+                    <a16:rowId xmlns:a16="http://schemas.microsoft.com/office/drawing/2014/main" val="928323633"/>
+                  </a:ext>
+                </a:extLst>
+              </a:tr>
+              <a:tr h="370840">
+                <a:tc>
+                  <a:txBody>
+                    <a:bodyPr/>
+                    <a:lstStyle/>
+                    <a:p>
+                      <a:pPr latinLnBrk="1"/>
+                      <a:endParaRPr lang="ko-KR" altLang="en-US" sz="1100" dirty="0"/>
+                    </a:p>
+                  </a:txBody>
+                  <a:tcPr/>
+                </a:tc>
+                <a:tc>
+                  <a:txBody>
+                    <a:bodyPr/>
+                    <a:lstStyle/>
+                    <a:p>
+                      <a:pPr latinLnBrk="1"/>
+                      <a:r>
+                        <a:rPr lang="en-US" altLang="ko-KR" sz="1100" dirty="0"/>
+                        <a:t>M</a:t>
+                      </a:r>
+                      <a:endParaRPr lang="ko-KR" altLang="en-US" sz="1100" dirty="0"/>
+                    </a:p>
+                  </a:txBody>
+                  <a:tcPr/>
+                </a:tc>
+                <a:tc>
+                  <a:txBody>
+                    <a:bodyPr/>
+                    <a:lstStyle/>
+                    <a:p>
+                      <a:pPr latinLnBrk="1"/>
+                      <a:r>
+                        <a:rPr lang="ko-KR" altLang="en-US" sz="1100" dirty="0"/>
+                        <a:t>달</a:t>
+                      </a:r>
+                    </a:p>
+                  </a:txBody>
+                  <a:tcPr/>
+                </a:tc>
+                <a:tc>
+                  <a:txBody>
+                    <a:bodyPr/>
+                    <a:lstStyle/>
+                    <a:p>
+                      <a:pPr marL="0" marR="0" lvl="0" indent="0" algn="l" defTabSz="914400" rtl="0" eaLnBrk="1" fontAlgn="auto" latinLnBrk="1" hangingPunct="1">
+                        <a:lnSpc>
+                          <a:spcPct val="100000"/>
+                        </a:lnSpc>
+                        <a:spcBef>
+                          <a:spcPts val="0"/>
+                        </a:spcBef>
+                        <a:spcAft>
+                          <a:spcPts val="0"/>
+                        </a:spcAft>
+                        <a:buClrTx/>
+                        <a:buSzTx/>
+                        <a:buFontTx/>
+                        <a:buNone/>
+                        <a:tabLst/>
+                        <a:defRPr/>
+                      </a:pPr>
+                      <a:r>
+                        <a:rPr lang="en-US" altLang="ko-KR" sz="1100" dirty="0"/>
+                        <a:t>“{0:M}”, now</a:t>
+                      </a:r>
+                      <a:endParaRPr lang="ko-KR" altLang="en-US" sz="1100" dirty="0"/>
+                    </a:p>
+                  </a:txBody>
+                  <a:tcPr/>
+                </a:tc>
+                <a:tc>
+                  <a:txBody>
+                    <a:bodyPr/>
+                    <a:lstStyle/>
+                    <a:p>
+                      <a:pPr latinLnBrk="1"/>
+                      <a:r>
+                        <a:rPr lang="en-US" altLang="ko-KR" sz="1100" dirty="0"/>
+                        <a:t>2</a:t>
+                      </a:r>
+                      <a:r>
+                        <a:rPr lang="ko-KR" altLang="en-US" sz="1100" dirty="0"/>
+                        <a:t>월 </a:t>
+                      </a:r>
+                      <a:r>
+                        <a:rPr lang="en-US" altLang="ko-KR" sz="1100" dirty="0"/>
+                        <a:t>13</a:t>
+                      </a:r>
+                      <a:r>
+                        <a:rPr lang="ko-KR" altLang="en-US" sz="1100" dirty="0"/>
+                        <a:t>일</a:t>
+                      </a:r>
+                    </a:p>
+                  </a:txBody>
+                  <a:tcPr/>
+                </a:tc>
+                <a:extLst>
+                  <a:ext uri="{0D108BD9-81ED-4DB2-BD59-A6C34878D82A}">
+                    <a16:rowId xmlns:a16="http://schemas.microsoft.com/office/drawing/2014/main" val="3199462789"/>
+                  </a:ext>
+                </a:extLst>
+              </a:tr>
+              <a:tr h="370840">
+                <a:tc>
+                  <a:txBody>
+                    <a:bodyPr/>
+                    <a:lstStyle/>
+                    <a:p>
+                      <a:pPr latinLnBrk="1"/>
+                      <a:endParaRPr lang="ko-KR" altLang="en-US" sz="1100" dirty="0"/>
+                    </a:p>
+                  </a:txBody>
+                  <a:tcPr/>
+                </a:tc>
+                <a:tc>
+                  <a:txBody>
+                    <a:bodyPr/>
+                    <a:lstStyle/>
+                    <a:p>
+                      <a:pPr latinLnBrk="1"/>
+                      <a:r>
+                        <a:rPr lang="en-US" altLang="ko-KR" sz="1100" dirty="0"/>
+                        <a:t>Y</a:t>
+                      </a:r>
+                      <a:endParaRPr lang="ko-KR" altLang="en-US" sz="1100" dirty="0"/>
+                    </a:p>
+                  </a:txBody>
+                  <a:tcPr/>
+                </a:tc>
+                <a:tc>
+                  <a:txBody>
+                    <a:bodyPr/>
+                    <a:lstStyle/>
+                    <a:p>
+                      <a:pPr latinLnBrk="1"/>
+                      <a:r>
+                        <a:rPr lang="ko-KR" altLang="en-US" sz="1100" dirty="0"/>
+                        <a:t>년</a:t>
+                      </a:r>
+                    </a:p>
+                  </a:txBody>
+                  <a:tcPr/>
+                </a:tc>
+                <a:tc>
+                  <a:txBody>
+                    <a:bodyPr/>
+                    <a:lstStyle/>
+                    <a:p>
+                      <a:pPr marL="0" marR="0" lvl="0" indent="0" algn="l" defTabSz="914400" rtl="0" eaLnBrk="1" fontAlgn="auto" latinLnBrk="1" hangingPunct="1">
+                        <a:lnSpc>
+                          <a:spcPct val="100000"/>
+                        </a:lnSpc>
+                        <a:spcBef>
+                          <a:spcPts val="0"/>
+                        </a:spcBef>
+                        <a:spcAft>
+                          <a:spcPts val="0"/>
+                        </a:spcAft>
+                        <a:buClrTx/>
+                        <a:buSzTx/>
+                        <a:buFontTx/>
+                        <a:buNone/>
+                        <a:tabLst/>
+                        <a:defRPr/>
+                      </a:pPr>
+                      <a:r>
+                        <a:rPr lang="en-US" altLang="ko-KR" sz="1100" dirty="0"/>
+                        <a:t>“{0:Y}”, now</a:t>
+                      </a:r>
+                      <a:endParaRPr lang="ko-KR" altLang="en-US" sz="1100" dirty="0"/>
+                    </a:p>
+                  </a:txBody>
+                  <a:tcPr/>
+                </a:tc>
+                <a:tc>
+                  <a:txBody>
+                    <a:bodyPr/>
+                    <a:lstStyle/>
+                    <a:p>
+                      <a:pPr latinLnBrk="1"/>
+                      <a:r>
+                        <a:rPr lang="en-US" altLang="ko-KR" sz="1100" dirty="0"/>
+                        <a:t>2013</a:t>
+                      </a:r>
+                      <a:r>
+                        <a:rPr lang="ko-KR" altLang="en-US" sz="1100" dirty="0"/>
+                        <a:t>년 </a:t>
+                      </a:r>
+                      <a:r>
+                        <a:rPr lang="en-US" altLang="ko-KR" sz="1100" dirty="0"/>
+                        <a:t>2</a:t>
+                      </a:r>
+                      <a:r>
+                        <a:rPr lang="ko-KR" altLang="en-US" sz="1100" dirty="0"/>
+                        <a:t>월</a:t>
+                      </a:r>
+                    </a:p>
+                  </a:txBody>
+                  <a:tcPr/>
+                </a:tc>
+                <a:extLst>
+                  <a:ext uri="{0D108BD9-81ED-4DB2-BD59-A6C34878D82A}">
+                    <a16:rowId xmlns:a16="http://schemas.microsoft.com/office/drawing/2014/main" val="3291673040"/>
+                  </a:ext>
+                </a:extLst>
+              </a:tr>
+            </a:tbl>
+          </a:graphicData>
+        </a:graphic>
+      </p:graphicFrame>
+    </p:spTree>
+    <p:extLst>
+      <p:ext uri="{BB962C8B-B14F-4D97-AF65-F5344CB8AC3E}">
+        <p14:creationId xmlns:p14="http://schemas.microsoft.com/office/powerpoint/2010/main" val="685926913"/>
       </p:ext>
     </p:extLst>
   </p:cSld>
@@ -14154,21 +17264,6 @@
 </file>
 
 <file path=customXml/item1.xml><?xml version="1.0" encoding="utf-8"?>
-<?mso-contentType ?>
-<FormTemplates xmlns="http://schemas.microsoft.com/sharepoint/v3/contenttype/forms">
-  <Display>DocumentLibraryForm</Display>
-  <Edit>DocumentLibraryForm</Edit>
-  <New>DocumentLibraryForm</New>
-</FormTemplates>
-</file>
-
-<file path=customXml/item2.xml><?xml version="1.0" encoding="utf-8"?>
-<p:properties xmlns:p="http://schemas.microsoft.com/office/2006/metadata/properties" xmlns:xsi="http://www.w3.org/2001/XMLSchema-instance" xmlns:pc="http://schemas.microsoft.com/office/infopath/2007/PartnerControls">
-  <documentManagement/>
-</p:properties>
-</file>
-
-<file path=customXml/item3.xml><?xml version="1.0" encoding="utf-8"?>
 <ct:contentTypeSchema xmlns:ct="http://schemas.microsoft.com/office/2006/metadata/contentType" xmlns:ma="http://schemas.microsoft.com/office/2006/metadata/properties/metaAttributes" ct:_="" ma:_="" ma:contentTypeName="문서" ma:contentTypeID="0x0101009E83431362FE4E479AFE784FA9188651" ma:contentTypeVersion="0" ma:contentTypeDescription="새 문서를 만듭니다." ma:contentTypeScope="" ma:versionID="8c3e47d44ebfc8c65f7d738e734783b1">
   <xsd:schema xmlns:xsd="http://www.w3.org/2001/XMLSchema" xmlns:xs="http://www.w3.org/2001/XMLSchema" xmlns:p="http://schemas.microsoft.com/office/2006/metadata/properties" targetNamespace="http://schemas.microsoft.com/office/2006/metadata/properties" ma:root="true" ma:fieldsID="dd8f6c9257034a6ffde9c3b3e5e5b894">
     <xsd:element name="properties">
@@ -14282,10 +17377,33 @@
 </ct:contentTypeSchema>
 </file>
 
+<file path=customXml/item2.xml><?xml version="1.0" encoding="utf-8"?>
+<p:properties xmlns:p="http://schemas.microsoft.com/office/2006/metadata/properties" xmlns:xsi="http://www.w3.org/2001/XMLSchema-instance" xmlns:pc="http://schemas.microsoft.com/office/infopath/2007/PartnerControls">
+  <documentManagement/>
+</p:properties>
+</file>
+
+<file path=customXml/item3.xml><?xml version="1.0" encoding="utf-8"?>
+<?mso-contentType ?>
+<FormTemplates xmlns="http://schemas.microsoft.com/sharepoint/v3/contenttype/forms">
+  <Display>DocumentLibraryForm</Display>
+  <Edit>DocumentLibraryForm</Edit>
+  <New>DocumentLibraryForm</New>
+</FormTemplates>
+</file>
+
 <file path=customXml/itemProps1.xml><?xml version="1.0" encoding="utf-8"?>
-<ds:datastoreItem xmlns:ds="http://schemas.openxmlformats.org/officeDocument/2006/customXml" ds:itemID="{DB0449EB-AB12-46ED-B1D5-5ADE30ED81CF}">
+<ds:datastoreItem xmlns:ds="http://schemas.openxmlformats.org/officeDocument/2006/customXml" ds:itemID="{523B2C53-46AC-4194-BE77-B01686A95413}">
   <ds:schemaRefs>
-    <ds:schemaRef ds:uri="http://schemas.microsoft.com/sharepoint/v3/contenttype/forms"/>
+    <ds:schemaRef ds:uri="http://schemas.microsoft.com/office/2006/metadata/contentType"/>
+    <ds:schemaRef ds:uri="http://schemas.microsoft.com/office/2006/metadata/properties/metaAttributes"/>
+    <ds:schemaRef ds:uri="http://www.w3.org/2001/XMLSchema"/>
+    <ds:schemaRef ds:uri="http://schemas.microsoft.com/office/2006/metadata/properties"/>
+    <ds:schemaRef ds:uri="http://schemas.openxmlformats.org/package/2006/metadata/core-properties"/>
+    <ds:schemaRef ds:uri="http://purl.org/dc/elements/1.1/"/>
+    <ds:schemaRef ds:uri="http://purl.org/dc/terms/"/>
+    <ds:schemaRef ds:uri="http://schemas.microsoft.com/internal/obd"/>
+    <ds:schemaRef ds:uri="http://schemas.microsoft.com/office/infopath/2007/PartnerControls"/>
   </ds:schemaRefs>
 </ds:datastoreItem>
 </file>
@@ -14306,17 +17424,9 @@
 </file>
 
 <file path=customXml/itemProps3.xml><?xml version="1.0" encoding="utf-8"?>
-<ds:datastoreItem xmlns:ds="http://schemas.openxmlformats.org/officeDocument/2006/customXml" ds:itemID="{523B2C53-46AC-4194-BE77-B01686A95413}">
+<ds:datastoreItem xmlns:ds="http://schemas.openxmlformats.org/officeDocument/2006/customXml" ds:itemID="{DB0449EB-AB12-46ED-B1D5-5ADE30ED81CF}">
   <ds:schemaRefs>
-    <ds:schemaRef ds:uri="http://schemas.microsoft.com/office/2006/metadata/contentType"/>
-    <ds:schemaRef ds:uri="http://schemas.microsoft.com/office/2006/metadata/properties/metaAttributes"/>
-    <ds:schemaRef ds:uri="http://www.w3.org/2001/XMLSchema"/>
-    <ds:schemaRef ds:uri="http://schemas.microsoft.com/office/2006/metadata/properties"/>
-    <ds:schemaRef ds:uri="http://schemas.openxmlformats.org/package/2006/metadata/core-properties"/>
-    <ds:schemaRef ds:uri="http://purl.org/dc/elements/1.1/"/>
-    <ds:schemaRef ds:uri="http://purl.org/dc/terms/"/>
-    <ds:schemaRef ds:uri="http://schemas.microsoft.com/internal/obd"/>
-    <ds:schemaRef ds:uri="http://schemas.microsoft.com/office/infopath/2007/PartnerControls"/>
+    <ds:schemaRef ds:uri="http://schemas.microsoft.com/sharepoint/v3/contenttype/forms"/>
   </ds:schemaRefs>
 </ds:datastoreItem>
 </file>
--- a/CSharpStudy.Day20200627/Base Class Library.pptx
+++ b/CSharpStudy.Day20200627/Base Class Library.pptx
@@ -11841,7 +11841,7 @@
         <p:spPr>
           <a:xfrm>
             <a:off x="416496" y="1205644"/>
-            <a:ext cx="9073008" cy="1020216"/>
+            <a:ext cx="9073008" cy="2959208"/>
           </a:xfrm>
           <a:prstGeom prst="rect">
             <a:avLst/>
@@ -11863,6 +11863,105 @@
                 <a:spcPct val="150000"/>
               </a:lnSpc>
             </a:pPr>
+            <a:r>
+              <a:rPr lang="en-US" altLang="ko-KR" sz="1400" b="1" dirty="0"/>
+              <a:t> </a:t>
+            </a:r>
+          </a:p>
+          <a:p>
+            <a:pPr>
+              <a:lnSpc>
+                <a:spcPct val="150000"/>
+              </a:lnSpc>
+            </a:pPr>
+            <a:r>
+              <a:rPr lang="en-US" altLang="ko-KR" sz="1400" b="1" dirty="0"/>
+              <a:t> </a:t>
+            </a:r>
+            <a:r>
+              <a:rPr lang="ko-KR" altLang="en-US" sz="1400" b="1" dirty="0"/>
+              <a:t>문자가 숫자로 표현되는 것을 인코딩</a:t>
+            </a:r>
+            <a:r>
+              <a:rPr lang="en-US" altLang="ko-KR" sz="1400" b="1" dirty="0"/>
+              <a:t>(Encoding:</a:t>
+            </a:r>
+            <a:r>
+              <a:rPr lang="ko-KR" altLang="en-US" sz="1400" b="1" dirty="0"/>
+              <a:t>부호화</a:t>
+            </a:r>
+            <a:r>
+              <a:rPr lang="en-US" altLang="ko-KR" sz="1400" b="1" dirty="0"/>
+              <a:t>)</a:t>
+            </a:r>
+            <a:r>
+              <a:rPr lang="ko-KR" altLang="en-US" sz="1400" b="1" dirty="0"/>
+              <a:t>이라 한다</a:t>
+            </a:r>
+            <a:r>
+              <a:rPr lang="en-US" altLang="ko-KR" sz="1400" b="1" dirty="0"/>
+              <a:t>.</a:t>
+            </a:r>
+          </a:p>
+          <a:p>
+            <a:pPr>
+              <a:lnSpc>
+                <a:spcPct val="150000"/>
+              </a:lnSpc>
+            </a:pPr>
+            <a:endParaRPr lang="en-US" altLang="ko-KR" sz="1400" b="1" dirty="0"/>
+          </a:p>
+          <a:p>
+            <a:pPr>
+              <a:lnSpc>
+                <a:spcPct val="150000"/>
+              </a:lnSpc>
+            </a:pPr>
+            <a:r>
+              <a:rPr lang="en-US" altLang="ko-KR" sz="1400" b="1" dirty="0"/>
+              <a:t>ASCII </a:t>
+            </a:r>
+            <a:r>
+              <a:rPr lang="ko-KR" altLang="en-US" sz="1400" b="1" dirty="0"/>
+              <a:t>코드</a:t>
+            </a:r>
+            <a:r>
+              <a:rPr lang="en-US" altLang="ko-KR" sz="1400" b="1" dirty="0"/>
+              <a:t>(0 ~ 127)</a:t>
+            </a:r>
+          </a:p>
+          <a:p>
+            <a:pPr>
+              <a:lnSpc>
+                <a:spcPct val="150000"/>
+              </a:lnSpc>
+            </a:pPr>
+            <a:r>
+              <a:rPr lang="en-US" altLang="ko-KR" sz="1400" dirty="0">
+                <a:hlinkClick r:id="rId2"/>
+              </a:rPr>
+              <a:t>https://namu.wiki/w/%EC%95%84%EC%8A%A4%ED%82%A4%20%EC%BD%94%EB%93%9C</a:t>
+            </a:r>
+            <a:endParaRPr lang="en-US" altLang="ko-KR" sz="1400" dirty="0"/>
+          </a:p>
+          <a:p>
+            <a:pPr>
+              <a:lnSpc>
+                <a:spcPct val="150000"/>
+              </a:lnSpc>
+            </a:pPr>
+            <a:endParaRPr lang="en-US" altLang="ko-KR" sz="1400" b="1" dirty="0"/>
+          </a:p>
+          <a:p>
+            <a:pPr>
+              <a:lnSpc>
+                <a:spcPct val="150000"/>
+              </a:lnSpc>
+            </a:pPr>
+            <a:r>
+              <a:rPr lang="ko-KR" altLang="en-US" sz="1400" b="1" dirty="0"/>
+              <a:t> </a:t>
+            </a:r>
             <a:endParaRPr lang="en-US" altLang="ko-KR" sz="1400" b="1" dirty="0"/>
           </a:p>
           <a:p>

--- a/CSharpStudy.Day20200627/Base Class Library.pptx
+++ b/CSharpStudy.Day20200627/Base Class Library.pptx
@@ -5,7 +5,7 @@
     <p:sldMasterId id="2147483648" r:id="rId4"/>
   </p:sldMasterIdLst>
   <p:notesMasterIdLst>
-    <p:notesMasterId r:id="rId16"/>
+    <p:notesMasterId r:id="rId20"/>
   </p:notesMasterIdLst>
   <p:sldIdLst>
     <p:sldId id="272" r:id="rId5"/>
@@ -19,6 +19,10 @@
     <p:sldId id="281" r:id="rId13"/>
     <p:sldId id="279" r:id="rId14"/>
     <p:sldId id="282" r:id="rId15"/>
+    <p:sldId id="283" r:id="rId16"/>
+    <p:sldId id="284" r:id="rId17"/>
+    <p:sldId id="285" r:id="rId18"/>
+    <p:sldId id="286" r:id="rId19"/>
   </p:sldIdLst>
   <p:sldSz cx="9906000" cy="6858000" type="A4"/>
   <p:notesSz cx="6797675" cy="9926638"/>
@@ -11841,7 +11845,7 @@
         <p:spPr>
           <a:xfrm>
             <a:off x="416496" y="1205644"/>
-            <a:ext cx="9073008" cy="2959208"/>
+            <a:ext cx="9073008" cy="4575035"/>
           </a:xfrm>
           <a:prstGeom prst="rect">
             <a:avLst/>
@@ -11950,7 +11954,7 @@
                 <a:spcPct val="150000"/>
               </a:lnSpc>
             </a:pPr>
-            <a:endParaRPr lang="en-US" altLang="ko-KR" sz="1400" b="1" dirty="0"/>
+            <a:endParaRPr lang="en-US" altLang="ko-KR" sz="1400" dirty="0"/>
           </a:p>
           <a:p>
             <a:pPr>
@@ -11958,11 +11962,31 @@
                 <a:spcPct val="150000"/>
               </a:lnSpc>
             </a:pPr>
-            <a:r>
-              <a:rPr lang="ko-KR" altLang="en-US" sz="1400" b="1" dirty="0"/>
-              <a:t> </a:t>
-            </a:r>
-            <a:endParaRPr lang="en-US" altLang="ko-KR" sz="1400" b="1" dirty="0"/>
+            <a:endParaRPr lang="en-US" altLang="ko-KR" sz="1400" dirty="0"/>
+          </a:p>
+          <a:p>
+            <a:pPr>
+              <a:lnSpc>
+                <a:spcPct val="150000"/>
+              </a:lnSpc>
+            </a:pPr>
+            <a:endParaRPr lang="en-US" altLang="ko-KR" sz="1400" dirty="0"/>
+          </a:p>
+          <a:p>
+            <a:pPr>
+              <a:lnSpc>
+                <a:spcPct val="150000"/>
+              </a:lnSpc>
+            </a:pPr>
+            <a:endParaRPr lang="en-US" altLang="ko-KR" sz="1400" dirty="0"/>
+          </a:p>
+          <a:p>
+            <a:pPr>
+              <a:lnSpc>
+                <a:spcPct val="150000"/>
+              </a:lnSpc>
+            </a:pPr>
+            <a:endParaRPr lang="en-US" altLang="ko-KR" sz="1400" dirty="0"/>
           </a:p>
           <a:p>
             <a:pPr>
@@ -11978,6 +12002,751 @@
                 <a:spcPct val="150000"/>
               </a:lnSpc>
             </a:pPr>
+            <a:r>
+              <a:rPr lang="ko-KR" altLang="en-US" sz="1400" b="1" dirty="0"/>
+              <a:t> </a:t>
+            </a:r>
+            <a:endParaRPr lang="en-US" altLang="ko-KR" sz="1400" b="1" dirty="0"/>
+          </a:p>
+          <a:p>
+            <a:pPr>
+              <a:lnSpc>
+                <a:spcPct val="150000"/>
+              </a:lnSpc>
+            </a:pPr>
+            <a:endParaRPr lang="en-US" altLang="ko-KR" sz="1400" b="1" dirty="0"/>
+          </a:p>
+          <a:p>
+            <a:pPr>
+              <a:lnSpc>
+                <a:spcPct val="150000"/>
+              </a:lnSpc>
+            </a:pPr>
+            <a:endParaRPr lang="en-US" altLang="ko-KR" sz="1400" b="1" dirty="0"/>
+          </a:p>
+        </p:txBody>
+      </p:sp>
+      <p:graphicFrame>
+        <p:nvGraphicFramePr>
+          <p:cNvPr id="6" name="표 6">
+            <a:extLst>
+              <a:ext uri="{FF2B5EF4-FFF2-40B4-BE49-F238E27FC236}">
+                <a16:creationId xmlns:a16="http://schemas.microsoft.com/office/drawing/2014/main" id="{1477CB50-A438-403E-A95D-E3EC05001F37}"/>
+              </a:ext>
+            </a:extLst>
+          </p:cNvPr>
+          <p:cNvGraphicFramePr>
+            <a:graphicFrameLocks noGrp="1"/>
+          </p:cNvGraphicFramePr>
+          <p:nvPr>
+            <p:extLst>
+              <p:ext uri="{D42A27DB-BD31-4B8C-83A1-F6EECF244321}">
+                <p14:modId xmlns:p14="http://schemas.microsoft.com/office/powerpoint/2010/main" val="2278433514"/>
+              </p:ext>
+            </p:extLst>
+          </p:nvPr>
+        </p:nvGraphicFramePr>
+        <p:xfrm>
+          <a:off x="776536" y="3052332"/>
+          <a:ext cx="8208912" cy="2311400"/>
+        </p:xfrm>
+        <a:graphic>
+          <a:graphicData uri="http://schemas.openxmlformats.org/drawingml/2006/table">
+            <a:tbl>
+              <a:tblPr firstRow="1" bandRow="1">
+                <a:tableStyleId>{5C22544A-7EE6-4342-B048-85BDC9FD1C3A}</a:tableStyleId>
+              </a:tblPr>
+              <a:tblGrid>
+                <a:gridCol w="2851351">
+                  <a:extLst>
+                    <a:ext uri="{9D8B030D-6E8A-4147-A177-3AD203B41FA5}">
+                      <a16:colId xmlns:a16="http://schemas.microsoft.com/office/drawing/2014/main" val="2708769345"/>
+                    </a:ext>
+                  </a:extLst>
+                </a:gridCol>
+                <a:gridCol w="5357561">
+                  <a:extLst>
+                    <a:ext uri="{9D8B030D-6E8A-4147-A177-3AD203B41FA5}">
+                      <a16:colId xmlns:a16="http://schemas.microsoft.com/office/drawing/2014/main" val="1228429658"/>
+                    </a:ext>
+                  </a:extLst>
+                </a:gridCol>
+              </a:tblGrid>
+              <a:tr h="370840">
+                <a:tc>
+                  <a:txBody>
+                    <a:bodyPr/>
+                    <a:lstStyle/>
+                    <a:p>
+                      <a:pPr latinLnBrk="1"/>
+                      <a:r>
+                        <a:rPr lang="ko-KR" altLang="en-US" sz="1400" b="1" dirty="0"/>
+                        <a:t>정적 속성</a:t>
+                      </a:r>
+                    </a:p>
+                  </a:txBody>
+                  <a:tcPr/>
+                </a:tc>
+                <a:tc>
+                  <a:txBody>
+                    <a:bodyPr/>
+                    <a:lstStyle/>
+                    <a:p>
+                      <a:pPr latinLnBrk="1"/>
+                      <a:r>
+                        <a:rPr lang="ko-KR" altLang="en-US" sz="1400" b="1" dirty="0"/>
+                        <a:t>설명</a:t>
+                      </a:r>
+                    </a:p>
+                  </a:txBody>
+                  <a:tcPr/>
+                </a:tc>
+                <a:extLst>
+                  <a:ext uri="{0D108BD9-81ED-4DB2-BD59-A6C34878D82A}">
+                    <a16:rowId xmlns:a16="http://schemas.microsoft.com/office/drawing/2014/main" val="3542853338"/>
+                  </a:ext>
+                </a:extLst>
+              </a:tr>
+              <a:tr h="370840">
+                <a:tc>
+                  <a:txBody>
+                    <a:bodyPr/>
+                    <a:lstStyle/>
+                    <a:p>
+                      <a:pPr latinLnBrk="1"/>
+                      <a:r>
+                        <a:rPr lang="en-US" altLang="ko-KR" sz="1200" b="0" dirty="0"/>
+                        <a:t>ASCII</a:t>
+                      </a:r>
+                      <a:endParaRPr lang="ko-KR" altLang="en-US" sz="1200" b="0" dirty="0"/>
+                    </a:p>
+                  </a:txBody>
+                  <a:tcPr/>
+                </a:tc>
+                <a:tc>
+                  <a:txBody>
+                    <a:bodyPr/>
+                    <a:lstStyle/>
+                    <a:p>
+                      <a:pPr latinLnBrk="1"/>
+                      <a:r>
+                        <a:rPr lang="en-US" altLang="ko-KR" sz="1200" b="0" dirty="0"/>
+                        <a:t>7</a:t>
+                      </a:r>
+                      <a:r>
+                        <a:rPr lang="ko-KR" altLang="en-US" sz="1200" b="0" dirty="0"/>
+                        <a:t>비트 </a:t>
+                      </a:r>
+                      <a:r>
+                        <a:rPr lang="en-US" altLang="ko-KR" sz="1200" b="0" dirty="0"/>
+                        <a:t>ASCII </a:t>
+                      </a:r>
+                      <a:r>
+                        <a:rPr lang="ko-KR" altLang="en-US" sz="1200" b="0" dirty="0"/>
+                        <a:t>문자셋을 위한 인코딩</a:t>
+                      </a:r>
+                    </a:p>
+                  </a:txBody>
+                  <a:tcPr/>
+                </a:tc>
+                <a:extLst>
+                  <a:ext uri="{0D108BD9-81ED-4DB2-BD59-A6C34878D82A}">
+                    <a16:rowId xmlns:a16="http://schemas.microsoft.com/office/drawing/2014/main" val="129898098"/>
+                  </a:ext>
+                </a:extLst>
+              </a:tr>
+              <a:tr h="370840">
+                <a:tc>
+                  <a:txBody>
+                    <a:bodyPr/>
+                    <a:lstStyle/>
+                    <a:p>
+                      <a:pPr latinLnBrk="1"/>
+                      <a:r>
+                        <a:rPr lang="en-US" altLang="ko-KR" sz="1200" b="0" dirty="0"/>
+                        <a:t>Default</a:t>
+                      </a:r>
+                      <a:endParaRPr lang="ko-KR" altLang="en-US" sz="1200" b="0" dirty="0"/>
+                    </a:p>
+                  </a:txBody>
+                  <a:tcPr/>
+                </a:tc>
+                <a:tc>
+                  <a:txBody>
+                    <a:bodyPr/>
+                    <a:lstStyle/>
+                    <a:p>
+                      <a:pPr latinLnBrk="1"/>
+                      <a:r>
+                        <a:rPr lang="ko-KR" altLang="en-US" sz="1200" b="0" dirty="0"/>
+                        <a:t>시스템 기본 문자셋을 위한 인코딩</a:t>
+                      </a:r>
+                      <a:endParaRPr lang="en-US" altLang="ko-KR" sz="1200" b="0" dirty="0"/>
+                    </a:p>
+                    <a:p>
+                      <a:pPr latinLnBrk="1"/>
+                      <a:r>
+                        <a:rPr lang="en-US" altLang="ko-KR" sz="1200" b="0" dirty="0"/>
+                        <a:t>(</a:t>
+                      </a:r>
+                      <a:r>
+                        <a:rPr lang="ko-KR" altLang="en-US" sz="1200" b="0" dirty="0"/>
+                        <a:t>한글 윈도우의 경우 </a:t>
+                      </a:r>
+                      <a:r>
+                        <a:rPr lang="en-US" altLang="ko-KR" sz="1200" b="0" dirty="0"/>
+                        <a:t>ks_c_5601_1987, </a:t>
+                      </a:r>
+                      <a:r>
+                        <a:rPr lang="ko-KR" altLang="en-US" sz="1200" b="0" dirty="0"/>
+                        <a:t>영문 윈도우의 경우 </a:t>
+                      </a:r>
+                      <a:r>
+                        <a:rPr lang="en-US" altLang="ko-KR" sz="1200" b="0" dirty="0"/>
+                        <a:t>iso-8859-1)</a:t>
+                      </a:r>
+                      <a:endParaRPr lang="ko-KR" altLang="en-US" sz="1200" b="0" dirty="0"/>
+                    </a:p>
+                  </a:txBody>
+                  <a:tcPr/>
+                </a:tc>
+                <a:extLst>
+                  <a:ext uri="{0D108BD9-81ED-4DB2-BD59-A6C34878D82A}">
+                    <a16:rowId xmlns:a16="http://schemas.microsoft.com/office/drawing/2014/main" val="1584227302"/>
+                  </a:ext>
+                </a:extLst>
+              </a:tr>
+              <a:tr h="370840">
+                <a:tc>
+                  <a:txBody>
+                    <a:bodyPr/>
+                    <a:lstStyle/>
+                    <a:p>
+                      <a:pPr latinLnBrk="1"/>
+                      <a:r>
+                        <a:rPr lang="en-US" altLang="ko-KR" sz="1200" b="0" dirty="0"/>
+                        <a:t>Unicode</a:t>
+                      </a:r>
+                      <a:endParaRPr lang="ko-KR" altLang="en-US" sz="1200" b="0" dirty="0"/>
+                    </a:p>
+                  </a:txBody>
+                  <a:tcPr/>
+                </a:tc>
+                <a:tc>
+                  <a:txBody>
+                    <a:bodyPr/>
+                    <a:lstStyle/>
+                    <a:p>
+                      <a:pPr latinLnBrk="1"/>
+                      <a:r>
+                        <a:rPr lang="ko-KR" altLang="en-US" sz="1200" b="0" dirty="0"/>
+                        <a:t>유니코드 문자셋의 </a:t>
+                      </a:r>
+                      <a:r>
+                        <a:rPr lang="en-US" altLang="ko-KR" sz="1200" b="0" dirty="0"/>
+                        <a:t>UTF-16 </a:t>
+                      </a:r>
+                      <a:r>
+                        <a:rPr lang="ko-KR" altLang="en-US" sz="1200" b="0" dirty="0"/>
+                        <a:t>인코딩</a:t>
+                      </a:r>
+                    </a:p>
+                  </a:txBody>
+                  <a:tcPr/>
+                </a:tc>
+                <a:extLst>
+                  <a:ext uri="{0D108BD9-81ED-4DB2-BD59-A6C34878D82A}">
+                    <a16:rowId xmlns:a16="http://schemas.microsoft.com/office/drawing/2014/main" val="3635699461"/>
+                  </a:ext>
+                </a:extLst>
+              </a:tr>
+              <a:tr h="370840">
+                <a:tc>
+                  <a:txBody>
+                    <a:bodyPr/>
+                    <a:lstStyle/>
+                    <a:p>
+                      <a:pPr latinLnBrk="1"/>
+                      <a:r>
+                        <a:rPr lang="en-US" altLang="ko-KR" sz="1200" b="0" dirty="0"/>
+                        <a:t>UTF32</a:t>
+                      </a:r>
+                      <a:endParaRPr lang="ko-KR" altLang="en-US" sz="1200" b="0" dirty="0"/>
+                    </a:p>
+                  </a:txBody>
+                  <a:tcPr/>
+                </a:tc>
+                <a:tc>
+                  <a:txBody>
+                    <a:bodyPr/>
+                    <a:lstStyle/>
+                    <a:p>
+                      <a:pPr latinLnBrk="1"/>
+                      <a:r>
+                        <a:rPr lang="ko-KR" altLang="en-US" sz="1200" b="0" dirty="0"/>
+                        <a:t>유니코드 문자셋의 </a:t>
+                      </a:r>
+                      <a:r>
+                        <a:rPr lang="en-US" altLang="ko-KR" sz="1200" b="0" dirty="0"/>
+                        <a:t>UTF-32 </a:t>
+                      </a:r>
+                      <a:r>
+                        <a:rPr lang="ko-KR" altLang="en-US" sz="1200" b="0" dirty="0"/>
+                        <a:t>인코딩</a:t>
+                      </a:r>
+                    </a:p>
+                  </a:txBody>
+                  <a:tcPr/>
+                </a:tc>
+                <a:extLst>
+                  <a:ext uri="{0D108BD9-81ED-4DB2-BD59-A6C34878D82A}">
+                    <a16:rowId xmlns:a16="http://schemas.microsoft.com/office/drawing/2014/main" val="2621055362"/>
+                  </a:ext>
+                </a:extLst>
+              </a:tr>
+              <a:tr h="370840">
+                <a:tc>
+                  <a:txBody>
+                    <a:bodyPr/>
+                    <a:lstStyle/>
+                    <a:p>
+                      <a:pPr latinLnBrk="1"/>
+                      <a:r>
+                        <a:rPr lang="en-US" altLang="ko-KR" sz="1200" b="0" dirty="0"/>
+                        <a:t>UTF8</a:t>
+                      </a:r>
+                      <a:endParaRPr lang="ko-KR" altLang="en-US" sz="1200" b="0" dirty="0"/>
+                    </a:p>
+                  </a:txBody>
+                  <a:tcPr/>
+                </a:tc>
+                <a:tc>
+                  <a:txBody>
+                    <a:bodyPr/>
+                    <a:lstStyle/>
+                    <a:p>
+                      <a:pPr latinLnBrk="1"/>
+                      <a:r>
+                        <a:rPr lang="ko-KR" altLang="en-US" sz="1200" b="0" dirty="0"/>
+                        <a:t>유니코드 문자셋의 </a:t>
+                      </a:r>
+                      <a:r>
+                        <a:rPr lang="en-US" altLang="ko-KR" sz="1200" b="0" dirty="0"/>
+                        <a:t>UTF-8 </a:t>
+                      </a:r>
+                      <a:r>
+                        <a:rPr lang="ko-KR" altLang="en-US" sz="1200" b="0" dirty="0"/>
+                        <a:t>인코딩</a:t>
+                      </a:r>
+                    </a:p>
+                  </a:txBody>
+                  <a:tcPr/>
+                </a:tc>
+                <a:extLst>
+                  <a:ext uri="{0D108BD9-81ED-4DB2-BD59-A6C34878D82A}">
+                    <a16:rowId xmlns:a16="http://schemas.microsoft.com/office/drawing/2014/main" val="3987711812"/>
+                  </a:ext>
+                </a:extLst>
+              </a:tr>
+            </a:tbl>
+          </a:graphicData>
+        </a:graphic>
+      </p:graphicFrame>
+    </p:spTree>
+    <p:extLst>
+      <p:ext uri="{BB962C8B-B14F-4D97-AF65-F5344CB8AC3E}">
+        <p14:creationId xmlns:p14="http://schemas.microsoft.com/office/powerpoint/2010/main" val="1668457813"/>
+      </p:ext>
+    </p:extLst>
+  </p:cSld>
+  <p:clrMapOvr>
+    <a:masterClrMapping/>
+  </p:clrMapOvr>
+</p:sld>
+</file>
+
+<file path=ppt/slides/slide12.xml><?xml version="1.0" encoding="utf-8"?>
+<p:sld xmlns:a="http://schemas.openxmlformats.org/drawingml/2006/main" xmlns:r="http://schemas.openxmlformats.org/officeDocument/2006/relationships" xmlns:p="http://schemas.openxmlformats.org/presentationml/2006/main">
+  <p:cSld>
+    <p:spTree>
+      <p:nvGrpSpPr>
+        <p:cNvPr id="1" name=""/>
+        <p:cNvGrpSpPr/>
+        <p:nvPr/>
+      </p:nvGrpSpPr>
+      <p:grpSpPr>
+        <a:xfrm>
+          <a:off x="0" y="0"/>
+          <a:ext cx="0" cy="0"/>
+          <a:chOff x="0" y="0"/>
+          <a:chExt cx="0" cy="0"/>
+        </a:xfrm>
+      </p:grpSpPr>
+      <p:sp>
+        <p:nvSpPr>
+          <p:cNvPr id="2" name="제목 1"/>
+          <p:cNvSpPr>
+            <a:spLocks noGrp="1"/>
+          </p:cNvSpPr>
+          <p:nvPr>
+            <p:ph type="title"/>
+          </p:nvPr>
+        </p:nvSpPr>
+        <p:spPr/>
+        <p:txBody>
+          <a:bodyPr/>
+          <a:lstStyle/>
+          <a:p>
+            <a:r>
+              <a:rPr lang="en-US" altLang="ko-KR" dirty="0"/>
+              <a:t>Base</a:t>
+            </a:r>
+            <a:r>
+              <a:rPr lang="ko-KR" altLang="en-US" dirty="0"/>
+              <a:t> </a:t>
+            </a:r>
+            <a:r>
+              <a:rPr lang="en-US" altLang="ko-KR" dirty="0"/>
+              <a:t>Class Library</a:t>
+            </a:r>
+            <a:endParaRPr lang="ko-KR" altLang="en-US" dirty="0"/>
+          </a:p>
+        </p:txBody>
+      </p:sp>
+      <p:sp>
+        <p:nvSpPr>
+          <p:cNvPr id="3" name="텍스트 개체 틀 2"/>
+          <p:cNvSpPr>
+            <a:spLocks noGrp="1"/>
+          </p:cNvSpPr>
+          <p:nvPr>
+            <p:ph type="body" sz="quarter" idx="12"/>
+          </p:nvPr>
+        </p:nvSpPr>
+        <p:spPr/>
+        <p:txBody>
+          <a:bodyPr/>
+          <a:lstStyle/>
+          <a:p>
+            <a:r>
+              <a:rPr lang="ko-KR" altLang="en-US" dirty="0"/>
+              <a:t>이바우</a:t>
+            </a:r>
+          </a:p>
+        </p:txBody>
+      </p:sp>
+      <p:sp>
+        <p:nvSpPr>
+          <p:cNvPr id="4" name="TextBox 3">
+            <a:extLst>
+              <a:ext uri="{FF2B5EF4-FFF2-40B4-BE49-F238E27FC236}">
+                <a16:creationId xmlns:a16="http://schemas.microsoft.com/office/drawing/2014/main" id="{63CD2FF7-E5C7-4CC9-84B6-B2295EAC55C0}"/>
+              </a:ext>
+            </a:extLst>
+          </p:cNvPr>
+          <p:cNvSpPr txBox="1"/>
+          <p:nvPr/>
+        </p:nvSpPr>
+        <p:spPr>
+          <a:xfrm>
+            <a:off x="416496" y="836712"/>
+            <a:ext cx="2024080" cy="373885"/>
+          </a:xfrm>
+          <a:prstGeom prst="rect">
+            <a:avLst/>
+          </a:prstGeom>
+          <a:ln w="28575">
+            <a:solidFill>
+              <a:schemeClr val="tx1"/>
+            </a:solidFill>
+          </a:ln>
+        </p:spPr>
+        <p:txBody>
+          <a:bodyPr wrap="none" rtlCol="0">
+            <a:spAutoFit/>
+          </a:bodyPr>
+          <a:lstStyle/>
+          <a:p>
+            <a:pPr>
+              <a:lnSpc>
+                <a:spcPct val="150000"/>
+              </a:lnSpc>
+            </a:pPr>
+            <a:r>
+              <a:rPr lang="en-US" altLang="ko-KR" sz="1400" b="1" dirty="0" err="1"/>
+              <a:t>System.Text.Encoding</a:t>
+            </a:r>
+            <a:endParaRPr lang="en-US" altLang="ko-KR" sz="1400" b="1" dirty="0"/>
+          </a:p>
+        </p:txBody>
+      </p:sp>
+      <p:sp>
+        <p:nvSpPr>
+          <p:cNvPr id="5" name="TextBox 4">
+            <a:extLst>
+              <a:ext uri="{FF2B5EF4-FFF2-40B4-BE49-F238E27FC236}">
+                <a16:creationId xmlns:a16="http://schemas.microsoft.com/office/drawing/2014/main" id="{3E380147-310D-4726-B4FD-EA889EB13697}"/>
+              </a:ext>
+            </a:extLst>
+          </p:cNvPr>
+          <p:cNvSpPr txBox="1"/>
+          <p:nvPr/>
+        </p:nvSpPr>
+        <p:spPr>
+          <a:xfrm>
+            <a:off x="416496" y="1205644"/>
+            <a:ext cx="9073008" cy="5221366"/>
+          </a:xfrm>
+          <a:prstGeom prst="rect">
+            <a:avLst/>
+          </a:prstGeom>
+          <a:ln w="28575">
+            <a:solidFill>
+              <a:schemeClr val="tx1"/>
+            </a:solidFill>
+          </a:ln>
+        </p:spPr>
+        <p:txBody>
+          <a:bodyPr wrap="square" rtlCol="0">
+            <a:spAutoFit/>
+          </a:bodyPr>
+          <a:lstStyle/>
+          <a:p>
+            <a:pPr>
+              <a:lnSpc>
+                <a:spcPct val="150000"/>
+              </a:lnSpc>
+            </a:pPr>
+            <a:r>
+              <a:rPr lang="en-US" altLang="ko-KR" sz="1400" b="1" dirty="0"/>
+              <a:t> </a:t>
+            </a:r>
+          </a:p>
+          <a:p>
+            <a:pPr>
+              <a:lnSpc>
+                <a:spcPct val="150000"/>
+              </a:lnSpc>
+            </a:pPr>
+            <a:r>
+              <a:rPr lang="en-US" altLang="ko-KR" sz="1400" b="1" dirty="0"/>
+              <a:t> Base64 “Byte[] </a:t>
+            </a:r>
+            <a:r>
+              <a:rPr lang="ko-KR" altLang="en-US" sz="1400" b="1" dirty="0"/>
+              <a:t>배열을 웹상에서 전송하기 위해 많이 사용되는 방식</a:t>
+            </a:r>
+            <a:r>
+              <a:rPr lang="en-US" altLang="ko-KR" sz="1400" b="1" dirty="0"/>
+              <a:t>”</a:t>
+            </a:r>
+          </a:p>
+          <a:p>
+            <a:pPr>
+              <a:lnSpc>
+                <a:spcPct val="150000"/>
+              </a:lnSpc>
+            </a:pPr>
+            <a:r>
+              <a:rPr lang="en-US" altLang="ko-KR" sz="1400" dirty="0">
+                <a:hlinkClick r:id="rId2"/>
+              </a:rPr>
+              <a:t>https://ko.wikipedia.org/wiki/%EB%B2%A0%EC%9D%B4%EC%8A%A464</a:t>
+            </a:r>
+            <a:endParaRPr lang="en-US" altLang="ko-KR" sz="1400" dirty="0"/>
+          </a:p>
+          <a:p>
+            <a:pPr>
+              <a:lnSpc>
+                <a:spcPct val="150000"/>
+              </a:lnSpc>
+            </a:pPr>
+            <a:r>
+              <a:rPr lang="ko-KR" altLang="en-US" sz="1400" b="1" dirty="0" err="1"/>
+              <a:t>인코딩된</a:t>
+            </a:r>
+            <a:r>
+              <a:rPr lang="ko-KR" altLang="en-US" sz="1400" b="1" dirty="0"/>
+              <a:t> 문자열은 알파벳 대소문자와 숫자</a:t>
+            </a:r>
+            <a:r>
+              <a:rPr lang="en-US" altLang="ko-KR" sz="1400" b="1" dirty="0"/>
+              <a:t>, </a:t>
+            </a:r>
+            <a:r>
+              <a:rPr lang="ko-KR" altLang="en-US" sz="1400" b="1" dirty="0"/>
+              <a:t>그리고 </a:t>
+            </a:r>
+            <a:r>
+              <a:rPr lang="en-US" altLang="ko-KR" sz="1400" b="1" dirty="0"/>
+              <a:t>"+", "/" </a:t>
+            </a:r>
+            <a:r>
+              <a:rPr lang="ko-KR" altLang="en-US" sz="1400" b="1" dirty="0"/>
+              <a:t>기호 </a:t>
+            </a:r>
+            <a:r>
+              <a:rPr lang="en-US" altLang="ko-KR" sz="1400" b="1" dirty="0"/>
+              <a:t>64</a:t>
+            </a:r>
+            <a:r>
+              <a:rPr lang="ko-KR" altLang="en-US" sz="1400" b="1" dirty="0"/>
+              <a:t>개로 이루어지며</a:t>
+            </a:r>
+            <a:r>
+              <a:rPr lang="en-US" altLang="ko-KR" sz="1400" b="1" dirty="0"/>
+              <a:t>, "="</a:t>
+            </a:r>
+            <a:r>
+              <a:rPr lang="ko-KR" altLang="en-US" sz="1400" b="1" dirty="0"/>
+              <a:t>는 끝을 알리는 코드로 쓰인다</a:t>
+            </a:r>
+            <a:r>
+              <a:rPr lang="en-US" altLang="ko-KR" sz="1400" b="1" dirty="0"/>
+              <a:t>.</a:t>
+            </a:r>
+          </a:p>
+          <a:p>
+            <a:pPr>
+              <a:lnSpc>
+                <a:spcPct val="150000"/>
+              </a:lnSpc>
+            </a:pPr>
+            <a:endParaRPr lang="en-US" altLang="ko-KR" sz="1400" b="1" dirty="0"/>
+          </a:p>
+          <a:p>
+            <a:pPr>
+              <a:lnSpc>
+                <a:spcPct val="150000"/>
+              </a:lnSpc>
+            </a:pPr>
+            <a:r>
+              <a:rPr lang="ko-KR" altLang="en-US" sz="1400" b="1" dirty="0" err="1"/>
+              <a:t>송신쪽</a:t>
+            </a:r>
+            <a:r>
+              <a:rPr lang="ko-KR" altLang="en-US" sz="1400" b="1" dirty="0"/>
+              <a:t> </a:t>
+            </a:r>
+            <a:endParaRPr lang="en-US" altLang="ko-KR" sz="1400" b="1" dirty="0"/>
+          </a:p>
+          <a:p>
+            <a:pPr>
+              <a:lnSpc>
+                <a:spcPct val="150000"/>
+              </a:lnSpc>
+            </a:pPr>
+            <a:r>
+              <a:rPr lang="en-US" altLang="ko-KR" sz="1400" b="1" dirty="0"/>
+              <a:t>Convert.ToBase64String(byte[])</a:t>
+            </a:r>
+            <a:r>
+              <a:rPr lang="ko-KR" altLang="en-US" sz="1400" b="1" dirty="0"/>
+              <a:t>를 사용하여 바이트들을 </a:t>
+            </a:r>
+            <a:r>
+              <a:rPr lang="ko-KR" altLang="en-US" sz="1400" b="1" dirty="0" err="1"/>
+              <a:t>바이트들을</a:t>
+            </a:r>
+            <a:r>
+              <a:rPr lang="ko-KR" altLang="en-US" sz="1400" b="1" dirty="0"/>
+              <a:t> </a:t>
+            </a:r>
+            <a:r>
+              <a:rPr lang="en-US" altLang="ko-KR" sz="1400" b="1" dirty="0"/>
+              <a:t>Base64 </a:t>
+            </a:r>
+            <a:r>
+              <a:rPr lang="ko-KR" altLang="en-US" sz="1400" b="1" dirty="0"/>
+              <a:t>인코딩 된 문자열로 변경하고</a:t>
+            </a:r>
+            <a:endParaRPr lang="en-US" altLang="ko-KR" sz="1400" b="1" dirty="0"/>
+          </a:p>
+          <a:p>
+            <a:pPr>
+              <a:lnSpc>
+                <a:spcPct val="150000"/>
+              </a:lnSpc>
+            </a:pPr>
+            <a:endParaRPr lang="en-US" altLang="ko-KR" sz="1400" b="1" dirty="0"/>
+          </a:p>
+          <a:p>
+            <a:pPr>
+              <a:lnSpc>
+                <a:spcPct val="150000"/>
+              </a:lnSpc>
+            </a:pPr>
+            <a:r>
+              <a:rPr lang="ko-KR" altLang="en-US" sz="1400" b="1" dirty="0" err="1"/>
+              <a:t>수신쪽</a:t>
+            </a:r>
+            <a:endParaRPr lang="en-US" altLang="ko-KR" sz="1400" b="1" dirty="0"/>
+          </a:p>
+          <a:p>
+            <a:pPr>
+              <a:lnSpc>
+                <a:spcPct val="150000"/>
+              </a:lnSpc>
+            </a:pPr>
+            <a:r>
+              <a:rPr lang="en-US" altLang="ko-KR" sz="1400" b="1" dirty="0"/>
+              <a:t>Convert.FromBase64String(string)</a:t>
+            </a:r>
+            <a:r>
+              <a:rPr lang="ko-KR" altLang="en-US" sz="1400" b="1" dirty="0"/>
+              <a:t>을 사용하여 </a:t>
+            </a:r>
+            <a:r>
+              <a:rPr lang="en-US" altLang="ko-KR" sz="1400" b="1" dirty="0"/>
+              <a:t>Base64 </a:t>
+            </a:r>
+            <a:r>
+              <a:rPr lang="ko-KR" altLang="en-US" sz="1400" b="1" dirty="0" err="1"/>
+              <a:t>인코딩된</a:t>
+            </a:r>
+            <a:r>
+              <a:rPr lang="ko-KR" altLang="en-US" sz="1400" b="1" dirty="0"/>
+              <a:t> 문자열을 다시 바이트 배열로 변경하여 사용하게 된다</a:t>
+            </a:r>
+            <a:r>
+              <a:rPr lang="en-US" altLang="ko-KR" sz="1400" b="1" dirty="0"/>
+              <a:t>.</a:t>
+            </a:r>
+          </a:p>
+          <a:p>
+            <a:pPr>
+              <a:lnSpc>
+                <a:spcPct val="150000"/>
+              </a:lnSpc>
+            </a:pPr>
+            <a:endParaRPr lang="en-US" altLang="ko-KR" sz="1400" b="1" dirty="0"/>
+          </a:p>
+          <a:p>
+            <a:pPr>
+              <a:lnSpc>
+                <a:spcPct val="150000"/>
+              </a:lnSpc>
+            </a:pPr>
+            <a:r>
+              <a:rPr lang="ko-KR" altLang="en-US" sz="1400" b="1" dirty="0"/>
+              <a:t> </a:t>
+            </a:r>
+            <a:endParaRPr lang="en-US" altLang="ko-KR" sz="1400" b="1" dirty="0"/>
+          </a:p>
+          <a:p>
+            <a:pPr>
+              <a:lnSpc>
+                <a:spcPct val="150000"/>
+              </a:lnSpc>
+            </a:pPr>
+            <a:endParaRPr lang="en-US" altLang="ko-KR" sz="1400" b="1" dirty="0"/>
+          </a:p>
+          <a:p>
+            <a:pPr>
+              <a:lnSpc>
+                <a:spcPct val="150000"/>
+              </a:lnSpc>
+            </a:pPr>
             <a:endParaRPr lang="en-US" altLang="ko-KR" sz="1400" b="1" dirty="0"/>
           </a:p>
         </p:txBody>
@@ -11985,7 +12754,882 @@
     </p:spTree>
     <p:extLst>
       <p:ext uri="{BB962C8B-B14F-4D97-AF65-F5344CB8AC3E}">
-        <p14:creationId xmlns:p14="http://schemas.microsoft.com/office/powerpoint/2010/main" val="1668457813"/>
+        <p14:creationId xmlns:p14="http://schemas.microsoft.com/office/powerpoint/2010/main" val="70451169"/>
+      </p:ext>
+    </p:extLst>
+  </p:cSld>
+  <p:clrMapOvr>
+    <a:masterClrMapping/>
+  </p:clrMapOvr>
+</p:sld>
+</file>
+
+<file path=ppt/slides/slide13.xml><?xml version="1.0" encoding="utf-8"?>
+<p:sld xmlns:a="http://schemas.openxmlformats.org/drawingml/2006/main" xmlns:r="http://schemas.openxmlformats.org/officeDocument/2006/relationships" xmlns:p="http://schemas.openxmlformats.org/presentationml/2006/main">
+  <p:cSld>
+    <p:spTree>
+      <p:nvGrpSpPr>
+        <p:cNvPr id="1" name=""/>
+        <p:cNvGrpSpPr/>
+        <p:nvPr/>
+      </p:nvGrpSpPr>
+      <p:grpSpPr>
+        <a:xfrm>
+          <a:off x="0" y="0"/>
+          <a:ext cx="0" cy="0"/>
+          <a:chOff x="0" y="0"/>
+          <a:chExt cx="0" cy="0"/>
+        </a:xfrm>
+      </p:grpSpPr>
+      <p:sp>
+        <p:nvSpPr>
+          <p:cNvPr id="2" name="제목 1"/>
+          <p:cNvSpPr>
+            <a:spLocks noGrp="1"/>
+          </p:cNvSpPr>
+          <p:nvPr>
+            <p:ph type="title"/>
+          </p:nvPr>
+        </p:nvSpPr>
+        <p:spPr/>
+        <p:txBody>
+          <a:bodyPr/>
+          <a:lstStyle/>
+          <a:p>
+            <a:r>
+              <a:rPr lang="en-US" altLang="ko-KR" dirty="0"/>
+              <a:t>Base</a:t>
+            </a:r>
+            <a:r>
+              <a:rPr lang="ko-KR" altLang="en-US" dirty="0"/>
+              <a:t> </a:t>
+            </a:r>
+            <a:r>
+              <a:rPr lang="en-US" altLang="ko-KR" dirty="0"/>
+              <a:t>Class Library</a:t>
+            </a:r>
+            <a:endParaRPr lang="ko-KR" altLang="en-US" dirty="0"/>
+          </a:p>
+        </p:txBody>
+      </p:sp>
+      <p:sp>
+        <p:nvSpPr>
+          <p:cNvPr id="3" name="텍스트 개체 틀 2"/>
+          <p:cNvSpPr>
+            <a:spLocks noGrp="1"/>
+          </p:cNvSpPr>
+          <p:nvPr>
+            <p:ph type="body" sz="quarter" idx="12"/>
+          </p:nvPr>
+        </p:nvSpPr>
+        <p:spPr/>
+        <p:txBody>
+          <a:bodyPr/>
+          <a:lstStyle/>
+          <a:p>
+            <a:r>
+              <a:rPr lang="ko-KR" altLang="en-US" dirty="0"/>
+              <a:t>이바우</a:t>
+            </a:r>
+          </a:p>
+        </p:txBody>
+      </p:sp>
+      <p:sp>
+        <p:nvSpPr>
+          <p:cNvPr id="4" name="TextBox 3">
+            <a:extLst>
+              <a:ext uri="{FF2B5EF4-FFF2-40B4-BE49-F238E27FC236}">
+                <a16:creationId xmlns:a16="http://schemas.microsoft.com/office/drawing/2014/main" id="{63CD2FF7-E5C7-4CC9-84B6-B2295EAC55C0}"/>
+              </a:ext>
+            </a:extLst>
+          </p:cNvPr>
+          <p:cNvSpPr txBox="1"/>
+          <p:nvPr/>
+        </p:nvSpPr>
+        <p:spPr>
+          <a:xfrm>
+            <a:off x="416496" y="836712"/>
+            <a:ext cx="3446393" cy="373885"/>
+          </a:xfrm>
+          <a:prstGeom prst="rect">
+            <a:avLst/>
+          </a:prstGeom>
+          <a:ln w="28575">
+            <a:solidFill>
+              <a:schemeClr val="tx1"/>
+            </a:solidFill>
+          </a:ln>
+        </p:spPr>
+        <p:txBody>
+          <a:bodyPr wrap="none" rtlCol="0">
+            <a:spAutoFit/>
+          </a:bodyPr>
+          <a:lstStyle/>
+          <a:p>
+            <a:pPr>
+              <a:lnSpc>
+                <a:spcPct val="150000"/>
+              </a:lnSpc>
+            </a:pPr>
+            <a:r>
+              <a:rPr lang="en-US" altLang="ko-KR" sz="1400" b="1" dirty="0" err="1"/>
+              <a:t>System.Text.RegularExpressions.Regex</a:t>
+            </a:r>
+            <a:endParaRPr lang="en-US" altLang="ko-KR" sz="1400" b="1" dirty="0"/>
+          </a:p>
+        </p:txBody>
+      </p:sp>
+      <p:sp>
+        <p:nvSpPr>
+          <p:cNvPr id="5" name="TextBox 4">
+            <a:extLst>
+              <a:ext uri="{FF2B5EF4-FFF2-40B4-BE49-F238E27FC236}">
+                <a16:creationId xmlns:a16="http://schemas.microsoft.com/office/drawing/2014/main" id="{3E380147-310D-4726-B4FD-EA889EB13697}"/>
+              </a:ext>
+            </a:extLst>
+          </p:cNvPr>
+          <p:cNvSpPr txBox="1"/>
+          <p:nvPr/>
+        </p:nvSpPr>
+        <p:spPr>
+          <a:xfrm>
+            <a:off x="416496" y="1205644"/>
+            <a:ext cx="9073008" cy="1989712"/>
+          </a:xfrm>
+          <a:prstGeom prst="rect">
+            <a:avLst/>
+          </a:prstGeom>
+          <a:ln w="28575">
+            <a:solidFill>
+              <a:schemeClr val="tx1"/>
+            </a:solidFill>
+          </a:ln>
+        </p:spPr>
+        <p:txBody>
+          <a:bodyPr wrap="square" rtlCol="0">
+            <a:spAutoFit/>
+          </a:bodyPr>
+          <a:lstStyle/>
+          <a:p>
+            <a:pPr>
+              <a:lnSpc>
+                <a:spcPct val="150000"/>
+              </a:lnSpc>
+            </a:pPr>
+            <a:r>
+              <a:rPr lang="en-US" altLang="ko-KR" sz="1400" b="1" dirty="0"/>
+              <a:t> </a:t>
+            </a:r>
+          </a:p>
+          <a:p>
+            <a:pPr>
+              <a:lnSpc>
+                <a:spcPct val="150000"/>
+              </a:lnSpc>
+            </a:pPr>
+            <a:r>
+              <a:rPr lang="en-US" altLang="ko-KR" sz="1400" b="1" dirty="0"/>
+              <a:t> </a:t>
+            </a:r>
+            <a:r>
+              <a:rPr lang="ko-KR" altLang="en-US" sz="1400" b="1" dirty="0"/>
+              <a:t>정규 표현식</a:t>
+            </a:r>
+            <a:r>
+              <a:rPr lang="en-US" altLang="ko-KR" sz="1400" b="1" dirty="0"/>
+              <a:t>(regular expression)</a:t>
+            </a:r>
+            <a:r>
+              <a:rPr lang="ko-KR" altLang="en-US" sz="1400" b="1" dirty="0"/>
+              <a:t>은 문자열 처리에 대한 일반적인 규칙을 표현하는 형식 언어</a:t>
+            </a:r>
+            <a:endParaRPr lang="en-US" altLang="ko-KR" sz="1400" b="1" dirty="0"/>
+          </a:p>
+          <a:p>
+            <a:pPr>
+              <a:lnSpc>
+                <a:spcPct val="150000"/>
+              </a:lnSpc>
+            </a:pPr>
+            <a:endParaRPr lang="en-US" altLang="ko-KR" sz="1400" b="1" dirty="0"/>
+          </a:p>
+          <a:p>
+            <a:pPr>
+              <a:lnSpc>
+                <a:spcPct val="150000"/>
+              </a:lnSpc>
+            </a:pPr>
+            <a:r>
+              <a:rPr lang="ko-KR" altLang="en-US" sz="1400" b="1" dirty="0"/>
+              <a:t> </a:t>
+            </a:r>
+            <a:endParaRPr lang="en-US" altLang="ko-KR" sz="1400" b="1" dirty="0"/>
+          </a:p>
+          <a:p>
+            <a:pPr>
+              <a:lnSpc>
+                <a:spcPct val="150000"/>
+              </a:lnSpc>
+            </a:pPr>
+            <a:endParaRPr lang="en-US" altLang="ko-KR" sz="1400" b="1" dirty="0"/>
+          </a:p>
+          <a:p>
+            <a:pPr>
+              <a:lnSpc>
+                <a:spcPct val="150000"/>
+              </a:lnSpc>
+            </a:pPr>
+            <a:endParaRPr lang="en-US" altLang="ko-KR" sz="1400" b="1" dirty="0"/>
+          </a:p>
+        </p:txBody>
+      </p:sp>
+    </p:spTree>
+    <p:extLst>
+      <p:ext uri="{BB962C8B-B14F-4D97-AF65-F5344CB8AC3E}">
+        <p14:creationId xmlns:p14="http://schemas.microsoft.com/office/powerpoint/2010/main" val="628613323"/>
+      </p:ext>
+    </p:extLst>
+  </p:cSld>
+  <p:clrMapOvr>
+    <a:masterClrMapping/>
+  </p:clrMapOvr>
+</p:sld>
+</file>
+
+<file path=ppt/slides/slide14.xml><?xml version="1.0" encoding="utf-8"?>
+<p:sld xmlns:a="http://schemas.openxmlformats.org/drawingml/2006/main" xmlns:r="http://schemas.openxmlformats.org/officeDocument/2006/relationships" xmlns:p="http://schemas.openxmlformats.org/presentationml/2006/main">
+  <p:cSld>
+    <p:spTree>
+      <p:nvGrpSpPr>
+        <p:cNvPr id="1" name=""/>
+        <p:cNvGrpSpPr/>
+        <p:nvPr/>
+      </p:nvGrpSpPr>
+      <p:grpSpPr>
+        <a:xfrm>
+          <a:off x="0" y="0"/>
+          <a:ext cx="0" cy="0"/>
+          <a:chOff x="0" y="0"/>
+          <a:chExt cx="0" cy="0"/>
+        </a:xfrm>
+      </p:grpSpPr>
+      <p:sp>
+        <p:nvSpPr>
+          <p:cNvPr id="2" name="제목 1"/>
+          <p:cNvSpPr>
+            <a:spLocks noGrp="1"/>
+          </p:cNvSpPr>
+          <p:nvPr>
+            <p:ph type="title"/>
+          </p:nvPr>
+        </p:nvSpPr>
+        <p:spPr/>
+        <p:txBody>
+          <a:bodyPr/>
+          <a:lstStyle/>
+          <a:p>
+            <a:r>
+              <a:rPr lang="en-US" altLang="ko-KR" dirty="0"/>
+              <a:t>Base</a:t>
+            </a:r>
+            <a:r>
+              <a:rPr lang="ko-KR" altLang="en-US" dirty="0"/>
+              <a:t> </a:t>
+            </a:r>
+            <a:r>
+              <a:rPr lang="en-US" altLang="ko-KR" dirty="0"/>
+              <a:t>Class Library</a:t>
+            </a:r>
+            <a:endParaRPr lang="ko-KR" altLang="en-US" dirty="0"/>
+          </a:p>
+        </p:txBody>
+      </p:sp>
+      <p:sp>
+        <p:nvSpPr>
+          <p:cNvPr id="3" name="텍스트 개체 틀 2"/>
+          <p:cNvSpPr>
+            <a:spLocks noGrp="1"/>
+          </p:cNvSpPr>
+          <p:nvPr>
+            <p:ph type="body" sz="quarter" idx="12"/>
+          </p:nvPr>
+        </p:nvSpPr>
+        <p:spPr/>
+        <p:txBody>
+          <a:bodyPr/>
+          <a:lstStyle/>
+          <a:p>
+            <a:r>
+              <a:rPr lang="ko-KR" altLang="en-US" dirty="0"/>
+              <a:t>이바우</a:t>
+            </a:r>
+          </a:p>
+        </p:txBody>
+      </p:sp>
+      <p:sp>
+        <p:nvSpPr>
+          <p:cNvPr id="4" name="TextBox 3">
+            <a:extLst>
+              <a:ext uri="{FF2B5EF4-FFF2-40B4-BE49-F238E27FC236}">
+                <a16:creationId xmlns:a16="http://schemas.microsoft.com/office/drawing/2014/main" id="{63CD2FF7-E5C7-4CC9-84B6-B2295EAC55C0}"/>
+              </a:ext>
+            </a:extLst>
+          </p:cNvPr>
+          <p:cNvSpPr txBox="1"/>
+          <p:nvPr/>
+        </p:nvSpPr>
+        <p:spPr>
+          <a:xfrm>
+            <a:off x="416496" y="836712"/>
+            <a:ext cx="1519968" cy="373885"/>
+          </a:xfrm>
+          <a:prstGeom prst="rect">
+            <a:avLst/>
+          </a:prstGeom>
+          <a:ln w="28575">
+            <a:solidFill>
+              <a:schemeClr val="tx1"/>
+            </a:solidFill>
+          </a:ln>
+        </p:spPr>
+        <p:txBody>
+          <a:bodyPr wrap="none" rtlCol="0">
+            <a:spAutoFit/>
+          </a:bodyPr>
+          <a:lstStyle/>
+          <a:p>
+            <a:pPr>
+              <a:lnSpc>
+                <a:spcPct val="150000"/>
+              </a:lnSpc>
+            </a:pPr>
+            <a:r>
+              <a:rPr lang="ko-KR" altLang="en-US" sz="1400" b="1" dirty="0"/>
+              <a:t>직렬화</a:t>
+            </a:r>
+            <a:r>
+              <a:rPr lang="en-US" altLang="ko-KR" sz="1400" b="1" dirty="0"/>
+              <a:t>/</a:t>
+            </a:r>
+            <a:r>
+              <a:rPr lang="ko-KR" altLang="en-US" sz="1400" b="1" dirty="0"/>
+              <a:t>역직렬화</a:t>
+            </a:r>
+            <a:endParaRPr lang="en-US" altLang="ko-KR" sz="1400" b="1" dirty="0"/>
+          </a:p>
+        </p:txBody>
+      </p:sp>
+      <p:sp>
+        <p:nvSpPr>
+          <p:cNvPr id="5" name="TextBox 4">
+            <a:extLst>
+              <a:ext uri="{FF2B5EF4-FFF2-40B4-BE49-F238E27FC236}">
+                <a16:creationId xmlns:a16="http://schemas.microsoft.com/office/drawing/2014/main" id="{3E380147-310D-4726-B4FD-EA889EB13697}"/>
+              </a:ext>
+            </a:extLst>
+          </p:cNvPr>
+          <p:cNvSpPr txBox="1"/>
+          <p:nvPr/>
+        </p:nvSpPr>
+        <p:spPr>
+          <a:xfrm>
+            <a:off x="416496" y="1205644"/>
+            <a:ext cx="9073008" cy="2312877"/>
+          </a:xfrm>
+          <a:prstGeom prst="rect">
+            <a:avLst/>
+          </a:prstGeom>
+          <a:ln w="28575">
+            <a:solidFill>
+              <a:schemeClr val="tx1"/>
+            </a:solidFill>
+          </a:ln>
+        </p:spPr>
+        <p:txBody>
+          <a:bodyPr wrap="square" rtlCol="0">
+            <a:spAutoFit/>
+          </a:bodyPr>
+          <a:lstStyle/>
+          <a:p>
+            <a:pPr>
+              <a:lnSpc>
+                <a:spcPct val="150000"/>
+              </a:lnSpc>
+            </a:pPr>
+            <a:r>
+              <a:rPr lang="en-US" altLang="ko-KR" sz="1400" b="1" dirty="0"/>
+              <a:t> </a:t>
+            </a:r>
+          </a:p>
+          <a:p>
+            <a:pPr>
+              <a:lnSpc>
+                <a:spcPct val="150000"/>
+              </a:lnSpc>
+            </a:pPr>
+            <a:r>
+              <a:rPr lang="en-US" altLang="ko-KR" sz="1400" b="1" dirty="0"/>
+              <a:t> </a:t>
+            </a:r>
+            <a:r>
+              <a:rPr lang="ko-KR" altLang="en-US" sz="1400" b="1" dirty="0"/>
+              <a:t>직렬화 </a:t>
+            </a:r>
+            <a:r>
+              <a:rPr lang="en-US" altLang="ko-KR" sz="1400" b="1" dirty="0"/>
+              <a:t>: </a:t>
+            </a:r>
+            <a:r>
+              <a:rPr lang="ko-KR" altLang="en-US" sz="1400" b="1" dirty="0"/>
+              <a:t>일련의 바이트 배열로 변환하는 작업</a:t>
+            </a:r>
+            <a:endParaRPr lang="en-US" altLang="ko-KR" sz="1400" b="1" dirty="0"/>
+          </a:p>
+          <a:p>
+            <a:pPr>
+              <a:lnSpc>
+                <a:spcPct val="150000"/>
+              </a:lnSpc>
+            </a:pPr>
+            <a:r>
+              <a:rPr lang="en-US" altLang="ko-KR" sz="1400" b="1" dirty="0"/>
+              <a:t> </a:t>
+            </a:r>
+            <a:r>
+              <a:rPr lang="ko-KR" altLang="en-US" sz="1400" b="1" dirty="0"/>
+              <a:t>역직렬화 </a:t>
+            </a:r>
+            <a:r>
+              <a:rPr lang="en-US" altLang="ko-KR" sz="1400" b="1" dirty="0"/>
+              <a:t>: </a:t>
+            </a:r>
+            <a:r>
+              <a:rPr lang="ko-KR" altLang="en-US" sz="1400" b="1" dirty="0"/>
+              <a:t>바이트로부터 원래의 데이터로 복원하는 작업</a:t>
+            </a:r>
+            <a:endParaRPr lang="en-US" altLang="ko-KR" sz="1400" b="1" dirty="0"/>
+          </a:p>
+          <a:p>
+            <a:pPr>
+              <a:lnSpc>
+                <a:spcPct val="150000"/>
+              </a:lnSpc>
+            </a:pPr>
+            <a:r>
+              <a:rPr lang="ko-KR" altLang="en-US" sz="1400" b="1" dirty="0"/>
+              <a:t> </a:t>
+            </a:r>
+            <a:endParaRPr lang="en-US" altLang="ko-KR" sz="1400" b="1" dirty="0"/>
+          </a:p>
+          <a:p>
+            <a:pPr>
+              <a:lnSpc>
+                <a:spcPct val="150000"/>
+              </a:lnSpc>
+            </a:pPr>
+            <a:r>
+              <a:rPr lang="en-US" altLang="ko-KR" sz="1400" b="1" dirty="0"/>
+              <a:t> BCL</a:t>
+            </a:r>
+          </a:p>
+          <a:p>
+            <a:pPr>
+              <a:lnSpc>
+                <a:spcPct val="150000"/>
+              </a:lnSpc>
+            </a:pPr>
+            <a:r>
+              <a:rPr lang="en-US" altLang="ko-KR" sz="1400" b="1" dirty="0"/>
+              <a:t>- </a:t>
+            </a:r>
+            <a:r>
+              <a:rPr lang="en-US" altLang="ko-KR" sz="1400" b="1" dirty="0" err="1"/>
+              <a:t>System.BitConverter</a:t>
+            </a:r>
+            <a:endParaRPr lang="en-US" altLang="ko-KR" sz="1400" b="1" dirty="0"/>
+          </a:p>
+          <a:p>
+            <a:pPr>
+              <a:lnSpc>
+                <a:spcPct val="150000"/>
+              </a:lnSpc>
+            </a:pPr>
+            <a:endParaRPr lang="en-US" altLang="ko-KR" sz="1400" b="1" dirty="0"/>
+          </a:p>
+        </p:txBody>
+      </p:sp>
+    </p:spTree>
+    <p:extLst>
+      <p:ext uri="{BB962C8B-B14F-4D97-AF65-F5344CB8AC3E}">
+        <p14:creationId xmlns:p14="http://schemas.microsoft.com/office/powerpoint/2010/main" val="2435923881"/>
+      </p:ext>
+    </p:extLst>
+  </p:cSld>
+  <p:clrMapOvr>
+    <a:masterClrMapping/>
+  </p:clrMapOvr>
+</p:sld>
+</file>
+
+<file path=ppt/slides/slide15.xml><?xml version="1.0" encoding="utf-8"?>
+<p:sld xmlns:a="http://schemas.openxmlformats.org/drawingml/2006/main" xmlns:r="http://schemas.openxmlformats.org/officeDocument/2006/relationships" xmlns:p="http://schemas.openxmlformats.org/presentationml/2006/main">
+  <p:cSld>
+    <p:spTree>
+      <p:nvGrpSpPr>
+        <p:cNvPr id="1" name=""/>
+        <p:cNvGrpSpPr/>
+        <p:nvPr/>
+      </p:nvGrpSpPr>
+      <p:grpSpPr>
+        <a:xfrm>
+          <a:off x="0" y="0"/>
+          <a:ext cx="0" cy="0"/>
+          <a:chOff x="0" y="0"/>
+          <a:chExt cx="0" cy="0"/>
+        </a:xfrm>
+      </p:grpSpPr>
+      <p:sp>
+        <p:nvSpPr>
+          <p:cNvPr id="2" name="제목 1"/>
+          <p:cNvSpPr>
+            <a:spLocks noGrp="1"/>
+          </p:cNvSpPr>
+          <p:nvPr>
+            <p:ph type="title"/>
+          </p:nvPr>
+        </p:nvSpPr>
+        <p:spPr/>
+        <p:txBody>
+          <a:bodyPr/>
+          <a:lstStyle/>
+          <a:p>
+            <a:r>
+              <a:rPr lang="en-US" altLang="ko-KR" dirty="0"/>
+              <a:t>Base</a:t>
+            </a:r>
+            <a:r>
+              <a:rPr lang="ko-KR" altLang="en-US" dirty="0"/>
+              <a:t> </a:t>
+            </a:r>
+            <a:r>
+              <a:rPr lang="en-US" altLang="ko-KR" dirty="0"/>
+              <a:t>Class Library</a:t>
+            </a:r>
+            <a:endParaRPr lang="ko-KR" altLang="en-US" dirty="0"/>
+          </a:p>
+        </p:txBody>
+      </p:sp>
+      <p:sp>
+        <p:nvSpPr>
+          <p:cNvPr id="3" name="텍스트 개체 틀 2"/>
+          <p:cNvSpPr>
+            <a:spLocks noGrp="1"/>
+          </p:cNvSpPr>
+          <p:nvPr>
+            <p:ph type="body" sz="quarter" idx="12"/>
+          </p:nvPr>
+        </p:nvSpPr>
+        <p:spPr/>
+        <p:txBody>
+          <a:bodyPr/>
+          <a:lstStyle/>
+          <a:p>
+            <a:r>
+              <a:rPr lang="ko-KR" altLang="en-US" dirty="0"/>
+              <a:t>이바우</a:t>
+            </a:r>
+          </a:p>
+        </p:txBody>
+      </p:sp>
+      <p:sp>
+        <p:nvSpPr>
+          <p:cNvPr id="4" name="TextBox 3">
+            <a:extLst>
+              <a:ext uri="{FF2B5EF4-FFF2-40B4-BE49-F238E27FC236}">
+                <a16:creationId xmlns:a16="http://schemas.microsoft.com/office/drawing/2014/main" id="{63CD2FF7-E5C7-4CC9-84B6-B2295EAC55C0}"/>
+              </a:ext>
+            </a:extLst>
+          </p:cNvPr>
+          <p:cNvSpPr txBox="1"/>
+          <p:nvPr/>
+        </p:nvSpPr>
+        <p:spPr>
+          <a:xfrm>
+            <a:off x="416496" y="836712"/>
+            <a:ext cx="1914755" cy="373885"/>
+          </a:xfrm>
+          <a:prstGeom prst="rect">
+            <a:avLst/>
+          </a:prstGeom>
+          <a:ln w="28575">
+            <a:solidFill>
+              <a:schemeClr val="tx1"/>
+            </a:solidFill>
+          </a:ln>
+        </p:spPr>
+        <p:txBody>
+          <a:bodyPr wrap="none" rtlCol="0">
+            <a:spAutoFit/>
+          </a:bodyPr>
+          <a:lstStyle/>
+          <a:p>
+            <a:pPr>
+              <a:lnSpc>
+                <a:spcPct val="150000"/>
+              </a:lnSpc>
+            </a:pPr>
+            <a:r>
+              <a:rPr lang="en-US" altLang="ko-KR" sz="1400" b="1" dirty="0" err="1"/>
+              <a:t>System.BitConverter</a:t>
+            </a:r>
+            <a:endParaRPr lang="en-US" altLang="ko-KR" sz="1400" b="1" dirty="0"/>
+          </a:p>
+        </p:txBody>
+      </p:sp>
+      <p:sp>
+        <p:nvSpPr>
+          <p:cNvPr id="5" name="TextBox 4">
+            <a:extLst>
+              <a:ext uri="{FF2B5EF4-FFF2-40B4-BE49-F238E27FC236}">
+                <a16:creationId xmlns:a16="http://schemas.microsoft.com/office/drawing/2014/main" id="{3E380147-310D-4726-B4FD-EA889EB13697}"/>
+              </a:ext>
+            </a:extLst>
+          </p:cNvPr>
+          <p:cNvSpPr txBox="1"/>
+          <p:nvPr/>
+        </p:nvSpPr>
+        <p:spPr>
+          <a:xfrm>
+            <a:off x="416496" y="1205644"/>
+            <a:ext cx="9073008" cy="4898200"/>
+          </a:xfrm>
+          <a:prstGeom prst="rect">
+            <a:avLst/>
+          </a:prstGeom>
+          <a:ln w="28575">
+            <a:solidFill>
+              <a:schemeClr val="tx1"/>
+            </a:solidFill>
+          </a:ln>
+        </p:spPr>
+        <p:txBody>
+          <a:bodyPr wrap="square" rtlCol="0">
+            <a:spAutoFit/>
+          </a:bodyPr>
+          <a:lstStyle/>
+          <a:p>
+            <a:pPr>
+              <a:lnSpc>
+                <a:spcPct val="150000"/>
+              </a:lnSpc>
+            </a:pPr>
+            <a:r>
+              <a:rPr lang="en-US" altLang="ko-KR" sz="1400" b="1" dirty="0"/>
+              <a:t> </a:t>
+            </a:r>
+          </a:p>
+          <a:p>
+            <a:pPr>
+              <a:lnSpc>
+                <a:spcPct val="150000"/>
+              </a:lnSpc>
+            </a:pPr>
+            <a:r>
+              <a:rPr lang="en-US" altLang="ko-KR" sz="1400" b="1" dirty="0"/>
+              <a:t> </a:t>
+            </a:r>
+            <a:r>
+              <a:rPr lang="ko-KR" altLang="en-US" sz="1400" b="1" dirty="0"/>
+              <a:t>기본 타입을</a:t>
+            </a:r>
+            <a:r>
+              <a:rPr lang="en-US" altLang="ko-KR" sz="1400" b="1" dirty="0"/>
+              <a:t>(byte, short, int, …)</a:t>
+            </a:r>
+            <a:r>
+              <a:rPr lang="ko-KR" altLang="en-US" sz="1400" b="1" dirty="0"/>
+              <a:t> 바이트 배열로 변환하는</a:t>
+            </a:r>
+            <a:r>
+              <a:rPr lang="en-US" altLang="ko-KR" sz="1400" b="1" dirty="0"/>
+              <a:t> </a:t>
+            </a:r>
+            <a:r>
+              <a:rPr lang="en-US" altLang="ko-KR" sz="1400" b="1" dirty="0" err="1"/>
+              <a:t>GetBytes</a:t>
+            </a:r>
+            <a:r>
+              <a:rPr lang="en-US" altLang="ko-KR" sz="1400" b="1" dirty="0"/>
+              <a:t> </a:t>
+            </a:r>
+            <a:r>
+              <a:rPr lang="ko-KR" altLang="en-US" sz="1400" b="1" dirty="0"/>
+              <a:t>메서드를 제공</a:t>
+            </a:r>
+            <a:endParaRPr lang="en-US" altLang="ko-KR" sz="1400" b="1" dirty="0"/>
+          </a:p>
+          <a:p>
+            <a:pPr>
+              <a:lnSpc>
+                <a:spcPct val="150000"/>
+              </a:lnSpc>
+            </a:pPr>
+            <a:endParaRPr lang="en-US" altLang="ko-KR" sz="1400" b="1" dirty="0"/>
+          </a:p>
+          <a:p>
+            <a:pPr>
+              <a:lnSpc>
+                <a:spcPct val="150000"/>
+              </a:lnSpc>
+            </a:pPr>
+            <a:r>
+              <a:rPr lang="en-US" altLang="ko-KR" sz="1400" b="1" dirty="0"/>
+              <a:t>Byte Order</a:t>
+            </a:r>
+          </a:p>
+          <a:p>
+            <a:pPr>
+              <a:lnSpc>
+                <a:spcPct val="150000"/>
+              </a:lnSpc>
+            </a:pPr>
+            <a:r>
+              <a:rPr lang="en-US" altLang="ko-KR" sz="1400" b="1" dirty="0"/>
+              <a:t>Little Endian: </a:t>
+            </a:r>
+            <a:r>
+              <a:rPr lang="ko-KR" altLang="en-US" sz="1400" b="1" dirty="0"/>
+              <a:t>거꾸로 표현하는 방식</a:t>
+            </a:r>
+            <a:endParaRPr lang="en-US" altLang="ko-KR" sz="1400" b="1" dirty="0"/>
+          </a:p>
+          <a:p>
+            <a:pPr>
+              <a:lnSpc>
+                <a:spcPct val="150000"/>
+              </a:lnSpc>
+            </a:pPr>
+            <a:r>
+              <a:rPr lang="en-US" altLang="ko-KR" sz="1400" b="1" dirty="0"/>
+              <a:t>Big Endian</a:t>
+            </a:r>
+            <a:r>
+              <a:rPr lang="ko-KR" altLang="en-US" sz="1400" b="1" dirty="0"/>
+              <a:t> </a:t>
+            </a:r>
+            <a:r>
+              <a:rPr lang="en-US" altLang="ko-KR" sz="1400" b="1" dirty="0"/>
+              <a:t>: </a:t>
+            </a:r>
+            <a:r>
+              <a:rPr lang="ko-KR" altLang="en-US" sz="1400" b="1" dirty="0"/>
+              <a:t>차례대로 표현하는 방식</a:t>
+            </a:r>
+            <a:endParaRPr lang="en-US" altLang="ko-KR" sz="1400" b="1" dirty="0"/>
+          </a:p>
+          <a:p>
+            <a:pPr>
+              <a:lnSpc>
+                <a:spcPct val="150000"/>
+              </a:lnSpc>
+            </a:pPr>
+            <a:endParaRPr lang="en-US" altLang="ko-KR" sz="1400" b="1" dirty="0"/>
+          </a:p>
+          <a:p>
+            <a:pPr>
+              <a:lnSpc>
+                <a:spcPct val="150000"/>
+              </a:lnSpc>
+            </a:pPr>
+            <a:r>
+              <a:rPr lang="en-US" altLang="ko-KR" sz="1400" b="1" dirty="0"/>
+              <a:t>Network Byte Order</a:t>
+            </a:r>
+          </a:p>
+          <a:p>
+            <a:pPr>
+              <a:lnSpc>
+                <a:spcPct val="150000"/>
+              </a:lnSpc>
+            </a:pPr>
+            <a:r>
+              <a:rPr lang="ko-KR" altLang="en-US" sz="1400" b="1" dirty="0">
+                <a:latin typeface="+mn-ea"/>
+              </a:rPr>
+              <a:t>네트워크상에서 데이터를 전송할 때에는 데이터의 배열을 빅 </a:t>
+            </a:r>
+            <a:r>
+              <a:rPr lang="ko-KR" altLang="en-US" sz="1400" b="1" dirty="0" err="1">
+                <a:latin typeface="+mn-ea"/>
+              </a:rPr>
+              <a:t>엔디안</a:t>
+            </a:r>
+            <a:r>
+              <a:rPr lang="en-US" altLang="ko-KR" sz="1400" b="1" dirty="0">
+                <a:latin typeface="+mn-ea"/>
+              </a:rPr>
+              <a:t>(Big Endian) </a:t>
+            </a:r>
+            <a:r>
+              <a:rPr lang="ko-KR" altLang="en-US" sz="1400" b="1" dirty="0">
+                <a:latin typeface="+mn-ea"/>
+              </a:rPr>
+              <a:t>기준으로 변경해서 송수신하기로 약속</a:t>
+            </a:r>
+            <a:endParaRPr lang="en-US" altLang="ko-KR" sz="1400" b="1" dirty="0">
+              <a:latin typeface="+mn-ea"/>
+            </a:endParaRPr>
+          </a:p>
+          <a:p>
+            <a:pPr>
+              <a:lnSpc>
+                <a:spcPct val="150000"/>
+              </a:lnSpc>
+            </a:pPr>
+            <a:endParaRPr lang="en-US" altLang="ko-KR" sz="1400" b="1" dirty="0"/>
+          </a:p>
+          <a:p>
+            <a:pPr>
+              <a:lnSpc>
+                <a:spcPct val="150000"/>
+              </a:lnSpc>
+            </a:pPr>
+            <a:endParaRPr lang="en-US" altLang="ko-KR" sz="1400" b="1" dirty="0"/>
+          </a:p>
+          <a:p>
+            <a:pPr>
+              <a:lnSpc>
+                <a:spcPct val="150000"/>
+              </a:lnSpc>
+            </a:pPr>
+            <a:r>
+              <a:rPr lang="ko-KR" altLang="en-US" sz="1400" b="1" dirty="0"/>
+              <a:t> </a:t>
+            </a:r>
+            <a:endParaRPr lang="en-US" altLang="ko-KR" sz="1400" b="1" dirty="0"/>
+          </a:p>
+          <a:p>
+            <a:pPr>
+              <a:lnSpc>
+                <a:spcPct val="150000"/>
+              </a:lnSpc>
+            </a:pPr>
+            <a:endParaRPr lang="en-US" altLang="ko-KR" sz="1400" b="1" dirty="0"/>
+          </a:p>
+          <a:p>
+            <a:pPr>
+              <a:lnSpc>
+                <a:spcPct val="150000"/>
+              </a:lnSpc>
+            </a:pPr>
+            <a:endParaRPr lang="en-US" altLang="ko-KR" sz="1400" b="1" dirty="0"/>
+          </a:p>
+        </p:txBody>
+      </p:sp>
+    </p:spTree>
+    <p:extLst>
+      <p:ext uri="{BB962C8B-B14F-4D97-AF65-F5344CB8AC3E}">
+        <p14:creationId xmlns:p14="http://schemas.microsoft.com/office/powerpoint/2010/main" val="4044754130"/>
       </p:ext>
     </p:extLst>
   </p:cSld>
@@ -13527,7 +15171,7 @@
             </a:r>
             <a:r>
               <a:rPr lang="ko-KR" altLang="en-US" sz="1400" b="1" dirty="0" err="1"/>
-              <a:t>뼤기＂다</a:t>
+              <a:t>빼기＂다</a:t>
             </a:r>
             <a:r>
               <a:rPr lang="en-US" altLang="ko-KR" sz="1400" b="1" dirty="0"/>
@@ -13851,9 +15495,12 @@
             </a:r>
             <a:r>
               <a:rPr lang="ko-KR" altLang="en-US" sz="1400" b="1" dirty="0"/>
-              <a:t>특정 파일에 대한 읽기 시간</a:t>
-            </a:r>
-            <a:endParaRPr lang="en-US" altLang="ko-KR" sz="1400" b="1" dirty="0"/>
+              <a:t>특정 파일에 대한 읽기 시간 등</a:t>
+            </a:r>
+            <a:r>
+              <a:rPr lang="en-US" altLang="ko-KR" sz="1400" b="1" dirty="0"/>
+              <a:t>.</a:t>
+            </a:r>
           </a:p>
         </p:txBody>
       </p:sp>
@@ -14000,7 +15647,7 @@
         <p:spPr>
           <a:xfrm>
             <a:off x="416496" y="1205644"/>
-            <a:ext cx="9073008" cy="2312877"/>
+            <a:ext cx="9073008" cy="1989712"/>
           </a:xfrm>
           <a:prstGeom prst="rect">
             <a:avLst/>
@@ -14084,18 +15731,6 @@
                 <a:spcPct val="150000"/>
               </a:lnSpc>
             </a:pPr>
-            <a:endParaRPr lang="en-US" altLang="ko-KR" sz="1400" b="1" dirty="0"/>
-          </a:p>
-          <a:p>
-            <a:pPr>
-              <a:lnSpc>
-                <a:spcPct val="150000"/>
-              </a:lnSpc>
-            </a:pPr>
-            <a:r>
-              <a:rPr lang="ko-KR" altLang="en-US" sz="1400" b="1" dirty="0"/>
-              <a:t>형식 문자열 종류</a:t>
-            </a:r>
             <a:endParaRPr lang="en-US" altLang="ko-KR" sz="1400" b="1" dirty="0"/>
           </a:p>
           <a:p>
@@ -17477,18 +19112,18 @@
 </file>
 
 <file path=customXml/item2.xml><?xml version="1.0" encoding="utf-8"?>
-<p:properties xmlns:p="http://schemas.microsoft.com/office/2006/metadata/properties" xmlns:xsi="http://www.w3.org/2001/XMLSchema-instance" xmlns:pc="http://schemas.microsoft.com/office/infopath/2007/PartnerControls">
-  <documentManagement/>
-</p:properties>
-</file>
-
-<file path=customXml/item3.xml><?xml version="1.0" encoding="utf-8"?>
 <?mso-contentType ?>
 <FormTemplates xmlns="http://schemas.microsoft.com/sharepoint/v3/contenttype/forms">
   <Display>DocumentLibraryForm</Display>
   <Edit>DocumentLibraryForm</Edit>
   <New>DocumentLibraryForm</New>
 </FormTemplates>
+</file>
+
+<file path=customXml/item3.xml><?xml version="1.0" encoding="utf-8"?>
+<p:properties xmlns:p="http://schemas.microsoft.com/office/2006/metadata/properties" xmlns:xsi="http://www.w3.org/2001/XMLSchema-instance" xmlns:pc="http://schemas.microsoft.com/office/infopath/2007/PartnerControls">
+  <documentManagement/>
+</p:properties>
 </file>
 
 <file path=customXml/itemProps1.xml><?xml version="1.0" encoding="utf-8"?>
@@ -17508,6 +19143,14 @@
 </file>
 
 <file path=customXml/itemProps2.xml><?xml version="1.0" encoding="utf-8"?>
+<ds:datastoreItem xmlns:ds="http://schemas.openxmlformats.org/officeDocument/2006/customXml" ds:itemID="{DB0449EB-AB12-46ED-B1D5-5ADE30ED81CF}">
+  <ds:schemaRefs>
+    <ds:schemaRef ds:uri="http://schemas.microsoft.com/sharepoint/v3/contenttype/forms"/>
+  </ds:schemaRefs>
+</ds:datastoreItem>
+</file>
+
+<file path=customXml/itemProps3.xml><?xml version="1.0" encoding="utf-8"?>
 <ds:datastoreItem xmlns:ds="http://schemas.openxmlformats.org/officeDocument/2006/customXml" ds:itemID="{F690C689-3919-4FAB-A032-F7730DDB613A}">
   <ds:schemaRefs>
     <ds:schemaRef ds:uri="http://purl.org/dc/elements/1.1/"/>
@@ -17520,12 +19163,4 @@
     <ds:schemaRef ds:uri="http://www.w3.org/XML/1998/namespace"/>
   </ds:schemaRefs>
 </ds:datastoreItem>
-</file>
-
-<file path=customXml/itemProps3.xml><?xml version="1.0" encoding="utf-8"?>
-<ds:datastoreItem xmlns:ds="http://schemas.openxmlformats.org/officeDocument/2006/customXml" ds:itemID="{DB0449EB-AB12-46ED-B1D5-5ADE30ED81CF}">
-  <ds:schemaRefs>
-    <ds:schemaRef ds:uri="http://schemas.microsoft.com/sharepoint/v3/contenttype/forms"/>
-  </ds:schemaRefs>
-</ds:datastoreItem>
 </file>
--- a/CSharpStudy.Day20200627/Base Class Library.pptx
+++ b/CSharpStudy.Day20200627/Base Class Library.pptx
@@ -5,7 +5,7 @@
     <p:sldMasterId id="2147483648" r:id="rId4"/>
   </p:sldMasterIdLst>
   <p:notesMasterIdLst>
-    <p:notesMasterId r:id="rId24"/>
+    <p:notesMasterId r:id="rId31"/>
   </p:notesMasterIdLst>
   <p:sldIdLst>
     <p:sldId id="272" r:id="rId5"/>
@@ -26,7 +26,14 @@
     <p:sldId id="285" r:id="rId20"/>
     <p:sldId id="286" r:id="rId21"/>
     <p:sldId id="288" r:id="rId22"/>
-    <p:sldId id="291" r:id="rId23"/>
+    <p:sldId id="292" r:id="rId23"/>
+    <p:sldId id="291" r:id="rId24"/>
+    <p:sldId id="293" r:id="rId25"/>
+    <p:sldId id="294" r:id="rId26"/>
+    <p:sldId id="297" r:id="rId27"/>
+    <p:sldId id="295" r:id="rId28"/>
+    <p:sldId id="296" r:id="rId29"/>
+    <p:sldId id="298" r:id="rId30"/>
   </p:sldIdLst>
   <p:sldSz cx="9906000" cy="6858000" type="A4"/>
   <p:notesSz cx="6797675" cy="9926638"/>
@@ -17104,7 +17111,7 @@
         <p:spPr>
           <a:xfrm>
             <a:off x="416496" y="836712"/>
-            <a:ext cx="723275" cy="373885"/>
+            <a:ext cx="1914755" cy="373885"/>
           </a:xfrm>
           <a:prstGeom prst="rect">
             <a:avLst/>
@@ -17127,8 +17134,8 @@
               </a:lnSpc>
             </a:pPr>
             <a:r>
-              <a:rPr lang="ko-KR" altLang="en-US" sz="1400" b="1" dirty="0"/>
-              <a:t>컬렉션</a:t>
+              <a:rPr lang="en-US" altLang="ko-KR" sz="1400" b="1" dirty="0" err="1"/>
+              <a:t>System.BitConverter</a:t>
             </a:r>
             <a:endParaRPr lang="en-US" altLang="ko-KR" sz="1400" b="1" dirty="0"/>
           </a:p>
@@ -17149,7 +17156,7 @@
         <p:spPr>
           <a:xfrm>
             <a:off x="416496" y="1205644"/>
-            <a:ext cx="9073008" cy="3282373"/>
+            <a:ext cx="9073008" cy="1989712"/>
           </a:xfrm>
           <a:prstGeom prst="rect">
             <a:avLst/>
@@ -17188,7 +17195,7 @@
             </a:r>
             <a:r>
               <a:rPr lang="ko-KR" altLang="en-US" sz="1400" b="1" dirty="0"/>
-              <a:t>배열은 크기가 고정</a:t>
+              <a:t>정</a:t>
             </a:r>
             <a:endParaRPr lang="en-US" altLang="ko-KR" sz="1400" b="1" dirty="0"/>
           </a:p>
@@ -17198,18 +17205,19 @@
                 <a:spcPct val="150000"/>
               </a:lnSpc>
             </a:pPr>
-            <a:r>
-              <a:rPr lang="en-US" altLang="ko-KR" sz="1400" b="1" dirty="0"/>
+            <a:endParaRPr lang="en-US" altLang="ko-KR" sz="1400" b="1" dirty="0"/>
+          </a:p>
+          <a:p>
+            <a:pPr>
+              <a:lnSpc>
+                <a:spcPct val="150000"/>
+              </a:lnSpc>
+            </a:pPr>
+            <a:r>
+              <a:rPr lang="ko-KR" altLang="en-US" sz="1400" b="1" dirty="0"/>
               <a:t> </a:t>
             </a:r>
-            <a:r>
-              <a:rPr lang="ko-KR" altLang="en-US" sz="1400" b="1" dirty="0"/>
-              <a:t>크기가 정해지지 않는 배열을 다뤄야 할 필요가 있을 때 컬렉션을 사용하면 된다</a:t>
-            </a:r>
-            <a:r>
-              <a:rPr lang="en-US" altLang="ko-KR" sz="1400" b="1" dirty="0"/>
-              <a:t>.</a:t>
-            </a:r>
+            <a:endParaRPr lang="en-US" altLang="ko-KR" sz="1400" b="1" dirty="0"/>
           </a:p>
           <a:p>
             <a:pPr>
@@ -17225,87 +17233,6 @@
                 <a:spcPct val="150000"/>
               </a:lnSpc>
             </a:pPr>
-            <a:r>
-              <a:rPr lang="en-US" altLang="ko-KR" sz="1400" b="1" dirty="0"/>
-              <a:t> BCL</a:t>
-            </a:r>
-          </a:p>
-          <a:p>
-            <a:pPr marL="285750" indent="-285750">
-              <a:lnSpc>
-                <a:spcPct val="150000"/>
-              </a:lnSpc>
-              <a:buFontTx/>
-              <a:buChar char="-"/>
-            </a:pPr>
-            <a:r>
-              <a:rPr lang="en-US" altLang="ko-KR" sz="1400" b="1" dirty="0" err="1"/>
-              <a:t>System.Collections.ArrayList</a:t>
-            </a:r>
-            <a:endParaRPr lang="en-US" altLang="ko-KR" sz="1400" b="1" dirty="0"/>
-          </a:p>
-          <a:p>
-            <a:pPr marL="285750" indent="-285750">
-              <a:lnSpc>
-                <a:spcPct val="150000"/>
-              </a:lnSpc>
-              <a:buFontTx/>
-              <a:buChar char="-"/>
-            </a:pPr>
-            <a:r>
-              <a:rPr lang="en-US" altLang="ko-KR" sz="1400" b="1" dirty="0" err="1"/>
-              <a:t>System.Collections.Hashtable</a:t>
-            </a:r>
-            <a:endParaRPr lang="en-US" altLang="ko-KR" sz="1400" b="1" dirty="0"/>
-          </a:p>
-          <a:p>
-            <a:pPr marL="285750" indent="-285750">
-              <a:lnSpc>
-                <a:spcPct val="150000"/>
-              </a:lnSpc>
-              <a:buFontTx/>
-              <a:buChar char="-"/>
-            </a:pPr>
-            <a:r>
-              <a:rPr lang="en-US" altLang="ko-KR" sz="1400" b="1" dirty="0" err="1"/>
-              <a:t>System.Collections.SortedList</a:t>
-            </a:r>
-            <a:endParaRPr lang="en-US" altLang="ko-KR" sz="1400" b="1" dirty="0"/>
-          </a:p>
-          <a:p>
-            <a:pPr marL="285750" indent="-285750">
-              <a:lnSpc>
-                <a:spcPct val="150000"/>
-              </a:lnSpc>
-              <a:buFontTx/>
-              <a:buChar char="-"/>
-            </a:pPr>
-            <a:r>
-              <a:rPr lang="en-US" altLang="ko-KR" sz="1400" b="1" dirty="0" err="1"/>
-              <a:t>System.Collections.Stack</a:t>
-            </a:r>
-            <a:endParaRPr lang="en-US" altLang="ko-KR" sz="1400" b="1" dirty="0"/>
-          </a:p>
-          <a:p>
-            <a:pPr marL="285750" indent="-285750">
-              <a:lnSpc>
-                <a:spcPct val="150000"/>
-              </a:lnSpc>
-              <a:buFontTx/>
-              <a:buChar char="-"/>
-            </a:pPr>
-            <a:r>
-              <a:rPr lang="en-US" altLang="ko-KR" sz="1400" b="1" dirty="0" err="1"/>
-              <a:t>System.</a:t>
-            </a:r>
-            <a:r>
-              <a:rPr lang="en-US" altLang="ko-KR" sz="1400" b="1" err="1"/>
-              <a:t>Collections</a:t>
-            </a:r>
-            <a:r>
-              <a:rPr lang="en-US" altLang="ko-KR" sz="1400" b="1"/>
-              <a:t>.Queue</a:t>
-            </a:r>
             <a:endParaRPr lang="en-US" altLang="ko-KR" sz="1400" b="1" dirty="0"/>
           </a:p>
         </p:txBody>
@@ -17313,7 +17240,7 @@
     </p:spTree>
     <p:extLst>
       <p:ext uri="{BB962C8B-B14F-4D97-AF65-F5344CB8AC3E}">
-        <p14:creationId xmlns:p14="http://schemas.microsoft.com/office/powerpoint/2010/main" val="1801131642"/>
+        <p14:creationId xmlns:p14="http://schemas.microsoft.com/office/powerpoint/2010/main" val="2591271621"/>
       </p:ext>
     </p:extLst>
   </p:cSld>
@@ -17590,6 +17517,2003 @@
     <p:extLst>
       <p:ext uri="{BB962C8B-B14F-4D97-AF65-F5344CB8AC3E}">
         <p14:creationId xmlns:p14="http://schemas.microsoft.com/office/powerpoint/2010/main" val="3240361245"/>
+      </p:ext>
+    </p:extLst>
+  </p:cSld>
+  <p:clrMapOvr>
+    <a:masterClrMapping/>
+  </p:clrMapOvr>
+</p:sld>
+</file>
+
+<file path=ppt/slides/slide20.xml><?xml version="1.0" encoding="utf-8"?>
+<p:sld xmlns:a="http://schemas.openxmlformats.org/drawingml/2006/main" xmlns:r="http://schemas.openxmlformats.org/officeDocument/2006/relationships" xmlns:p="http://schemas.openxmlformats.org/presentationml/2006/main">
+  <p:cSld>
+    <p:spTree>
+      <p:nvGrpSpPr>
+        <p:cNvPr id="1" name=""/>
+        <p:cNvGrpSpPr/>
+        <p:nvPr/>
+      </p:nvGrpSpPr>
+      <p:grpSpPr>
+        <a:xfrm>
+          <a:off x="0" y="0"/>
+          <a:ext cx="0" cy="0"/>
+          <a:chOff x="0" y="0"/>
+          <a:chExt cx="0" cy="0"/>
+        </a:xfrm>
+      </p:grpSpPr>
+      <p:sp>
+        <p:nvSpPr>
+          <p:cNvPr id="2" name="제목 1"/>
+          <p:cNvSpPr>
+            <a:spLocks noGrp="1"/>
+          </p:cNvSpPr>
+          <p:nvPr>
+            <p:ph type="title"/>
+          </p:nvPr>
+        </p:nvSpPr>
+        <p:spPr/>
+        <p:txBody>
+          <a:bodyPr/>
+          <a:lstStyle/>
+          <a:p>
+            <a:r>
+              <a:rPr lang="en-US" altLang="ko-KR" dirty="0"/>
+              <a:t>Base</a:t>
+            </a:r>
+            <a:r>
+              <a:rPr lang="ko-KR" altLang="en-US" dirty="0"/>
+              <a:t> </a:t>
+            </a:r>
+            <a:r>
+              <a:rPr lang="en-US" altLang="ko-KR" dirty="0"/>
+              <a:t>Class Library</a:t>
+            </a:r>
+            <a:endParaRPr lang="ko-KR" altLang="en-US" dirty="0"/>
+          </a:p>
+        </p:txBody>
+      </p:sp>
+      <p:sp>
+        <p:nvSpPr>
+          <p:cNvPr id="3" name="텍스트 개체 틀 2"/>
+          <p:cNvSpPr>
+            <a:spLocks noGrp="1"/>
+          </p:cNvSpPr>
+          <p:nvPr>
+            <p:ph type="body" sz="quarter" idx="12"/>
+          </p:nvPr>
+        </p:nvSpPr>
+        <p:spPr/>
+        <p:txBody>
+          <a:bodyPr/>
+          <a:lstStyle/>
+          <a:p>
+            <a:r>
+              <a:rPr lang="ko-KR" altLang="en-US" dirty="0"/>
+              <a:t>이바우</a:t>
+            </a:r>
+          </a:p>
+        </p:txBody>
+      </p:sp>
+      <p:sp>
+        <p:nvSpPr>
+          <p:cNvPr id="4" name="TextBox 3">
+            <a:extLst>
+              <a:ext uri="{FF2B5EF4-FFF2-40B4-BE49-F238E27FC236}">
+                <a16:creationId xmlns:a16="http://schemas.microsoft.com/office/drawing/2014/main" id="{63CD2FF7-E5C7-4CC9-84B6-B2295EAC55C0}"/>
+              </a:ext>
+            </a:extLst>
+          </p:cNvPr>
+          <p:cNvSpPr txBox="1"/>
+          <p:nvPr/>
+        </p:nvSpPr>
+        <p:spPr>
+          <a:xfrm>
+            <a:off x="416496" y="836712"/>
+            <a:ext cx="723275" cy="373885"/>
+          </a:xfrm>
+          <a:prstGeom prst="rect">
+            <a:avLst/>
+          </a:prstGeom>
+          <a:ln w="28575">
+            <a:solidFill>
+              <a:schemeClr val="tx1"/>
+            </a:solidFill>
+          </a:ln>
+        </p:spPr>
+        <p:txBody>
+          <a:bodyPr wrap="none" rtlCol="0">
+            <a:spAutoFit/>
+          </a:bodyPr>
+          <a:lstStyle/>
+          <a:p>
+            <a:pPr>
+              <a:lnSpc>
+                <a:spcPct val="150000"/>
+              </a:lnSpc>
+            </a:pPr>
+            <a:r>
+              <a:rPr lang="ko-KR" altLang="en-US" sz="1400" b="1" dirty="0"/>
+              <a:t>컬렉션</a:t>
+            </a:r>
+            <a:endParaRPr lang="en-US" altLang="ko-KR" sz="1400" b="1" dirty="0"/>
+          </a:p>
+        </p:txBody>
+      </p:sp>
+      <p:sp>
+        <p:nvSpPr>
+          <p:cNvPr id="5" name="TextBox 4">
+            <a:extLst>
+              <a:ext uri="{FF2B5EF4-FFF2-40B4-BE49-F238E27FC236}">
+                <a16:creationId xmlns:a16="http://schemas.microsoft.com/office/drawing/2014/main" id="{3E380147-310D-4726-B4FD-EA889EB13697}"/>
+              </a:ext>
+            </a:extLst>
+          </p:cNvPr>
+          <p:cNvSpPr txBox="1"/>
+          <p:nvPr/>
+        </p:nvSpPr>
+        <p:spPr>
+          <a:xfrm>
+            <a:off x="416496" y="1205644"/>
+            <a:ext cx="9073008" cy="3282373"/>
+          </a:xfrm>
+          <a:prstGeom prst="rect">
+            <a:avLst/>
+          </a:prstGeom>
+          <a:ln w="28575">
+            <a:solidFill>
+              <a:schemeClr val="tx1"/>
+            </a:solidFill>
+          </a:ln>
+        </p:spPr>
+        <p:txBody>
+          <a:bodyPr wrap="square" rtlCol="0">
+            <a:spAutoFit/>
+          </a:bodyPr>
+          <a:lstStyle/>
+          <a:p>
+            <a:pPr>
+              <a:lnSpc>
+                <a:spcPct val="150000"/>
+              </a:lnSpc>
+            </a:pPr>
+            <a:r>
+              <a:rPr lang="en-US" altLang="ko-KR" sz="1400" b="1" dirty="0"/>
+              <a:t> </a:t>
+            </a:r>
+          </a:p>
+          <a:p>
+            <a:pPr>
+              <a:lnSpc>
+                <a:spcPct val="150000"/>
+              </a:lnSpc>
+            </a:pPr>
+            <a:r>
+              <a:rPr lang="en-US" altLang="ko-KR" sz="1400" b="1" dirty="0"/>
+              <a:t> </a:t>
+            </a:r>
+            <a:r>
+              <a:rPr lang="ko-KR" altLang="en-US" sz="1400" b="1" dirty="0"/>
+              <a:t>배열은 크기가 고정</a:t>
+            </a:r>
+            <a:endParaRPr lang="en-US" altLang="ko-KR" sz="1400" b="1" dirty="0"/>
+          </a:p>
+          <a:p>
+            <a:pPr>
+              <a:lnSpc>
+                <a:spcPct val="150000"/>
+              </a:lnSpc>
+            </a:pPr>
+            <a:r>
+              <a:rPr lang="en-US" altLang="ko-KR" sz="1400" b="1" dirty="0"/>
+              <a:t> </a:t>
+            </a:r>
+            <a:r>
+              <a:rPr lang="ko-KR" altLang="en-US" sz="1400" b="1" dirty="0"/>
+              <a:t>크기가 정해지지 않는 배열을 다뤄야 할 필요가 있을 때 컬렉션을 사용하면 된다</a:t>
+            </a:r>
+            <a:r>
+              <a:rPr lang="en-US" altLang="ko-KR" sz="1400" b="1" dirty="0"/>
+              <a:t>.</a:t>
+            </a:r>
+          </a:p>
+          <a:p>
+            <a:pPr>
+              <a:lnSpc>
+                <a:spcPct val="150000"/>
+              </a:lnSpc>
+            </a:pPr>
+            <a:endParaRPr lang="en-US" altLang="ko-KR" sz="1400" b="1" dirty="0"/>
+          </a:p>
+          <a:p>
+            <a:pPr>
+              <a:lnSpc>
+                <a:spcPct val="150000"/>
+              </a:lnSpc>
+            </a:pPr>
+            <a:r>
+              <a:rPr lang="en-US" altLang="ko-KR" sz="1400" b="1" dirty="0"/>
+              <a:t> BCL</a:t>
+            </a:r>
+          </a:p>
+          <a:p>
+            <a:pPr marL="285750" indent="-285750">
+              <a:lnSpc>
+                <a:spcPct val="150000"/>
+              </a:lnSpc>
+              <a:buFontTx/>
+              <a:buChar char="-"/>
+            </a:pPr>
+            <a:r>
+              <a:rPr lang="en-US" altLang="ko-KR" sz="1400" b="1" dirty="0" err="1"/>
+              <a:t>System.Collections.ArrayList</a:t>
+            </a:r>
+            <a:endParaRPr lang="en-US" altLang="ko-KR" sz="1400" b="1" dirty="0"/>
+          </a:p>
+          <a:p>
+            <a:pPr marL="285750" indent="-285750">
+              <a:lnSpc>
+                <a:spcPct val="150000"/>
+              </a:lnSpc>
+              <a:buFontTx/>
+              <a:buChar char="-"/>
+            </a:pPr>
+            <a:r>
+              <a:rPr lang="en-US" altLang="ko-KR" sz="1400" b="1" dirty="0" err="1"/>
+              <a:t>System.Collections.Hashtable</a:t>
+            </a:r>
+            <a:endParaRPr lang="en-US" altLang="ko-KR" sz="1400" b="1" dirty="0"/>
+          </a:p>
+          <a:p>
+            <a:pPr marL="285750" indent="-285750">
+              <a:lnSpc>
+                <a:spcPct val="150000"/>
+              </a:lnSpc>
+              <a:buFontTx/>
+              <a:buChar char="-"/>
+            </a:pPr>
+            <a:r>
+              <a:rPr lang="en-US" altLang="ko-KR" sz="1400" b="1" dirty="0" err="1"/>
+              <a:t>System.Collections.SortedList</a:t>
+            </a:r>
+            <a:endParaRPr lang="en-US" altLang="ko-KR" sz="1400" b="1" dirty="0"/>
+          </a:p>
+          <a:p>
+            <a:pPr marL="285750" indent="-285750">
+              <a:lnSpc>
+                <a:spcPct val="150000"/>
+              </a:lnSpc>
+              <a:buFontTx/>
+              <a:buChar char="-"/>
+            </a:pPr>
+            <a:r>
+              <a:rPr lang="en-US" altLang="ko-KR" sz="1400" b="1" dirty="0" err="1"/>
+              <a:t>System.Collections.Stack</a:t>
+            </a:r>
+            <a:endParaRPr lang="en-US" altLang="ko-KR" sz="1400" b="1" dirty="0"/>
+          </a:p>
+          <a:p>
+            <a:pPr marL="285750" indent="-285750">
+              <a:lnSpc>
+                <a:spcPct val="150000"/>
+              </a:lnSpc>
+              <a:buFontTx/>
+              <a:buChar char="-"/>
+            </a:pPr>
+            <a:r>
+              <a:rPr lang="en-US" altLang="ko-KR" sz="1400" b="1" dirty="0" err="1"/>
+              <a:t>System.</a:t>
+            </a:r>
+            <a:r>
+              <a:rPr lang="en-US" altLang="ko-KR" sz="1400" b="1" err="1"/>
+              <a:t>Collections</a:t>
+            </a:r>
+            <a:r>
+              <a:rPr lang="en-US" altLang="ko-KR" sz="1400" b="1"/>
+              <a:t>.Queue</a:t>
+            </a:r>
+            <a:endParaRPr lang="en-US" altLang="ko-KR" sz="1400" b="1" dirty="0"/>
+          </a:p>
+        </p:txBody>
+      </p:sp>
+    </p:spTree>
+    <p:extLst>
+      <p:ext uri="{BB962C8B-B14F-4D97-AF65-F5344CB8AC3E}">
+        <p14:creationId xmlns:p14="http://schemas.microsoft.com/office/powerpoint/2010/main" val="1801131642"/>
+      </p:ext>
+    </p:extLst>
+  </p:cSld>
+  <p:clrMapOvr>
+    <a:masterClrMapping/>
+  </p:clrMapOvr>
+</p:sld>
+</file>
+
+<file path=ppt/slides/slide21.xml><?xml version="1.0" encoding="utf-8"?>
+<p:sld xmlns:a="http://schemas.openxmlformats.org/drawingml/2006/main" xmlns:r="http://schemas.openxmlformats.org/officeDocument/2006/relationships" xmlns:p="http://schemas.openxmlformats.org/presentationml/2006/main">
+  <p:cSld>
+    <p:spTree>
+      <p:nvGrpSpPr>
+        <p:cNvPr id="1" name=""/>
+        <p:cNvGrpSpPr/>
+        <p:nvPr/>
+      </p:nvGrpSpPr>
+      <p:grpSpPr>
+        <a:xfrm>
+          <a:off x="0" y="0"/>
+          <a:ext cx="0" cy="0"/>
+          <a:chOff x="0" y="0"/>
+          <a:chExt cx="0" cy="0"/>
+        </a:xfrm>
+      </p:grpSpPr>
+      <p:sp>
+        <p:nvSpPr>
+          <p:cNvPr id="2" name="제목 1"/>
+          <p:cNvSpPr>
+            <a:spLocks noGrp="1"/>
+          </p:cNvSpPr>
+          <p:nvPr>
+            <p:ph type="title"/>
+          </p:nvPr>
+        </p:nvSpPr>
+        <p:spPr/>
+        <p:txBody>
+          <a:bodyPr/>
+          <a:lstStyle/>
+          <a:p>
+            <a:r>
+              <a:rPr lang="en-US" altLang="ko-KR" dirty="0"/>
+              <a:t>Base</a:t>
+            </a:r>
+            <a:r>
+              <a:rPr lang="ko-KR" altLang="en-US" dirty="0"/>
+              <a:t> </a:t>
+            </a:r>
+            <a:r>
+              <a:rPr lang="en-US" altLang="ko-KR" dirty="0"/>
+              <a:t>Class Library</a:t>
+            </a:r>
+            <a:endParaRPr lang="ko-KR" altLang="en-US" dirty="0"/>
+          </a:p>
+        </p:txBody>
+      </p:sp>
+      <p:sp>
+        <p:nvSpPr>
+          <p:cNvPr id="3" name="텍스트 개체 틀 2"/>
+          <p:cNvSpPr>
+            <a:spLocks noGrp="1"/>
+          </p:cNvSpPr>
+          <p:nvPr>
+            <p:ph type="body" sz="quarter" idx="12"/>
+          </p:nvPr>
+        </p:nvSpPr>
+        <p:spPr/>
+        <p:txBody>
+          <a:bodyPr/>
+          <a:lstStyle/>
+          <a:p>
+            <a:r>
+              <a:rPr lang="ko-KR" altLang="en-US" dirty="0"/>
+              <a:t>이바우</a:t>
+            </a:r>
+          </a:p>
+        </p:txBody>
+      </p:sp>
+      <p:sp>
+        <p:nvSpPr>
+          <p:cNvPr id="4" name="TextBox 3">
+            <a:extLst>
+              <a:ext uri="{FF2B5EF4-FFF2-40B4-BE49-F238E27FC236}">
+                <a16:creationId xmlns:a16="http://schemas.microsoft.com/office/drawing/2014/main" id="{63CD2FF7-E5C7-4CC9-84B6-B2295EAC55C0}"/>
+              </a:ext>
+            </a:extLst>
+          </p:cNvPr>
+          <p:cNvSpPr txBox="1"/>
+          <p:nvPr/>
+        </p:nvSpPr>
+        <p:spPr>
+          <a:xfrm>
+            <a:off x="416496" y="836712"/>
+            <a:ext cx="2575577" cy="373885"/>
+          </a:xfrm>
+          <a:prstGeom prst="rect">
+            <a:avLst/>
+          </a:prstGeom>
+          <a:ln w="28575">
+            <a:solidFill>
+              <a:schemeClr val="tx1"/>
+            </a:solidFill>
+          </a:ln>
+        </p:spPr>
+        <p:txBody>
+          <a:bodyPr wrap="none" rtlCol="0">
+            <a:spAutoFit/>
+          </a:bodyPr>
+          <a:lstStyle/>
+          <a:p>
+            <a:pPr>
+              <a:lnSpc>
+                <a:spcPct val="150000"/>
+              </a:lnSpc>
+            </a:pPr>
+            <a:r>
+              <a:rPr lang="en-US" altLang="ko-KR" sz="1400" b="1" dirty="0" err="1"/>
+              <a:t>System.Collections.ArrayList</a:t>
+            </a:r>
+            <a:endParaRPr lang="en-US" altLang="ko-KR" sz="1400" b="1" dirty="0"/>
+          </a:p>
+        </p:txBody>
+      </p:sp>
+      <p:sp>
+        <p:nvSpPr>
+          <p:cNvPr id="5" name="TextBox 4">
+            <a:extLst>
+              <a:ext uri="{FF2B5EF4-FFF2-40B4-BE49-F238E27FC236}">
+                <a16:creationId xmlns:a16="http://schemas.microsoft.com/office/drawing/2014/main" id="{3E380147-310D-4726-B4FD-EA889EB13697}"/>
+              </a:ext>
+            </a:extLst>
+          </p:cNvPr>
+          <p:cNvSpPr txBox="1"/>
+          <p:nvPr/>
+        </p:nvSpPr>
+        <p:spPr>
+          <a:xfrm>
+            <a:off x="416496" y="1205644"/>
+            <a:ext cx="9073008" cy="1343381"/>
+          </a:xfrm>
+          <a:prstGeom prst="rect">
+            <a:avLst/>
+          </a:prstGeom>
+          <a:ln w="28575">
+            <a:solidFill>
+              <a:schemeClr val="tx1"/>
+            </a:solidFill>
+          </a:ln>
+        </p:spPr>
+        <p:txBody>
+          <a:bodyPr wrap="square" rtlCol="0">
+            <a:spAutoFit/>
+          </a:bodyPr>
+          <a:lstStyle/>
+          <a:p>
+            <a:pPr>
+              <a:lnSpc>
+                <a:spcPct val="150000"/>
+              </a:lnSpc>
+            </a:pPr>
+            <a:r>
+              <a:rPr lang="en-US" altLang="ko-KR" sz="1400" b="1" dirty="0"/>
+              <a:t> </a:t>
+            </a:r>
+          </a:p>
+          <a:p>
+            <a:pPr>
+              <a:lnSpc>
+                <a:spcPct val="150000"/>
+              </a:lnSpc>
+            </a:pPr>
+            <a:r>
+              <a:rPr lang="en-US" altLang="ko-KR" sz="1400" b="1" dirty="0"/>
+              <a:t> </a:t>
+            </a:r>
+            <a:r>
+              <a:rPr lang="en-US" altLang="ko-KR" sz="1400" b="1" dirty="0" err="1"/>
+              <a:t>ArrayList</a:t>
+            </a:r>
+            <a:r>
+              <a:rPr lang="ko-KR" altLang="en-US" sz="1400" b="1" dirty="0"/>
+              <a:t>는 </a:t>
+            </a:r>
+            <a:r>
+              <a:rPr lang="en-US" altLang="ko-KR" sz="1400" b="1" dirty="0"/>
+              <a:t>Object</a:t>
+            </a:r>
+            <a:r>
+              <a:rPr lang="ko-KR" altLang="en-US" sz="1400" b="1" dirty="0"/>
+              <a:t>를 인자로 갖기 때문에 닷넷의 모든 타입을 담을 수 있다는 장점이 있지만 반대로 이로 인해 </a:t>
+            </a:r>
+            <a:r>
+              <a:rPr lang="ko-KR" altLang="en-US" sz="1400" b="1" dirty="0" err="1"/>
+              <a:t>박싱이</a:t>
+            </a:r>
+            <a:r>
+              <a:rPr lang="ko-KR" altLang="en-US" sz="1400" b="1" dirty="0"/>
+              <a:t> 발생한다는 단점</a:t>
+            </a:r>
+            <a:endParaRPr lang="en-US" altLang="ko-KR" sz="1400" b="1" dirty="0"/>
+          </a:p>
+          <a:p>
+            <a:pPr>
+              <a:lnSpc>
+                <a:spcPct val="150000"/>
+              </a:lnSpc>
+            </a:pPr>
+            <a:r>
+              <a:rPr lang="en-US" altLang="ko-KR" sz="1400" b="1" dirty="0"/>
+              <a:t> </a:t>
+            </a:r>
+            <a:r>
+              <a:rPr lang="ko-KR" altLang="en-US" sz="1400" b="1" dirty="0"/>
+              <a:t>이를 해결하기 위해 닷넷 </a:t>
+            </a:r>
+            <a:r>
+              <a:rPr lang="en-US" altLang="ko-KR" sz="1400" b="1" dirty="0"/>
+              <a:t>2.0 </a:t>
+            </a:r>
+            <a:r>
+              <a:rPr lang="ko-KR" altLang="en-US" sz="1400" b="1" dirty="0"/>
+              <a:t>부터 제네릭이 적용된 </a:t>
+            </a:r>
+            <a:r>
+              <a:rPr lang="en-US" altLang="ko-KR" sz="1400" b="1" dirty="0"/>
+              <a:t>List&lt;T&gt; </a:t>
+            </a:r>
+            <a:r>
+              <a:rPr lang="ko-KR" altLang="en-US" sz="1400" b="1" dirty="0"/>
+              <a:t>사용을 권장함</a:t>
+            </a:r>
+            <a:endParaRPr lang="en-US" altLang="ko-KR" sz="1400" b="1" dirty="0"/>
+          </a:p>
+        </p:txBody>
+      </p:sp>
+    </p:spTree>
+    <p:extLst>
+      <p:ext uri="{BB962C8B-B14F-4D97-AF65-F5344CB8AC3E}">
+        <p14:creationId xmlns:p14="http://schemas.microsoft.com/office/powerpoint/2010/main" val="4057658917"/>
+      </p:ext>
+    </p:extLst>
+  </p:cSld>
+  <p:clrMapOvr>
+    <a:masterClrMapping/>
+  </p:clrMapOvr>
+</p:sld>
+</file>
+
+<file path=ppt/slides/slide22.xml><?xml version="1.0" encoding="utf-8"?>
+<p:sld xmlns:a="http://schemas.openxmlformats.org/drawingml/2006/main" xmlns:r="http://schemas.openxmlformats.org/officeDocument/2006/relationships" xmlns:p="http://schemas.openxmlformats.org/presentationml/2006/main">
+  <p:cSld>
+    <p:spTree>
+      <p:nvGrpSpPr>
+        <p:cNvPr id="1" name=""/>
+        <p:cNvGrpSpPr/>
+        <p:nvPr/>
+      </p:nvGrpSpPr>
+      <p:grpSpPr>
+        <a:xfrm>
+          <a:off x="0" y="0"/>
+          <a:ext cx="0" cy="0"/>
+          <a:chOff x="0" y="0"/>
+          <a:chExt cx="0" cy="0"/>
+        </a:xfrm>
+      </p:grpSpPr>
+      <p:sp>
+        <p:nvSpPr>
+          <p:cNvPr id="2" name="제목 1"/>
+          <p:cNvSpPr>
+            <a:spLocks noGrp="1"/>
+          </p:cNvSpPr>
+          <p:nvPr>
+            <p:ph type="title"/>
+          </p:nvPr>
+        </p:nvSpPr>
+        <p:spPr/>
+        <p:txBody>
+          <a:bodyPr/>
+          <a:lstStyle/>
+          <a:p>
+            <a:r>
+              <a:rPr lang="en-US" altLang="ko-KR" dirty="0"/>
+              <a:t>Base</a:t>
+            </a:r>
+            <a:r>
+              <a:rPr lang="ko-KR" altLang="en-US" dirty="0"/>
+              <a:t> </a:t>
+            </a:r>
+            <a:r>
+              <a:rPr lang="en-US" altLang="ko-KR" dirty="0"/>
+              <a:t>Class Library</a:t>
+            </a:r>
+            <a:endParaRPr lang="ko-KR" altLang="en-US" dirty="0"/>
+          </a:p>
+        </p:txBody>
+      </p:sp>
+      <p:sp>
+        <p:nvSpPr>
+          <p:cNvPr id="3" name="텍스트 개체 틀 2"/>
+          <p:cNvSpPr>
+            <a:spLocks noGrp="1"/>
+          </p:cNvSpPr>
+          <p:nvPr>
+            <p:ph type="body" sz="quarter" idx="12"/>
+          </p:nvPr>
+        </p:nvSpPr>
+        <p:spPr/>
+        <p:txBody>
+          <a:bodyPr/>
+          <a:lstStyle/>
+          <a:p>
+            <a:r>
+              <a:rPr lang="ko-KR" altLang="en-US" dirty="0"/>
+              <a:t>이바우</a:t>
+            </a:r>
+          </a:p>
+        </p:txBody>
+      </p:sp>
+      <p:sp>
+        <p:nvSpPr>
+          <p:cNvPr id="4" name="TextBox 3">
+            <a:extLst>
+              <a:ext uri="{FF2B5EF4-FFF2-40B4-BE49-F238E27FC236}">
+                <a16:creationId xmlns:a16="http://schemas.microsoft.com/office/drawing/2014/main" id="{63CD2FF7-E5C7-4CC9-84B6-B2295EAC55C0}"/>
+              </a:ext>
+            </a:extLst>
+          </p:cNvPr>
+          <p:cNvSpPr txBox="1"/>
+          <p:nvPr/>
+        </p:nvSpPr>
+        <p:spPr>
+          <a:xfrm>
+            <a:off x="416496" y="836712"/>
+            <a:ext cx="2676567" cy="373885"/>
+          </a:xfrm>
+          <a:prstGeom prst="rect">
+            <a:avLst/>
+          </a:prstGeom>
+          <a:ln w="28575">
+            <a:solidFill>
+              <a:schemeClr val="tx1"/>
+            </a:solidFill>
+          </a:ln>
+        </p:spPr>
+        <p:txBody>
+          <a:bodyPr wrap="none" rtlCol="0">
+            <a:spAutoFit/>
+          </a:bodyPr>
+          <a:lstStyle/>
+          <a:p>
+            <a:pPr>
+              <a:lnSpc>
+                <a:spcPct val="150000"/>
+              </a:lnSpc>
+            </a:pPr>
+            <a:r>
+              <a:rPr lang="en-US" altLang="ko-KR" sz="1400" b="1" dirty="0" err="1"/>
+              <a:t>System.Collections.Hashtable</a:t>
+            </a:r>
+            <a:endParaRPr lang="en-US" altLang="ko-KR" sz="1400" b="1" dirty="0"/>
+          </a:p>
+        </p:txBody>
+      </p:sp>
+      <p:sp>
+        <p:nvSpPr>
+          <p:cNvPr id="5" name="TextBox 4">
+            <a:extLst>
+              <a:ext uri="{FF2B5EF4-FFF2-40B4-BE49-F238E27FC236}">
+                <a16:creationId xmlns:a16="http://schemas.microsoft.com/office/drawing/2014/main" id="{3E380147-310D-4726-B4FD-EA889EB13697}"/>
+              </a:ext>
+            </a:extLst>
+          </p:cNvPr>
+          <p:cNvSpPr txBox="1"/>
+          <p:nvPr/>
+        </p:nvSpPr>
+        <p:spPr>
+          <a:xfrm>
+            <a:off x="416496" y="1205644"/>
+            <a:ext cx="9073008" cy="4655826"/>
+          </a:xfrm>
+          <a:prstGeom prst="rect">
+            <a:avLst/>
+          </a:prstGeom>
+          <a:ln w="28575">
+            <a:solidFill>
+              <a:schemeClr val="tx1"/>
+            </a:solidFill>
+          </a:ln>
+        </p:spPr>
+        <p:txBody>
+          <a:bodyPr wrap="square" rtlCol="0">
+            <a:spAutoFit/>
+          </a:bodyPr>
+          <a:lstStyle/>
+          <a:p>
+            <a:pPr>
+              <a:lnSpc>
+                <a:spcPct val="150000"/>
+              </a:lnSpc>
+            </a:pPr>
+            <a:r>
+              <a:rPr lang="en-US" altLang="ko-KR" sz="1400" b="1" dirty="0"/>
+              <a:t> </a:t>
+            </a:r>
+          </a:p>
+          <a:p>
+            <a:pPr>
+              <a:lnSpc>
+                <a:spcPct val="150000"/>
+              </a:lnSpc>
+            </a:pPr>
+            <a:r>
+              <a:rPr lang="en-US" altLang="ko-KR" sz="1400" b="1" dirty="0"/>
+              <a:t> </a:t>
+            </a:r>
+            <a:r>
+              <a:rPr lang="ko-KR" altLang="en-US" sz="1400" b="1" dirty="0"/>
+              <a:t>값</a:t>
+            </a:r>
+            <a:r>
+              <a:rPr lang="en-US" altLang="ko-KR" sz="1400" b="1" dirty="0"/>
+              <a:t>(Value)</a:t>
+            </a:r>
+            <a:r>
+              <a:rPr lang="ko-KR" altLang="en-US" sz="1400" b="1" dirty="0"/>
+              <a:t>뿐만 아니라 해시에 사용되는 키</a:t>
+            </a:r>
+            <a:r>
+              <a:rPr lang="en-US" altLang="ko-KR" sz="1400" b="1" dirty="0"/>
+              <a:t>(Key)</a:t>
+            </a:r>
+            <a:r>
+              <a:rPr lang="ko-KR" altLang="en-US" sz="1400" b="1" dirty="0"/>
+              <a:t>가 추가되어 빠른 검색 속도를 자랑한다</a:t>
+            </a:r>
+            <a:r>
+              <a:rPr lang="en-US" altLang="ko-KR" sz="1400" b="1" dirty="0"/>
+              <a:t>. </a:t>
+            </a:r>
+            <a:r>
+              <a:rPr lang="ko-KR" altLang="en-US" sz="1400" b="1" dirty="0"/>
+              <a:t>따라서 검색 속도의 중요도에 따라 </a:t>
+            </a:r>
+            <a:r>
+              <a:rPr lang="en-US" altLang="ko-KR" sz="1400" b="1" dirty="0" err="1"/>
+              <a:t>ArrayList</a:t>
+            </a:r>
+            <a:r>
+              <a:rPr lang="en-US" altLang="ko-KR" sz="1400" b="1" dirty="0"/>
+              <a:t> </a:t>
+            </a:r>
+            <a:r>
+              <a:rPr lang="ko-KR" altLang="en-US" sz="1400" b="1" dirty="0"/>
+              <a:t>또는 </a:t>
+            </a:r>
+            <a:r>
+              <a:rPr lang="en-US" altLang="ko-KR" sz="1400" b="1" dirty="0" err="1"/>
+              <a:t>Hashtable</a:t>
+            </a:r>
+            <a:r>
+              <a:rPr lang="ko-KR" altLang="en-US" sz="1400" b="1" dirty="0"/>
+              <a:t>을 선택할지 결정한다</a:t>
+            </a:r>
+            <a:r>
+              <a:rPr lang="en-US" altLang="ko-KR" sz="1400" b="1" dirty="0"/>
+              <a:t>.</a:t>
+            </a:r>
+          </a:p>
+          <a:p>
+            <a:pPr>
+              <a:lnSpc>
+                <a:spcPct val="150000"/>
+              </a:lnSpc>
+            </a:pPr>
+            <a:endParaRPr lang="en-US" altLang="ko-KR" sz="1400" b="1" dirty="0"/>
+          </a:p>
+          <a:p>
+            <a:pPr>
+              <a:lnSpc>
+                <a:spcPct val="150000"/>
+              </a:lnSpc>
+            </a:pPr>
+            <a:r>
+              <a:rPr lang="en-US" altLang="ko-KR" sz="1400" b="1" dirty="0"/>
+              <a:t>3, 5, 7, 12, 25, 31</a:t>
+            </a:r>
+          </a:p>
+          <a:p>
+            <a:pPr>
+              <a:lnSpc>
+                <a:spcPct val="150000"/>
+              </a:lnSpc>
+            </a:pPr>
+            <a:endParaRPr lang="en-US" altLang="ko-KR" sz="1400" b="1" dirty="0"/>
+          </a:p>
+          <a:p>
+            <a:pPr>
+              <a:lnSpc>
+                <a:spcPct val="150000"/>
+              </a:lnSpc>
+            </a:pPr>
+            <a:r>
+              <a:rPr lang="en-US" altLang="ko-KR" sz="1050" b="1" dirty="0"/>
+              <a:t>0,1,2 </a:t>
+            </a:r>
+            <a:r>
+              <a:rPr lang="ko-KR" altLang="en-US" sz="1050" b="1" dirty="0" err="1"/>
+              <a:t>해시값</a:t>
+            </a:r>
+            <a:endParaRPr lang="en-US" altLang="ko-KR" sz="1050" b="1" dirty="0"/>
+          </a:p>
+          <a:p>
+            <a:pPr>
+              <a:lnSpc>
+                <a:spcPct val="150000"/>
+              </a:lnSpc>
+            </a:pPr>
+            <a:r>
+              <a:rPr lang="en-US" altLang="ko-KR" sz="1050" b="1" dirty="0"/>
+              <a:t>3 % 3 = 0</a:t>
+            </a:r>
+          </a:p>
+          <a:p>
+            <a:pPr>
+              <a:lnSpc>
+                <a:spcPct val="150000"/>
+              </a:lnSpc>
+            </a:pPr>
+            <a:r>
+              <a:rPr lang="en-US" altLang="ko-KR" sz="1050" b="1" dirty="0"/>
+              <a:t>5 % 3 = 2</a:t>
+            </a:r>
+          </a:p>
+          <a:p>
+            <a:pPr>
+              <a:lnSpc>
+                <a:spcPct val="150000"/>
+              </a:lnSpc>
+            </a:pPr>
+            <a:r>
+              <a:rPr lang="en-US" altLang="ko-KR" sz="1050" b="1" dirty="0"/>
+              <a:t>7 % 3 = 1</a:t>
+            </a:r>
+          </a:p>
+          <a:p>
+            <a:pPr>
+              <a:lnSpc>
+                <a:spcPct val="150000"/>
+              </a:lnSpc>
+            </a:pPr>
+            <a:r>
+              <a:rPr lang="en-US" altLang="ko-KR" sz="1050" b="1" dirty="0"/>
+              <a:t>12 % 3 = 0</a:t>
+            </a:r>
+          </a:p>
+          <a:p>
+            <a:pPr>
+              <a:lnSpc>
+                <a:spcPct val="150000"/>
+              </a:lnSpc>
+            </a:pPr>
+            <a:r>
+              <a:rPr lang="en-US" altLang="ko-KR" sz="1050" b="1" dirty="0"/>
+              <a:t>25 % 3 = 1</a:t>
+            </a:r>
+          </a:p>
+          <a:p>
+            <a:pPr>
+              <a:lnSpc>
+                <a:spcPct val="150000"/>
+              </a:lnSpc>
+            </a:pPr>
+            <a:r>
+              <a:rPr lang="en-US" altLang="ko-KR" sz="1050" b="1" dirty="0"/>
+              <a:t>31 % 3 = 1</a:t>
+            </a:r>
+          </a:p>
+          <a:p>
+            <a:pPr>
+              <a:lnSpc>
+                <a:spcPct val="150000"/>
+              </a:lnSpc>
+            </a:pPr>
+            <a:endParaRPr lang="en-US" altLang="ko-KR" sz="1400" b="1" dirty="0"/>
+          </a:p>
+          <a:p>
+            <a:pPr marL="342900" indent="-342900">
+              <a:lnSpc>
+                <a:spcPct val="150000"/>
+              </a:lnSpc>
+              <a:buAutoNum type="arabicPeriod"/>
+            </a:pPr>
+            <a:r>
+              <a:rPr lang="ko-KR" altLang="en-US" sz="1400" b="1" dirty="0"/>
+              <a:t>정수 </a:t>
+            </a:r>
+            <a:r>
+              <a:rPr lang="en-US" altLang="ko-KR" sz="1400" b="1" dirty="0"/>
+              <a:t>12</a:t>
+            </a:r>
+            <a:r>
+              <a:rPr lang="ko-KR" altLang="en-US" sz="1400" b="1" dirty="0"/>
+              <a:t>의 해시 값을 계산</a:t>
+            </a:r>
+            <a:r>
+              <a:rPr lang="en-US" altLang="ko-KR" sz="1400" b="1" dirty="0"/>
+              <a:t>=0</a:t>
+            </a:r>
+          </a:p>
+          <a:p>
+            <a:pPr marL="342900" indent="-342900">
+              <a:lnSpc>
+                <a:spcPct val="150000"/>
+              </a:lnSpc>
+              <a:buAutoNum type="arabicPeriod"/>
+            </a:pPr>
+            <a:r>
+              <a:rPr lang="ko-KR" altLang="en-US" sz="1400" b="1" dirty="0"/>
+              <a:t>해시 값에 속하는 부류 내에서 정수 </a:t>
+            </a:r>
+            <a:r>
+              <a:rPr lang="en-US" altLang="ko-KR" sz="1400" b="1" dirty="0"/>
+              <a:t>10</a:t>
+            </a:r>
+            <a:r>
+              <a:rPr lang="ko-KR" altLang="en-US" sz="1400" b="1" dirty="0"/>
+              <a:t>이 존재하는지 하나씩 확인</a:t>
+            </a:r>
+            <a:endParaRPr lang="en-US" altLang="ko-KR" sz="1400" b="1" dirty="0"/>
+          </a:p>
+        </p:txBody>
+      </p:sp>
+    </p:spTree>
+    <p:extLst>
+      <p:ext uri="{BB962C8B-B14F-4D97-AF65-F5344CB8AC3E}">
+        <p14:creationId xmlns:p14="http://schemas.microsoft.com/office/powerpoint/2010/main" val="874551408"/>
+      </p:ext>
+    </p:extLst>
+  </p:cSld>
+  <p:clrMapOvr>
+    <a:masterClrMapping/>
+  </p:clrMapOvr>
+</p:sld>
+</file>
+
+<file path=ppt/slides/slide23.xml><?xml version="1.0" encoding="utf-8"?>
+<p:sld xmlns:a="http://schemas.openxmlformats.org/drawingml/2006/main" xmlns:r="http://schemas.openxmlformats.org/officeDocument/2006/relationships" xmlns:p="http://schemas.openxmlformats.org/presentationml/2006/main">
+  <p:cSld>
+    <p:spTree>
+      <p:nvGrpSpPr>
+        <p:cNvPr id="1" name=""/>
+        <p:cNvGrpSpPr/>
+        <p:nvPr/>
+      </p:nvGrpSpPr>
+      <p:grpSpPr>
+        <a:xfrm>
+          <a:off x="0" y="0"/>
+          <a:ext cx="0" cy="0"/>
+          <a:chOff x="0" y="0"/>
+          <a:chExt cx="0" cy="0"/>
+        </a:xfrm>
+      </p:grpSpPr>
+      <p:sp>
+        <p:nvSpPr>
+          <p:cNvPr id="2" name="제목 1"/>
+          <p:cNvSpPr>
+            <a:spLocks noGrp="1"/>
+          </p:cNvSpPr>
+          <p:nvPr>
+            <p:ph type="title"/>
+          </p:nvPr>
+        </p:nvSpPr>
+        <p:spPr/>
+        <p:txBody>
+          <a:bodyPr/>
+          <a:lstStyle/>
+          <a:p>
+            <a:r>
+              <a:rPr lang="en-US" altLang="ko-KR" dirty="0"/>
+              <a:t>Base</a:t>
+            </a:r>
+            <a:r>
+              <a:rPr lang="ko-KR" altLang="en-US" dirty="0"/>
+              <a:t> </a:t>
+            </a:r>
+            <a:r>
+              <a:rPr lang="en-US" altLang="ko-KR" dirty="0"/>
+              <a:t>Class Library</a:t>
+            </a:r>
+            <a:endParaRPr lang="ko-KR" altLang="en-US" dirty="0"/>
+          </a:p>
+        </p:txBody>
+      </p:sp>
+      <p:sp>
+        <p:nvSpPr>
+          <p:cNvPr id="3" name="텍스트 개체 틀 2"/>
+          <p:cNvSpPr>
+            <a:spLocks noGrp="1"/>
+          </p:cNvSpPr>
+          <p:nvPr>
+            <p:ph type="body" sz="quarter" idx="12"/>
+          </p:nvPr>
+        </p:nvSpPr>
+        <p:spPr/>
+        <p:txBody>
+          <a:bodyPr/>
+          <a:lstStyle/>
+          <a:p>
+            <a:r>
+              <a:rPr lang="ko-KR" altLang="en-US" dirty="0"/>
+              <a:t>이바우</a:t>
+            </a:r>
+          </a:p>
+        </p:txBody>
+      </p:sp>
+      <p:sp>
+        <p:nvSpPr>
+          <p:cNvPr id="4" name="TextBox 3">
+            <a:extLst>
+              <a:ext uri="{FF2B5EF4-FFF2-40B4-BE49-F238E27FC236}">
+                <a16:creationId xmlns:a16="http://schemas.microsoft.com/office/drawing/2014/main" id="{63CD2FF7-E5C7-4CC9-84B6-B2295EAC55C0}"/>
+              </a:ext>
+            </a:extLst>
+          </p:cNvPr>
+          <p:cNvSpPr txBox="1"/>
+          <p:nvPr/>
+        </p:nvSpPr>
+        <p:spPr>
+          <a:xfrm>
+            <a:off x="416496" y="836712"/>
+            <a:ext cx="2676567" cy="373885"/>
+          </a:xfrm>
+          <a:prstGeom prst="rect">
+            <a:avLst/>
+          </a:prstGeom>
+          <a:ln w="28575">
+            <a:solidFill>
+              <a:schemeClr val="tx1"/>
+            </a:solidFill>
+          </a:ln>
+        </p:spPr>
+        <p:txBody>
+          <a:bodyPr wrap="none" rtlCol="0">
+            <a:spAutoFit/>
+          </a:bodyPr>
+          <a:lstStyle/>
+          <a:p>
+            <a:pPr>
+              <a:lnSpc>
+                <a:spcPct val="150000"/>
+              </a:lnSpc>
+            </a:pPr>
+            <a:r>
+              <a:rPr lang="en-US" altLang="ko-KR" sz="1400" b="1" dirty="0" err="1"/>
+              <a:t>System.Collections.Hashtable</a:t>
+            </a:r>
+            <a:endParaRPr lang="en-US" altLang="ko-KR" sz="1400" b="1" dirty="0"/>
+          </a:p>
+        </p:txBody>
+      </p:sp>
+      <p:sp>
+        <p:nvSpPr>
+          <p:cNvPr id="5" name="TextBox 4">
+            <a:extLst>
+              <a:ext uri="{FF2B5EF4-FFF2-40B4-BE49-F238E27FC236}">
+                <a16:creationId xmlns:a16="http://schemas.microsoft.com/office/drawing/2014/main" id="{3E380147-310D-4726-B4FD-EA889EB13697}"/>
+              </a:ext>
+            </a:extLst>
+          </p:cNvPr>
+          <p:cNvSpPr txBox="1"/>
+          <p:nvPr/>
+        </p:nvSpPr>
+        <p:spPr>
+          <a:xfrm>
+            <a:off x="416496" y="1205644"/>
+            <a:ext cx="9073008" cy="4575035"/>
+          </a:xfrm>
+          <a:prstGeom prst="rect">
+            <a:avLst/>
+          </a:prstGeom>
+          <a:ln w="28575">
+            <a:solidFill>
+              <a:schemeClr val="tx1"/>
+            </a:solidFill>
+          </a:ln>
+        </p:spPr>
+        <p:txBody>
+          <a:bodyPr wrap="square" rtlCol="0">
+            <a:spAutoFit/>
+          </a:bodyPr>
+          <a:lstStyle/>
+          <a:p>
+            <a:pPr>
+              <a:lnSpc>
+                <a:spcPct val="150000"/>
+              </a:lnSpc>
+            </a:pPr>
+            <a:r>
+              <a:rPr lang="en-US" altLang="ko-KR" sz="1400" b="1" dirty="0"/>
+              <a:t> </a:t>
+            </a:r>
+          </a:p>
+          <a:p>
+            <a:pPr marL="285750" indent="-285750">
+              <a:lnSpc>
+                <a:spcPct val="150000"/>
+              </a:lnSpc>
+              <a:buFontTx/>
+              <a:buChar char="-"/>
+            </a:pPr>
+            <a:r>
+              <a:rPr lang="ko-KR" altLang="en-US" sz="1400" b="1" dirty="0"/>
+              <a:t>키가 중복되는 경우 </a:t>
+            </a:r>
+            <a:r>
+              <a:rPr lang="en-US" altLang="ko-KR" sz="1400" b="1" dirty="0" err="1"/>
+              <a:t>ArgumentException</a:t>
+            </a:r>
+            <a:r>
+              <a:rPr lang="en-US" altLang="ko-KR" sz="1400" b="1" dirty="0"/>
+              <a:t> </a:t>
+            </a:r>
+            <a:r>
+              <a:rPr lang="ko-KR" altLang="en-US" sz="1400" b="1" dirty="0"/>
+              <a:t>발생</a:t>
+            </a:r>
+            <a:endParaRPr lang="en-US" altLang="ko-KR" sz="1400" b="1" dirty="0"/>
+          </a:p>
+          <a:p>
+            <a:pPr marL="285750" indent="-285750">
+              <a:lnSpc>
+                <a:spcPct val="150000"/>
+              </a:lnSpc>
+              <a:buFontTx/>
+              <a:buChar char="-"/>
+            </a:pPr>
+            <a:r>
+              <a:rPr lang="ko-KR" altLang="en-US" sz="1400" b="1" dirty="0"/>
+              <a:t>키 값도 내부적으로 보관하고 있기 때문에 메모리 낭비</a:t>
+            </a:r>
+            <a:endParaRPr lang="en-US" altLang="ko-KR" sz="1400" b="1" dirty="0"/>
+          </a:p>
+          <a:p>
+            <a:pPr marL="285750" indent="-285750">
+              <a:lnSpc>
+                <a:spcPct val="150000"/>
+              </a:lnSpc>
+              <a:buFontTx/>
+              <a:buChar char="-"/>
+            </a:pPr>
+            <a:r>
+              <a:rPr lang="ko-KR" altLang="en-US" sz="1400" b="1" dirty="0"/>
+              <a:t>키</a:t>
+            </a:r>
+            <a:r>
+              <a:rPr lang="en-US" altLang="ko-KR" sz="1400" b="1" dirty="0"/>
+              <a:t>, </a:t>
+            </a:r>
+            <a:r>
+              <a:rPr lang="ko-KR" altLang="en-US" sz="1400" b="1" dirty="0"/>
+              <a:t>값 모두 </a:t>
+            </a:r>
+            <a:r>
+              <a:rPr lang="en-US" altLang="ko-KR" sz="1400" b="1" dirty="0"/>
+              <a:t>Object </a:t>
+            </a:r>
+            <a:r>
+              <a:rPr lang="ko-KR" altLang="en-US" sz="1400" b="1" dirty="0"/>
+              <a:t>타입이기 때문에 </a:t>
+            </a:r>
+            <a:r>
+              <a:rPr lang="ko-KR" altLang="en-US" sz="1400" b="1" dirty="0" err="1"/>
+              <a:t>박싱</a:t>
+            </a:r>
+            <a:r>
+              <a:rPr lang="ko-KR" altLang="en-US" sz="1400" b="1" dirty="0"/>
+              <a:t> 문제가 발생</a:t>
+            </a:r>
+            <a:endParaRPr lang="en-US" altLang="ko-KR" sz="1400" b="1" dirty="0"/>
+          </a:p>
+          <a:p>
+            <a:pPr marL="285750" indent="-285750">
+              <a:lnSpc>
+                <a:spcPct val="150000"/>
+              </a:lnSpc>
+              <a:buFontTx/>
+              <a:buChar char="-"/>
+            </a:pPr>
+            <a:endParaRPr lang="en-US" altLang="ko-KR" sz="1400" b="1" dirty="0"/>
+          </a:p>
+          <a:p>
+            <a:pPr marL="285750" indent="-285750">
+              <a:lnSpc>
+                <a:spcPct val="150000"/>
+              </a:lnSpc>
+              <a:buFontTx/>
+              <a:buChar char="-"/>
+            </a:pPr>
+            <a:endParaRPr lang="en-US" altLang="ko-KR" sz="1400" b="1" dirty="0"/>
+          </a:p>
+          <a:p>
+            <a:pPr marL="285750" indent="-285750">
+              <a:lnSpc>
+                <a:spcPct val="150000"/>
+              </a:lnSpc>
+              <a:buFontTx/>
+              <a:buChar char="-"/>
+            </a:pPr>
+            <a:endParaRPr lang="en-US" altLang="ko-KR" sz="1400" b="1" dirty="0"/>
+          </a:p>
+          <a:p>
+            <a:pPr marL="285750" indent="-285750">
+              <a:lnSpc>
+                <a:spcPct val="150000"/>
+              </a:lnSpc>
+              <a:buFontTx/>
+              <a:buChar char="-"/>
+            </a:pPr>
+            <a:endParaRPr lang="en-US" altLang="ko-KR" sz="1400" b="1" dirty="0"/>
+          </a:p>
+          <a:p>
+            <a:pPr marL="285750" indent="-285750">
+              <a:lnSpc>
+                <a:spcPct val="150000"/>
+              </a:lnSpc>
+              <a:buFontTx/>
+              <a:buChar char="-"/>
+            </a:pPr>
+            <a:endParaRPr lang="en-US" altLang="ko-KR" sz="1400" b="1" dirty="0"/>
+          </a:p>
+          <a:p>
+            <a:pPr marL="285750" indent="-285750">
+              <a:lnSpc>
+                <a:spcPct val="150000"/>
+              </a:lnSpc>
+              <a:buFontTx/>
+              <a:buChar char="-"/>
+            </a:pPr>
+            <a:endParaRPr lang="en-US" altLang="ko-KR" sz="1400" b="1" dirty="0"/>
+          </a:p>
+          <a:p>
+            <a:pPr>
+              <a:lnSpc>
+                <a:spcPct val="150000"/>
+              </a:lnSpc>
+            </a:pPr>
+            <a:endParaRPr lang="en-US" altLang="ko-KR" sz="1400" b="1" dirty="0"/>
+          </a:p>
+          <a:p>
+            <a:pPr>
+              <a:lnSpc>
+                <a:spcPct val="150000"/>
+              </a:lnSpc>
+            </a:pPr>
+            <a:endParaRPr lang="en-US" altLang="ko-KR" sz="1400" b="1" dirty="0"/>
+          </a:p>
+          <a:p>
+            <a:pPr>
+              <a:lnSpc>
+                <a:spcPct val="150000"/>
+              </a:lnSpc>
+            </a:pPr>
+            <a:endParaRPr lang="en-US" altLang="ko-KR" sz="1400" b="1"/>
+          </a:p>
+          <a:p>
+            <a:pPr>
+              <a:lnSpc>
+                <a:spcPct val="150000"/>
+              </a:lnSpc>
+            </a:pPr>
+            <a:endParaRPr lang="en-US" altLang="ko-KR" sz="1400" b="1" dirty="0"/>
+          </a:p>
+        </p:txBody>
+      </p:sp>
+    </p:spTree>
+    <p:extLst>
+      <p:ext uri="{BB962C8B-B14F-4D97-AF65-F5344CB8AC3E}">
+        <p14:creationId xmlns:p14="http://schemas.microsoft.com/office/powerpoint/2010/main" val="4107205014"/>
+      </p:ext>
+    </p:extLst>
+  </p:cSld>
+  <p:clrMapOvr>
+    <a:masterClrMapping/>
+  </p:clrMapOvr>
+</p:sld>
+</file>
+
+<file path=ppt/slides/slide24.xml><?xml version="1.0" encoding="utf-8"?>
+<p:sld xmlns:a="http://schemas.openxmlformats.org/drawingml/2006/main" xmlns:r="http://schemas.openxmlformats.org/officeDocument/2006/relationships" xmlns:p="http://schemas.openxmlformats.org/presentationml/2006/main">
+  <p:cSld>
+    <p:spTree>
+      <p:nvGrpSpPr>
+        <p:cNvPr id="1" name=""/>
+        <p:cNvGrpSpPr/>
+        <p:nvPr/>
+      </p:nvGrpSpPr>
+      <p:grpSpPr>
+        <a:xfrm>
+          <a:off x="0" y="0"/>
+          <a:ext cx="0" cy="0"/>
+          <a:chOff x="0" y="0"/>
+          <a:chExt cx="0" cy="0"/>
+        </a:xfrm>
+      </p:grpSpPr>
+      <p:sp>
+        <p:nvSpPr>
+          <p:cNvPr id="2" name="제목 1"/>
+          <p:cNvSpPr>
+            <a:spLocks noGrp="1"/>
+          </p:cNvSpPr>
+          <p:nvPr>
+            <p:ph type="title"/>
+          </p:nvPr>
+        </p:nvSpPr>
+        <p:spPr/>
+        <p:txBody>
+          <a:bodyPr/>
+          <a:lstStyle/>
+          <a:p>
+            <a:r>
+              <a:rPr lang="en-US" altLang="ko-KR" dirty="0"/>
+              <a:t>Base</a:t>
+            </a:r>
+            <a:r>
+              <a:rPr lang="ko-KR" altLang="en-US" dirty="0"/>
+              <a:t> </a:t>
+            </a:r>
+            <a:r>
+              <a:rPr lang="en-US" altLang="ko-KR" dirty="0"/>
+              <a:t>Class Library</a:t>
+            </a:r>
+            <a:endParaRPr lang="ko-KR" altLang="en-US" dirty="0"/>
+          </a:p>
+        </p:txBody>
+      </p:sp>
+      <p:sp>
+        <p:nvSpPr>
+          <p:cNvPr id="3" name="텍스트 개체 틀 2"/>
+          <p:cNvSpPr>
+            <a:spLocks noGrp="1"/>
+          </p:cNvSpPr>
+          <p:nvPr>
+            <p:ph type="body" sz="quarter" idx="12"/>
+          </p:nvPr>
+        </p:nvSpPr>
+        <p:spPr/>
+        <p:txBody>
+          <a:bodyPr/>
+          <a:lstStyle/>
+          <a:p>
+            <a:r>
+              <a:rPr lang="ko-KR" altLang="en-US" dirty="0"/>
+              <a:t>이바우</a:t>
+            </a:r>
+          </a:p>
+        </p:txBody>
+      </p:sp>
+      <p:sp>
+        <p:nvSpPr>
+          <p:cNvPr id="4" name="TextBox 3">
+            <a:extLst>
+              <a:ext uri="{FF2B5EF4-FFF2-40B4-BE49-F238E27FC236}">
+                <a16:creationId xmlns:a16="http://schemas.microsoft.com/office/drawing/2014/main" id="{63CD2FF7-E5C7-4CC9-84B6-B2295EAC55C0}"/>
+              </a:ext>
+            </a:extLst>
+          </p:cNvPr>
+          <p:cNvSpPr txBox="1"/>
+          <p:nvPr/>
+        </p:nvSpPr>
+        <p:spPr>
+          <a:xfrm>
+            <a:off x="416496" y="836712"/>
+            <a:ext cx="2681311" cy="373885"/>
+          </a:xfrm>
+          <a:prstGeom prst="rect">
+            <a:avLst/>
+          </a:prstGeom>
+          <a:ln w="28575">
+            <a:solidFill>
+              <a:schemeClr val="tx1"/>
+            </a:solidFill>
+          </a:ln>
+        </p:spPr>
+        <p:txBody>
+          <a:bodyPr wrap="none" rtlCol="0">
+            <a:spAutoFit/>
+          </a:bodyPr>
+          <a:lstStyle/>
+          <a:p>
+            <a:pPr>
+              <a:lnSpc>
+                <a:spcPct val="150000"/>
+              </a:lnSpc>
+            </a:pPr>
+            <a:r>
+              <a:rPr lang="en-US" altLang="ko-KR" sz="1400" b="1" dirty="0" err="1"/>
+              <a:t>System.Collections.SortedList</a:t>
+            </a:r>
+            <a:endParaRPr lang="en-US" altLang="ko-KR" sz="1400" b="1" dirty="0"/>
+          </a:p>
+        </p:txBody>
+      </p:sp>
+      <p:sp>
+        <p:nvSpPr>
+          <p:cNvPr id="5" name="TextBox 4">
+            <a:extLst>
+              <a:ext uri="{FF2B5EF4-FFF2-40B4-BE49-F238E27FC236}">
+                <a16:creationId xmlns:a16="http://schemas.microsoft.com/office/drawing/2014/main" id="{3E380147-310D-4726-B4FD-EA889EB13697}"/>
+              </a:ext>
+            </a:extLst>
+          </p:cNvPr>
+          <p:cNvSpPr txBox="1"/>
+          <p:nvPr/>
+        </p:nvSpPr>
+        <p:spPr>
+          <a:xfrm>
+            <a:off x="416496" y="1205644"/>
+            <a:ext cx="9073008" cy="2312877"/>
+          </a:xfrm>
+          <a:prstGeom prst="rect">
+            <a:avLst/>
+          </a:prstGeom>
+          <a:ln w="28575">
+            <a:solidFill>
+              <a:schemeClr val="tx1"/>
+            </a:solidFill>
+          </a:ln>
+        </p:spPr>
+        <p:txBody>
+          <a:bodyPr wrap="square" rtlCol="0">
+            <a:spAutoFit/>
+          </a:bodyPr>
+          <a:lstStyle/>
+          <a:p>
+            <a:pPr>
+              <a:lnSpc>
+                <a:spcPct val="150000"/>
+              </a:lnSpc>
+            </a:pPr>
+            <a:r>
+              <a:rPr lang="en-US" altLang="ko-KR" sz="1400" b="1" dirty="0"/>
+              <a:t> </a:t>
+            </a:r>
+          </a:p>
+          <a:p>
+            <a:pPr marL="285750" indent="-285750">
+              <a:lnSpc>
+                <a:spcPct val="150000"/>
+              </a:lnSpc>
+              <a:buFontTx/>
+              <a:buChar char="-"/>
+            </a:pPr>
+            <a:r>
+              <a:rPr lang="en-US" altLang="ko-KR" sz="1400" b="1" dirty="0" err="1"/>
+              <a:t>Hashtablet</a:t>
+            </a:r>
+            <a:r>
+              <a:rPr lang="ko-KR" altLang="en-US" sz="1400" b="1" dirty="0"/>
+              <a:t>타입과 사용법이 유사</a:t>
+            </a:r>
+            <a:endParaRPr lang="en-US" altLang="ko-KR" sz="1400" b="1" dirty="0"/>
+          </a:p>
+          <a:p>
+            <a:pPr marL="285750" indent="-285750">
+              <a:lnSpc>
+                <a:spcPct val="150000"/>
+              </a:lnSpc>
+              <a:buFontTx/>
+              <a:buChar char="-"/>
+            </a:pPr>
+            <a:r>
+              <a:rPr lang="en-US" altLang="ko-KR" sz="1400" b="1" dirty="0" err="1"/>
+              <a:t>SortedList</a:t>
+            </a:r>
+            <a:r>
+              <a:rPr lang="ko-KR" altLang="en-US" sz="1400" b="1" dirty="0"/>
+              <a:t>의 키는 그 자체가 정렬되어 값의 순서에 영향을 준다</a:t>
+            </a:r>
+            <a:r>
+              <a:rPr lang="en-US" altLang="ko-KR" sz="1400" b="1" dirty="0"/>
+              <a:t>.</a:t>
+            </a:r>
+          </a:p>
+          <a:p>
+            <a:pPr marL="285750" indent="-285750">
+              <a:lnSpc>
+                <a:spcPct val="150000"/>
+              </a:lnSpc>
+              <a:buFontTx/>
+              <a:buChar char="-"/>
+            </a:pPr>
+            <a:r>
+              <a:rPr lang="en-US" altLang="ko-KR" sz="1400" b="1" dirty="0" err="1"/>
+              <a:t>Hashtable</a:t>
+            </a:r>
+            <a:r>
+              <a:rPr lang="ko-KR" altLang="en-US" sz="1400" b="1" dirty="0"/>
+              <a:t>과 마찬가지로 키 값이 중복되는 경우 예외 발생</a:t>
+            </a:r>
+            <a:endParaRPr lang="en-US" altLang="ko-KR" sz="1400" b="1" dirty="0"/>
+          </a:p>
+          <a:p>
+            <a:pPr>
+              <a:lnSpc>
+                <a:spcPct val="150000"/>
+              </a:lnSpc>
+            </a:pPr>
+            <a:endParaRPr lang="en-US" altLang="ko-KR" sz="1400" b="1" dirty="0"/>
+          </a:p>
+          <a:p>
+            <a:pPr>
+              <a:lnSpc>
+                <a:spcPct val="150000"/>
+              </a:lnSpc>
+            </a:pPr>
+            <a:r>
+              <a:rPr lang="ko-KR" altLang="en-US" sz="1400" b="1" dirty="0"/>
+              <a:t>제 생각</a:t>
+            </a:r>
+            <a:endParaRPr lang="en-US" altLang="ko-KR" sz="1400" b="1" dirty="0"/>
+          </a:p>
+          <a:p>
+            <a:pPr marL="285750" indent="-285750">
+              <a:lnSpc>
+                <a:spcPct val="150000"/>
+              </a:lnSpc>
+              <a:buFontTx/>
+              <a:buChar char="-"/>
+            </a:pPr>
+            <a:r>
+              <a:rPr lang="ko-KR" altLang="en-US" sz="1400" b="1" dirty="0"/>
+              <a:t>키 값을 정렬하여 추가 하기 때문에 많은 데이터 추가 시 속도저하가 발생</a:t>
+            </a:r>
+            <a:r>
+              <a:rPr lang="en-US" altLang="ko-KR" sz="1400" b="1" dirty="0"/>
+              <a:t>!</a:t>
+            </a:r>
+          </a:p>
+        </p:txBody>
+      </p:sp>
+    </p:spTree>
+    <p:extLst>
+      <p:ext uri="{BB962C8B-B14F-4D97-AF65-F5344CB8AC3E}">
+        <p14:creationId xmlns:p14="http://schemas.microsoft.com/office/powerpoint/2010/main" val="1888997288"/>
+      </p:ext>
+    </p:extLst>
+  </p:cSld>
+  <p:clrMapOvr>
+    <a:masterClrMapping/>
+  </p:clrMapOvr>
+</p:sld>
+</file>
+
+<file path=ppt/slides/slide25.xml><?xml version="1.0" encoding="utf-8"?>
+<p:sld xmlns:a="http://schemas.openxmlformats.org/drawingml/2006/main" xmlns:r="http://schemas.openxmlformats.org/officeDocument/2006/relationships" xmlns:p="http://schemas.openxmlformats.org/presentationml/2006/main">
+  <p:cSld>
+    <p:spTree>
+      <p:nvGrpSpPr>
+        <p:cNvPr id="1" name=""/>
+        <p:cNvGrpSpPr/>
+        <p:nvPr/>
+      </p:nvGrpSpPr>
+      <p:grpSpPr>
+        <a:xfrm>
+          <a:off x="0" y="0"/>
+          <a:ext cx="0" cy="0"/>
+          <a:chOff x="0" y="0"/>
+          <a:chExt cx="0" cy="0"/>
+        </a:xfrm>
+      </p:grpSpPr>
+      <p:sp>
+        <p:nvSpPr>
+          <p:cNvPr id="2" name="제목 1"/>
+          <p:cNvSpPr>
+            <a:spLocks noGrp="1"/>
+          </p:cNvSpPr>
+          <p:nvPr>
+            <p:ph type="title"/>
+          </p:nvPr>
+        </p:nvSpPr>
+        <p:spPr/>
+        <p:txBody>
+          <a:bodyPr/>
+          <a:lstStyle/>
+          <a:p>
+            <a:r>
+              <a:rPr lang="en-US" altLang="ko-KR" dirty="0"/>
+              <a:t>Base</a:t>
+            </a:r>
+            <a:r>
+              <a:rPr lang="ko-KR" altLang="en-US" dirty="0"/>
+              <a:t> </a:t>
+            </a:r>
+            <a:r>
+              <a:rPr lang="en-US" altLang="ko-KR" dirty="0"/>
+              <a:t>Class Library</a:t>
+            </a:r>
+            <a:endParaRPr lang="ko-KR" altLang="en-US" dirty="0"/>
+          </a:p>
+        </p:txBody>
+      </p:sp>
+      <p:sp>
+        <p:nvSpPr>
+          <p:cNvPr id="3" name="텍스트 개체 틀 2"/>
+          <p:cNvSpPr>
+            <a:spLocks noGrp="1"/>
+          </p:cNvSpPr>
+          <p:nvPr>
+            <p:ph type="body" sz="quarter" idx="12"/>
+          </p:nvPr>
+        </p:nvSpPr>
+        <p:spPr/>
+        <p:txBody>
+          <a:bodyPr/>
+          <a:lstStyle/>
+          <a:p>
+            <a:r>
+              <a:rPr lang="ko-KR" altLang="en-US" dirty="0"/>
+              <a:t>이바우</a:t>
+            </a:r>
+          </a:p>
+        </p:txBody>
+      </p:sp>
+      <p:sp>
+        <p:nvSpPr>
+          <p:cNvPr id="4" name="TextBox 3">
+            <a:extLst>
+              <a:ext uri="{FF2B5EF4-FFF2-40B4-BE49-F238E27FC236}">
+                <a16:creationId xmlns:a16="http://schemas.microsoft.com/office/drawing/2014/main" id="{63CD2FF7-E5C7-4CC9-84B6-B2295EAC55C0}"/>
+              </a:ext>
+            </a:extLst>
+          </p:cNvPr>
+          <p:cNvSpPr txBox="1"/>
+          <p:nvPr/>
+        </p:nvSpPr>
+        <p:spPr>
+          <a:xfrm>
+            <a:off x="416496" y="836712"/>
+            <a:ext cx="2270814" cy="373885"/>
+          </a:xfrm>
+          <a:prstGeom prst="rect">
+            <a:avLst/>
+          </a:prstGeom>
+          <a:ln w="28575">
+            <a:solidFill>
+              <a:schemeClr val="tx1"/>
+            </a:solidFill>
+          </a:ln>
+        </p:spPr>
+        <p:txBody>
+          <a:bodyPr wrap="none" rtlCol="0">
+            <a:spAutoFit/>
+          </a:bodyPr>
+          <a:lstStyle/>
+          <a:p>
+            <a:pPr>
+              <a:lnSpc>
+                <a:spcPct val="150000"/>
+              </a:lnSpc>
+            </a:pPr>
+            <a:r>
+              <a:rPr lang="en-US" altLang="ko-KR" sz="1400" b="1" dirty="0" err="1"/>
+              <a:t>System.Collections.Stack</a:t>
+            </a:r>
+            <a:endParaRPr lang="en-US" altLang="ko-KR" sz="1400" b="1" dirty="0"/>
+          </a:p>
+        </p:txBody>
+      </p:sp>
+      <p:sp>
+        <p:nvSpPr>
+          <p:cNvPr id="5" name="TextBox 4">
+            <a:extLst>
+              <a:ext uri="{FF2B5EF4-FFF2-40B4-BE49-F238E27FC236}">
+                <a16:creationId xmlns:a16="http://schemas.microsoft.com/office/drawing/2014/main" id="{3E380147-310D-4726-B4FD-EA889EB13697}"/>
+              </a:ext>
+            </a:extLst>
+          </p:cNvPr>
+          <p:cNvSpPr txBox="1"/>
+          <p:nvPr/>
+        </p:nvSpPr>
+        <p:spPr>
+          <a:xfrm>
+            <a:off x="416496" y="1205644"/>
+            <a:ext cx="9073008" cy="1343381"/>
+          </a:xfrm>
+          <a:prstGeom prst="rect">
+            <a:avLst/>
+          </a:prstGeom>
+          <a:ln w="28575">
+            <a:solidFill>
+              <a:schemeClr val="tx1"/>
+            </a:solidFill>
+          </a:ln>
+        </p:spPr>
+        <p:txBody>
+          <a:bodyPr wrap="square" rtlCol="0">
+            <a:spAutoFit/>
+          </a:bodyPr>
+          <a:lstStyle/>
+          <a:p>
+            <a:pPr>
+              <a:lnSpc>
+                <a:spcPct val="150000"/>
+              </a:lnSpc>
+            </a:pPr>
+            <a:r>
+              <a:rPr lang="en-US" altLang="ko-KR" sz="1400" b="1" dirty="0"/>
+              <a:t> </a:t>
+            </a:r>
+          </a:p>
+          <a:p>
+            <a:pPr marL="285750" indent="-285750">
+              <a:lnSpc>
+                <a:spcPct val="150000"/>
+              </a:lnSpc>
+              <a:buFontTx/>
+              <a:buChar char="-"/>
+            </a:pPr>
+            <a:r>
+              <a:rPr lang="ko-KR" altLang="en-US" sz="1400" b="1" dirty="0"/>
+              <a:t>자료구조의</a:t>
+            </a:r>
+            <a:r>
+              <a:rPr lang="en-US" altLang="ko-KR" sz="1400" b="1" dirty="0"/>
+              <a:t> </a:t>
+            </a:r>
+            <a:r>
+              <a:rPr lang="ko-KR" altLang="en-US" sz="1400" b="1" dirty="0"/>
+              <a:t>스택을 그대로 구현</a:t>
+            </a:r>
+            <a:endParaRPr lang="en-US" altLang="ko-KR" sz="1400" b="1" dirty="0"/>
+          </a:p>
+          <a:p>
+            <a:pPr marL="285750" indent="-285750">
+              <a:lnSpc>
+                <a:spcPct val="150000"/>
+              </a:lnSpc>
+              <a:buFontTx/>
+              <a:buChar char="-"/>
+            </a:pPr>
+            <a:r>
+              <a:rPr lang="ko-KR" altLang="en-US" sz="1400" b="1" dirty="0" err="1"/>
+              <a:t>선입후출</a:t>
+            </a:r>
+            <a:r>
+              <a:rPr lang="en-US" altLang="ko-KR" sz="1400" b="1" dirty="0"/>
+              <a:t>(FILO: First-In Last-Out)</a:t>
+            </a:r>
+            <a:r>
+              <a:rPr lang="ko-KR" altLang="en-US" sz="1400" b="1" dirty="0"/>
+              <a:t> 먼저 넣은 데이터는 가장 나중에 나옴</a:t>
+            </a:r>
+            <a:endParaRPr lang="en-US" altLang="ko-KR" sz="1400" b="1" dirty="0"/>
+          </a:p>
+          <a:p>
+            <a:pPr>
+              <a:lnSpc>
+                <a:spcPct val="150000"/>
+              </a:lnSpc>
+            </a:pPr>
+            <a:endParaRPr lang="en-US" altLang="ko-KR" sz="1400" b="1" dirty="0"/>
+          </a:p>
+        </p:txBody>
+      </p:sp>
+    </p:spTree>
+    <p:extLst>
+      <p:ext uri="{BB962C8B-B14F-4D97-AF65-F5344CB8AC3E}">
+        <p14:creationId xmlns:p14="http://schemas.microsoft.com/office/powerpoint/2010/main" val="2715472383"/>
+      </p:ext>
+    </p:extLst>
+  </p:cSld>
+  <p:clrMapOvr>
+    <a:masterClrMapping/>
+  </p:clrMapOvr>
+</p:sld>
+</file>
+
+<file path=ppt/slides/slide26.xml><?xml version="1.0" encoding="utf-8"?>
+<p:sld xmlns:a="http://schemas.openxmlformats.org/drawingml/2006/main" xmlns:r="http://schemas.openxmlformats.org/officeDocument/2006/relationships" xmlns:p="http://schemas.openxmlformats.org/presentationml/2006/main">
+  <p:cSld>
+    <p:spTree>
+      <p:nvGrpSpPr>
+        <p:cNvPr id="1" name=""/>
+        <p:cNvGrpSpPr/>
+        <p:nvPr/>
+      </p:nvGrpSpPr>
+      <p:grpSpPr>
+        <a:xfrm>
+          <a:off x="0" y="0"/>
+          <a:ext cx="0" cy="0"/>
+          <a:chOff x="0" y="0"/>
+          <a:chExt cx="0" cy="0"/>
+        </a:xfrm>
+      </p:grpSpPr>
+      <p:sp>
+        <p:nvSpPr>
+          <p:cNvPr id="2" name="제목 1"/>
+          <p:cNvSpPr>
+            <a:spLocks noGrp="1"/>
+          </p:cNvSpPr>
+          <p:nvPr>
+            <p:ph type="title"/>
+          </p:nvPr>
+        </p:nvSpPr>
+        <p:spPr/>
+        <p:txBody>
+          <a:bodyPr/>
+          <a:lstStyle/>
+          <a:p>
+            <a:r>
+              <a:rPr lang="en-US" altLang="ko-KR" dirty="0"/>
+              <a:t>Base</a:t>
+            </a:r>
+            <a:r>
+              <a:rPr lang="ko-KR" altLang="en-US" dirty="0"/>
+              <a:t> </a:t>
+            </a:r>
+            <a:r>
+              <a:rPr lang="en-US" altLang="ko-KR" dirty="0"/>
+              <a:t>Class Library</a:t>
+            </a:r>
+            <a:endParaRPr lang="ko-KR" altLang="en-US" dirty="0"/>
+          </a:p>
+        </p:txBody>
+      </p:sp>
+      <p:sp>
+        <p:nvSpPr>
+          <p:cNvPr id="3" name="텍스트 개체 틀 2"/>
+          <p:cNvSpPr>
+            <a:spLocks noGrp="1"/>
+          </p:cNvSpPr>
+          <p:nvPr>
+            <p:ph type="body" sz="quarter" idx="12"/>
+          </p:nvPr>
+        </p:nvSpPr>
+        <p:spPr/>
+        <p:txBody>
+          <a:bodyPr/>
+          <a:lstStyle/>
+          <a:p>
+            <a:r>
+              <a:rPr lang="ko-KR" altLang="en-US" dirty="0"/>
+              <a:t>이바우</a:t>
+            </a:r>
+          </a:p>
+        </p:txBody>
+      </p:sp>
+      <p:sp>
+        <p:nvSpPr>
+          <p:cNvPr id="4" name="TextBox 3">
+            <a:extLst>
+              <a:ext uri="{FF2B5EF4-FFF2-40B4-BE49-F238E27FC236}">
+                <a16:creationId xmlns:a16="http://schemas.microsoft.com/office/drawing/2014/main" id="{63CD2FF7-E5C7-4CC9-84B6-B2295EAC55C0}"/>
+              </a:ext>
+            </a:extLst>
+          </p:cNvPr>
+          <p:cNvSpPr txBox="1"/>
+          <p:nvPr/>
+        </p:nvSpPr>
+        <p:spPr>
+          <a:xfrm>
+            <a:off x="416496" y="836712"/>
+            <a:ext cx="2376805" cy="373885"/>
+          </a:xfrm>
+          <a:prstGeom prst="rect">
+            <a:avLst/>
+          </a:prstGeom>
+          <a:ln w="28575">
+            <a:solidFill>
+              <a:schemeClr val="tx1"/>
+            </a:solidFill>
+          </a:ln>
+        </p:spPr>
+        <p:txBody>
+          <a:bodyPr wrap="none" rtlCol="0">
+            <a:spAutoFit/>
+          </a:bodyPr>
+          <a:lstStyle/>
+          <a:p>
+            <a:pPr>
+              <a:lnSpc>
+                <a:spcPct val="150000"/>
+              </a:lnSpc>
+            </a:pPr>
+            <a:r>
+              <a:rPr lang="en-US" altLang="ko-KR" sz="1400" b="1" dirty="0" err="1"/>
+              <a:t>System.Collections.Queue</a:t>
+            </a:r>
+            <a:endParaRPr lang="en-US" altLang="ko-KR" sz="1400" b="1" dirty="0"/>
+          </a:p>
+        </p:txBody>
+      </p:sp>
+      <p:sp>
+        <p:nvSpPr>
+          <p:cNvPr id="5" name="TextBox 4">
+            <a:extLst>
+              <a:ext uri="{FF2B5EF4-FFF2-40B4-BE49-F238E27FC236}">
+                <a16:creationId xmlns:a16="http://schemas.microsoft.com/office/drawing/2014/main" id="{3E380147-310D-4726-B4FD-EA889EB13697}"/>
+              </a:ext>
+            </a:extLst>
+          </p:cNvPr>
+          <p:cNvSpPr txBox="1"/>
+          <p:nvPr/>
+        </p:nvSpPr>
+        <p:spPr>
+          <a:xfrm>
+            <a:off x="416496" y="1205644"/>
+            <a:ext cx="9073008" cy="1343381"/>
+          </a:xfrm>
+          <a:prstGeom prst="rect">
+            <a:avLst/>
+          </a:prstGeom>
+          <a:ln w="28575">
+            <a:solidFill>
+              <a:schemeClr val="tx1"/>
+            </a:solidFill>
+          </a:ln>
+        </p:spPr>
+        <p:txBody>
+          <a:bodyPr wrap="square" rtlCol="0">
+            <a:spAutoFit/>
+          </a:bodyPr>
+          <a:lstStyle/>
+          <a:p>
+            <a:pPr>
+              <a:lnSpc>
+                <a:spcPct val="150000"/>
+              </a:lnSpc>
+            </a:pPr>
+            <a:r>
+              <a:rPr lang="en-US" altLang="ko-KR" sz="1400" b="1" dirty="0"/>
+              <a:t> </a:t>
+            </a:r>
+          </a:p>
+          <a:p>
+            <a:pPr marL="285750" indent="-285750">
+              <a:lnSpc>
+                <a:spcPct val="150000"/>
+              </a:lnSpc>
+              <a:buFontTx/>
+              <a:buChar char="-"/>
+            </a:pPr>
+            <a:r>
+              <a:rPr lang="ko-KR" altLang="en-US" sz="1400" b="1" dirty="0"/>
+              <a:t>자료구조의</a:t>
+            </a:r>
+            <a:r>
+              <a:rPr lang="en-US" altLang="ko-KR" sz="1400" b="1" dirty="0"/>
+              <a:t> </a:t>
+            </a:r>
+            <a:r>
+              <a:rPr lang="ko-KR" altLang="en-US" sz="1400" b="1" dirty="0"/>
+              <a:t>큐를 그대로 구현</a:t>
+            </a:r>
+            <a:endParaRPr lang="en-US" altLang="ko-KR" sz="1400" b="1" dirty="0"/>
+          </a:p>
+          <a:p>
+            <a:pPr marL="285750" indent="-285750">
+              <a:lnSpc>
+                <a:spcPct val="150000"/>
+              </a:lnSpc>
+              <a:buFontTx/>
+              <a:buChar char="-"/>
+            </a:pPr>
+            <a:r>
+              <a:rPr lang="ko-KR" altLang="en-US" sz="1400" b="1" dirty="0"/>
+              <a:t>선입선출</a:t>
+            </a:r>
+            <a:r>
+              <a:rPr lang="en-US" altLang="ko-KR" sz="1400" b="1" dirty="0"/>
+              <a:t>(FIFO: First-In First-Out)</a:t>
+            </a:r>
+            <a:r>
+              <a:rPr lang="ko-KR" altLang="en-US" sz="1400" b="1" dirty="0"/>
+              <a:t> 먼저 넣은 가장 먼저 나옴</a:t>
+            </a:r>
+            <a:endParaRPr lang="en-US" altLang="ko-KR" sz="1400" b="1" dirty="0"/>
+          </a:p>
+          <a:p>
+            <a:pPr>
+              <a:lnSpc>
+                <a:spcPct val="150000"/>
+              </a:lnSpc>
+            </a:pPr>
+            <a:endParaRPr lang="en-US" altLang="ko-KR" sz="1400" b="1" dirty="0"/>
+          </a:p>
+        </p:txBody>
+      </p:sp>
+    </p:spTree>
+    <p:extLst>
+      <p:ext uri="{BB962C8B-B14F-4D97-AF65-F5344CB8AC3E}">
+        <p14:creationId xmlns:p14="http://schemas.microsoft.com/office/powerpoint/2010/main" val="558980854"/>
       </p:ext>
     </p:extLst>
   </p:cSld>
@@ -20504,6 +22428,12 @@
 </file>
 
 <file path=customXml/item1.xml><?xml version="1.0" encoding="utf-8"?>
+<p:properties xmlns:p="http://schemas.microsoft.com/office/2006/metadata/properties" xmlns:xsi="http://www.w3.org/2001/XMLSchema-instance" xmlns:pc="http://schemas.microsoft.com/office/infopath/2007/PartnerControls">
+  <documentManagement/>
+</p:properties>
+</file>
+
+<file path=customXml/item2.xml><?xml version="1.0" encoding="utf-8"?>
 <ct:contentTypeSchema xmlns:ct="http://schemas.microsoft.com/office/2006/metadata/contentType" xmlns:ma="http://schemas.microsoft.com/office/2006/metadata/properties/metaAttributes" ct:_="" ma:_="" ma:contentTypeName="문서" ma:contentTypeID="0x0101009E83431362FE4E479AFE784FA9188651" ma:contentTypeVersion="0" ma:contentTypeDescription="새 문서를 만듭니다." ma:contentTypeScope="" ma:versionID="8c3e47d44ebfc8c65f7d738e734783b1">
   <xsd:schema xmlns:xsd="http://www.w3.org/2001/XMLSchema" xmlns:xs="http://www.w3.org/2001/XMLSchema" xmlns:p="http://schemas.microsoft.com/office/2006/metadata/properties" targetNamespace="http://schemas.microsoft.com/office/2006/metadata/properties" ma:root="true" ma:fieldsID="dd8f6c9257034a6ffde9c3b3e5e5b894">
     <xsd:element name="properties">
@@ -20617,12 +22547,6 @@
 </ct:contentTypeSchema>
 </file>
 
-<file path=customXml/item2.xml><?xml version="1.0" encoding="utf-8"?>
-<p:properties xmlns:p="http://schemas.microsoft.com/office/2006/metadata/properties" xmlns:xsi="http://www.w3.org/2001/XMLSchema-instance" xmlns:pc="http://schemas.microsoft.com/office/infopath/2007/PartnerControls">
-  <documentManagement/>
-</p:properties>
-</file>
-
 <file path=customXml/item3.xml><?xml version="1.0" encoding="utf-8"?>
 <?mso-contentType ?>
 <FormTemplates xmlns="http://schemas.microsoft.com/sharepoint/v3/contenttype/forms">
@@ -20633,6 +22557,21 @@
 </file>
 
 <file path=customXml/itemProps1.xml><?xml version="1.0" encoding="utf-8"?>
+<ds:datastoreItem xmlns:ds="http://schemas.openxmlformats.org/officeDocument/2006/customXml" ds:itemID="{F690C689-3919-4FAB-A032-F7730DDB613A}">
+  <ds:schemaRefs>
+    <ds:schemaRef ds:uri="http://purl.org/dc/elements/1.1/"/>
+    <ds:schemaRef ds:uri="http://schemas.microsoft.com/office/2006/documentManagement/types"/>
+    <ds:schemaRef ds:uri="http://schemas.microsoft.com/office/infopath/2007/PartnerControls"/>
+    <ds:schemaRef ds:uri="http://schemas.microsoft.com/office/2006/metadata/properties"/>
+    <ds:schemaRef ds:uri="http://purl.org/dc/terms/"/>
+    <ds:schemaRef ds:uri="http://purl.org/dc/dcmitype/"/>
+    <ds:schemaRef ds:uri="http://schemas.openxmlformats.org/package/2006/metadata/core-properties"/>
+    <ds:schemaRef ds:uri="http://www.w3.org/XML/1998/namespace"/>
+  </ds:schemaRefs>
+</ds:datastoreItem>
+</file>
+
+<file path=customXml/itemProps2.xml><?xml version="1.0" encoding="utf-8"?>
 <ds:datastoreItem xmlns:ds="http://schemas.openxmlformats.org/officeDocument/2006/customXml" ds:itemID="{523B2C53-46AC-4194-BE77-B01686A95413}">
   <ds:schemaRefs>
     <ds:schemaRef ds:uri="http://schemas.microsoft.com/office/2006/metadata/contentType"/>
@@ -20648,21 +22587,6 @@
 </ds:datastoreItem>
 </file>
 
-<file path=customXml/itemProps2.xml><?xml version="1.0" encoding="utf-8"?>
-<ds:datastoreItem xmlns:ds="http://schemas.openxmlformats.org/officeDocument/2006/customXml" ds:itemID="{F690C689-3919-4FAB-A032-F7730DDB613A}">
-  <ds:schemaRefs>
-    <ds:schemaRef ds:uri="http://purl.org/dc/elements/1.1/"/>
-    <ds:schemaRef ds:uri="http://schemas.microsoft.com/office/2006/documentManagement/types"/>
-    <ds:schemaRef ds:uri="http://schemas.microsoft.com/office/infopath/2007/PartnerControls"/>
-    <ds:schemaRef ds:uri="http://schemas.microsoft.com/office/2006/metadata/properties"/>
-    <ds:schemaRef ds:uri="http://purl.org/dc/terms/"/>
-    <ds:schemaRef ds:uri="http://purl.org/dc/dcmitype/"/>
-    <ds:schemaRef ds:uri="http://schemas.openxmlformats.org/package/2006/metadata/core-properties"/>
-    <ds:schemaRef ds:uri="http://www.w3.org/XML/1998/namespace"/>
-  </ds:schemaRefs>
-</ds:datastoreItem>
-</file>
-
 <file path=customXml/itemProps3.xml><?xml version="1.0" encoding="utf-8"?>
 <ds:datastoreItem xmlns:ds="http://schemas.openxmlformats.org/officeDocument/2006/customXml" ds:itemID="{DB0449EB-AB12-46ED-B1D5-5ADE30ED81CF}">
   <ds:schemaRefs>

--- a/CSharpStudy.Day20200627/Base Class Library.pptx
+++ b/CSharpStudy.Day20200627/Base Class Library.pptx
@@ -5,7 +5,7 @@
     <p:sldMasterId id="2147483648" r:id="rId4"/>
   </p:sldMasterIdLst>
   <p:notesMasterIdLst>
-    <p:notesMasterId r:id="rId31"/>
+    <p:notesMasterId r:id="rId37"/>
   </p:notesMasterIdLst>
   <p:sldIdLst>
     <p:sldId id="272" r:id="rId5"/>
@@ -27,13 +27,19 @@
     <p:sldId id="286" r:id="rId21"/>
     <p:sldId id="288" r:id="rId22"/>
     <p:sldId id="292" r:id="rId23"/>
-    <p:sldId id="291" r:id="rId24"/>
-    <p:sldId id="293" r:id="rId25"/>
-    <p:sldId id="294" r:id="rId26"/>
-    <p:sldId id="297" r:id="rId27"/>
-    <p:sldId id="295" r:id="rId28"/>
-    <p:sldId id="296" r:id="rId29"/>
-    <p:sldId id="298" r:id="rId30"/>
+    <p:sldId id="299" r:id="rId24"/>
+    <p:sldId id="300" r:id="rId25"/>
+    <p:sldId id="301" r:id="rId26"/>
+    <p:sldId id="302" r:id="rId27"/>
+    <p:sldId id="303" r:id="rId28"/>
+    <p:sldId id="304" r:id="rId29"/>
+    <p:sldId id="291" r:id="rId30"/>
+    <p:sldId id="293" r:id="rId31"/>
+    <p:sldId id="294" r:id="rId32"/>
+    <p:sldId id="297" r:id="rId33"/>
+    <p:sldId id="295" r:id="rId34"/>
+    <p:sldId id="296" r:id="rId35"/>
+    <p:sldId id="298" r:id="rId36"/>
   </p:sldIdLst>
   <p:sldSz cx="9906000" cy="6858000" type="A4"/>
   <p:notesSz cx="6797675" cy="9926638"/>
@@ -239,7 +245,7 @@
           <a:p>
             <a:fld id="{5DF383A0-5C52-4BAA-BD3F-5F94DDAF4210}" type="datetimeFigureOut">
               <a:rPr lang="ko-KR" altLang="en-US" smtClean="0"/>
-              <a:t>2020-06-24</a:t>
+              <a:t>2020-06-26</a:t>
             </a:fld>
             <a:endParaRPr lang="ko-KR" altLang="en-US"/>
           </a:p>
@@ -17156,7 +17162,7 @@
         <p:spPr>
           <a:xfrm>
             <a:off x="416496" y="1205644"/>
-            <a:ext cx="9073008" cy="1989712"/>
+            <a:ext cx="9073008" cy="2959208"/>
           </a:xfrm>
           <a:prstGeom prst="rect">
             <a:avLst/>
@@ -17195,7 +17201,78 @@
             </a:r>
             <a:r>
               <a:rPr lang="ko-KR" altLang="en-US" sz="1400" b="1" dirty="0"/>
-              <a:t>정</a:t>
+              <a:t>기본 타입의 값을 바이트 배열로 변환 및 복원 하는 메서드를 제공 </a:t>
+            </a:r>
+            <a:endParaRPr lang="en-US" altLang="ko-KR" sz="1400" b="1" dirty="0"/>
+          </a:p>
+          <a:p>
+            <a:pPr marL="285750" indent="-285750">
+              <a:lnSpc>
+                <a:spcPct val="150000"/>
+              </a:lnSpc>
+              <a:buFontTx/>
+              <a:buChar char="-"/>
+            </a:pPr>
+            <a:r>
+              <a:rPr lang="en-US" altLang="ko-KR" sz="1400" b="1" dirty="0" err="1"/>
+              <a:t>GetBytes</a:t>
+            </a:r>
+            <a:r>
+              <a:rPr lang="en-US" altLang="ko-KR" sz="1400" b="1" dirty="0"/>
+              <a:t>, To</a:t>
+            </a:r>
+            <a:r>
+              <a:rPr lang="ko-KR" altLang="en-US" sz="1400" b="1" dirty="0"/>
+              <a:t>자료형</a:t>
+            </a:r>
+            <a:r>
+              <a:rPr lang="en-US" altLang="ko-KR" sz="1400" b="1" dirty="0"/>
+              <a:t>(</a:t>
+            </a:r>
+            <a:r>
+              <a:rPr lang="en-US" altLang="ko-KR" sz="1400" b="1" dirty="0" err="1"/>
+              <a:t>ToBoolean</a:t>
+            </a:r>
+            <a:r>
+              <a:rPr lang="en-US" altLang="ko-KR" sz="1400" b="1" dirty="0"/>
+              <a:t>, ToInt16, ToInt32 … )</a:t>
+            </a:r>
+          </a:p>
+          <a:p>
+            <a:pPr marL="285750" indent="-285750">
+              <a:lnSpc>
+                <a:spcPct val="150000"/>
+              </a:lnSpc>
+              <a:buFontTx/>
+              <a:buChar char="-"/>
+            </a:pPr>
+            <a:endParaRPr lang="en-US" altLang="ko-KR" sz="1400" b="1" dirty="0"/>
+          </a:p>
+          <a:p>
+            <a:pPr>
+              <a:lnSpc>
+                <a:spcPct val="150000"/>
+              </a:lnSpc>
+            </a:pPr>
+            <a:r>
+              <a:rPr lang="en-US" altLang="ko-KR" sz="1400" b="1" dirty="0"/>
+              <a:t>16</a:t>
+            </a:r>
+            <a:r>
+              <a:rPr lang="ko-KR" altLang="en-US" sz="1400" b="1" dirty="0"/>
+              <a:t>진수 문자열로 표현하는 </a:t>
+            </a:r>
+            <a:r>
+              <a:rPr lang="en-US" altLang="ko-KR" sz="1400" b="1" dirty="0" err="1"/>
+              <a:t>ToString</a:t>
+            </a:r>
+            <a:r>
+              <a:rPr lang="en-US" altLang="ko-KR" sz="1400" b="1" dirty="0"/>
+              <a:t> </a:t>
+            </a:r>
+            <a:r>
+              <a:rPr lang="ko-KR" altLang="en-US" sz="1400" b="1" dirty="0"/>
+              <a:t>메서드도 함께 제공</a:t>
             </a:r>
             <a:endParaRPr lang="en-US" altLang="ko-KR" sz="1400" b="1" dirty="0"/>
           </a:p>
@@ -17611,7 +17688,7 @@
         <p:spPr>
           <a:xfrm>
             <a:off x="416496" y="836712"/>
-            <a:ext cx="723275" cy="373885"/>
+            <a:ext cx="2393412" cy="373885"/>
           </a:xfrm>
           <a:prstGeom prst="rect">
             <a:avLst/>
@@ -17634,8 +17711,8 @@
               </a:lnSpc>
             </a:pPr>
             <a:r>
-              <a:rPr lang="ko-KR" altLang="en-US" sz="1400" b="1" dirty="0"/>
-              <a:t>컬렉션</a:t>
+              <a:rPr lang="en-US" altLang="ko-KR" sz="1400" b="1" dirty="0" err="1"/>
+              <a:t>System.IO.MemoryStream</a:t>
             </a:r>
             <a:endParaRPr lang="en-US" altLang="ko-KR" sz="1400" b="1" dirty="0"/>
           </a:p>
@@ -17656,7 +17733,7 @@
         <p:spPr>
           <a:xfrm>
             <a:off x="416496" y="1205644"/>
-            <a:ext cx="9073008" cy="3282373"/>
+            <a:ext cx="9073008" cy="2312877"/>
           </a:xfrm>
           <a:prstGeom prst="rect">
             <a:avLst/>
@@ -17691,12 +17768,52 @@
             </a:pPr>
             <a:r>
               <a:rPr lang="en-US" altLang="ko-KR" sz="1400" b="1" dirty="0"/>
+              <a:t> Stream </a:t>
+            </a:r>
+            <a:r>
+              <a:rPr lang="ko-KR" altLang="en-US" sz="1400" b="1" dirty="0"/>
+              <a:t>타입은 일련의 바이트를 </a:t>
+            </a:r>
+            <a:r>
+              <a:rPr lang="ko-KR" altLang="en-US" sz="1400" b="1" dirty="0" err="1"/>
+              <a:t>일관성있게</a:t>
+            </a:r>
+            <a:r>
+              <a:rPr lang="ko-KR" altLang="en-US" sz="1400" b="1" dirty="0"/>
+              <a:t> 다루는 공통 기반을 제공</a:t>
+            </a:r>
+            <a:endParaRPr lang="en-US" altLang="ko-KR" sz="1400" b="1" dirty="0"/>
+          </a:p>
+          <a:p>
+            <a:pPr>
+              <a:lnSpc>
+                <a:spcPct val="150000"/>
+              </a:lnSpc>
+            </a:pPr>
+            <a:endParaRPr lang="en-US" altLang="ko-KR" sz="1400" b="1" dirty="0"/>
+          </a:p>
+          <a:p>
+            <a:pPr>
+              <a:lnSpc>
+                <a:spcPct val="150000"/>
+              </a:lnSpc>
+            </a:pPr>
+            <a:r>
+              <a:rPr lang="ko-KR" altLang="en-US" sz="1400" b="1" dirty="0"/>
+              <a:t>메모리에 바이트 데이터를 순서대로 읽고 쓰는 작업을 수행하는 클래스</a:t>
+            </a:r>
+            <a:endParaRPr lang="en-US" altLang="ko-KR" sz="1400" b="1" dirty="0"/>
+          </a:p>
+          <a:p>
+            <a:pPr>
+              <a:lnSpc>
+                <a:spcPct val="150000"/>
+              </a:lnSpc>
+            </a:pPr>
+            <a:r>
+              <a:rPr lang="ko-KR" altLang="en-US" sz="1400" b="1" dirty="0"/>
               <a:t> </a:t>
             </a:r>
-            <a:r>
-              <a:rPr lang="ko-KR" altLang="en-US" sz="1400" b="1" dirty="0"/>
-              <a:t>배열은 크기가 고정</a:t>
-            </a:r>
             <a:endParaRPr lang="en-US" altLang="ko-KR" sz="1400" b="1" dirty="0"/>
           </a:p>
           <a:p>
@@ -17705,25 +17822,6 @@
                 <a:spcPct val="150000"/>
               </a:lnSpc>
             </a:pPr>
-            <a:r>
-              <a:rPr lang="en-US" altLang="ko-KR" sz="1400" b="1" dirty="0"/>
-              <a:t> </a:t>
-            </a:r>
-            <a:r>
-              <a:rPr lang="ko-KR" altLang="en-US" sz="1400" b="1" dirty="0"/>
-              <a:t>크기가 정해지지 않는 배열을 다뤄야 할 필요가 있을 때 컬렉션을 사용하면 된다</a:t>
-            </a:r>
-            <a:r>
-              <a:rPr lang="en-US" altLang="ko-KR" sz="1400" b="1" dirty="0"/>
-              <a:t>.</a:t>
-            </a:r>
-          </a:p>
-          <a:p>
-            <a:pPr>
-              <a:lnSpc>
-                <a:spcPct val="150000"/>
-              </a:lnSpc>
-            </a:pPr>
             <a:endParaRPr lang="en-US" altLang="ko-KR" sz="1400" b="1" dirty="0"/>
           </a:p>
           <a:p>
@@ -17732,87 +17830,6 @@
                 <a:spcPct val="150000"/>
               </a:lnSpc>
             </a:pPr>
-            <a:r>
-              <a:rPr lang="en-US" altLang="ko-KR" sz="1400" b="1" dirty="0"/>
-              <a:t> BCL</a:t>
-            </a:r>
-          </a:p>
-          <a:p>
-            <a:pPr marL="285750" indent="-285750">
-              <a:lnSpc>
-                <a:spcPct val="150000"/>
-              </a:lnSpc>
-              <a:buFontTx/>
-              <a:buChar char="-"/>
-            </a:pPr>
-            <a:r>
-              <a:rPr lang="en-US" altLang="ko-KR" sz="1400" b="1" dirty="0" err="1"/>
-              <a:t>System.Collections.ArrayList</a:t>
-            </a:r>
-            <a:endParaRPr lang="en-US" altLang="ko-KR" sz="1400" b="1" dirty="0"/>
-          </a:p>
-          <a:p>
-            <a:pPr marL="285750" indent="-285750">
-              <a:lnSpc>
-                <a:spcPct val="150000"/>
-              </a:lnSpc>
-              <a:buFontTx/>
-              <a:buChar char="-"/>
-            </a:pPr>
-            <a:r>
-              <a:rPr lang="en-US" altLang="ko-KR" sz="1400" b="1" dirty="0" err="1"/>
-              <a:t>System.Collections.Hashtable</a:t>
-            </a:r>
-            <a:endParaRPr lang="en-US" altLang="ko-KR" sz="1400" b="1" dirty="0"/>
-          </a:p>
-          <a:p>
-            <a:pPr marL="285750" indent="-285750">
-              <a:lnSpc>
-                <a:spcPct val="150000"/>
-              </a:lnSpc>
-              <a:buFontTx/>
-              <a:buChar char="-"/>
-            </a:pPr>
-            <a:r>
-              <a:rPr lang="en-US" altLang="ko-KR" sz="1400" b="1" dirty="0" err="1"/>
-              <a:t>System.Collections.SortedList</a:t>
-            </a:r>
-            <a:endParaRPr lang="en-US" altLang="ko-KR" sz="1400" b="1" dirty="0"/>
-          </a:p>
-          <a:p>
-            <a:pPr marL="285750" indent="-285750">
-              <a:lnSpc>
-                <a:spcPct val="150000"/>
-              </a:lnSpc>
-              <a:buFontTx/>
-              <a:buChar char="-"/>
-            </a:pPr>
-            <a:r>
-              <a:rPr lang="en-US" altLang="ko-KR" sz="1400" b="1" dirty="0" err="1"/>
-              <a:t>System.Collections.Stack</a:t>
-            </a:r>
-            <a:endParaRPr lang="en-US" altLang="ko-KR" sz="1400" b="1" dirty="0"/>
-          </a:p>
-          <a:p>
-            <a:pPr marL="285750" indent="-285750">
-              <a:lnSpc>
-                <a:spcPct val="150000"/>
-              </a:lnSpc>
-              <a:buFontTx/>
-              <a:buChar char="-"/>
-            </a:pPr>
-            <a:r>
-              <a:rPr lang="en-US" altLang="ko-KR" sz="1400" b="1" dirty="0" err="1"/>
-              <a:t>System.</a:t>
-            </a:r>
-            <a:r>
-              <a:rPr lang="en-US" altLang="ko-KR" sz="1400" b="1" err="1"/>
-              <a:t>Collections</a:t>
-            </a:r>
-            <a:r>
-              <a:rPr lang="en-US" altLang="ko-KR" sz="1400" b="1"/>
-              <a:t>.Queue</a:t>
-            </a:r>
             <a:endParaRPr lang="en-US" altLang="ko-KR" sz="1400" b="1" dirty="0"/>
           </a:p>
         </p:txBody>
@@ -17820,7 +17837,7 @@
     </p:spTree>
     <p:extLst>
       <p:ext uri="{BB962C8B-B14F-4D97-AF65-F5344CB8AC3E}">
-        <p14:creationId xmlns:p14="http://schemas.microsoft.com/office/powerpoint/2010/main" val="1801131642"/>
+        <p14:creationId xmlns:p14="http://schemas.microsoft.com/office/powerpoint/2010/main" val="753273605"/>
       </p:ext>
     </p:extLst>
   </p:cSld>
@@ -17915,7 +17932,7 @@
         <p:spPr>
           <a:xfrm>
             <a:off x="416496" y="836712"/>
-            <a:ext cx="2575577" cy="373885"/>
+            <a:ext cx="4491935" cy="373885"/>
           </a:xfrm>
           <a:prstGeom prst="rect">
             <a:avLst/>
@@ -17939,7 +17956,23 @@
             </a:pPr>
             <a:r>
               <a:rPr lang="en-US" altLang="ko-KR" sz="1400" b="1" dirty="0" err="1"/>
-              <a:t>System.Collections.ArrayList</a:t>
+              <a:t>System.IO.StreamWriter</a:t>
+            </a:r>
+            <a:r>
+              <a:rPr lang="ko-KR" altLang="en-US" sz="1400" b="1" dirty="0"/>
+              <a:t> </a:t>
+            </a:r>
+            <a:r>
+              <a:rPr lang="en-US" altLang="ko-KR" sz="1400" b="1" dirty="0"/>
+              <a:t>/</a:t>
+            </a:r>
+            <a:r>
+              <a:rPr lang="ko-KR" altLang="en-US" sz="1400" b="1" dirty="0"/>
+              <a:t> </a:t>
+            </a:r>
+            <a:r>
+              <a:rPr lang="en-US" altLang="ko-KR" sz="1400" b="1" dirty="0" err="1"/>
+              <a:t>System.IO.StreamReader</a:t>
             </a:r>
             <a:endParaRPr lang="en-US" altLang="ko-KR" sz="1400" b="1" dirty="0"/>
           </a:p>
@@ -17960,7 +17993,7 @@
         <p:spPr>
           <a:xfrm>
             <a:off x="416496" y="1205644"/>
-            <a:ext cx="9073008" cy="1343381"/>
+            <a:ext cx="9073008" cy="2636043"/>
           </a:xfrm>
           <a:prstGeom prst="rect">
             <a:avLst/>
@@ -17998,61 +18031,120 @@
               <a:t> </a:t>
             </a:r>
             <a:r>
+              <a:rPr lang="ko-KR" altLang="en-US" sz="1400" b="1" dirty="0"/>
+              <a:t>마이크로소프트 에서는 문자열 데이터를 </a:t>
+            </a:r>
+            <a:r>
+              <a:rPr lang="en-US" altLang="ko-KR" sz="1400" b="1" dirty="0"/>
+              <a:t>Stream</a:t>
+            </a:r>
+            <a:r>
+              <a:rPr lang="ko-KR" altLang="en-US" sz="1400" b="1" dirty="0"/>
+              <a:t>에 쉽게 쓸 수 있는 용도로 </a:t>
+            </a:r>
+            <a:r>
               <a:rPr lang="en-US" altLang="ko-KR" sz="1400" b="1" dirty="0" err="1"/>
-              <a:t>ArrayList</a:t>
+              <a:t>StreamWriter</a:t>
             </a:r>
             <a:r>
               <a:rPr lang="ko-KR" altLang="en-US" sz="1400" b="1" dirty="0"/>
-              <a:t>는 </a:t>
+              <a:t> 타입을 </a:t>
             </a:r>
             <a:r>
               <a:rPr lang="en-US" altLang="ko-KR" sz="1400" b="1" dirty="0"/>
-              <a:t>Object</a:t>
+              <a:t>BCL </a:t>
             </a:r>
             <a:r>
               <a:rPr lang="ko-KR" altLang="en-US" sz="1400" b="1" dirty="0"/>
-              <a:t>를 인자로 갖기 때문에 닷넷의 모든 타입을 담을 수 있다는 장점이 있지만 반대로 이로 인해 </a:t>
-            </a:r>
-            <a:r>
-              <a:rPr lang="ko-KR" altLang="en-US" sz="1400" b="1" dirty="0" err="1"/>
-              <a:t>박싱이</a:t>
-            </a:r>
+              <a:t>포함</a:t>
+            </a:r>
+            <a:endParaRPr lang="en-US" altLang="ko-KR" sz="1400" b="1" dirty="0"/>
+          </a:p>
+          <a:p>
+            <a:pPr>
+              <a:lnSpc>
+                <a:spcPct val="150000"/>
+              </a:lnSpc>
+            </a:pPr>
+            <a:endParaRPr lang="en-US" altLang="ko-KR" sz="1400" b="1" dirty="0"/>
+          </a:p>
+          <a:p>
+            <a:pPr>
+              <a:lnSpc>
+                <a:spcPct val="150000"/>
+              </a:lnSpc>
+            </a:pPr>
             <a:r>
               <a:rPr lang="ko-KR" altLang="en-US" sz="1400" b="1" dirty="0"/>
-              <a:t> 발생한다는 단점</a:t>
-            </a:r>
-            <a:endParaRPr lang="en-US" altLang="ko-KR" sz="1400" b="1" dirty="0"/>
-          </a:p>
-          <a:p>
-            <a:pPr>
-              <a:lnSpc>
-                <a:spcPct val="150000"/>
-              </a:lnSpc>
-            </a:pPr>
+              <a:t>문자열을 보관하고 있다가 일정 크기에 다다르면</a:t>
+            </a:r>
             <a:r>
               <a:rPr lang="en-US" altLang="ko-KR" sz="1400" b="1" dirty="0"/>
               <a:t> </a:t>
             </a:r>
             <a:r>
               <a:rPr lang="ko-KR" altLang="en-US" sz="1400" b="1" dirty="0"/>
-              <a:t>이를 해결하기 위해 닷넷 </a:t>
+              <a:t>한꺼번에 </a:t>
             </a:r>
             <a:r>
               <a:rPr lang="en-US" altLang="ko-KR" sz="1400" b="1" dirty="0"/>
-              <a:t>2.0 </a:t>
+              <a:t>Stream</a:t>
             </a:r>
             <a:r>
               <a:rPr lang="ko-KR" altLang="en-US" sz="1400" b="1" dirty="0"/>
-              <a:t>부터 제네릭이 적용된 </a:t>
+              <a:t>으로 쓰기 작업을 함 일반적으로 </a:t>
             </a:r>
             <a:r>
               <a:rPr lang="en-US" altLang="ko-KR" sz="1400" b="1" dirty="0"/>
-              <a:t>List&lt;T&gt; </a:t>
+              <a:t>Stream</a:t>
             </a:r>
             <a:r>
               <a:rPr lang="ko-KR" altLang="en-US" sz="1400" b="1" dirty="0"/>
-              <a:t>사용을 권장함</a:t>
-            </a:r>
+              <a:t>에 써야 할 데이터를 모두 </a:t>
+            </a:r>
+            <a:r>
+              <a:rPr lang="en-US" altLang="ko-KR" sz="1400" b="1" dirty="0"/>
+              <a:t>Write</a:t>
+            </a:r>
+            <a:r>
+              <a:rPr lang="ko-KR" altLang="en-US" sz="1400" b="1" dirty="0"/>
+              <a:t>로 </a:t>
+            </a:r>
+            <a:r>
+              <a:rPr lang="ko-KR" altLang="en-US" sz="1400" b="1" dirty="0" err="1"/>
+              <a:t>썼으면</a:t>
+            </a:r>
+            <a:r>
+              <a:rPr lang="ko-KR" altLang="en-US" sz="1400" b="1" dirty="0"/>
+              <a:t> 마지막에 한 번 호출해 준다</a:t>
+            </a:r>
+            <a:r>
+              <a:rPr lang="en-US" altLang="ko-KR" sz="1400" b="1" dirty="0"/>
+              <a:t>.</a:t>
+            </a:r>
+          </a:p>
+          <a:p>
+            <a:pPr>
+              <a:lnSpc>
+                <a:spcPct val="150000"/>
+              </a:lnSpc>
+            </a:pPr>
+            <a:endParaRPr lang="en-US" altLang="ko-KR" sz="1400" b="1" dirty="0"/>
+          </a:p>
+          <a:p>
+            <a:pPr>
+              <a:lnSpc>
+                <a:spcPct val="150000"/>
+              </a:lnSpc>
+            </a:pPr>
+            <a:endParaRPr lang="en-US" altLang="ko-KR" sz="1400" b="1" dirty="0"/>
+          </a:p>
+          <a:p>
+            <a:pPr>
+              <a:lnSpc>
+                <a:spcPct val="150000"/>
+              </a:lnSpc>
+            </a:pPr>
             <a:endParaRPr lang="en-US" altLang="ko-KR" sz="1400" b="1" dirty="0"/>
           </a:p>
         </p:txBody>
@@ -18060,7 +18152,7 @@
     </p:spTree>
     <p:extLst>
       <p:ext uri="{BB962C8B-B14F-4D97-AF65-F5344CB8AC3E}">
-        <p14:creationId xmlns:p14="http://schemas.microsoft.com/office/powerpoint/2010/main" val="4057658917"/>
+        <p14:creationId xmlns:p14="http://schemas.microsoft.com/office/powerpoint/2010/main" val="1480771936"/>
       </p:ext>
     </p:extLst>
   </p:cSld>
@@ -18155,7 +18247,7 @@
         <p:spPr>
           <a:xfrm>
             <a:off x="416496" y="836712"/>
-            <a:ext cx="2676567" cy="373885"/>
+            <a:ext cx="4387676" cy="373885"/>
           </a:xfrm>
           <a:prstGeom prst="rect">
             <a:avLst/>
@@ -18179,7 +18271,23 @@
             </a:pPr>
             <a:r>
               <a:rPr lang="en-US" altLang="ko-KR" sz="1400" b="1" dirty="0" err="1"/>
-              <a:t>System.Collections.Hashtable</a:t>
+              <a:t>System.IO.BinaryWriter</a:t>
+            </a:r>
+            <a:r>
+              <a:rPr lang="ko-KR" altLang="en-US" sz="1400" b="1" dirty="0"/>
+              <a:t> </a:t>
+            </a:r>
+            <a:r>
+              <a:rPr lang="en-US" altLang="ko-KR" sz="1400" b="1" dirty="0"/>
+              <a:t>/</a:t>
+            </a:r>
+            <a:r>
+              <a:rPr lang="ko-KR" altLang="en-US" sz="1400" b="1" dirty="0"/>
+              <a:t> </a:t>
+            </a:r>
+            <a:r>
+              <a:rPr lang="en-US" altLang="ko-KR" sz="1400" b="1" dirty="0" err="1"/>
+              <a:t>System.IO.BinaryReader</a:t>
             </a:r>
             <a:endParaRPr lang="en-US" altLang="ko-KR" sz="1400" b="1" dirty="0"/>
           </a:p>
@@ -18200,7 +18308,7 @@
         <p:spPr>
           <a:xfrm>
             <a:off x="416496" y="1205644"/>
-            <a:ext cx="9073008" cy="4655826"/>
+            <a:ext cx="9073008" cy="3605539"/>
           </a:xfrm>
           <a:prstGeom prst="rect">
             <a:avLst/>
@@ -18235,67 +18343,100 @@
             </a:pPr>
             <a:r>
               <a:rPr lang="en-US" altLang="ko-KR" sz="1400" b="1" dirty="0"/>
-              <a:t> </a:t>
+              <a:t> 2</a:t>
             </a:r>
             <a:r>
               <a:rPr lang="ko-KR" altLang="en-US" sz="1400" b="1" dirty="0"/>
-              <a:t>값</a:t>
+              <a:t>진 데이터를 읽고 쓰는데 특화된 기능을 제공</a:t>
+            </a:r>
+            <a:endParaRPr lang="en-US" altLang="ko-KR" sz="1400" b="1" dirty="0"/>
+          </a:p>
+          <a:p>
+            <a:pPr>
+              <a:lnSpc>
+                <a:spcPct val="150000"/>
+              </a:lnSpc>
+            </a:pPr>
+            <a:endParaRPr lang="en-US" altLang="ko-KR" sz="1400" b="1" dirty="0"/>
+          </a:p>
+          <a:p>
+            <a:pPr>
+              <a:lnSpc>
+                <a:spcPct val="150000"/>
+              </a:lnSpc>
+            </a:pPr>
+            <a:r>
+              <a:rPr lang="en-US" altLang="ko-KR" sz="1400" b="1" dirty="0" err="1"/>
+              <a:t>StreamWriter</a:t>
             </a:r>
             <a:r>
               <a:rPr lang="en-US" altLang="ko-KR" sz="1400" b="1" dirty="0"/>
-              <a:t>(Value)</a:t>
-            </a:r>
+              <a:t>/</a:t>
+            </a:r>
+            <a:r>
+              <a:rPr lang="en-US" altLang="ko-KR" sz="1400" b="1" dirty="0" err="1"/>
+              <a:t>StreamReader</a:t>
+            </a:r>
+            <a:endParaRPr lang="en-US" altLang="ko-KR" sz="1400" b="1" dirty="0"/>
+          </a:p>
+          <a:p>
+            <a:pPr>
+              <a:lnSpc>
+                <a:spcPct val="150000"/>
+              </a:lnSpc>
+            </a:pPr>
             <a:r>
               <a:rPr lang="ko-KR" altLang="en-US" sz="1400" b="1" dirty="0"/>
-              <a:t>뿐만 아니라 해시에 사용되는 키</a:t>
+              <a:t>사람이 쉽게 읽을 수 있는 데이터를 원하는 경우 </a:t>
+            </a:r>
+            <a:endParaRPr lang="en-US" altLang="ko-KR" sz="1400" b="1" dirty="0"/>
+          </a:p>
+          <a:p>
+            <a:pPr>
+              <a:lnSpc>
+                <a:spcPct val="150000"/>
+              </a:lnSpc>
+            </a:pPr>
+            <a:endParaRPr lang="en-US" altLang="ko-KR" sz="1400" b="1" dirty="0"/>
+          </a:p>
+          <a:p>
+            <a:pPr>
+              <a:lnSpc>
+                <a:spcPct val="150000"/>
+              </a:lnSpc>
+            </a:pPr>
+            <a:r>
+              <a:rPr lang="en-US" altLang="ko-KR" sz="1400" b="1" dirty="0" err="1"/>
+              <a:t>BinaryWriter</a:t>
             </a:r>
             <a:r>
               <a:rPr lang="en-US" altLang="ko-KR" sz="1400" b="1" dirty="0"/>
-              <a:t>(Key)</a:t>
-            </a:r>
+              <a:t>/</a:t>
+            </a:r>
+            <a:r>
+              <a:rPr lang="en-US" altLang="ko-KR" sz="1400" b="1" dirty="0" err="1"/>
+              <a:t>BinaryReader</a:t>
+            </a:r>
+            <a:endParaRPr lang="en-US" altLang="ko-KR" sz="1400" b="1" dirty="0"/>
+          </a:p>
+          <a:p>
+            <a:pPr>
+              <a:lnSpc>
+                <a:spcPct val="150000"/>
+              </a:lnSpc>
+            </a:pPr>
             <a:r>
               <a:rPr lang="ko-KR" altLang="en-US" sz="1400" b="1" dirty="0"/>
-              <a:t>가 추가되어 빠른 검색 속도를 자랑한다</a:t>
-            </a:r>
-            <a:r>
-              <a:rPr lang="en-US" altLang="ko-KR" sz="1400" b="1" dirty="0"/>
-              <a:t>. </a:t>
+              <a:t>기록된 데이터의 가독성은 떨어지더라도 규격이 정해진 데이터를 </a:t>
+            </a:r>
+            <a:r>
+              <a:rPr lang="ko-KR" altLang="en-US" sz="1400" b="1" dirty="0" err="1"/>
+              <a:t>입출력할</a:t>
             </a:r>
             <a:r>
               <a:rPr lang="ko-KR" altLang="en-US" sz="1400" b="1" dirty="0"/>
-              <a:t>따라서 검색 속도의 중요도에 따라 </a:t>
-            </a:r>
-            <a:r>
-              <a:rPr lang="en-US" altLang="ko-KR" sz="1400" b="1" dirty="0" err="1"/>
-              <a:t>ArrayList</a:t>
-            </a:r>
-            <a:r>
-              <a:rPr lang="en-US" altLang="ko-KR" sz="1400" b="1" dirty="0"/>
-              <a:t> </a:t>
-            </a:r>
-            <a:r>
-              <a:rPr lang="ko-KR" altLang="en-US" sz="1400" b="1" dirty="0"/>
-              <a:t>또는 </a:t>
-            </a:r>
-            <a:r>
-              <a:rPr lang="en-US" altLang="ko-KR" sz="1400" b="1" dirty="0" err="1"/>
-              <a:t>Hashtable</a:t>
-            </a:r>
-            <a:r>
-              <a:rPr lang="ko-KR" altLang="en-US" sz="1400" b="1" dirty="0"/>
-              <a:t>을 선택할지 결정한다</a:t>
-            </a:r>
-            <a:r>
-              <a:rPr lang="en-US" altLang="ko-KR" sz="1400" b="1" dirty="0"/>
-              <a:t>.</a:t>
-            </a:r>
-          </a:p>
-          <a:p>
-            <a:pPr>
-              <a:lnSpc>
-                <a:spcPct val="150000"/>
-              </a:lnSpc>
-            </a:pPr>
+              <a:t> 때 사용됨</a:t>
+            </a:r>
             <a:endParaRPr lang="en-US" altLang="ko-KR" sz="1400" b="1" dirty="0"/>
           </a:p>
           <a:p>
@@ -18304,17 +18445,6 @@
                 <a:spcPct val="150000"/>
               </a:lnSpc>
             </a:pPr>
-            <a:r>
-              <a:rPr lang="en-US" altLang="ko-KR" sz="1400" b="1" dirty="0"/>
-              <a:t>3, 5, 7, 12, 25, 31</a:t>
-            </a:r>
-          </a:p>
-          <a:p>
-            <a:pPr>
-              <a:lnSpc>
-                <a:spcPct val="150000"/>
-              </a:lnSpc>
-            </a:pPr>
             <a:endParaRPr lang="en-US" altLang="ko-KR" sz="1400" b="1" dirty="0"/>
           </a:p>
           <a:p>
@@ -18323,133 +18453,14 @@
                 <a:spcPct val="150000"/>
               </a:lnSpc>
             </a:pPr>
-            <a:r>
-              <a:rPr lang="en-US" altLang="ko-KR" sz="1050" b="1" dirty="0"/>
-              <a:t>0,1,2 </a:t>
-            </a:r>
-            <a:r>
-              <a:rPr lang="ko-KR" altLang="en-US" sz="1050" b="1" dirty="0" err="1"/>
-              <a:t>해시값</a:t>
-            </a:r>
-            <a:endParaRPr lang="en-US" altLang="ko-KR" sz="1050" b="1" dirty="0"/>
-          </a:p>
-          <a:p>
-            <a:pPr>
-              <a:lnSpc>
-                <a:spcPct val="150000"/>
-              </a:lnSpc>
-            </a:pPr>
-            <a:r>
-              <a:rPr lang="en-US" altLang="ko-KR" sz="1050" b="1" dirty="0"/>
-              <a:t>3 % 3 = 0</a:t>
-            </a:r>
-          </a:p>
-          <a:p>
-            <a:pPr>
-              <a:lnSpc>
-                <a:spcPct val="150000"/>
-              </a:lnSpc>
-            </a:pPr>
-            <a:r>
-              <a:rPr lang="en-US" altLang="ko-KR" sz="1050" b="1" dirty="0"/>
-              <a:t>5 % 3 = 2</a:t>
-            </a:r>
-          </a:p>
-          <a:p>
-            <a:pPr>
-              <a:lnSpc>
-                <a:spcPct val="150000"/>
-              </a:lnSpc>
-            </a:pPr>
-            <a:r>
-              <a:rPr lang="en-US" altLang="ko-KR" sz="1050" b="1" dirty="0"/>
-              <a:t>7 % 3 = 1</a:t>
-            </a:r>
-          </a:p>
-          <a:p>
-            <a:pPr>
-              <a:lnSpc>
-                <a:spcPct val="150000"/>
-              </a:lnSpc>
-            </a:pPr>
-            <a:r>
-              <a:rPr lang="en-US" altLang="ko-KR" sz="1050" b="1" dirty="0"/>
-              <a:t>12 % 3 = 0</a:t>
-            </a:r>
-          </a:p>
-          <a:p>
-            <a:pPr>
-              <a:lnSpc>
-                <a:spcPct val="150000"/>
-              </a:lnSpc>
-            </a:pPr>
-            <a:r>
-              <a:rPr lang="en-US" altLang="ko-KR" sz="1050" b="1" dirty="0"/>
-              <a:t>25 % 3 = 1</a:t>
-            </a:r>
-          </a:p>
-          <a:p>
-            <a:pPr>
-              <a:lnSpc>
-                <a:spcPct val="150000"/>
-              </a:lnSpc>
-            </a:pPr>
-            <a:r>
-              <a:rPr lang="en-US" altLang="ko-KR" sz="1050" b="1" dirty="0"/>
-              <a:t>31 % 3 = 1</a:t>
-            </a:r>
-          </a:p>
-          <a:p>
-            <a:pPr>
-              <a:lnSpc>
-                <a:spcPct val="150000"/>
-              </a:lnSpc>
-            </a:pPr>
             <a:endParaRPr lang="en-US" altLang="ko-KR" sz="1400" b="1" dirty="0"/>
           </a:p>
           <a:p>
-            <a:pPr marL="342900" indent="-342900">
-              <a:lnSpc>
-                <a:spcPct val="150000"/>
-              </a:lnSpc>
-              <a:buAutoNum type="arabicPeriod"/>
-            </a:pPr>
-            <a:r>
-              <a:rPr lang="ko-KR" altLang="en-US" sz="1400" b="1" dirty="0"/>
-              <a:t>정수 </a:t>
-            </a:r>
-            <a:r>
-              <a:rPr lang="en-US" altLang="ko-KR" sz="1400" b="1" dirty="0"/>
-              <a:t>12</a:t>
-            </a:r>
-            <a:r>
-              <a:rPr lang="ko-KR" altLang="en-US" sz="1400" b="1" dirty="0"/>
-              <a:t>의 해시 값을 계산</a:t>
-            </a:r>
-            <a:r>
-              <a:rPr lang="en-US" altLang="ko-KR" sz="1400" b="1" dirty="0"/>
-              <a:t>=0</a:t>
-            </a:r>
-          </a:p>
-          <a:p>
-            <a:pPr marL="342900" indent="-342900">
-              <a:lnSpc>
-                <a:spcPct val="150000"/>
-              </a:lnSpc>
-              <a:buAutoNum type="arabicPeriod"/>
-            </a:pPr>
-            <a:r>
-              <a:rPr lang="ko-KR" altLang="en-US" sz="1400" b="1" dirty="0"/>
-              <a:t>해시 값에 속하는 부류 내에서 정수 </a:t>
-            </a:r>
-            <a:r>
-              <a:rPr lang="en-US" altLang="ko-KR" sz="1400" b="1" dirty="0"/>
-              <a:t>10</a:t>
-            </a:r>
-            <a:r>
-              <a:rPr lang="ko-KR" altLang="en-US" sz="1400" b="1" dirty="0"/>
-              <a:t>이 존재하는지 하나씩 확인</a:t>
-            </a:r>
+            <a:pPr>
+              <a:lnSpc>
+                <a:spcPct val="150000"/>
+              </a:lnSpc>
+            </a:pPr>
             <a:endParaRPr lang="en-US" altLang="ko-KR" sz="1400" b="1" dirty="0"/>
           </a:p>
         </p:txBody>
@@ -18457,7 +18468,7 @@
     </p:spTree>
     <p:extLst>
       <p:ext uri="{BB962C8B-B14F-4D97-AF65-F5344CB8AC3E}">
-        <p14:creationId xmlns:p14="http://schemas.microsoft.com/office/powerpoint/2010/main" val="874551408"/>
+        <p14:creationId xmlns:p14="http://schemas.microsoft.com/office/powerpoint/2010/main" val="3700292075"/>
       </p:ext>
     </p:extLst>
   </p:cSld>
@@ -18552,7 +18563,7 @@
         <p:spPr>
           <a:xfrm>
             <a:off x="416496" y="836712"/>
-            <a:ext cx="2676567" cy="373885"/>
+            <a:ext cx="5639557" cy="373885"/>
           </a:xfrm>
           <a:prstGeom prst="rect">
             <a:avLst/>
@@ -18576,7 +18587,7 @@
             </a:pPr>
             <a:r>
               <a:rPr lang="en-US" altLang="ko-KR" sz="1400" b="1" dirty="0" err="1"/>
-              <a:t>System.Collections.Hashtable</a:t>
+              <a:t>System.Runtime.Serialization.Formatters.Binary.BinaryFormatter</a:t>
             </a:r>
             <a:endParaRPr lang="en-US" altLang="ko-KR" sz="1400" b="1" dirty="0"/>
           </a:p>
@@ -18597,7 +18608,7 @@
         <p:spPr>
           <a:xfrm>
             <a:off x="416496" y="1205644"/>
-            <a:ext cx="9073008" cy="4575035"/>
+            <a:ext cx="9073008" cy="2636043"/>
           </a:xfrm>
           <a:prstGeom prst="rect">
             <a:avLst/>
@@ -18625,166 +18636,131 @@
             </a:r>
           </a:p>
           <a:p>
-            <a:pPr marL="285750" indent="-285750">
-              <a:lnSpc>
-                <a:spcPct val="150000"/>
-              </a:lnSpc>
-              <a:buFontTx/>
-              <a:buChar char="-"/>
-            </a:pPr>
-            <a:r>
-              <a:rPr lang="ko-KR" altLang="en-US" sz="1400" b="1" dirty="0"/>
-              <a:t>키가 중복되는 경우 </a:t>
-            </a:r>
-            <a:r>
-              <a:rPr lang="en-US" altLang="ko-KR" sz="1400" b="1" dirty="0" err="1"/>
-              <a:t>ArgumentException</a:t>
-            </a:r>
+            <a:pPr>
+              <a:lnSpc>
+                <a:spcPct val="150000"/>
+              </a:lnSpc>
+            </a:pPr>
             <a:r>
               <a:rPr lang="en-US" altLang="ko-KR" sz="1400" b="1" dirty="0"/>
               <a:t> </a:t>
             </a:r>
             <a:r>
               <a:rPr lang="ko-KR" altLang="en-US" sz="1400" b="1" dirty="0"/>
-              <a:t>발생</a:t>
+              <a:t>사용자</a:t>
+            </a:r>
+            <a:r>
+              <a:rPr lang="en-US" altLang="ko-KR" sz="1400" b="1" dirty="0"/>
+              <a:t> </a:t>
+            </a:r>
+            <a:r>
+              <a:rPr lang="ko-KR" altLang="en-US" sz="1400" b="1" dirty="0"/>
+              <a:t>정의 클래스 직렬화</a:t>
+            </a:r>
+            <a:r>
+              <a:rPr lang="en-US" altLang="ko-KR" sz="1400" b="1" dirty="0"/>
+              <a:t>/</a:t>
+            </a:r>
+            <a:r>
+              <a:rPr lang="ko-KR" altLang="en-US" sz="1400" b="1" dirty="0"/>
+              <a:t>역직렬화 시 사용</a:t>
             </a:r>
             <a:endParaRPr lang="en-US" altLang="ko-KR" sz="1400" b="1" dirty="0"/>
           </a:p>
           <a:p>
-            <a:pPr marL="285750" indent="-285750">
-              <a:lnSpc>
-                <a:spcPct val="150000"/>
-              </a:lnSpc>
-              <a:buFontTx/>
-              <a:buChar char="-"/>
+            <a:pPr>
+              <a:lnSpc>
+                <a:spcPct val="150000"/>
+              </a:lnSpc>
+            </a:pPr>
+            <a:endParaRPr lang="en-US" altLang="ko-KR" sz="1400" b="1" dirty="0"/>
+          </a:p>
+          <a:p>
+            <a:pPr>
+              <a:lnSpc>
+                <a:spcPct val="150000"/>
+              </a:lnSpc>
             </a:pPr>
             <a:r>
               <a:rPr lang="ko-KR" altLang="en-US" sz="1400" b="1" dirty="0"/>
-              <a:t>키 값도 내부적으로 보관하고 있기 때문에 메모리 낭비</a:t>
+              <a:t>해당 클래스를 사용하기 위해서는 사용자 정의 클래스에 </a:t>
+            </a:r>
+            <a:r>
+              <a:rPr lang="en-US" altLang="ko-KR" sz="1400" b="1" dirty="0"/>
+              <a:t>[Serializable] </a:t>
+            </a:r>
+            <a:r>
+              <a:rPr lang="ko-KR" altLang="en-US" sz="1400" b="1" dirty="0"/>
+              <a:t>특성을 지정</a:t>
             </a:r>
             <a:endParaRPr lang="en-US" altLang="ko-KR" sz="1400" b="1" dirty="0"/>
           </a:p>
           <a:p>
-            <a:pPr marL="285750" indent="-285750">
-              <a:lnSpc>
-                <a:spcPct val="150000"/>
-              </a:lnSpc>
-              <a:buFontTx/>
-              <a:buChar char="-"/>
+            <a:pPr>
+              <a:lnSpc>
+                <a:spcPct val="150000"/>
+              </a:lnSpc>
             </a:pPr>
             <a:r>
               <a:rPr lang="ko-KR" altLang="en-US" sz="1400" b="1" dirty="0"/>
-              <a:t>키</a:t>
+              <a:t>특정 필드 </a:t>
+            </a:r>
+            <a:r>
+              <a:rPr lang="ko-KR" altLang="en-US" sz="1400" b="1" dirty="0" err="1"/>
+              <a:t>제외시</a:t>
+            </a:r>
+            <a:r>
+              <a:rPr lang="ko-KR" altLang="en-US" sz="1400" b="1" dirty="0"/>
+              <a:t> 해당 멤버 필드 상단에 </a:t>
             </a:r>
             <a:r>
               <a:rPr lang="en-US" altLang="ko-KR" sz="1400" b="1" dirty="0"/>
-              <a:t>, </a:t>
+              <a:t>[</a:t>
+            </a:r>
+            <a:r>
+              <a:rPr lang="en-US" altLang="ko-KR" sz="1400" b="1" dirty="0" err="1"/>
+              <a:t>NonSerialized</a:t>
+            </a:r>
+            <a:r>
+              <a:rPr lang="en-US" altLang="ko-KR" sz="1400" b="1" dirty="0"/>
+              <a:t>] </a:t>
             </a:r>
             <a:r>
               <a:rPr lang="ko-KR" altLang="en-US" sz="1400" b="1" dirty="0"/>
-              <a:t>값 모두 </a:t>
+              <a:t>특성 부여</a:t>
+            </a:r>
+            <a:endParaRPr lang="en-US" altLang="ko-KR" sz="1400" b="1" dirty="0"/>
+          </a:p>
+          <a:p>
+            <a:pPr>
+              <a:lnSpc>
+                <a:spcPct val="150000"/>
+              </a:lnSpc>
+            </a:pPr>
+            <a:endParaRPr lang="en-US" altLang="ko-KR" sz="1400" b="1" dirty="0"/>
+          </a:p>
+          <a:p>
+            <a:pPr>
+              <a:lnSpc>
+                <a:spcPct val="150000"/>
+              </a:lnSpc>
+            </a:pPr>
+            <a:r>
+              <a:rPr lang="ko-KR" altLang="en-US" sz="1400" b="1" dirty="0"/>
+              <a:t>같은 </a:t>
+            </a:r>
+            <a:r>
+              <a:rPr lang="ko-KR" altLang="en-US" sz="1400" b="1" dirty="0" err="1"/>
+              <a:t>닷넷프레임워크</a:t>
+            </a:r>
+            <a:r>
+              <a:rPr lang="ko-KR" altLang="en-US" sz="1400" b="1" dirty="0"/>
+              <a:t> 플랫폼에서만 사용 가능하다</a:t>
             </a:r>
             <a:r>
               <a:rPr lang="en-US" altLang="ko-KR" sz="1400" b="1" dirty="0"/>
-              <a:t>Object </a:t>
-            </a:r>
-            <a:r>
-              <a:rPr lang="ko-KR" altLang="en-US" sz="1400" b="1" dirty="0"/>
-              <a:t>타입이기 때문에 </a:t>
-            </a:r>
-            <a:r>
-              <a:rPr lang="ko-KR" altLang="en-US" sz="1400" b="1" dirty="0" err="1"/>
-              <a:t>박싱</a:t>
-            </a:r>
-            <a:r>
-              <a:rPr lang="ko-KR" altLang="en-US" sz="1400" b="1" dirty="0"/>
-              <a:t> 문제가 발생</a:t>
-            </a:r>
-            <a:endParaRPr lang="en-US" altLang="ko-KR" sz="1400" b="1" dirty="0"/>
-          </a:p>
-          <a:p>
-            <a:pPr marL="285750" indent="-285750">
-              <a:lnSpc>
-                <a:spcPct val="150000"/>
-              </a:lnSpc>
-              <a:buFontTx/>
-              <a:buChar char="-"/>
-            </a:pPr>
-            <a:endParaRPr lang="en-US" altLang="ko-KR" sz="1400" b="1" dirty="0"/>
-          </a:p>
-          <a:p>
-            <a:pPr marL="285750" indent="-285750">
-              <a:lnSpc>
-                <a:spcPct val="150000"/>
-              </a:lnSpc>
-              <a:buFontTx/>
-              <a:buChar char="-"/>
-            </a:pPr>
-            <a:endParaRPr lang="en-US" altLang="ko-KR" sz="1400" b="1" dirty="0"/>
-          </a:p>
-          <a:p>
-            <a:pPr marL="285750" indent="-285750">
-              <a:lnSpc>
-                <a:spcPct val="150000"/>
-              </a:lnSpc>
-              <a:buFontTx/>
-              <a:buChar char="-"/>
-            </a:pPr>
-            <a:endParaRPr lang="en-US" altLang="ko-KR" sz="1400" b="1" dirty="0"/>
-          </a:p>
-          <a:p>
-            <a:pPr marL="285750" indent="-285750">
-              <a:lnSpc>
-                <a:spcPct val="150000"/>
-              </a:lnSpc>
-              <a:buFontTx/>
-              <a:buChar char="-"/>
-            </a:pPr>
-            <a:endParaRPr lang="en-US" altLang="ko-KR" sz="1400" b="1" dirty="0"/>
-          </a:p>
-          <a:p>
-            <a:pPr marL="285750" indent="-285750">
-              <a:lnSpc>
-                <a:spcPct val="150000"/>
-              </a:lnSpc>
-              <a:buFontTx/>
-              <a:buChar char="-"/>
-            </a:pPr>
-            <a:endParaRPr lang="en-US" altLang="ko-KR" sz="1400" b="1" dirty="0"/>
-          </a:p>
-          <a:p>
-            <a:pPr marL="285750" indent="-285750">
-              <a:lnSpc>
-                <a:spcPct val="150000"/>
-              </a:lnSpc>
-              <a:buFontTx/>
-              <a:buChar char="-"/>
-            </a:pPr>
-            <a:endParaRPr lang="en-US" altLang="ko-KR" sz="1400" b="1" dirty="0"/>
-          </a:p>
-          <a:p>
-            <a:pPr>
-              <a:lnSpc>
-                <a:spcPct val="150000"/>
-              </a:lnSpc>
-            </a:pPr>
-            <a:endParaRPr lang="en-US" altLang="ko-KR" sz="1400" b="1" dirty="0"/>
-          </a:p>
-          <a:p>
-            <a:pPr>
-              <a:lnSpc>
-                <a:spcPct val="150000"/>
-              </a:lnSpc>
-            </a:pPr>
-            <a:endParaRPr lang="en-US" altLang="ko-KR" sz="1400" b="1" dirty="0"/>
-          </a:p>
-          <a:p>
-            <a:pPr>
-              <a:lnSpc>
-                <a:spcPct val="150000"/>
-              </a:lnSpc>
-            </a:pPr>
-            <a:endParaRPr lang="en-US" altLang="ko-KR" sz="1400" b="1"/>
+              <a:t>.</a:t>
+            </a:r>
           </a:p>
           <a:p>
             <a:pPr>
@@ -18799,7 +18775,7 @@
     </p:spTree>
     <p:extLst>
       <p:ext uri="{BB962C8B-B14F-4D97-AF65-F5344CB8AC3E}">
-        <p14:creationId xmlns:p14="http://schemas.microsoft.com/office/powerpoint/2010/main" val="4107205014"/>
+        <p14:creationId xmlns:p14="http://schemas.microsoft.com/office/powerpoint/2010/main" val="1531498694"/>
       </p:ext>
     </p:extLst>
   </p:cSld>
@@ -18894,7 +18870,7 @@
         <p:spPr>
           <a:xfrm>
             <a:off x="416496" y="836712"/>
-            <a:ext cx="2681311" cy="373885"/>
+            <a:ext cx="3412024" cy="373885"/>
           </a:xfrm>
           <a:prstGeom prst="rect">
             <a:avLst/>
@@ -18918,7 +18894,7 @@
             </a:pPr>
             <a:r>
               <a:rPr lang="en-US" altLang="ko-KR" sz="1400" b="1" dirty="0" err="1"/>
-              <a:t>System.Collections.SortedList</a:t>
+              <a:t>System.Xml.Serialization.XmlSerializer</a:t>
             </a:r>
             <a:endParaRPr lang="en-US" altLang="ko-KR" sz="1400" b="1" dirty="0"/>
           </a:p>
@@ -18939,7 +18915,7 @@
         <p:spPr>
           <a:xfrm>
             <a:off x="416496" y="1205644"/>
-            <a:ext cx="9073008" cy="2312877"/>
+            <a:ext cx="9073008" cy="3605539"/>
           </a:xfrm>
           <a:prstGeom prst="rect">
             <a:avLst/>
@@ -18967,6 +18943,93 @@
             </a:r>
           </a:p>
           <a:p>
+            <a:pPr>
+              <a:lnSpc>
+                <a:spcPct val="150000"/>
+              </a:lnSpc>
+            </a:pPr>
+            <a:r>
+              <a:rPr lang="en-US" altLang="ko-KR" sz="1400" b="1" dirty="0"/>
+              <a:t> </a:t>
+            </a:r>
+            <a:r>
+              <a:rPr lang="ko-KR" altLang="en-US" sz="1400" b="1" dirty="0"/>
+              <a:t>클래스의 내용을 문자열</a:t>
+            </a:r>
+            <a:r>
+              <a:rPr lang="en-US" altLang="ko-KR" sz="1400" b="1" dirty="0"/>
+              <a:t>(Xml)</a:t>
+            </a:r>
+            <a:r>
+              <a:rPr lang="ko-KR" altLang="en-US" sz="1400" b="1" dirty="0"/>
+              <a:t>로 직렬화 한다</a:t>
+            </a:r>
+            <a:r>
+              <a:rPr lang="en-US" altLang="ko-KR" sz="1400" b="1" dirty="0"/>
+              <a:t>. </a:t>
+            </a:r>
+          </a:p>
+          <a:p>
+            <a:pPr>
+              <a:lnSpc>
+                <a:spcPct val="150000"/>
+              </a:lnSpc>
+            </a:pPr>
+            <a:r>
+              <a:rPr lang="ko-KR" altLang="en-US" sz="1400" b="1" dirty="0"/>
+              <a:t>상호운영성이 높은 직렬화 방식</a:t>
+            </a:r>
+            <a:endParaRPr lang="en-US" altLang="ko-KR" sz="1400" b="1" dirty="0"/>
+          </a:p>
+          <a:p>
+            <a:pPr>
+              <a:lnSpc>
+                <a:spcPct val="150000"/>
+              </a:lnSpc>
+            </a:pPr>
+            <a:r>
+              <a:rPr lang="ko-KR" altLang="en-US" sz="1400" b="1" dirty="0"/>
+              <a:t>하지만 </a:t>
+            </a:r>
+            <a:r>
+              <a:rPr lang="en-US" altLang="ko-KR" sz="1400" b="1" dirty="0"/>
+              <a:t>Name,</a:t>
+            </a:r>
+            <a:r>
+              <a:rPr lang="ko-KR" altLang="en-US" sz="1400" b="1" dirty="0"/>
+              <a:t> </a:t>
+            </a:r>
+            <a:r>
+              <a:rPr lang="en-US" altLang="ko-KR" sz="1400" b="1" dirty="0"/>
+              <a:t>Age</a:t>
+            </a:r>
+            <a:r>
+              <a:rPr lang="ko-KR" altLang="en-US" sz="1400" b="1" dirty="0"/>
+              <a:t> 값 정도의 데이터를 주고받기 위한 문자열 크기가 상당히 크다</a:t>
+            </a:r>
+            <a:endParaRPr lang="en-US" altLang="ko-KR" sz="1400" b="1" dirty="0"/>
+          </a:p>
+          <a:p>
+            <a:pPr>
+              <a:lnSpc>
+                <a:spcPct val="150000"/>
+              </a:lnSpc>
+            </a:pPr>
+            <a:endParaRPr lang="en-US" altLang="ko-KR" sz="1400" b="1" dirty="0"/>
+          </a:p>
+          <a:p>
+            <a:pPr>
+              <a:lnSpc>
+                <a:spcPct val="150000"/>
+              </a:lnSpc>
+            </a:pPr>
+            <a:r>
+              <a:rPr lang="ko-KR" altLang="en-US" sz="1400" b="1" dirty="0"/>
+              <a:t>제약사항</a:t>
+            </a:r>
+            <a:endParaRPr lang="en-US" altLang="ko-KR" sz="1400" b="1" dirty="0"/>
+          </a:p>
+          <a:p>
             <a:pPr marL="285750" indent="-285750">
               <a:lnSpc>
                 <a:spcPct val="150000"/>
@@ -18975,12 +19038,12 @@
               <a:buChar char="-"/>
             </a:pPr>
             <a:r>
-              <a:rPr lang="en-US" altLang="ko-KR" sz="1400" b="1" dirty="0" err="1"/>
-              <a:t>Hashtablet</a:t>
+              <a:rPr lang="en-US" altLang="ko-KR" sz="1400" b="1" dirty="0"/>
+              <a:t>Public </a:t>
             </a:r>
             <a:r>
               <a:rPr lang="ko-KR" altLang="en-US" sz="1400" b="1" dirty="0"/>
-              <a:t>타입과 사용법이 유사</a:t>
+              <a:t>접근 제한자의 클래스</a:t>
             </a:r>
             <a:endParaRPr lang="en-US" altLang="ko-KR" sz="1400" b="1" dirty="0"/>
           </a:p>
@@ -18993,17 +19056,10 @@
               <a:buChar char="-"/>
             </a:pPr>
             <a:r>
-              <a:rPr lang="en-US" altLang="ko-KR" sz="1400" b="1" dirty="0" err="1"/>
-              <a:t>SortedList</a:t>
-            </a:r>
-            <a:r>
               <a:rPr lang="ko-KR" altLang="en-US" sz="1400" b="1" dirty="0"/>
-              <a:t>의 키는 그 자체가 정렬되어 값의 순서에 영향을 준다</a:t>
-            </a:r>
-            <a:r>
-              <a:rPr lang="en-US" altLang="ko-KR" sz="1400" b="1" dirty="0"/>
-              <a:t>.</a:t>
-            </a:r>
+              <a:t>기본 생성자 포함</a:t>
+            </a:r>
+            <a:endParaRPr lang="en-US" altLang="ko-KR" sz="1400" b="1" dirty="0"/>
           </a:p>
           <a:p>
             <a:pPr marL="285750" indent="-285750">
@@ -19014,12 +19070,20 @@
               <a:buChar char="-"/>
             </a:pPr>
             <a:r>
-              <a:rPr lang="en-US" altLang="ko-KR" sz="1400" b="1" dirty="0" err="1"/>
-              <a:t>Hashtable</a:t>
+              <a:rPr lang="en-US" altLang="ko-KR" sz="1400" b="1" dirty="0"/>
+              <a:t>Public </a:t>
             </a:r>
             <a:r>
               <a:rPr lang="ko-KR" altLang="en-US" sz="1400" b="1" dirty="0"/>
-              <a:t>과 마찬가지로 키 값이 중복되는 경우 예외 발생</a:t>
+              <a:t>접근 제한자가 적용된 필드만 직렬화</a:t>
+            </a:r>
+            <a:r>
+              <a:rPr lang="en-US" altLang="ko-KR" sz="1400" b="1" dirty="0"/>
+              <a:t>/</a:t>
+            </a:r>
+            <a:r>
+              <a:rPr lang="ko-KR" altLang="en-US" sz="1400" b="1" dirty="0"/>
+              <a:t>역직렬화</a:t>
             </a:r>
             <a:endParaRPr lang="en-US" altLang="ko-KR" sz="1400" b="1" dirty="0"/>
           </a:p>
@@ -19037,35 +19101,14 @@
                 <a:spcPct val="150000"/>
               </a:lnSpc>
             </a:pPr>
-            <a:r>
-              <a:rPr lang="ko-KR" altLang="en-US" sz="1400" b="1" dirty="0"/>
-              <a:t>제 생각</a:t>
-            </a:r>
             <a:endParaRPr lang="en-US" altLang="ko-KR" sz="1400" b="1" dirty="0"/>
-          </a:p>
-          <a:p>
-            <a:pPr marL="285750" indent="-285750">
-              <a:lnSpc>
-                <a:spcPct val="150000"/>
-              </a:lnSpc>
-              <a:buFontTx/>
-              <a:buChar char="-"/>
-            </a:pPr>
-            <a:r>
-              <a:rPr lang="ko-KR" altLang="en-US" sz="1400" b="1" dirty="0"/>
-              <a:t>키 값을 정렬하여 추가 하기 때문에 많은 데이터 추가 시 속도저하가 발생</a:t>
-            </a:r>
-            <a:r>
-              <a:rPr lang="en-US" altLang="ko-KR" sz="1400" b="1" dirty="0"/>
-              <a:t>!</a:t>
-            </a:r>
           </a:p>
         </p:txBody>
       </p:sp>
     </p:spTree>
     <p:extLst>
       <p:ext uri="{BB962C8B-B14F-4D97-AF65-F5344CB8AC3E}">
-        <p14:creationId xmlns:p14="http://schemas.microsoft.com/office/powerpoint/2010/main" val="1888997288"/>
+        <p14:creationId xmlns:p14="http://schemas.microsoft.com/office/powerpoint/2010/main" val="1124053063"/>
       </p:ext>
     </p:extLst>
   </p:cSld>
@@ -19160,7 +19203,7 @@
         <p:spPr>
           <a:xfrm>
             <a:off x="416496" y="836712"/>
-            <a:ext cx="2270814" cy="373885"/>
+            <a:ext cx="5401350" cy="373885"/>
           </a:xfrm>
           <a:prstGeom prst="rect">
             <a:avLst/>
@@ -19184,7 +19227,7 @@
             </a:pPr>
             <a:r>
               <a:rPr lang="en-US" altLang="ko-KR" sz="1400" b="1" dirty="0" err="1"/>
-              <a:t>System.Collections.Stack</a:t>
+              <a:t>System.Runtime.Serialization.Json.DataContractJsonSerializer</a:t>
             </a:r>
             <a:endParaRPr lang="en-US" altLang="ko-KR" sz="1400" b="1" dirty="0"/>
           </a:p>
@@ -19205,7 +19248,7 @@
         <p:spPr>
           <a:xfrm>
             <a:off x="416496" y="1205644"/>
-            <a:ext cx="9073008" cy="1343381"/>
+            <a:ext cx="9073008" cy="2959208"/>
           </a:xfrm>
           <a:prstGeom prst="rect">
             <a:avLst/>
@@ -19233,47 +19276,99 @@
             </a:r>
           </a:p>
           <a:p>
-            <a:pPr marL="285750" indent="-285750">
-              <a:lnSpc>
-                <a:spcPct val="150000"/>
-              </a:lnSpc>
-              <a:buFontTx/>
-              <a:buChar char="-"/>
-            </a:pPr>
-            <a:r>
-              <a:rPr lang="ko-KR" altLang="en-US" sz="1400" b="1" dirty="0"/>
-              <a:t>자료구조의</a:t>
-            </a:r>
+            <a:pPr>
+              <a:lnSpc>
+                <a:spcPct val="150000"/>
+              </a:lnSpc>
+            </a:pPr>
             <a:r>
               <a:rPr lang="en-US" altLang="ko-KR" sz="1400" b="1" dirty="0"/>
               <a:t> </a:t>
             </a:r>
             <a:r>
+              <a:rPr lang="en-US" altLang="ko-KR" sz="1400" b="1" dirty="0" err="1"/>
+              <a:t>BinaryFormatter</a:t>
+            </a:r>
+            <a:r>
               <a:rPr lang="ko-KR" altLang="en-US" sz="1400" b="1" dirty="0"/>
-              <a:t>스택을 그대로 구현</a:t>
+              <a:t>와  </a:t>
+            </a:r>
+            <a:r>
+              <a:rPr lang="en-US" altLang="ko-KR" sz="1400" b="1" dirty="0" err="1"/>
+              <a:t>XmlSerializer</a:t>
+            </a:r>
+            <a:r>
+              <a:rPr lang="en-US" altLang="ko-KR" sz="1400" b="1" dirty="0"/>
+              <a:t> </a:t>
+            </a:r>
+            <a:r>
+              <a:rPr lang="ko-KR" altLang="en-US" sz="1400" b="1" dirty="0"/>
+              <a:t>두 타입의 장점만을 취한 효과</a:t>
             </a:r>
             <a:endParaRPr lang="en-US" altLang="ko-KR" sz="1400" b="1" dirty="0"/>
           </a:p>
           <a:p>
-            <a:pPr marL="285750" indent="-285750">
-              <a:lnSpc>
-                <a:spcPct val="150000"/>
-              </a:lnSpc>
-              <a:buFontTx/>
-              <a:buChar char="-"/>
-            </a:pPr>
-            <a:r>
-              <a:rPr lang="ko-KR" altLang="en-US" sz="1400" b="1" dirty="0" err="1"/>
-              <a:t>선입후출</a:t>
-            </a:r>
+            <a:pPr>
+              <a:lnSpc>
+                <a:spcPct val="150000"/>
+              </a:lnSpc>
+            </a:pPr>
+            <a:endParaRPr lang="en-US" altLang="ko-KR" sz="1400" b="1" dirty="0"/>
+          </a:p>
+          <a:p>
+            <a:pPr>
+              <a:lnSpc>
+                <a:spcPct val="150000"/>
+              </a:lnSpc>
+            </a:pPr>
+            <a:r>
+              <a:rPr lang="ko-KR" altLang="en-US" sz="1400" b="1" dirty="0"/>
+              <a:t>자바스크립트의 객체 직렬화 방식을 닷넷에서 동일하게 구현</a:t>
+            </a:r>
+            <a:endParaRPr lang="en-US" altLang="ko-KR" sz="1400" b="1" dirty="0"/>
+          </a:p>
+          <a:p>
+            <a:pPr>
+              <a:lnSpc>
+                <a:spcPct val="150000"/>
+              </a:lnSpc>
+            </a:pPr>
             <a:r>
               <a:rPr lang="en-US" altLang="ko-KR" sz="1400" b="1" dirty="0"/>
-              <a:t>(FILO: First-In Last-Out)</a:t>
+              <a:t>System.Runtime.Serialization.dll </a:t>
             </a:r>
             <a:r>
               <a:rPr lang="ko-KR" altLang="en-US" sz="1400" b="1" dirty="0"/>
-              <a:t> 먼저 넣은 데이터는 가장 나중에 나옴</a:t>
-            </a:r>
+              <a:t>에 포함 되어 있음</a:t>
+            </a:r>
+            <a:endParaRPr lang="en-US" altLang="ko-KR" sz="1400" b="1" dirty="0"/>
+          </a:p>
+          <a:p>
+            <a:pPr>
+              <a:lnSpc>
+                <a:spcPct val="150000"/>
+              </a:lnSpc>
+            </a:pPr>
+            <a:endParaRPr lang="en-US" altLang="ko-KR" sz="1400" b="1" dirty="0"/>
+          </a:p>
+          <a:p>
+            <a:pPr>
+              <a:lnSpc>
+                <a:spcPct val="150000"/>
+              </a:lnSpc>
+            </a:pPr>
+            <a:r>
+              <a:rPr lang="ko-KR" altLang="en-US" sz="1400" b="1" dirty="0"/>
+              <a:t>전송되는 문자열 데이터가 적고 가동석이 높아 닷넷 이외의 플랫폼에서도 쉽게 주고받아 해석 가능</a:t>
+            </a:r>
+            <a:endParaRPr lang="en-US" altLang="ko-KR" sz="1400" b="1" dirty="0"/>
+          </a:p>
+          <a:p>
+            <a:pPr>
+              <a:lnSpc>
+                <a:spcPct val="150000"/>
+              </a:lnSpc>
+            </a:pPr>
             <a:endParaRPr lang="en-US" altLang="ko-KR" sz="1400" b="1" dirty="0"/>
           </a:p>
           <a:p>
@@ -19289,7 +19384,7 @@
     </p:spTree>
     <p:extLst>
       <p:ext uri="{BB962C8B-B14F-4D97-AF65-F5344CB8AC3E}">
-        <p14:creationId xmlns:p14="http://schemas.microsoft.com/office/powerpoint/2010/main" val="2715472383"/>
+        <p14:creationId xmlns:p14="http://schemas.microsoft.com/office/powerpoint/2010/main" val="321533717"/>
       </p:ext>
     </p:extLst>
   </p:cSld>
@@ -19384,7 +19479,7 @@
         <p:spPr>
           <a:xfrm>
             <a:off x="416496" y="836712"/>
-            <a:ext cx="2376805" cy="373885"/>
+            <a:ext cx="723275" cy="373885"/>
           </a:xfrm>
           <a:prstGeom prst="rect">
             <a:avLst/>
@@ -19407,8 +19502,312 @@
               </a:lnSpc>
             </a:pPr>
             <a:r>
+              <a:rPr lang="ko-KR" altLang="en-US" sz="1400" b="1" dirty="0"/>
+              <a:t>컬렉션</a:t>
+            </a:r>
+            <a:endParaRPr lang="en-US" altLang="ko-KR" sz="1400" b="1" dirty="0"/>
+          </a:p>
+        </p:txBody>
+      </p:sp>
+      <p:sp>
+        <p:nvSpPr>
+          <p:cNvPr id="5" name="TextBox 4">
+            <a:extLst>
+              <a:ext uri="{FF2B5EF4-FFF2-40B4-BE49-F238E27FC236}">
+                <a16:creationId xmlns:a16="http://schemas.microsoft.com/office/drawing/2014/main" id="{3E380147-310D-4726-B4FD-EA889EB13697}"/>
+              </a:ext>
+            </a:extLst>
+          </p:cNvPr>
+          <p:cNvSpPr txBox="1"/>
+          <p:nvPr/>
+        </p:nvSpPr>
+        <p:spPr>
+          <a:xfrm>
+            <a:off x="416496" y="1205644"/>
+            <a:ext cx="9073008" cy="3282373"/>
+          </a:xfrm>
+          <a:prstGeom prst="rect">
+            <a:avLst/>
+          </a:prstGeom>
+          <a:ln w="28575">
+            <a:solidFill>
+              <a:schemeClr val="tx1"/>
+            </a:solidFill>
+          </a:ln>
+        </p:spPr>
+        <p:txBody>
+          <a:bodyPr wrap="square" rtlCol="0">
+            <a:spAutoFit/>
+          </a:bodyPr>
+          <a:lstStyle/>
+          <a:p>
+            <a:pPr>
+              <a:lnSpc>
+                <a:spcPct val="150000"/>
+              </a:lnSpc>
+            </a:pPr>
+            <a:r>
+              <a:rPr lang="en-US" altLang="ko-KR" sz="1400" b="1" dirty="0"/>
+              <a:t> </a:t>
+            </a:r>
+          </a:p>
+          <a:p>
+            <a:pPr>
+              <a:lnSpc>
+                <a:spcPct val="150000"/>
+              </a:lnSpc>
+            </a:pPr>
+            <a:r>
+              <a:rPr lang="en-US" altLang="ko-KR" sz="1400" b="1" dirty="0"/>
+              <a:t> </a:t>
+            </a:r>
+            <a:r>
+              <a:rPr lang="ko-KR" altLang="en-US" sz="1400" b="1" dirty="0"/>
+              <a:t>배열은 크기가 고정</a:t>
+            </a:r>
+            <a:endParaRPr lang="en-US" altLang="ko-KR" sz="1400" b="1" dirty="0"/>
+          </a:p>
+          <a:p>
+            <a:pPr>
+              <a:lnSpc>
+                <a:spcPct val="150000"/>
+              </a:lnSpc>
+            </a:pPr>
+            <a:r>
+              <a:rPr lang="en-US" altLang="ko-KR" sz="1400" b="1" dirty="0"/>
+              <a:t> </a:t>
+            </a:r>
+            <a:r>
+              <a:rPr lang="ko-KR" altLang="en-US" sz="1400" b="1" dirty="0"/>
+              <a:t>크기가 정해지지 않는 배열을 다뤄야 할 필요가 있을 때 컬렉션을 사용하면 된다</a:t>
+            </a:r>
+            <a:r>
+              <a:rPr lang="en-US" altLang="ko-KR" sz="1400" b="1" dirty="0"/>
+              <a:t>.</a:t>
+            </a:r>
+          </a:p>
+          <a:p>
+            <a:pPr>
+              <a:lnSpc>
+                <a:spcPct val="150000"/>
+              </a:lnSpc>
+            </a:pPr>
+            <a:endParaRPr lang="en-US" altLang="ko-KR" sz="1400" b="1" dirty="0"/>
+          </a:p>
+          <a:p>
+            <a:pPr>
+              <a:lnSpc>
+                <a:spcPct val="150000"/>
+              </a:lnSpc>
+            </a:pPr>
+            <a:r>
+              <a:rPr lang="en-US" altLang="ko-KR" sz="1400" b="1" dirty="0"/>
+              <a:t> BCL</a:t>
+            </a:r>
+          </a:p>
+          <a:p>
+            <a:pPr marL="285750" indent="-285750">
+              <a:lnSpc>
+                <a:spcPct val="150000"/>
+              </a:lnSpc>
+              <a:buFontTx/>
+              <a:buChar char="-"/>
+            </a:pPr>
+            <a:r>
               <a:rPr lang="en-US" altLang="ko-KR" sz="1400" b="1" dirty="0" err="1"/>
-              <a:t>System.Collections.Queue</a:t>
+              <a:t>System.Collections.ArrayList</a:t>
+            </a:r>
+            <a:endParaRPr lang="en-US" altLang="ko-KR" sz="1400" b="1" dirty="0"/>
+          </a:p>
+          <a:p>
+            <a:pPr marL="285750" indent="-285750">
+              <a:lnSpc>
+                <a:spcPct val="150000"/>
+              </a:lnSpc>
+              <a:buFontTx/>
+              <a:buChar char="-"/>
+            </a:pPr>
+            <a:r>
+              <a:rPr lang="en-US" altLang="ko-KR" sz="1400" b="1" dirty="0" err="1"/>
+              <a:t>System.Collections.Hashtable</a:t>
+            </a:r>
+            <a:endParaRPr lang="en-US" altLang="ko-KR" sz="1400" b="1" dirty="0"/>
+          </a:p>
+          <a:p>
+            <a:pPr marL="285750" indent="-285750">
+              <a:lnSpc>
+                <a:spcPct val="150000"/>
+              </a:lnSpc>
+              <a:buFontTx/>
+              <a:buChar char="-"/>
+            </a:pPr>
+            <a:r>
+              <a:rPr lang="en-US" altLang="ko-KR" sz="1400" b="1" dirty="0" err="1"/>
+              <a:t>System.Collections.SortedList</a:t>
+            </a:r>
+            <a:endParaRPr lang="en-US" altLang="ko-KR" sz="1400" b="1" dirty="0"/>
+          </a:p>
+          <a:p>
+            <a:pPr marL="285750" indent="-285750">
+              <a:lnSpc>
+                <a:spcPct val="150000"/>
+              </a:lnSpc>
+              <a:buFontTx/>
+              <a:buChar char="-"/>
+            </a:pPr>
+            <a:r>
+              <a:rPr lang="en-US" altLang="ko-KR" sz="1400" b="1" dirty="0" err="1"/>
+              <a:t>System.Collections.Stack</a:t>
+            </a:r>
+            <a:endParaRPr lang="en-US" altLang="ko-KR" sz="1400" b="1" dirty="0"/>
+          </a:p>
+          <a:p>
+            <a:pPr marL="285750" indent="-285750">
+              <a:lnSpc>
+                <a:spcPct val="150000"/>
+              </a:lnSpc>
+              <a:buFontTx/>
+              <a:buChar char="-"/>
+            </a:pPr>
+            <a:r>
+              <a:rPr lang="en-US" altLang="ko-KR" sz="1400" b="1" dirty="0" err="1"/>
+              <a:t>System.</a:t>
+            </a:r>
+            <a:r>
+              <a:rPr lang="en-US" altLang="ko-KR" sz="1400" b="1" err="1"/>
+              <a:t>Collections</a:t>
+            </a:r>
+            <a:r>
+              <a:rPr lang="en-US" altLang="ko-KR" sz="1400" b="1"/>
+              <a:t>.Queue</a:t>
+            </a:r>
+            <a:endParaRPr lang="en-US" altLang="ko-KR" sz="1400" b="1" dirty="0"/>
+          </a:p>
+        </p:txBody>
+      </p:sp>
+    </p:spTree>
+    <p:extLst>
+      <p:ext uri="{BB962C8B-B14F-4D97-AF65-F5344CB8AC3E}">
+        <p14:creationId xmlns:p14="http://schemas.microsoft.com/office/powerpoint/2010/main" val="1801131642"/>
+      </p:ext>
+    </p:extLst>
+  </p:cSld>
+  <p:clrMapOvr>
+    <a:masterClrMapping/>
+  </p:clrMapOvr>
+</p:sld>
+</file>
+
+<file path=ppt/slides/slide27.xml><?xml version="1.0" encoding="utf-8"?>
+<p:sld xmlns:a="http://schemas.openxmlformats.org/drawingml/2006/main" xmlns:r="http://schemas.openxmlformats.org/officeDocument/2006/relationships" xmlns:p="http://schemas.openxmlformats.org/presentationml/2006/main">
+  <p:cSld>
+    <p:spTree>
+      <p:nvGrpSpPr>
+        <p:cNvPr id="1" name=""/>
+        <p:cNvGrpSpPr/>
+        <p:nvPr/>
+      </p:nvGrpSpPr>
+      <p:grpSpPr>
+        <a:xfrm>
+          <a:off x="0" y="0"/>
+          <a:ext cx="0" cy="0"/>
+          <a:chOff x="0" y="0"/>
+          <a:chExt cx="0" cy="0"/>
+        </a:xfrm>
+      </p:grpSpPr>
+      <p:sp>
+        <p:nvSpPr>
+          <p:cNvPr id="2" name="제목 1"/>
+          <p:cNvSpPr>
+            <a:spLocks noGrp="1"/>
+          </p:cNvSpPr>
+          <p:nvPr>
+            <p:ph type="title"/>
+          </p:nvPr>
+        </p:nvSpPr>
+        <p:spPr/>
+        <p:txBody>
+          <a:bodyPr/>
+          <a:lstStyle/>
+          <a:p>
+            <a:r>
+              <a:rPr lang="en-US" altLang="ko-KR" dirty="0"/>
+              <a:t>Base</a:t>
+            </a:r>
+            <a:r>
+              <a:rPr lang="ko-KR" altLang="en-US" dirty="0"/>
+              <a:t> </a:t>
+            </a:r>
+            <a:r>
+              <a:rPr lang="en-US" altLang="ko-KR" dirty="0"/>
+              <a:t>Class Library</a:t>
+            </a:r>
+            <a:endParaRPr lang="ko-KR" altLang="en-US" dirty="0"/>
+          </a:p>
+        </p:txBody>
+      </p:sp>
+      <p:sp>
+        <p:nvSpPr>
+          <p:cNvPr id="3" name="텍스트 개체 틀 2"/>
+          <p:cNvSpPr>
+            <a:spLocks noGrp="1"/>
+          </p:cNvSpPr>
+          <p:nvPr>
+            <p:ph type="body" sz="quarter" idx="12"/>
+          </p:nvPr>
+        </p:nvSpPr>
+        <p:spPr/>
+        <p:txBody>
+          <a:bodyPr/>
+          <a:lstStyle/>
+          <a:p>
+            <a:r>
+              <a:rPr lang="ko-KR" altLang="en-US" dirty="0"/>
+              <a:t>이바우</a:t>
+            </a:r>
+          </a:p>
+        </p:txBody>
+      </p:sp>
+      <p:sp>
+        <p:nvSpPr>
+          <p:cNvPr id="4" name="TextBox 3">
+            <a:extLst>
+              <a:ext uri="{FF2B5EF4-FFF2-40B4-BE49-F238E27FC236}">
+                <a16:creationId xmlns:a16="http://schemas.microsoft.com/office/drawing/2014/main" id="{63CD2FF7-E5C7-4CC9-84B6-B2295EAC55C0}"/>
+              </a:ext>
+            </a:extLst>
+          </p:cNvPr>
+          <p:cNvSpPr txBox="1"/>
+          <p:nvPr/>
+        </p:nvSpPr>
+        <p:spPr>
+          <a:xfrm>
+            <a:off x="416496" y="836712"/>
+            <a:ext cx="2575577" cy="373885"/>
+          </a:xfrm>
+          <a:prstGeom prst="rect">
+            <a:avLst/>
+          </a:prstGeom>
+          <a:ln w="28575">
+            <a:solidFill>
+              <a:schemeClr val="tx1"/>
+            </a:solidFill>
+          </a:ln>
+        </p:spPr>
+        <p:txBody>
+          <a:bodyPr wrap="none" rtlCol="0">
+            <a:spAutoFit/>
+          </a:bodyPr>
+          <a:lstStyle/>
+          <a:p>
+            <a:pPr>
+              <a:lnSpc>
+                <a:spcPct val="150000"/>
+              </a:lnSpc>
+            </a:pPr>
+            <a:r>
+              <a:rPr lang="en-US" altLang="ko-KR" sz="1400" b="1" dirty="0" err="1"/>
+              <a:t>System.Collections.ArrayList</a:t>
             </a:r>
             <a:endParaRPr lang="en-US" altLang="ko-KR" sz="1400" b="1" dirty="0"/>
           </a:p>
@@ -19457,55 +19856,71 @@
             </a:r>
           </a:p>
           <a:p>
-            <a:pPr marL="285750" indent="-285750">
-              <a:lnSpc>
-                <a:spcPct val="150000"/>
-              </a:lnSpc>
-              <a:buFontTx/>
-              <a:buChar char="-"/>
-            </a:pPr>
-            <a:r>
-              <a:rPr lang="ko-KR" altLang="en-US" sz="1400" b="1" dirty="0"/>
-              <a:t>자료구조의</a:t>
-            </a:r>
+            <a:pPr>
+              <a:lnSpc>
+                <a:spcPct val="150000"/>
+              </a:lnSpc>
+            </a:pPr>
             <a:r>
               <a:rPr lang="en-US" altLang="ko-KR" sz="1400" b="1" dirty="0"/>
               <a:t> </a:t>
             </a:r>
             <a:r>
+              <a:rPr lang="en-US" altLang="ko-KR" sz="1400" b="1" dirty="0" err="1"/>
+              <a:t>ArrayList</a:t>
+            </a:r>
+            <a:r>
               <a:rPr lang="ko-KR" altLang="en-US" sz="1400" b="1" dirty="0"/>
-              <a:t>큐를 그대로 구현</a:t>
+              <a:t>는 </a:t>
+            </a:r>
+            <a:r>
+              <a:rPr lang="en-US" altLang="ko-KR" sz="1400" b="1" dirty="0"/>
+              <a:t>Object</a:t>
+            </a:r>
+            <a:r>
+              <a:rPr lang="ko-KR" altLang="en-US" sz="1400" b="1" dirty="0"/>
+              <a:t>를 인자로 갖기 때문에 닷넷의 모든 타입을 담을 수 있다는 장점이 있지만 반대로 이로 인해 </a:t>
+            </a:r>
+            <a:r>
+              <a:rPr lang="ko-KR" altLang="en-US" sz="1400" b="1" dirty="0" err="1"/>
+              <a:t>박싱이</a:t>
+            </a:r>
+            <a:r>
+              <a:rPr lang="ko-KR" altLang="en-US" sz="1400" b="1" dirty="0"/>
+              <a:t> 발생한다는 단점</a:t>
             </a:r>
             <a:endParaRPr lang="en-US" altLang="ko-KR" sz="1400" b="1" dirty="0"/>
           </a:p>
           <a:p>
-            <a:pPr marL="285750" indent="-285750">
-              <a:lnSpc>
-                <a:spcPct val="150000"/>
-              </a:lnSpc>
-              <a:buFontTx/>
-              <a:buChar char="-"/>
-            </a:pPr>
+            <a:pPr>
+              <a:lnSpc>
+                <a:spcPct val="150000"/>
+              </a:lnSpc>
+            </a:pPr>
+            <a:r>
+              <a:rPr lang="en-US" altLang="ko-KR" sz="1400" b="1" dirty="0"/>
+              <a:t> </a:t>
+            </a:r>
             <a:r>
               <a:rPr lang="ko-KR" altLang="en-US" sz="1400" b="1" dirty="0"/>
-              <a:t>선입선출</a:t>
+              <a:t>이를 해결하기 위해 닷넷 </a:t>
             </a:r>
             <a:r>
               <a:rPr lang="en-US" altLang="ko-KR" sz="1400" b="1" dirty="0"/>
-              <a:t>(FIFO: First-In First-Out)</a:t>
+              <a:t>2.0 </a:t>
             </a:r>
             <a:r>
               <a:rPr lang="ko-KR" altLang="en-US" sz="1400" b="1" dirty="0"/>
-              <a:t> 먼저 넣은 가장 먼저 나옴</a:t>
-            </a:r>
-            <a:endParaRPr lang="en-US" altLang="ko-KR" sz="1400" b="1" dirty="0"/>
-          </a:p>
-          <a:p>
-            <a:pPr>
-              <a:lnSpc>
-                <a:spcPct val="150000"/>
-              </a:lnSpc>
-            </a:pPr>
+              <a:t>부터 제네릭이 적용된 </a:t>
+            </a:r>
+            <a:r>
+              <a:rPr lang="en-US" altLang="ko-KR" sz="1400" b="1" dirty="0"/>
+              <a:t>List&lt;T&gt; </a:t>
+            </a:r>
+            <a:r>
+              <a:rPr lang="ko-KR" altLang="en-US" sz="1400" b="1" dirty="0"/>
+              <a:t>사용을 권장함</a:t>
+            </a:r>
             <a:endParaRPr lang="en-US" altLang="ko-KR" sz="1400" b="1" dirty="0"/>
           </a:p>
         </p:txBody>
@@ -19513,7 +19928,746 @@
     </p:spTree>
     <p:extLst>
       <p:ext uri="{BB962C8B-B14F-4D97-AF65-F5344CB8AC3E}">
-        <p14:creationId xmlns:p14="http://schemas.microsoft.com/office/powerpoint/2010/main" val="558980854"/>
+        <p14:creationId xmlns:p14="http://schemas.microsoft.com/office/powerpoint/2010/main" val="4057658917"/>
+      </p:ext>
+    </p:extLst>
+  </p:cSld>
+  <p:clrMapOvr>
+    <a:masterClrMapping/>
+  </p:clrMapOvr>
+</p:sld>
+</file>
+
+<file path=ppt/slides/slide28.xml><?xml version="1.0" encoding="utf-8"?>
+<p:sld xmlns:a="http://schemas.openxmlformats.org/drawingml/2006/main" xmlns:r="http://schemas.openxmlformats.org/officeDocument/2006/relationships" xmlns:p="http://schemas.openxmlformats.org/presentationml/2006/main">
+  <p:cSld>
+    <p:spTree>
+      <p:nvGrpSpPr>
+        <p:cNvPr id="1" name=""/>
+        <p:cNvGrpSpPr/>
+        <p:nvPr/>
+      </p:nvGrpSpPr>
+      <p:grpSpPr>
+        <a:xfrm>
+          <a:off x="0" y="0"/>
+          <a:ext cx="0" cy="0"/>
+          <a:chOff x="0" y="0"/>
+          <a:chExt cx="0" cy="0"/>
+        </a:xfrm>
+      </p:grpSpPr>
+      <p:sp>
+        <p:nvSpPr>
+          <p:cNvPr id="2" name="제목 1"/>
+          <p:cNvSpPr>
+            <a:spLocks noGrp="1"/>
+          </p:cNvSpPr>
+          <p:nvPr>
+            <p:ph type="title"/>
+          </p:nvPr>
+        </p:nvSpPr>
+        <p:spPr/>
+        <p:txBody>
+          <a:bodyPr/>
+          <a:lstStyle/>
+          <a:p>
+            <a:r>
+              <a:rPr lang="en-US" altLang="ko-KR" dirty="0"/>
+              <a:t>Base</a:t>
+            </a:r>
+            <a:r>
+              <a:rPr lang="ko-KR" altLang="en-US" dirty="0"/>
+              <a:t> </a:t>
+            </a:r>
+            <a:r>
+              <a:rPr lang="en-US" altLang="ko-KR" dirty="0"/>
+              <a:t>Class Library</a:t>
+            </a:r>
+            <a:endParaRPr lang="ko-KR" altLang="en-US" dirty="0"/>
+          </a:p>
+        </p:txBody>
+      </p:sp>
+      <p:sp>
+        <p:nvSpPr>
+          <p:cNvPr id="3" name="텍스트 개체 틀 2"/>
+          <p:cNvSpPr>
+            <a:spLocks noGrp="1"/>
+          </p:cNvSpPr>
+          <p:nvPr>
+            <p:ph type="body" sz="quarter" idx="12"/>
+          </p:nvPr>
+        </p:nvSpPr>
+        <p:spPr/>
+        <p:txBody>
+          <a:bodyPr/>
+          <a:lstStyle/>
+          <a:p>
+            <a:r>
+              <a:rPr lang="ko-KR" altLang="en-US" dirty="0"/>
+              <a:t>이바우</a:t>
+            </a:r>
+          </a:p>
+        </p:txBody>
+      </p:sp>
+      <p:sp>
+        <p:nvSpPr>
+          <p:cNvPr id="4" name="TextBox 3">
+            <a:extLst>
+              <a:ext uri="{FF2B5EF4-FFF2-40B4-BE49-F238E27FC236}">
+                <a16:creationId xmlns:a16="http://schemas.microsoft.com/office/drawing/2014/main" id="{63CD2FF7-E5C7-4CC9-84B6-B2295EAC55C0}"/>
+              </a:ext>
+            </a:extLst>
+          </p:cNvPr>
+          <p:cNvSpPr txBox="1"/>
+          <p:nvPr/>
+        </p:nvSpPr>
+        <p:spPr>
+          <a:xfrm>
+            <a:off x="416496" y="836712"/>
+            <a:ext cx="2676567" cy="373885"/>
+          </a:xfrm>
+          <a:prstGeom prst="rect">
+            <a:avLst/>
+          </a:prstGeom>
+          <a:ln w="28575">
+            <a:solidFill>
+              <a:schemeClr val="tx1"/>
+            </a:solidFill>
+          </a:ln>
+        </p:spPr>
+        <p:txBody>
+          <a:bodyPr wrap="none" rtlCol="0">
+            <a:spAutoFit/>
+          </a:bodyPr>
+          <a:lstStyle/>
+          <a:p>
+            <a:pPr>
+              <a:lnSpc>
+                <a:spcPct val="150000"/>
+              </a:lnSpc>
+            </a:pPr>
+            <a:r>
+              <a:rPr lang="en-US" altLang="ko-KR" sz="1400" b="1" dirty="0" err="1"/>
+              <a:t>System.Collections.Hashtable</a:t>
+            </a:r>
+            <a:endParaRPr lang="en-US" altLang="ko-KR" sz="1400" b="1" dirty="0"/>
+          </a:p>
+        </p:txBody>
+      </p:sp>
+      <p:sp>
+        <p:nvSpPr>
+          <p:cNvPr id="5" name="TextBox 4">
+            <a:extLst>
+              <a:ext uri="{FF2B5EF4-FFF2-40B4-BE49-F238E27FC236}">
+                <a16:creationId xmlns:a16="http://schemas.microsoft.com/office/drawing/2014/main" id="{3E380147-310D-4726-B4FD-EA889EB13697}"/>
+              </a:ext>
+            </a:extLst>
+          </p:cNvPr>
+          <p:cNvSpPr txBox="1"/>
+          <p:nvPr/>
+        </p:nvSpPr>
+        <p:spPr>
+          <a:xfrm>
+            <a:off x="416496" y="1205644"/>
+            <a:ext cx="9073008" cy="4655826"/>
+          </a:xfrm>
+          <a:prstGeom prst="rect">
+            <a:avLst/>
+          </a:prstGeom>
+          <a:ln w="28575">
+            <a:solidFill>
+              <a:schemeClr val="tx1"/>
+            </a:solidFill>
+          </a:ln>
+        </p:spPr>
+        <p:txBody>
+          <a:bodyPr wrap="square" rtlCol="0">
+            <a:spAutoFit/>
+          </a:bodyPr>
+          <a:lstStyle/>
+          <a:p>
+            <a:pPr>
+              <a:lnSpc>
+                <a:spcPct val="150000"/>
+              </a:lnSpc>
+            </a:pPr>
+            <a:r>
+              <a:rPr lang="en-US" altLang="ko-KR" sz="1400" b="1" dirty="0"/>
+              <a:t> </a:t>
+            </a:r>
+          </a:p>
+          <a:p>
+            <a:pPr>
+              <a:lnSpc>
+                <a:spcPct val="150000"/>
+              </a:lnSpc>
+            </a:pPr>
+            <a:r>
+              <a:rPr lang="en-US" altLang="ko-KR" sz="1400" b="1" dirty="0"/>
+              <a:t> </a:t>
+            </a:r>
+            <a:r>
+              <a:rPr lang="ko-KR" altLang="en-US" sz="1400" b="1" dirty="0"/>
+              <a:t>값</a:t>
+            </a:r>
+            <a:r>
+              <a:rPr lang="en-US" altLang="ko-KR" sz="1400" b="1" dirty="0"/>
+              <a:t>(Value)</a:t>
+            </a:r>
+            <a:r>
+              <a:rPr lang="ko-KR" altLang="en-US" sz="1400" b="1" dirty="0"/>
+              <a:t>뿐만 아니라 해시에 사용되는 키</a:t>
+            </a:r>
+            <a:r>
+              <a:rPr lang="en-US" altLang="ko-KR" sz="1400" b="1" dirty="0"/>
+              <a:t>(Key)</a:t>
+            </a:r>
+            <a:r>
+              <a:rPr lang="ko-KR" altLang="en-US" sz="1400" b="1" dirty="0"/>
+              <a:t>가 추가되어 빠른 검색 속도를 자랑한다</a:t>
+            </a:r>
+            <a:r>
+              <a:rPr lang="en-US" altLang="ko-KR" sz="1400" b="1" dirty="0"/>
+              <a:t>. </a:t>
+            </a:r>
+            <a:r>
+              <a:rPr lang="ko-KR" altLang="en-US" sz="1400" b="1" dirty="0"/>
+              <a:t>따라서 검색 속도의 중요도에 따라 </a:t>
+            </a:r>
+            <a:r>
+              <a:rPr lang="en-US" altLang="ko-KR" sz="1400" b="1" dirty="0" err="1"/>
+              <a:t>ArrayList</a:t>
+            </a:r>
+            <a:r>
+              <a:rPr lang="en-US" altLang="ko-KR" sz="1400" b="1" dirty="0"/>
+              <a:t> </a:t>
+            </a:r>
+            <a:r>
+              <a:rPr lang="ko-KR" altLang="en-US" sz="1400" b="1" dirty="0"/>
+              <a:t>또는 </a:t>
+            </a:r>
+            <a:r>
+              <a:rPr lang="en-US" altLang="ko-KR" sz="1400" b="1" dirty="0" err="1"/>
+              <a:t>Hashtable</a:t>
+            </a:r>
+            <a:r>
+              <a:rPr lang="ko-KR" altLang="en-US" sz="1400" b="1" dirty="0"/>
+              <a:t>을 선택할지 결정한다</a:t>
+            </a:r>
+            <a:r>
+              <a:rPr lang="en-US" altLang="ko-KR" sz="1400" b="1" dirty="0"/>
+              <a:t>.</a:t>
+            </a:r>
+          </a:p>
+          <a:p>
+            <a:pPr>
+              <a:lnSpc>
+                <a:spcPct val="150000"/>
+              </a:lnSpc>
+            </a:pPr>
+            <a:endParaRPr lang="en-US" altLang="ko-KR" sz="1400" b="1" dirty="0"/>
+          </a:p>
+          <a:p>
+            <a:pPr>
+              <a:lnSpc>
+                <a:spcPct val="150000"/>
+              </a:lnSpc>
+            </a:pPr>
+            <a:r>
+              <a:rPr lang="en-US" altLang="ko-KR" sz="1400" b="1" dirty="0"/>
+              <a:t>3, 5, 7, 12, 25, 31</a:t>
+            </a:r>
+          </a:p>
+          <a:p>
+            <a:pPr>
+              <a:lnSpc>
+                <a:spcPct val="150000"/>
+              </a:lnSpc>
+            </a:pPr>
+            <a:endParaRPr lang="en-US" altLang="ko-KR" sz="1400" b="1" dirty="0"/>
+          </a:p>
+          <a:p>
+            <a:pPr>
+              <a:lnSpc>
+                <a:spcPct val="150000"/>
+              </a:lnSpc>
+            </a:pPr>
+            <a:r>
+              <a:rPr lang="en-US" altLang="ko-KR" sz="1050" b="1" dirty="0"/>
+              <a:t>0,1,2 </a:t>
+            </a:r>
+            <a:r>
+              <a:rPr lang="ko-KR" altLang="en-US" sz="1050" b="1" dirty="0" err="1"/>
+              <a:t>해시값</a:t>
+            </a:r>
+            <a:endParaRPr lang="en-US" altLang="ko-KR" sz="1050" b="1" dirty="0"/>
+          </a:p>
+          <a:p>
+            <a:pPr>
+              <a:lnSpc>
+                <a:spcPct val="150000"/>
+              </a:lnSpc>
+            </a:pPr>
+            <a:r>
+              <a:rPr lang="en-US" altLang="ko-KR" sz="1050" b="1" dirty="0"/>
+              <a:t>3 % 3 = 0</a:t>
+            </a:r>
+          </a:p>
+          <a:p>
+            <a:pPr>
+              <a:lnSpc>
+                <a:spcPct val="150000"/>
+              </a:lnSpc>
+            </a:pPr>
+            <a:r>
+              <a:rPr lang="en-US" altLang="ko-KR" sz="1050" b="1" dirty="0"/>
+              <a:t>5 % 3 = 2</a:t>
+            </a:r>
+          </a:p>
+          <a:p>
+            <a:pPr>
+              <a:lnSpc>
+                <a:spcPct val="150000"/>
+              </a:lnSpc>
+            </a:pPr>
+            <a:r>
+              <a:rPr lang="en-US" altLang="ko-KR" sz="1050" b="1" dirty="0"/>
+              <a:t>7 % 3 = 1</a:t>
+            </a:r>
+          </a:p>
+          <a:p>
+            <a:pPr>
+              <a:lnSpc>
+                <a:spcPct val="150000"/>
+              </a:lnSpc>
+            </a:pPr>
+            <a:r>
+              <a:rPr lang="en-US" altLang="ko-KR" sz="1050" b="1" dirty="0"/>
+              <a:t>12 % 3 = 0</a:t>
+            </a:r>
+          </a:p>
+          <a:p>
+            <a:pPr>
+              <a:lnSpc>
+                <a:spcPct val="150000"/>
+              </a:lnSpc>
+            </a:pPr>
+            <a:r>
+              <a:rPr lang="en-US" altLang="ko-KR" sz="1050" b="1" dirty="0"/>
+              <a:t>25 % 3 = 1</a:t>
+            </a:r>
+          </a:p>
+          <a:p>
+            <a:pPr>
+              <a:lnSpc>
+                <a:spcPct val="150000"/>
+              </a:lnSpc>
+            </a:pPr>
+            <a:r>
+              <a:rPr lang="en-US" altLang="ko-KR" sz="1050" b="1" dirty="0"/>
+              <a:t>31 % 3 = 1</a:t>
+            </a:r>
+          </a:p>
+          <a:p>
+            <a:pPr>
+              <a:lnSpc>
+                <a:spcPct val="150000"/>
+              </a:lnSpc>
+            </a:pPr>
+            <a:endParaRPr lang="en-US" altLang="ko-KR" sz="1400" b="1" dirty="0"/>
+          </a:p>
+          <a:p>
+            <a:pPr marL="342900" indent="-342900">
+              <a:lnSpc>
+                <a:spcPct val="150000"/>
+              </a:lnSpc>
+              <a:buAutoNum type="arabicPeriod"/>
+            </a:pPr>
+            <a:r>
+              <a:rPr lang="ko-KR" altLang="en-US" sz="1400" b="1" dirty="0"/>
+              <a:t>정수 </a:t>
+            </a:r>
+            <a:r>
+              <a:rPr lang="en-US" altLang="ko-KR" sz="1400" b="1" dirty="0"/>
+              <a:t>12</a:t>
+            </a:r>
+            <a:r>
+              <a:rPr lang="ko-KR" altLang="en-US" sz="1400" b="1" dirty="0"/>
+              <a:t>의 해시 값을 계산</a:t>
+            </a:r>
+            <a:r>
+              <a:rPr lang="en-US" altLang="ko-KR" sz="1400" b="1" dirty="0"/>
+              <a:t>=0</a:t>
+            </a:r>
+          </a:p>
+          <a:p>
+            <a:pPr marL="342900" indent="-342900">
+              <a:lnSpc>
+                <a:spcPct val="150000"/>
+              </a:lnSpc>
+              <a:buAutoNum type="arabicPeriod"/>
+            </a:pPr>
+            <a:r>
+              <a:rPr lang="ko-KR" altLang="en-US" sz="1400" b="1" dirty="0"/>
+              <a:t>해시 값에 속하는 부류 내에서 정수 </a:t>
+            </a:r>
+            <a:r>
+              <a:rPr lang="en-US" altLang="ko-KR" sz="1400" b="1" dirty="0"/>
+              <a:t>10</a:t>
+            </a:r>
+            <a:r>
+              <a:rPr lang="ko-KR" altLang="en-US" sz="1400" b="1" dirty="0"/>
+              <a:t>이 존재하는지 하나씩 확인</a:t>
+            </a:r>
+            <a:endParaRPr lang="en-US" altLang="ko-KR" sz="1400" b="1" dirty="0"/>
+          </a:p>
+        </p:txBody>
+      </p:sp>
+    </p:spTree>
+    <p:extLst>
+      <p:ext uri="{BB962C8B-B14F-4D97-AF65-F5344CB8AC3E}">
+        <p14:creationId xmlns:p14="http://schemas.microsoft.com/office/powerpoint/2010/main" val="874551408"/>
+      </p:ext>
+    </p:extLst>
+  </p:cSld>
+  <p:clrMapOvr>
+    <a:masterClrMapping/>
+  </p:clrMapOvr>
+</p:sld>
+</file>
+
+<file path=ppt/slides/slide29.xml><?xml version="1.0" encoding="utf-8"?>
+<p:sld xmlns:a="http://schemas.openxmlformats.org/drawingml/2006/main" xmlns:r="http://schemas.openxmlformats.org/officeDocument/2006/relationships" xmlns:p="http://schemas.openxmlformats.org/presentationml/2006/main">
+  <p:cSld>
+    <p:spTree>
+      <p:nvGrpSpPr>
+        <p:cNvPr id="1" name=""/>
+        <p:cNvGrpSpPr/>
+        <p:nvPr/>
+      </p:nvGrpSpPr>
+      <p:grpSpPr>
+        <a:xfrm>
+          <a:off x="0" y="0"/>
+          <a:ext cx="0" cy="0"/>
+          <a:chOff x="0" y="0"/>
+          <a:chExt cx="0" cy="0"/>
+        </a:xfrm>
+      </p:grpSpPr>
+      <p:sp>
+        <p:nvSpPr>
+          <p:cNvPr id="2" name="제목 1"/>
+          <p:cNvSpPr>
+            <a:spLocks noGrp="1"/>
+          </p:cNvSpPr>
+          <p:nvPr>
+            <p:ph type="title"/>
+          </p:nvPr>
+        </p:nvSpPr>
+        <p:spPr/>
+        <p:txBody>
+          <a:bodyPr/>
+          <a:lstStyle/>
+          <a:p>
+            <a:r>
+              <a:rPr lang="en-US" altLang="ko-KR" dirty="0"/>
+              <a:t>Base</a:t>
+            </a:r>
+            <a:r>
+              <a:rPr lang="ko-KR" altLang="en-US" dirty="0"/>
+              <a:t> </a:t>
+            </a:r>
+            <a:r>
+              <a:rPr lang="en-US" altLang="ko-KR" dirty="0"/>
+              <a:t>Class Library</a:t>
+            </a:r>
+            <a:endParaRPr lang="ko-KR" altLang="en-US" dirty="0"/>
+          </a:p>
+        </p:txBody>
+      </p:sp>
+      <p:sp>
+        <p:nvSpPr>
+          <p:cNvPr id="3" name="텍스트 개체 틀 2"/>
+          <p:cNvSpPr>
+            <a:spLocks noGrp="1"/>
+          </p:cNvSpPr>
+          <p:nvPr>
+            <p:ph type="body" sz="quarter" idx="12"/>
+          </p:nvPr>
+        </p:nvSpPr>
+        <p:spPr/>
+        <p:txBody>
+          <a:bodyPr/>
+          <a:lstStyle/>
+          <a:p>
+            <a:r>
+              <a:rPr lang="ko-KR" altLang="en-US" dirty="0"/>
+              <a:t>이바우</a:t>
+            </a:r>
+          </a:p>
+        </p:txBody>
+      </p:sp>
+      <p:sp>
+        <p:nvSpPr>
+          <p:cNvPr id="4" name="TextBox 3">
+            <a:extLst>
+              <a:ext uri="{FF2B5EF4-FFF2-40B4-BE49-F238E27FC236}">
+                <a16:creationId xmlns:a16="http://schemas.microsoft.com/office/drawing/2014/main" id="{63CD2FF7-E5C7-4CC9-84B6-B2295EAC55C0}"/>
+              </a:ext>
+            </a:extLst>
+          </p:cNvPr>
+          <p:cNvSpPr txBox="1"/>
+          <p:nvPr/>
+        </p:nvSpPr>
+        <p:spPr>
+          <a:xfrm>
+            <a:off x="416496" y="836712"/>
+            <a:ext cx="2676567" cy="373885"/>
+          </a:xfrm>
+          <a:prstGeom prst="rect">
+            <a:avLst/>
+          </a:prstGeom>
+          <a:ln w="28575">
+            <a:solidFill>
+              <a:schemeClr val="tx1"/>
+            </a:solidFill>
+          </a:ln>
+        </p:spPr>
+        <p:txBody>
+          <a:bodyPr wrap="none" rtlCol="0">
+            <a:spAutoFit/>
+          </a:bodyPr>
+          <a:lstStyle/>
+          <a:p>
+            <a:pPr>
+              <a:lnSpc>
+                <a:spcPct val="150000"/>
+              </a:lnSpc>
+            </a:pPr>
+            <a:r>
+              <a:rPr lang="en-US" altLang="ko-KR" sz="1400" b="1" dirty="0" err="1"/>
+              <a:t>System.Collections.Hashtable</a:t>
+            </a:r>
+            <a:endParaRPr lang="en-US" altLang="ko-KR" sz="1400" b="1" dirty="0"/>
+          </a:p>
+        </p:txBody>
+      </p:sp>
+      <p:sp>
+        <p:nvSpPr>
+          <p:cNvPr id="5" name="TextBox 4">
+            <a:extLst>
+              <a:ext uri="{FF2B5EF4-FFF2-40B4-BE49-F238E27FC236}">
+                <a16:creationId xmlns:a16="http://schemas.microsoft.com/office/drawing/2014/main" id="{3E380147-310D-4726-B4FD-EA889EB13697}"/>
+              </a:ext>
+            </a:extLst>
+          </p:cNvPr>
+          <p:cNvSpPr txBox="1"/>
+          <p:nvPr/>
+        </p:nvSpPr>
+        <p:spPr>
+          <a:xfrm>
+            <a:off x="416496" y="1205644"/>
+            <a:ext cx="9073008" cy="4575035"/>
+          </a:xfrm>
+          <a:prstGeom prst="rect">
+            <a:avLst/>
+          </a:prstGeom>
+          <a:ln w="28575">
+            <a:solidFill>
+              <a:schemeClr val="tx1"/>
+            </a:solidFill>
+          </a:ln>
+        </p:spPr>
+        <p:txBody>
+          <a:bodyPr wrap="square" rtlCol="0">
+            <a:spAutoFit/>
+          </a:bodyPr>
+          <a:lstStyle/>
+          <a:p>
+            <a:pPr>
+              <a:lnSpc>
+                <a:spcPct val="150000"/>
+              </a:lnSpc>
+            </a:pPr>
+            <a:r>
+              <a:rPr lang="en-US" altLang="ko-KR" sz="1400" b="1" dirty="0"/>
+              <a:t> </a:t>
+            </a:r>
+          </a:p>
+          <a:p>
+            <a:pPr marL="285750" indent="-285750">
+              <a:lnSpc>
+                <a:spcPct val="150000"/>
+              </a:lnSpc>
+              <a:buFontTx/>
+              <a:buChar char="-"/>
+            </a:pPr>
+            <a:r>
+              <a:rPr lang="ko-KR" altLang="en-US" sz="1400" b="1" dirty="0"/>
+              <a:t>키가 중복되는 경우 </a:t>
+            </a:r>
+            <a:r>
+              <a:rPr lang="en-US" altLang="ko-KR" sz="1400" b="1" dirty="0" err="1"/>
+              <a:t>ArgumentException</a:t>
+            </a:r>
+            <a:r>
+              <a:rPr lang="en-US" altLang="ko-KR" sz="1400" b="1" dirty="0"/>
+              <a:t> </a:t>
+            </a:r>
+            <a:r>
+              <a:rPr lang="ko-KR" altLang="en-US" sz="1400" b="1" dirty="0"/>
+              <a:t>발생</a:t>
+            </a:r>
+            <a:endParaRPr lang="en-US" altLang="ko-KR" sz="1400" b="1" dirty="0"/>
+          </a:p>
+          <a:p>
+            <a:pPr marL="285750" indent="-285750">
+              <a:lnSpc>
+                <a:spcPct val="150000"/>
+              </a:lnSpc>
+              <a:buFontTx/>
+              <a:buChar char="-"/>
+            </a:pPr>
+            <a:r>
+              <a:rPr lang="ko-KR" altLang="en-US" sz="1400" b="1" dirty="0"/>
+              <a:t>키 값도 내부적으로 보관하고 있기 때문에 메모리 낭비</a:t>
+            </a:r>
+            <a:endParaRPr lang="en-US" altLang="ko-KR" sz="1400" b="1" dirty="0"/>
+          </a:p>
+          <a:p>
+            <a:pPr marL="285750" indent="-285750">
+              <a:lnSpc>
+                <a:spcPct val="150000"/>
+              </a:lnSpc>
+              <a:buFontTx/>
+              <a:buChar char="-"/>
+            </a:pPr>
+            <a:r>
+              <a:rPr lang="ko-KR" altLang="en-US" sz="1400" b="1" dirty="0"/>
+              <a:t>키</a:t>
+            </a:r>
+            <a:r>
+              <a:rPr lang="en-US" altLang="ko-KR" sz="1400" b="1" dirty="0"/>
+              <a:t>, </a:t>
+            </a:r>
+            <a:r>
+              <a:rPr lang="ko-KR" altLang="en-US" sz="1400" b="1" dirty="0"/>
+              <a:t>값 모두 </a:t>
+            </a:r>
+            <a:r>
+              <a:rPr lang="en-US" altLang="ko-KR" sz="1400" b="1" dirty="0"/>
+              <a:t>Object </a:t>
+            </a:r>
+            <a:r>
+              <a:rPr lang="ko-KR" altLang="en-US" sz="1400" b="1" dirty="0"/>
+              <a:t>타입이기 때문에 </a:t>
+            </a:r>
+            <a:r>
+              <a:rPr lang="ko-KR" altLang="en-US" sz="1400" b="1" dirty="0" err="1"/>
+              <a:t>박싱</a:t>
+            </a:r>
+            <a:r>
+              <a:rPr lang="ko-KR" altLang="en-US" sz="1400" b="1" dirty="0"/>
+              <a:t> 문제가 발생</a:t>
+            </a:r>
+            <a:endParaRPr lang="en-US" altLang="ko-KR" sz="1400" b="1" dirty="0"/>
+          </a:p>
+          <a:p>
+            <a:pPr marL="285750" indent="-285750">
+              <a:lnSpc>
+                <a:spcPct val="150000"/>
+              </a:lnSpc>
+              <a:buFontTx/>
+              <a:buChar char="-"/>
+            </a:pPr>
+            <a:endParaRPr lang="en-US" altLang="ko-KR" sz="1400" b="1" dirty="0"/>
+          </a:p>
+          <a:p>
+            <a:pPr marL="285750" indent="-285750">
+              <a:lnSpc>
+                <a:spcPct val="150000"/>
+              </a:lnSpc>
+              <a:buFontTx/>
+              <a:buChar char="-"/>
+            </a:pPr>
+            <a:endParaRPr lang="en-US" altLang="ko-KR" sz="1400" b="1" dirty="0"/>
+          </a:p>
+          <a:p>
+            <a:pPr marL="285750" indent="-285750">
+              <a:lnSpc>
+                <a:spcPct val="150000"/>
+              </a:lnSpc>
+              <a:buFontTx/>
+              <a:buChar char="-"/>
+            </a:pPr>
+            <a:endParaRPr lang="en-US" altLang="ko-KR" sz="1400" b="1" dirty="0"/>
+          </a:p>
+          <a:p>
+            <a:pPr marL="285750" indent="-285750">
+              <a:lnSpc>
+                <a:spcPct val="150000"/>
+              </a:lnSpc>
+              <a:buFontTx/>
+              <a:buChar char="-"/>
+            </a:pPr>
+            <a:endParaRPr lang="en-US" altLang="ko-KR" sz="1400" b="1" dirty="0"/>
+          </a:p>
+          <a:p>
+            <a:pPr marL="285750" indent="-285750">
+              <a:lnSpc>
+                <a:spcPct val="150000"/>
+              </a:lnSpc>
+              <a:buFontTx/>
+              <a:buChar char="-"/>
+            </a:pPr>
+            <a:endParaRPr lang="en-US" altLang="ko-KR" sz="1400" b="1" dirty="0"/>
+          </a:p>
+          <a:p>
+            <a:pPr marL="285750" indent="-285750">
+              <a:lnSpc>
+                <a:spcPct val="150000"/>
+              </a:lnSpc>
+              <a:buFontTx/>
+              <a:buChar char="-"/>
+            </a:pPr>
+            <a:endParaRPr lang="en-US" altLang="ko-KR" sz="1400" b="1" dirty="0"/>
+          </a:p>
+          <a:p>
+            <a:pPr>
+              <a:lnSpc>
+                <a:spcPct val="150000"/>
+              </a:lnSpc>
+            </a:pPr>
+            <a:endParaRPr lang="en-US" altLang="ko-KR" sz="1400" b="1" dirty="0"/>
+          </a:p>
+          <a:p>
+            <a:pPr>
+              <a:lnSpc>
+                <a:spcPct val="150000"/>
+              </a:lnSpc>
+            </a:pPr>
+            <a:endParaRPr lang="en-US" altLang="ko-KR" sz="1400" b="1" dirty="0"/>
+          </a:p>
+          <a:p>
+            <a:pPr>
+              <a:lnSpc>
+                <a:spcPct val="150000"/>
+              </a:lnSpc>
+            </a:pPr>
+            <a:endParaRPr lang="en-US" altLang="ko-KR" sz="1400" b="1"/>
+          </a:p>
+          <a:p>
+            <a:pPr>
+              <a:lnSpc>
+                <a:spcPct val="150000"/>
+              </a:lnSpc>
+            </a:pPr>
+            <a:endParaRPr lang="en-US" altLang="ko-KR" sz="1400" b="1" dirty="0"/>
+          </a:p>
+        </p:txBody>
+      </p:sp>
+    </p:spTree>
+    <p:extLst>
+      <p:ext uri="{BB962C8B-B14F-4D97-AF65-F5344CB8AC3E}">
+        <p14:creationId xmlns:p14="http://schemas.microsoft.com/office/powerpoint/2010/main" val="4107205014"/>
       </p:ext>
     </p:extLst>
   </p:cSld>
@@ -19747,6 +20901,708 @@
     <p:extLst>
       <p:ext uri="{BB962C8B-B14F-4D97-AF65-F5344CB8AC3E}">
         <p14:creationId xmlns:p14="http://schemas.microsoft.com/office/powerpoint/2010/main" val="1805306875"/>
+      </p:ext>
+    </p:extLst>
+  </p:cSld>
+  <p:clrMapOvr>
+    <a:masterClrMapping/>
+  </p:clrMapOvr>
+</p:sld>
+</file>
+
+<file path=ppt/slides/slide30.xml><?xml version="1.0" encoding="utf-8"?>
+<p:sld xmlns:a="http://schemas.openxmlformats.org/drawingml/2006/main" xmlns:r="http://schemas.openxmlformats.org/officeDocument/2006/relationships" xmlns:p="http://schemas.openxmlformats.org/presentationml/2006/main">
+  <p:cSld>
+    <p:spTree>
+      <p:nvGrpSpPr>
+        <p:cNvPr id="1" name=""/>
+        <p:cNvGrpSpPr/>
+        <p:nvPr/>
+      </p:nvGrpSpPr>
+      <p:grpSpPr>
+        <a:xfrm>
+          <a:off x="0" y="0"/>
+          <a:ext cx="0" cy="0"/>
+          <a:chOff x="0" y="0"/>
+          <a:chExt cx="0" cy="0"/>
+        </a:xfrm>
+      </p:grpSpPr>
+      <p:sp>
+        <p:nvSpPr>
+          <p:cNvPr id="2" name="제목 1"/>
+          <p:cNvSpPr>
+            <a:spLocks noGrp="1"/>
+          </p:cNvSpPr>
+          <p:nvPr>
+            <p:ph type="title"/>
+          </p:nvPr>
+        </p:nvSpPr>
+        <p:spPr/>
+        <p:txBody>
+          <a:bodyPr/>
+          <a:lstStyle/>
+          <a:p>
+            <a:r>
+              <a:rPr lang="en-US" altLang="ko-KR" dirty="0"/>
+              <a:t>Base</a:t>
+            </a:r>
+            <a:r>
+              <a:rPr lang="ko-KR" altLang="en-US" dirty="0"/>
+              <a:t> </a:t>
+            </a:r>
+            <a:r>
+              <a:rPr lang="en-US" altLang="ko-KR" dirty="0"/>
+              <a:t>Class Library</a:t>
+            </a:r>
+            <a:endParaRPr lang="ko-KR" altLang="en-US" dirty="0"/>
+          </a:p>
+        </p:txBody>
+      </p:sp>
+      <p:sp>
+        <p:nvSpPr>
+          <p:cNvPr id="3" name="텍스트 개체 틀 2"/>
+          <p:cNvSpPr>
+            <a:spLocks noGrp="1"/>
+          </p:cNvSpPr>
+          <p:nvPr>
+            <p:ph type="body" sz="quarter" idx="12"/>
+          </p:nvPr>
+        </p:nvSpPr>
+        <p:spPr/>
+        <p:txBody>
+          <a:bodyPr/>
+          <a:lstStyle/>
+          <a:p>
+            <a:r>
+              <a:rPr lang="ko-KR" altLang="en-US" dirty="0"/>
+              <a:t>이바우</a:t>
+            </a:r>
+          </a:p>
+        </p:txBody>
+      </p:sp>
+      <p:sp>
+        <p:nvSpPr>
+          <p:cNvPr id="4" name="TextBox 3">
+            <a:extLst>
+              <a:ext uri="{FF2B5EF4-FFF2-40B4-BE49-F238E27FC236}">
+                <a16:creationId xmlns:a16="http://schemas.microsoft.com/office/drawing/2014/main" id="{63CD2FF7-E5C7-4CC9-84B6-B2295EAC55C0}"/>
+              </a:ext>
+            </a:extLst>
+          </p:cNvPr>
+          <p:cNvSpPr txBox="1"/>
+          <p:nvPr/>
+        </p:nvSpPr>
+        <p:spPr>
+          <a:xfrm>
+            <a:off x="416496" y="836712"/>
+            <a:ext cx="2681311" cy="373885"/>
+          </a:xfrm>
+          <a:prstGeom prst="rect">
+            <a:avLst/>
+          </a:prstGeom>
+          <a:ln w="28575">
+            <a:solidFill>
+              <a:schemeClr val="tx1"/>
+            </a:solidFill>
+          </a:ln>
+        </p:spPr>
+        <p:txBody>
+          <a:bodyPr wrap="none" rtlCol="0">
+            <a:spAutoFit/>
+          </a:bodyPr>
+          <a:lstStyle/>
+          <a:p>
+            <a:pPr>
+              <a:lnSpc>
+                <a:spcPct val="150000"/>
+              </a:lnSpc>
+            </a:pPr>
+            <a:r>
+              <a:rPr lang="en-US" altLang="ko-KR" sz="1400" b="1" dirty="0" err="1"/>
+              <a:t>System.Collections.SortedList</a:t>
+            </a:r>
+            <a:endParaRPr lang="en-US" altLang="ko-KR" sz="1400" b="1" dirty="0"/>
+          </a:p>
+        </p:txBody>
+      </p:sp>
+      <p:sp>
+        <p:nvSpPr>
+          <p:cNvPr id="5" name="TextBox 4">
+            <a:extLst>
+              <a:ext uri="{FF2B5EF4-FFF2-40B4-BE49-F238E27FC236}">
+                <a16:creationId xmlns:a16="http://schemas.microsoft.com/office/drawing/2014/main" id="{3E380147-310D-4726-B4FD-EA889EB13697}"/>
+              </a:ext>
+            </a:extLst>
+          </p:cNvPr>
+          <p:cNvSpPr txBox="1"/>
+          <p:nvPr/>
+        </p:nvSpPr>
+        <p:spPr>
+          <a:xfrm>
+            <a:off x="416496" y="1205644"/>
+            <a:ext cx="9073008" cy="1989712"/>
+          </a:xfrm>
+          <a:prstGeom prst="rect">
+            <a:avLst/>
+          </a:prstGeom>
+          <a:ln w="28575">
+            <a:solidFill>
+              <a:schemeClr val="tx1"/>
+            </a:solidFill>
+          </a:ln>
+        </p:spPr>
+        <p:txBody>
+          <a:bodyPr wrap="square" rtlCol="0">
+            <a:spAutoFit/>
+          </a:bodyPr>
+          <a:lstStyle/>
+          <a:p>
+            <a:pPr>
+              <a:lnSpc>
+                <a:spcPct val="150000"/>
+              </a:lnSpc>
+            </a:pPr>
+            <a:r>
+              <a:rPr lang="en-US" altLang="ko-KR" sz="1400" b="1" dirty="0"/>
+              <a:t> </a:t>
+            </a:r>
+          </a:p>
+          <a:p>
+            <a:pPr marL="285750" indent="-285750">
+              <a:lnSpc>
+                <a:spcPct val="150000"/>
+              </a:lnSpc>
+              <a:buFontTx/>
+              <a:buChar char="-"/>
+            </a:pPr>
+            <a:r>
+              <a:rPr lang="en-US" altLang="ko-KR" sz="1400" b="1" dirty="0" err="1"/>
+              <a:t>Hashtablet</a:t>
+            </a:r>
+            <a:r>
+              <a:rPr lang="ko-KR" altLang="en-US" sz="1400" b="1" dirty="0"/>
+              <a:t>타입과 사용법이 유사</a:t>
+            </a:r>
+            <a:endParaRPr lang="en-US" altLang="ko-KR" sz="1400" b="1" dirty="0"/>
+          </a:p>
+          <a:p>
+            <a:pPr marL="285750" indent="-285750">
+              <a:lnSpc>
+                <a:spcPct val="150000"/>
+              </a:lnSpc>
+              <a:buFontTx/>
+              <a:buChar char="-"/>
+            </a:pPr>
+            <a:r>
+              <a:rPr lang="en-US" altLang="ko-KR" sz="1400" b="1" dirty="0" err="1"/>
+              <a:t>SortedList</a:t>
+            </a:r>
+            <a:r>
+              <a:rPr lang="ko-KR" altLang="en-US" sz="1400" b="1" dirty="0"/>
+              <a:t>의 키는 그 자체가 정렬되어 값의 순서에 영향을 준다</a:t>
+            </a:r>
+            <a:r>
+              <a:rPr lang="en-US" altLang="ko-KR" sz="1400" b="1" dirty="0"/>
+              <a:t>.</a:t>
+            </a:r>
+          </a:p>
+          <a:p>
+            <a:pPr marL="285750" indent="-285750">
+              <a:lnSpc>
+                <a:spcPct val="150000"/>
+              </a:lnSpc>
+              <a:buFontTx/>
+              <a:buChar char="-"/>
+            </a:pPr>
+            <a:r>
+              <a:rPr lang="en-US" altLang="ko-KR" sz="1400" b="1" dirty="0" err="1"/>
+              <a:t>Hashtable</a:t>
+            </a:r>
+            <a:r>
+              <a:rPr lang="ko-KR" altLang="en-US" sz="1400" b="1" dirty="0"/>
+              <a:t>과 마찬가지로 키 값이 중복되는 경우 예외 발생</a:t>
+            </a:r>
+            <a:endParaRPr lang="en-US" altLang="ko-KR" sz="1400" b="1" dirty="0"/>
+          </a:p>
+          <a:p>
+            <a:pPr>
+              <a:lnSpc>
+                <a:spcPct val="150000"/>
+              </a:lnSpc>
+            </a:pPr>
+            <a:endParaRPr lang="en-US" altLang="ko-KR" sz="1400" b="1" dirty="0"/>
+          </a:p>
+          <a:p>
+            <a:pPr marL="285750" indent="-285750">
+              <a:lnSpc>
+                <a:spcPct val="150000"/>
+              </a:lnSpc>
+              <a:buFontTx/>
+              <a:buChar char="-"/>
+            </a:pPr>
+            <a:r>
+              <a:rPr lang="ko-KR" altLang="en-US" sz="1400" b="1" dirty="0"/>
+              <a:t>키 값을 정렬하여 추가 하기 때문에 많은 데이터 추가 시 속도저하 발생</a:t>
+            </a:r>
+            <a:r>
+              <a:rPr lang="en-US" altLang="ko-KR" sz="1400" b="1" dirty="0"/>
+              <a:t>!</a:t>
+            </a:r>
+          </a:p>
+        </p:txBody>
+      </p:sp>
+    </p:spTree>
+    <p:extLst>
+      <p:ext uri="{BB962C8B-B14F-4D97-AF65-F5344CB8AC3E}">
+        <p14:creationId xmlns:p14="http://schemas.microsoft.com/office/powerpoint/2010/main" val="1888997288"/>
+      </p:ext>
+    </p:extLst>
+  </p:cSld>
+  <p:clrMapOvr>
+    <a:masterClrMapping/>
+  </p:clrMapOvr>
+</p:sld>
+</file>
+
+<file path=ppt/slides/slide31.xml><?xml version="1.0" encoding="utf-8"?>
+<p:sld xmlns:a="http://schemas.openxmlformats.org/drawingml/2006/main" xmlns:r="http://schemas.openxmlformats.org/officeDocument/2006/relationships" xmlns:p="http://schemas.openxmlformats.org/presentationml/2006/main">
+  <p:cSld>
+    <p:spTree>
+      <p:nvGrpSpPr>
+        <p:cNvPr id="1" name=""/>
+        <p:cNvGrpSpPr/>
+        <p:nvPr/>
+      </p:nvGrpSpPr>
+      <p:grpSpPr>
+        <a:xfrm>
+          <a:off x="0" y="0"/>
+          <a:ext cx="0" cy="0"/>
+          <a:chOff x="0" y="0"/>
+          <a:chExt cx="0" cy="0"/>
+        </a:xfrm>
+      </p:grpSpPr>
+      <p:sp>
+        <p:nvSpPr>
+          <p:cNvPr id="2" name="제목 1"/>
+          <p:cNvSpPr>
+            <a:spLocks noGrp="1"/>
+          </p:cNvSpPr>
+          <p:nvPr>
+            <p:ph type="title"/>
+          </p:nvPr>
+        </p:nvSpPr>
+        <p:spPr/>
+        <p:txBody>
+          <a:bodyPr/>
+          <a:lstStyle/>
+          <a:p>
+            <a:r>
+              <a:rPr lang="en-US" altLang="ko-KR" dirty="0"/>
+              <a:t>Base</a:t>
+            </a:r>
+            <a:r>
+              <a:rPr lang="ko-KR" altLang="en-US" dirty="0"/>
+              <a:t> </a:t>
+            </a:r>
+            <a:r>
+              <a:rPr lang="en-US" altLang="ko-KR" dirty="0"/>
+              <a:t>Class Library</a:t>
+            </a:r>
+            <a:endParaRPr lang="ko-KR" altLang="en-US" dirty="0"/>
+          </a:p>
+        </p:txBody>
+      </p:sp>
+      <p:sp>
+        <p:nvSpPr>
+          <p:cNvPr id="3" name="텍스트 개체 틀 2"/>
+          <p:cNvSpPr>
+            <a:spLocks noGrp="1"/>
+          </p:cNvSpPr>
+          <p:nvPr>
+            <p:ph type="body" sz="quarter" idx="12"/>
+          </p:nvPr>
+        </p:nvSpPr>
+        <p:spPr/>
+        <p:txBody>
+          <a:bodyPr/>
+          <a:lstStyle/>
+          <a:p>
+            <a:r>
+              <a:rPr lang="ko-KR" altLang="en-US" dirty="0"/>
+              <a:t>이바우</a:t>
+            </a:r>
+          </a:p>
+        </p:txBody>
+      </p:sp>
+      <p:sp>
+        <p:nvSpPr>
+          <p:cNvPr id="4" name="TextBox 3">
+            <a:extLst>
+              <a:ext uri="{FF2B5EF4-FFF2-40B4-BE49-F238E27FC236}">
+                <a16:creationId xmlns:a16="http://schemas.microsoft.com/office/drawing/2014/main" id="{63CD2FF7-E5C7-4CC9-84B6-B2295EAC55C0}"/>
+              </a:ext>
+            </a:extLst>
+          </p:cNvPr>
+          <p:cNvSpPr txBox="1"/>
+          <p:nvPr/>
+        </p:nvSpPr>
+        <p:spPr>
+          <a:xfrm>
+            <a:off x="416496" y="836712"/>
+            <a:ext cx="2270814" cy="373885"/>
+          </a:xfrm>
+          <a:prstGeom prst="rect">
+            <a:avLst/>
+          </a:prstGeom>
+          <a:ln w="28575">
+            <a:solidFill>
+              <a:schemeClr val="tx1"/>
+            </a:solidFill>
+          </a:ln>
+        </p:spPr>
+        <p:txBody>
+          <a:bodyPr wrap="none" rtlCol="0">
+            <a:spAutoFit/>
+          </a:bodyPr>
+          <a:lstStyle/>
+          <a:p>
+            <a:pPr>
+              <a:lnSpc>
+                <a:spcPct val="150000"/>
+              </a:lnSpc>
+            </a:pPr>
+            <a:r>
+              <a:rPr lang="en-US" altLang="ko-KR" sz="1400" b="1" dirty="0" err="1"/>
+              <a:t>System.Collections.Stack</a:t>
+            </a:r>
+            <a:endParaRPr lang="en-US" altLang="ko-KR" sz="1400" b="1" dirty="0"/>
+          </a:p>
+        </p:txBody>
+      </p:sp>
+      <p:sp>
+        <p:nvSpPr>
+          <p:cNvPr id="5" name="TextBox 4">
+            <a:extLst>
+              <a:ext uri="{FF2B5EF4-FFF2-40B4-BE49-F238E27FC236}">
+                <a16:creationId xmlns:a16="http://schemas.microsoft.com/office/drawing/2014/main" id="{3E380147-310D-4726-B4FD-EA889EB13697}"/>
+              </a:ext>
+            </a:extLst>
+          </p:cNvPr>
+          <p:cNvSpPr txBox="1"/>
+          <p:nvPr/>
+        </p:nvSpPr>
+        <p:spPr>
+          <a:xfrm>
+            <a:off x="416496" y="1205644"/>
+            <a:ext cx="9073008" cy="1343381"/>
+          </a:xfrm>
+          <a:prstGeom prst="rect">
+            <a:avLst/>
+          </a:prstGeom>
+          <a:ln w="28575">
+            <a:solidFill>
+              <a:schemeClr val="tx1"/>
+            </a:solidFill>
+          </a:ln>
+        </p:spPr>
+        <p:txBody>
+          <a:bodyPr wrap="square" rtlCol="0">
+            <a:spAutoFit/>
+          </a:bodyPr>
+          <a:lstStyle/>
+          <a:p>
+            <a:pPr>
+              <a:lnSpc>
+                <a:spcPct val="150000"/>
+              </a:lnSpc>
+            </a:pPr>
+            <a:r>
+              <a:rPr lang="en-US" altLang="ko-KR" sz="1400" b="1" dirty="0"/>
+              <a:t> </a:t>
+            </a:r>
+          </a:p>
+          <a:p>
+            <a:pPr marL="285750" indent="-285750">
+              <a:lnSpc>
+                <a:spcPct val="150000"/>
+              </a:lnSpc>
+              <a:buFontTx/>
+              <a:buChar char="-"/>
+            </a:pPr>
+            <a:r>
+              <a:rPr lang="ko-KR" altLang="en-US" sz="1400" b="1" dirty="0"/>
+              <a:t>자료구조의</a:t>
+            </a:r>
+            <a:r>
+              <a:rPr lang="en-US" altLang="ko-KR" sz="1400" b="1" dirty="0"/>
+              <a:t> </a:t>
+            </a:r>
+            <a:r>
+              <a:rPr lang="ko-KR" altLang="en-US" sz="1400" b="1" dirty="0"/>
+              <a:t>스택을 그대로 구현</a:t>
+            </a:r>
+            <a:endParaRPr lang="en-US" altLang="ko-KR" sz="1400" b="1" dirty="0"/>
+          </a:p>
+          <a:p>
+            <a:pPr marL="285750" indent="-285750">
+              <a:lnSpc>
+                <a:spcPct val="150000"/>
+              </a:lnSpc>
+              <a:buFontTx/>
+              <a:buChar char="-"/>
+            </a:pPr>
+            <a:r>
+              <a:rPr lang="ko-KR" altLang="en-US" sz="1400" b="1" dirty="0" err="1"/>
+              <a:t>선입후출</a:t>
+            </a:r>
+            <a:r>
+              <a:rPr lang="en-US" altLang="ko-KR" sz="1400" b="1" dirty="0"/>
+              <a:t>(FILO: First-In Last-Out)</a:t>
+            </a:r>
+            <a:r>
+              <a:rPr lang="ko-KR" altLang="en-US" sz="1400" b="1" dirty="0"/>
+              <a:t> 먼저 넣은 데이터는 가장 나중에 나옴</a:t>
+            </a:r>
+            <a:endParaRPr lang="en-US" altLang="ko-KR" sz="1400" b="1" dirty="0"/>
+          </a:p>
+          <a:p>
+            <a:pPr>
+              <a:lnSpc>
+                <a:spcPct val="150000"/>
+              </a:lnSpc>
+            </a:pPr>
+            <a:endParaRPr lang="en-US" altLang="ko-KR" sz="1400" b="1" dirty="0"/>
+          </a:p>
+        </p:txBody>
+      </p:sp>
+    </p:spTree>
+    <p:extLst>
+      <p:ext uri="{BB962C8B-B14F-4D97-AF65-F5344CB8AC3E}">
+        <p14:creationId xmlns:p14="http://schemas.microsoft.com/office/powerpoint/2010/main" val="2715472383"/>
+      </p:ext>
+    </p:extLst>
+  </p:cSld>
+  <p:clrMapOvr>
+    <a:masterClrMapping/>
+  </p:clrMapOvr>
+</p:sld>
+</file>
+
+<file path=ppt/slides/slide32.xml><?xml version="1.0" encoding="utf-8"?>
+<p:sld xmlns:a="http://schemas.openxmlformats.org/drawingml/2006/main" xmlns:r="http://schemas.openxmlformats.org/officeDocument/2006/relationships" xmlns:p="http://schemas.openxmlformats.org/presentationml/2006/main">
+  <p:cSld>
+    <p:spTree>
+      <p:nvGrpSpPr>
+        <p:cNvPr id="1" name=""/>
+        <p:cNvGrpSpPr/>
+        <p:nvPr/>
+      </p:nvGrpSpPr>
+      <p:grpSpPr>
+        <a:xfrm>
+          <a:off x="0" y="0"/>
+          <a:ext cx="0" cy="0"/>
+          <a:chOff x="0" y="0"/>
+          <a:chExt cx="0" cy="0"/>
+        </a:xfrm>
+      </p:grpSpPr>
+      <p:sp>
+        <p:nvSpPr>
+          <p:cNvPr id="2" name="제목 1"/>
+          <p:cNvSpPr>
+            <a:spLocks noGrp="1"/>
+          </p:cNvSpPr>
+          <p:nvPr>
+            <p:ph type="title"/>
+          </p:nvPr>
+        </p:nvSpPr>
+        <p:spPr/>
+        <p:txBody>
+          <a:bodyPr/>
+          <a:lstStyle/>
+          <a:p>
+            <a:r>
+              <a:rPr lang="en-US" altLang="ko-KR" dirty="0"/>
+              <a:t>Base</a:t>
+            </a:r>
+            <a:r>
+              <a:rPr lang="ko-KR" altLang="en-US" dirty="0"/>
+              <a:t> </a:t>
+            </a:r>
+            <a:r>
+              <a:rPr lang="en-US" altLang="ko-KR" dirty="0"/>
+              <a:t>Class Library</a:t>
+            </a:r>
+            <a:endParaRPr lang="ko-KR" altLang="en-US" dirty="0"/>
+          </a:p>
+        </p:txBody>
+      </p:sp>
+      <p:sp>
+        <p:nvSpPr>
+          <p:cNvPr id="3" name="텍스트 개체 틀 2"/>
+          <p:cNvSpPr>
+            <a:spLocks noGrp="1"/>
+          </p:cNvSpPr>
+          <p:nvPr>
+            <p:ph type="body" sz="quarter" idx="12"/>
+          </p:nvPr>
+        </p:nvSpPr>
+        <p:spPr/>
+        <p:txBody>
+          <a:bodyPr/>
+          <a:lstStyle/>
+          <a:p>
+            <a:r>
+              <a:rPr lang="ko-KR" altLang="en-US" dirty="0"/>
+              <a:t>이바우</a:t>
+            </a:r>
+          </a:p>
+        </p:txBody>
+      </p:sp>
+      <p:sp>
+        <p:nvSpPr>
+          <p:cNvPr id="4" name="TextBox 3">
+            <a:extLst>
+              <a:ext uri="{FF2B5EF4-FFF2-40B4-BE49-F238E27FC236}">
+                <a16:creationId xmlns:a16="http://schemas.microsoft.com/office/drawing/2014/main" id="{63CD2FF7-E5C7-4CC9-84B6-B2295EAC55C0}"/>
+              </a:ext>
+            </a:extLst>
+          </p:cNvPr>
+          <p:cNvSpPr txBox="1"/>
+          <p:nvPr/>
+        </p:nvSpPr>
+        <p:spPr>
+          <a:xfrm>
+            <a:off x="416496" y="836712"/>
+            <a:ext cx="2376805" cy="373885"/>
+          </a:xfrm>
+          <a:prstGeom prst="rect">
+            <a:avLst/>
+          </a:prstGeom>
+          <a:ln w="28575">
+            <a:solidFill>
+              <a:schemeClr val="tx1"/>
+            </a:solidFill>
+          </a:ln>
+        </p:spPr>
+        <p:txBody>
+          <a:bodyPr wrap="none" rtlCol="0">
+            <a:spAutoFit/>
+          </a:bodyPr>
+          <a:lstStyle/>
+          <a:p>
+            <a:pPr>
+              <a:lnSpc>
+                <a:spcPct val="150000"/>
+              </a:lnSpc>
+            </a:pPr>
+            <a:r>
+              <a:rPr lang="en-US" altLang="ko-KR" sz="1400" b="1" dirty="0" err="1"/>
+              <a:t>System.Collections.Queue</a:t>
+            </a:r>
+            <a:endParaRPr lang="en-US" altLang="ko-KR" sz="1400" b="1" dirty="0"/>
+          </a:p>
+        </p:txBody>
+      </p:sp>
+      <p:sp>
+        <p:nvSpPr>
+          <p:cNvPr id="5" name="TextBox 4">
+            <a:extLst>
+              <a:ext uri="{FF2B5EF4-FFF2-40B4-BE49-F238E27FC236}">
+                <a16:creationId xmlns:a16="http://schemas.microsoft.com/office/drawing/2014/main" id="{3E380147-310D-4726-B4FD-EA889EB13697}"/>
+              </a:ext>
+            </a:extLst>
+          </p:cNvPr>
+          <p:cNvSpPr txBox="1"/>
+          <p:nvPr/>
+        </p:nvSpPr>
+        <p:spPr>
+          <a:xfrm>
+            <a:off x="416496" y="1205644"/>
+            <a:ext cx="9073008" cy="1343381"/>
+          </a:xfrm>
+          <a:prstGeom prst="rect">
+            <a:avLst/>
+          </a:prstGeom>
+          <a:ln w="28575">
+            <a:solidFill>
+              <a:schemeClr val="tx1"/>
+            </a:solidFill>
+          </a:ln>
+        </p:spPr>
+        <p:txBody>
+          <a:bodyPr wrap="square" rtlCol="0">
+            <a:spAutoFit/>
+          </a:bodyPr>
+          <a:lstStyle/>
+          <a:p>
+            <a:pPr>
+              <a:lnSpc>
+                <a:spcPct val="150000"/>
+              </a:lnSpc>
+            </a:pPr>
+            <a:r>
+              <a:rPr lang="en-US" altLang="ko-KR" sz="1400" b="1" dirty="0"/>
+              <a:t> </a:t>
+            </a:r>
+          </a:p>
+          <a:p>
+            <a:pPr marL="285750" indent="-285750">
+              <a:lnSpc>
+                <a:spcPct val="150000"/>
+              </a:lnSpc>
+              <a:buFontTx/>
+              <a:buChar char="-"/>
+            </a:pPr>
+            <a:r>
+              <a:rPr lang="ko-KR" altLang="en-US" sz="1400" b="1" dirty="0"/>
+              <a:t>자료구조의</a:t>
+            </a:r>
+            <a:r>
+              <a:rPr lang="en-US" altLang="ko-KR" sz="1400" b="1" dirty="0"/>
+              <a:t> </a:t>
+            </a:r>
+            <a:r>
+              <a:rPr lang="ko-KR" altLang="en-US" sz="1400" b="1" dirty="0"/>
+              <a:t>큐를 그대로 구현</a:t>
+            </a:r>
+            <a:endParaRPr lang="en-US" altLang="ko-KR" sz="1400" b="1" dirty="0"/>
+          </a:p>
+          <a:p>
+            <a:pPr marL="285750" indent="-285750">
+              <a:lnSpc>
+                <a:spcPct val="150000"/>
+              </a:lnSpc>
+              <a:buFontTx/>
+              <a:buChar char="-"/>
+            </a:pPr>
+            <a:r>
+              <a:rPr lang="ko-KR" altLang="en-US" sz="1400" b="1" dirty="0"/>
+              <a:t>선입선출</a:t>
+            </a:r>
+            <a:r>
+              <a:rPr lang="en-US" altLang="ko-KR" sz="1400" b="1" dirty="0"/>
+              <a:t>(FIFO: First-In First-Out)</a:t>
+            </a:r>
+            <a:r>
+              <a:rPr lang="ko-KR" altLang="en-US" sz="1400" b="1" dirty="0"/>
+              <a:t> 먼저 넣은 가장 먼저 나옴</a:t>
+            </a:r>
+            <a:endParaRPr lang="en-US" altLang="ko-KR" sz="1400" b="1" dirty="0"/>
+          </a:p>
+          <a:p>
+            <a:pPr>
+              <a:lnSpc>
+                <a:spcPct val="150000"/>
+              </a:lnSpc>
+            </a:pPr>
+            <a:endParaRPr lang="en-US" altLang="ko-KR" sz="1400" b="1" dirty="0"/>
+          </a:p>
+        </p:txBody>
+      </p:sp>
+    </p:spTree>
+    <p:extLst>
+      <p:ext uri="{BB962C8B-B14F-4D97-AF65-F5344CB8AC3E}">
+        <p14:creationId xmlns:p14="http://schemas.microsoft.com/office/powerpoint/2010/main" val="558980854"/>
       </p:ext>
     </p:extLst>
   </p:cSld>
@@ -22428,9 +24284,12 @@
 </file>
 
 <file path=customXml/item1.xml><?xml version="1.0" encoding="utf-8"?>
-<p:properties xmlns:p="http://schemas.microsoft.com/office/2006/metadata/properties" xmlns:xsi="http://www.w3.org/2001/XMLSchema-instance" xmlns:pc="http://schemas.microsoft.com/office/infopath/2007/PartnerControls">
-  <documentManagement/>
-</p:properties>
+<?mso-contentType ?>
+<FormTemplates xmlns="http://schemas.microsoft.com/sharepoint/v3/contenttype/forms">
+  <Display>DocumentLibraryForm</Display>
+  <Edit>DocumentLibraryForm</Edit>
+  <New>DocumentLibraryForm</New>
+</FormTemplates>
 </file>
 
 <file path=customXml/item2.xml><?xml version="1.0" encoding="utf-8"?>
@@ -22548,25 +24407,15 @@
 </file>
 
 <file path=customXml/item3.xml><?xml version="1.0" encoding="utf-8"?>
-<?mso-contentType ?>
-<FormTemplates xmlns="http://schemas.microsoft.com/sharepoint/v3/contenttype/forms">
-  <Display>DocumentLibraryForm</Display>
-  <Edit>DocumentLibraryForm</Edit>
-  <New>DocumentLibraryForm</New>
-</FormTemplates>
+<p:properties xmlns:p="http://schemas.microsoft.com/office/2006/metadata/properties" xmlns:xsi="http://www.w3.org/2001/XMLSchema-instance" xmlns:pc="http://schemas.microsoft.com/office/infopath/2007/PartnerControls">
+  <documentManagement/>
+</p:properties>
 </file>
 
 <file path=customXml/itemProps1.xml><?xml version="1.0" encoding="utf-8"?>
-<ds:datastoreItem xmlns:ds="http://schemas.openxmlformats.org/officeDocument/2006/customXml" ds:itemID="{F690C689-3919-4FAB-A032-F7730DDB613A}">
+<ds:datastoreItem xmlns:ds="http://schemas.openxmlformats.org/officeDocument/2006/customXml" ds:itemID="{DB0449EB-AB12-46ED-B1D5-5ADE30ED81CF}">
   <ds:schemaRefs>
-    <ds:schemaRef ds:uri="http://purl.org/dc/elements/1.1/"/>
-    <ds:schemaRef ds:uri="http://schemas.microsoft.com/office/2006/documentManagement/types"/>
-    <ds:schemaRef ds:uri="http://schemas.microsoft.com/office/infopath/2007/PartnerControls"/>
-    <ds:schemaRef ds:uri="http://schemas.microsoft.com/office/2006/metadata/properties"/>
-    <ds:schemaRef ds:uri="http://purl.org/dc/terms/"/>
-    <ds:schemaRef ds:uri="http://purl.org/dc/dcmitype/"/>
-    <ds:schemaRef ds:uri="http://schemas.openxmlformats.org/package/2006/metadata/core-properties"/>
-    <ds:schemaRef ds:uri="http://www.w3.org/XML/1998/namespace"/>
+    <ds:schemaRef ds:uri="http://schemas.microsoft.com/sharepoint/v3/contenttype/forms"/>
   </ds:schemaRefs>
 </ds:datastoreItem>
 </file>
@@ -22588,9 +24437,16 @@
 </file>
 
 <file path=customXml/itemProps3.xml><?xml version="1.0" encoding="utf-8"?>
-<ds:datastoreItem xmlns:ds="http://schemas.openxmlformats.org/officeDocument/2006/customXml" ds:itemID="{DB0449EB-AB12-46ED-B1D5-5ADE30ED81CF}">
+<ds:datastoreItem xmlns:ds="http://schemas.openxmlformats.org/officeDocument/2006/customXml" ds:itemID="{F690C689-3919-4FAB-A032-F7730DDB613A}">
   <ds:schemaRefs>
-    <ds:schemaRef ds:uri="http://schemas.microsoft.com/sharepoint/v3/contenttype/forms"/>
+    <ds:schemaRef ds:uri="http://purl.org/dc/elements/1.1/"/>
+    <ds:schemaRef ds:uri="http://schemas.microsoft.com/office/2006/documentManagement/types"/>
+    <ds:schemaRef ds:uri="http://schemas.microsoft.com/office/infopath/2007/PartnerControls"/>
+    <ds:schemaRef ds:uri="http://schemas.microsoft.com/office/2006/metadata/properties"/>
+    <ds:schemaRef ds:uri="http://purl.org/dc/terms/"/>
+    <ds:schemaRef ds:uri="http://purl.org/dc/dcmitype/"/>
+    <ds:schemaRef ds:uri="http://schemas.openxmlformats.org/package/2006/metadata/core-properties"/>
+    <ds:schemaRef ds:uri="http://www.w3.org/XML/1998/namespace"/>
   </ds:schemaRefs>
 </ds:datastoreItem>
 </file>
--- a/CSharpStudy.Day20200627/Base Class Library.pptx
+++ b/CSharpStudy.Day20200627/Base Class Library.pptx
@@ -18784,7 +18784,7 @@
                 <a:spcPct val="150000"/>
               </a:lnSpc>
             </a:pPr>
-            <a:endParaRPr lang="en-US" altLang="ko-KR" sz="1400" b="1"/>
+            <a:endParaRPr lang="en-US" altLang="ko-KR" sz="1400" b="1" dirty="0"/>
           </a:p>
           <a:p>
             <a:pPr>
